--- a/lt_presentation/MWLightning.pptx
+++ b/lt_presentation/MWLightning.pptx
@@ -156,8 +156,547 @@
 </p:presentation>
 </file>
 
+<file path=ppt/revisionInfo.xml><?xml version="1.0" encoding="utf-8"?>
+<p1510:revInfo xmlns:a="http://schemas.openxmlformats.org/drawingml/2006/main" xmlns:r="http://schemas.openxmlformats.org/officeDocument/2006/relationships" xmlns:p1510="http://schemas.microsoft.com/office/powerpoint/2015/10/main">
+  <p1510:revLst>
+    <p1510:client id="{802A2429-C045-479A-A95C-C302BAFFF8CB}" v="35" dt="2024-08-20T22:55:36.251"/>
+  </p1510:revLst>
+</p1510:revInfo>
+</file>
+
 <file path=ppt/changesInfos/changesInfo1.xml><?xml version="1.0" encoding="utf-8"?>
 <pc:chgInfo xmlns:a="http://schemas.openxmlformats.org/drawingml/2006/main" xmlns:r="http://schemas.openxmlformats.org/officeDocument/2006/relationships" xmlns:ac="http://schemas.microsoft.com/office/drawing/2013/main/command" xmlns:pc="http://schemas.microsoft.com/office/powerpoint/2013/main/command">
+  <pc:docChgLst>
+    <pc:chgData name="Mandy Wallace" userId="cc03f24d-b43b-4356-8e08-77297e722b4c" providerId="ADAL" clId="{802A2429-C045-479A-A95C-C302BAFFF8CB}"/>
+    <pc:docChg chg="undo redo custSel modSld">
+      <pc:chgData name="Mandy Wallace" userId="cc03f24d-b43b-4356-8e08-77297e722b4c" providerId="ADAL" clId="{802A2429-C045-479A-A95C-C302BAFFF8CB}" dt="2024-08-20T22:56:01.831" v="993" actId="1076"/>
+      <pc:docMkLst>
+        <pc:docMk/>
+      </pc:docMkLst>
+      <pc:sldChg chg="modSp mod">
+        <pc:chgData name="Mandy Wallace" userId="cc03f24d-b43b-4356-8e08-77297e722b4c" providerId="ADAL" clId="{802A2429-C045-479A-A95C-C302BAFFF8CB}" dt="2024-08-20T19:05:17.037" v="100" actId="20577"/>
+        <pc:sldMkLst>
+          <pc:docMk/>
+          <pc:sldMk cId="1332291891" sldId="257"/>
+        </pc:sldMkLst>
+        <pc:spChg chg="mod">
+          <ac:chgData name="Mandy Wallace" userId="cc03f24d-b43b-4356-8e08-77297e722b4c" providerId="ADAL" clId="{802A2429-C045-479A-A95C-C302BAFFF8CB}" dt="2024-08-20T19:05:17.037" v="100" actId="20577"/>
+          <ac:spMkLst>
+            <pc:docMk/>
+            <pc:sldMk cId="1332291891" sldId="257"/>
+            <ac:spMk id="5" creationId="{00000000-0000-0000-0000-000000000000}"/>
+          </ac:spMkLst>
+        </pc:spChg>
+      </pc:sldChg>
+      <pc:sldChg chg="addSp delSp modSp mod">
+        <pc:chgData name="Mandy Wallace" userId="cc03f24d-b43b-4356-8e08-77297e722b4c" providerId="ADAL" clId="{802A2429-C045-479A-A95C-C302BAFFF8CB}" dt="2024-08-20T22:42:39.167" v="849" actId="1076"/>
+        <pc:sldMkLst>
+          <pc:docMk/>
+          <pc:sldMk cId="1484811712" sldId="267"/>
+        </pc:sldMkLst>
+        <pc:spChg chg="mod">
+          <ac:chgData name="Mandy Wallace" userId="cc03f24d-b43b-4356-8e08-77297e722b4c" providerId="ADAL" clId="{802A2429-C045-479A-A95C-C302BAFFF8CB}" dt="2024-08-20T22:42:39.167" v="849" actId="1076"/>
+          <ac:spMkLst>
+            <pc:docMk/>
+            <pc:sldMk cId="1484811712" sldId="267"/>
+            <ac:spMk id="3" creationId="{AC053265-6A10-4985-B07B-C5B33F13CC65}"/>
+          </ac:spMkLst>
+        </pc:spChg>
+        <pc:spChg chg="add del mod">
+          <ac:chgData name="Mandy Wallace" userId="cc03f24d-b43b-4356-8e08-77297e722b4c" providerId="ADAL" clId="{802A2429-C045-479A-A95C-C302BAFFF8CB}" dt="2024-08-20T22:22:25.136" v="341" actId="21"/>
+          <ac:spMkLst>
+            <pc:docMk/>
+            <pc:sldMk cId="1484811712" sldId="267"/>
+            <ac:spMk id="4" creationId="{C6B913A7-0844-A77B-8283-0F0E060A5EE0}"/>
+          </ac:spMkLst>
+        </pc:spChg>
+        <pc:spChg chg="add mod">
+          <ac:chgData name="Mandy Wallace" userId="cc03f24d-b43b-4356-8e08-77297e722b4c" providerId="ADAL" clId="{802A2429-C045-479A-A95C-C302BAFFF8CB}" dt="2024-08-20T22:39:47.746" v="832" actId="1076"/>
+          <ac:spMkLst>
+            <pc:docMk/>
+            <pc:sldMk cId="1484811712" sldId="267"/>
+            <ac:spMk id="6" creationId="{00000000-0000-0000-0000-000000000000}"/>
+          </ac:spMkLst>
+        </pc:spChg>
+        <pc:spChg chg="add del mod">
+          <ac:chgData name="Mandy Wallace" userId="cc03f24d-b43b-4356-8e08-77297e722b4c" providerId="ADAL" clId="{802A2429-C045-479A-A95C-C302BAFFF8CB}" dt="2024-08-20T22:37:16.161" v="822" actId="20577"/>
+          <ac:spMkLst>
+            <pc:docMk/>
+            <pc:sldMk cId="1484811712" sldId="267"/>
+            <ac:spMk id="7" creationId="{00000000-0000-0000-0000-000000000000}"/>
+          </ac:spMkLst>
+        </pc:spChg>
+        <pc:spChg chg="add mod">
+          <ac:chgData name="Mandy Wallace" userId="cc03f24d-b43b-4356-8e08-77297e722b4c" providerId="ADAL" clId="{802A2429-C045-479A-A95C-C302BAFFF8CB}" dt="2024-08-20T22:42:09.017" v="847" actId="20577"/>
+          <ac:spMkLst>
+            <pc:docMk/>
+            <pc:sldMk cId="1484811712" sldId="267"/>
+            <ac:spMk id="8" creationId="{2D130E7B-826E-CDD6-7FC3-46CD44A5E637}"/>
+          </ac:spMkLst>
+        </pc:spChg>
+        <pc:spChg chg="add mod">
+          <ac:chgData name="Mandy Wallace" userId="cc03f24d-b43b-4356-8e08-77297e722b4c" providerId="ADAL" clId="{802A2429-C045-479A-A95C-C302BAFFF8CB}" dt="2024-08-20T22:39:26.454" v="827" actId="1076"/>
+          <ac:spMkLst>
+            <pc:docMk/>
+            <pc:sldMk cId="1484811712" sldId="267"/>
+            <ac:spMk id="9" creationId="{289F8318-3256-C748-290F-078CC32A0D48}"/>
+          </ac:spMkLst>
+        </pc:spChg>
+        <pc:spChg chg="add del mod">
+          <ac:chgData name="Mandy Wallace" userId="cc03f24d-b43b-4356-8e08-77297e722b4c" providerId="ADAL" clId="{802A2429-C045-479A-A95C-C302BAFFF8CB}" dt="2024-08-20T22:39:12.891" v="825" actId="478"/>
+          <ac:spMkLst>
+            <pc:docMk/>
+            <pc:sldMk cId="1484811712" sldId="267"/>
+            <ac:spMk id="13" creationId="{C91BEEAE-FE2D-37D2-A646-D0C2BE48949C}"/>
+          </ac:spMkLst>
+        </pc:spChg>
+        <pc:spChg chg="add del mod">
+          <ac:chgData name="Mandy Wallace" userId="cc03f24d-b43b-4356-8e08-77297e722b4c" providerId="ADAL" clId="{802A2429-C045-479A-A95C-C302BAFFF8CB}" dt="2024-08-20T22:39:10.185" v="823" actId="478"/>
+          <ac:spMkLst>
+            <pc:docMk/>
+            <pc:sldMk cId="1484811712" sldId="267"/>
+            <ac:spMk id="14" creationId="{0F9ACBDB-39EB-38E0-5623-76368DEDC8E4}"/>
+          </ac:spMkLst>
+        </pc:spChg>
+        <pc:picChg chg="del">
+          <ac:chgData name="Mandy Wallace" userId="cc03f24d-b43b-4356-8e08-77297e722b4c" providerId="ADAL" clId="{802A2429-C045-479A-A95C-C302BAFFF8CB}" dt="2024-08-20T22:21:12.797" v="328" actId="478"/>
+          <ac:picMkLst>
+            <pc:docMk/>
+            <pc:sldMk cId="1484811712" sldId="267"/>
+            <ac:picMk id="5" creationId="{BC385270-78B2-5ADD-F0E8-3F73772E755D}"/>
+          </ac:picMkLst>
+        </pc:picChg>
+        <pc:cxnChg chg="add mod">
+          <ac:chgData name="Mandy Wallace" userId="cc03f24d-b43b-4356-8e08-77297e722b4c" providerId="ADAL" clId="{802A2429-C045-479A-A95C-C302BAFFF8CB}" dt="2024-08-20T22:39:32.369" v="828" actId="1076"/>
+          <ac:cxnSpMkLst>
+            <pc:docMk/>
+            <pc:sldMk cId="1484811712" sldId="267"/>
+            <ac:cxnSpMk id="11" creationId="{94520D8E-F535-586F-8B8B-B8553565003B}"/>
+          </ac:cxnSpMkLst>
+        </pc:cxnChg>
+        <pc:cxnChg chg="add del mod">
+          <ac:chgData name="Mandy Wallace" userId="cc03f24d-b43b-4356-8e08-77297e722b4c" providerId="ADAL" clId="{802A2429-C045-479A-A95C-C302BAFFF8CB}" dt="2024-08-20T22:39:14.541" v="826" actId="478"/>
+          <ac:cxnSpMkLst>
+            <pc:docMk/>
+            <pc:sldMk cId="1484811712" sldId="267"/>
+            <ac:cxnSpMk id="12" creationId="{C6D2FB78-17E2-F640-5AAC-5E71F91C8AF2}"/>
+          </ac:cxnSpMkLst>
+        </pc:cxnChg>
+      </pc:sldChg>
+      <pc:sldChg chg="addSp delSp modSp mod modClrScheme chgLayout">
+        <pc:chgData name="Mandy Wallace" userId="cc03f24d-b43b-4356-8e08-77297e722b4c" providerId="ADAL" clId="{802A2429-C045-479A-A95C-C302BAFFF8CB}" dt="2024-08-20T22:24:14.064" v="378" actId="1076"/>
+        <pc:sldMkLst>
+          <pc:docMk/>
+          <pc:sldMk cId="3529114326" sldId="268"/>
+        </pc:sldMkLst>
+        <pc:spChg chg="add mod ord">
+          <ac:chgData name="Mandy Wallace" userId="cc03f24d-b43b-4356-8e08-77297e722b4c" providerId="ADAL" clId="{802A2429-C045-479A-A95C-C302BAFFF8CB}" dt="2024-08-20T22:24:14.064" v="378" actId="1076"/>
+          <ac:spMkLst>
+            <pc:docMk/>
+            <pc:sldMk cId="3529114326" sldId="268"/>
+            <ac:spMk id="7" creationId="{F4D48FF5-CB25-A4C6-01F1-00700EDCC866}"/>
+          </ac:spMkLst>
+        </pc:spChg>
+        <pc:spChg chg="add del">
+          <ac:chgData name="Mandy Wallace" userId="cc03f24d-b43b-4356-8e08-77297e722b4c" providerId="ADAL" clId="{802A2429-C045-479A-A95C-C302BAFFF8CB}" dt="2024-08-20T22:09:39.612" v="306" actId="478"/>
+          <ac:spMkLst>
+            <pc:docMk/>
+            <pc:sldMk cId="3529114326" sldId="268"/>
+            <ac:spMk id="8" creationId="{7B375C48-0C79-E51F-62E8-BABF7D382331}"/>
+          </ac:spMkLst>
+        </pc:spChg>
+        <pc:spChg chg="add del">
+          <ac:chgData name="Mandy Wallace" userId="cc03f24d-b43b-4356-8e08-77297e722b4c" providerId="ADAL" clId="{802A2429-C045-479A-A95C-C302BAFFF8CB}" dt="2024-08-20T22:09:59.197" v="308" actId="478"/>
+          <ac:spMkLst>
+            <pc:docMk/>
+            <pc:sldMk cId="3529114326" sldId="268"/>
+            <ac:spMk id="9" creationId="{CB21BCC7-3524-0416-1257-D19B094F2DD6}"/>
+          </ac:spMkLst>
+        </pc:spChg>
+        <pc:spChg chg="add mod">
+          <ac:chgData name="Mandy Wallace" userId="cc03f24d-b43b-4356-8e08-77297e722b4c" providerId="ADAL" clId="{802A2429-C045-479A-A95C-C302BAFFF8CB}" dt="2024-08-20T22:24:14.064" v="378" actId="1076"/>
+          <ac:spMkLst>
+            <pc:docMk/>
+            <pc:sldMk cId="3529114326" sldId="268"/>
+            <ac:spMk id="10" creationId="{7217E2CA-41FB-DB60-46C5-4A59EDD56131}"/>
+          </ac:spMkLst>
+        </pc:spChg>
+        <pc:spChg chg="mod">
+          <ac:chgData name="Mandy Wallace" userId="cc03f24d-b43b-4356-8e08-77297e722b4c" providerId="ADAL" clId="{802A2429-C045-479A-A95C-C302BAFFF8CB}" dt="2024-08-20T22:24:07.990" v="377" actId="14100"/>
+          <ac:spMkLst>
+            <pc:docMk/>
+            <pc:sldMk cId="3529114326" sldId="268"/>
+            <ac:spMk id="13" creationId="{00000000-0000-0000-0000-000000000000}"/>
+          </ac:spMkLst>
+        </pc:spChg>
+        <pc:spChg chg="del mod">
+          <ac:chgData name="Mandy Wallace" userId="cc03f24d-b43b-4356-8e08-77297e722b4c" providerId="ADAL" clId="{802A2429-C045-479A-A95C-C302BAFFF8CB}" dt="2024-08-20T22:03:28.338" v="203" actId="478"/>
+          <ac:spMkLst>
+            <pc:docMk/>
+            <pc:sldMk cId="3529114326" sldId="268"/>
+            <ac:spMk id="14" creationId="{00000000-0000-0000-0000-000000000000}"/>
+          </ac:spMkLst>
+        </pc:spChg>
+        <pc:spChg chg="add del mod">
+          <ac:chgData name="Mandy Wallace" userId="cc03f24d-b43b-4356-8e08-77297e722b4c" providerId="ADAL" clId="{802A2429-C045-479A-A95C-C302BAFFF8CB}" dt="2024-08-20T20:28:54.970" v="109" actId="26606"/>
+          <ac:spMkLst>
+            <pc:docMk/>
+            <pc:sldMk cId="3529114326" sldId="268"/>
+            <ac:spMk id="19" creationId="{AE551146-B594-A5E0-8742-355632823544}"/>
+          </ac:spMkLst>
+        </pc:spChg>
+        <pc:picChg chg="add del mod">
+          <ac:chgData name="Mandy Wallace" userId="cc03f24d-b43b-4356-8e08-77297e722b4c" providerId="ADAL" clId="{802A2429-C045-479A-A95C-C302BAFFF8CB}" dt="2024-08-20T20:28:19.076" v="107" actId="478"/>
+          <ac:picMkLst>
+            <pc:docMk/>
+            <pc:sldMk cId="3529114326" sldId="268"/>
+            <ac:picMk id="3" creationId="{56710BC2-93F9-B243-06F9-88B7F7B074BC}"/>
+          </ac:picMkLst>
+        </pc:picChg>
+        <pc:picChg chg="add mod">
+          <ac:chgData name="Mandy Wallace" userId="cc03f24d-b43b-4356-8e08-77297e722b4c" providerId="ADAL" clId="{802A2429-C045-479A-A95C-C302BAFFF8CB}" dt="2024-08-20T22:24:14.064" v="378" actId="1076"/>
+          <ac:picMkLst>
+            <pc:docMk/>
+            <pc:sldMk cId="3529114326" sldId="268"/>
+            <ac:picMk id="5" creationId="{BEA67917-2E24-661D-AD3B-1CF7E2273A3B}"/>
+          </ac:picMkLst>
+        </pc:picChg>
+        <pc:picChg chg="add mod">
+          <ac:chgData name="Mandy Wallace" userId="cc03f24d-b43b-4356-8e08-77297e722b4c" providerId="ADAL" clId="{802A2429-C045-479A-A95C-C302BAFFF8CB}" dt="2024-08-20T22:24:14.064" v="378" actId="1076"/>
+          <ac:picMkLst>
+            <pc:docMk/>
+            <pc:sldMk cId="3529114326" sldId="268"/>
+            <ac:picMk id="6" creationId="{A8D589F0-7425-5B59-77DF-43F5BCE24CB9}"/>
+          </ac:picMkLst>
+        </pc:picChg>
+      </pc:sldChg>
+      <pc:sldChg chg="addSp delSp modSp mod">
+        <pc:chgData name="Mandy Wallace" userId="cc03f24d-b43b-4356-8e08-77297e722b4c" providerId="ADAL" clId="{802A2429-C045-479A-A95C-C302BAFFF8CB}" dt="2024-08-20T22:56:01.831" v="993" actId="1076"/>
+        <pc:sldMkLst>
+          <pc:docMk/>
+          <pc:sldMk cId="3397319845" sldId="273"/>
+        </pc:sldMkLst>
+        <pc:spChg chg="add del mod">
+          <ac:chgData name="Mandy Wallace" userId="cc03f24d-b43b-4356-8e08-77297e722b4c" providerId="ADAL" clId="{802A2429-C045-479A-A95C-C302BAFFF8CB}" dt="2024-08-20T22:42:54.186" v="853" actId="478"/>
+          <ac:spMkLst>
+            <pc:docMk/>
+            <pc:sldMk cId="3397319845" sldId="273"/>
+            <ac:spMk id="3" creationId="{409F58AE-9F7F-5D3F-7787-4D0BB5A56F8E}"/>
+          </ac:spMkLst>
+        </pc:spChg>
+        <pc:spChg chg="mod">
+          <ac:chgData name="Mandy Wallace" userId="cc03f24d-b43b-4356-8e08-77297e722b4c" providerId="ADAL" clId="{802A2429-C045-479A-A95C-C302BAFFF8CB}" dt="2024-08-20T22:43:15.924" v="867" actId="20577"/>
+          <ac:spMkLst>
+            <pc:docMk/>
+            <pc:sldMk cId="3397319845" sldId="273"/>
+            <ac:spMk id="7" creationId="{00000000-0000-0000-0000-000000000000}"/>
+          </ac:spMkLst>
+        </pc:spChg>
+        <pc:spChg chg="mod">
+          <ac:chgData name="Mandy Wallace" userId="cc03f24d-b43b-4356-8e08-77297e722b4c" providerId="ADAL" clId="{802A2429-C045-479A-A95C-C302BAFFF8CB}" dt="2024-08-20T22:53:32.031" v="928" actId="1076"/>
+          <ac:spMkLst>
+            <pc:docMk/>
+            <pc:sldMk cId="3397319845" sldId="273"/>
+            <ac:spMk id="9" creationId="{18D77807-9C54-316E-FBB8-B1C54D763706}"/>
+          </ac:spMkLst>
+        </pc:spChg>
+        <pc:spChg chg="del">
+          <ac:chgData name="Mandy Wallace" userId="cc03f24d-b43b-4356-8e08-77297e722b4c" providerId="ADAL" clId="{802A2429-C045-479A-A95C-C302BAFFF8CB}" dt="2024-08-20T22:42:51.629" v="852" actId="478"/>
+          <ac:spMkLst>
+            <pc:docMk/>
+            <pc:sldMk cId="3397319845" sldId="273"/>
+            <ac:spMk id="10" creationId="{00000000-0000-0000-0000-000000000000}"/>
+          </ac:spMkLst>
+        </pc:spChg>
+        <pc:spChg chg="add mod">
+          <ac:chgData name="Mandy Wallace" userId="cc03f24d-b43b-4356-8e08-77297e722b4c" providerId="ADAL" clId="{802A2429-C045-479A-A95C-C302BAFFF8CB}" dt="2024-08-20T22:54:26.317" v="939" actId="255"/>
+          <ac:spMkLst>
+            <pc:docMk/>
+            <pc:sldMk cId="3397319845" sldId="273"/>
+            <ac:spMk id="11" creationId="{F6913468-AD92-C7AD-8C00-87CF78C978E6}"/>
+          </ac:spMkLst>
+        </pc:spChg>
+        <pc:spChg chg="del">
+          <ac:chgData name="Mandy Wallace" userId="cc03f24d-b43b-4356-8e08-77297e722b4c" providerId="ADAL" clId="{802A2429-C045-479A-A95C-C302BAFFF8CB}" dt="2024-08-20T22:42:59.388" v="857" actId="478"/>
+          <ac:spMkLst>
+            <pc:docMk/>
+            <pc:sldMk cId="3397319845" sldId="273"/>
+            <ac:spMk id="12" creationId="{1F621BDF-DF19-CDB9-2114-880DCAF0F740}"/>
+          </ac:spMkLst>
+        </pc:spChg>
+        <pc:spChg chg="del mod">
+          <ac:chgData name="Mandy Wallace" userId="cc03f24d-b43b-4356-8e08-77297e722b4c" providerId="ADAL" clId="{802A2429-C045-479A-A95C-C302BAFFF8CB}" dt="2024-08-20T22:42:56.252" v="855" actId="478"/>
+          <ac:spMkLst>
+            <pc:docMk/>
+            <pc:sldMk cId="3397319845" sldId="273"/>
+            <ac:spMk id="13" creationId="{02B03558-0B25-06E0-A2BD-BF22B82CD562}"/>
+          </ac:spMkLst>
+        </pc:spChg>
+        <pc:spChg chg="add mod">
+          <ac:chgData name="Mandy Wallace" userId="cc03f24d-b43b-4356-8e08-77297e722b4c" providerId="ADAL" clId="{802A2429-C045-479A-A95C-C302BAFFF8CB}" dt="2024-08-20T22:56:01.831" v="993" actId="1076"/>
+          <ac:spMkLst>
+            <pc:docMk/>
+            <pc:sldMk cId="3397319845" sldId="273"/>
+            <ac:spMk id="14" creationId="{DC718C26-BB9D-B228-EC6F-12C6F3F27A2D}"/>
+          </ac:spMkLst>
+        </pc:spChg>
+        <pc:picChg chg="del">
+          <ac:chgData name="Mandy Wallace" userId="cc03f24d-b43b-4356-8e08-77297e722b4c" providerId="ADAL" clId="{802A2429-C045-479A-A95C-C302BAFFF8CB}" dt="2024-08-20T22:42:49.223" v="851" actId="478"/>
+          <ac:picMkLst>
+            <pc:docMk/>
+            <pc:sldMk cId="3397319845" sldId="273"/>
+            <ac:picMk id="5" creationId="{6D627DD2-45DC-192C-E0A2-A64D1D4AB444}"/>
+          </ac:picMkLst>
+        </pc:picChg>
+        <pc:picChg chg="add del mod">
+          <ac:chgData name="Mandy Wallace" userId="cc03f24d-b43b-4356-8e08-77297e722b4c" providerId="ADAL" clId="{802A2429-C045-479A-A95C-C302BAFFF8CB}" dt="2024-08-20T22:49:26.716" v="898" actId="478"/>
+          <ac:picMkLst>
+            <pc:docMk/>
+            <pc:sldMk cId="3397319845" sldId="273"/>
+            <ac:picMk id="6" creationId="{D2F10094-BA21-0500-1C12-968DD897F0B3}"/>
+          </ac:picMkLst>
+        </pc:picChg>
+        <pc:picChg chg="del">
+          <ac:chgData name="Mandy Wallace" userId="cc03f24d-b43b-4356-8e08-77297e722b4c" providerId="ADAL" clId="{802A2429-C045-479A-A95C-C302BAFFF8CB}" dt="2024-08-20T22:42:57.423" v="856" actId="478"/>
+          <ac:picMkLst>
+            <pc:docMk/>
+            <pc:sldMk cId="3397319845" sldId="273"/>
+            <ac:picMk id="8" creationId="{F4C66B5D-DEB2-1751-A07A-802D8EFD89AC}"/>
+          </ac:picMkLst>
+        </pc:picChg>
+        <pc:picChg chg="add mod">
+          <ac:chgData name="Mandy Wallace" userId="cc03f24d-b43b-4356-8e08-77297e722b4c" providerId="ADAL" clId="{802A2429-C045-479A-A95C-C302BAFFF8CB}" dt="2024-08-20T22:53:38.497" v="929" actId="1076"/>
+          <ac:picMkLst>
+            <pc:docMk/>
+            <pc:sldMk cId="3397319845" sldId="273"/>
+            <ac:picMk id="1026" creationId="{3280F61D-BB67-79EB-6EB7-74CBBBE2F591}"/>
+          </ac:picMkLst>
+        </pc:picChg>
+      </pc:sldChg>
+      <pc:sldChg chg="addSp delSp modSp mod">
+        <pc:chgData name="Mandy Wallace" userId="cc03f24d-b43b-4356-8e08-77297e722b4c" providerId="ADAL" clId="{802A2429-C045-479A-A95C-C302BAFFF8CB}" dt="2024-08-20T19:04:48.408" v="67" actId="478"/>
+        <pc:sldMkLst>
+          <pc:docMk/>
+          <pc:sldMk cId="3683730209" sldId="274"/>
+        </pc:sldMkLst>
+        <pc:graphicFrameChg chg="add del">
+          <ac:chgData name="Mandy Wallace" userId="cc03f24d-b43b-4356-8e08-77297e722b4c" providerId="ADAL" clId="{802A2429-C045-479A-A95C-C302BAFFF8CB}" dt="2024-08-19T22:35:00.169" v="2"/>
+          <ac:graphicFrameMkLst>
+            <pc:docMk/>
+            <pc:sldMk cId="3683730209" sldId="274"/>
+            <ac:graphicFrameMk id="2" creationId="{53D188D0-33D1-29F3-8879-BA2B72EFE48F}"/>
+          </ac:graphicFrameMkLst>
+        </pc:graphicFrameChg>
+        <pc:graphicFrameChg chg="add del mod topLvl modGraphic">
+          <ac:chgData name="Mandy Wallace" userId="cc03f24d-b43b-4356-8e08-77297e722b4c" providerId="ADAL" clId="{802A2429-C045-479A-A95C-C302BAFFF8CB}" dt="2024-08-20T19:04:48.408" v="67" actId="478"/>
+          <ac:graphicFrameMkLst>
+            <pc:docMk/>
+            <pc:sldMk cId="3683730209" sldId="274"/>
+            <ac:graphicFrameMk id="5" creationId="{37AC1B05-A367-059D-3B84-B621CBEE2E16}"/>
+          </ac:graphicFrameMkLst>
+        </pc:graphicFrameChg>
+        <pc:picChg chg="del">
+          <ac:chgData name="Mandy Wallace" userId="cc03f24d-b43b-4356-8e08-77297e722b4c" providerId="ADAL" clId="{802A2429-C045-479A-A95C-C302BAFFF8CB}" dt="2024-08-19T22:34:01.378" v="0" actId="478"/>
+          <ac:picMkLst>
+            <pc:docMk/>
+            <pc:sldMk cId="3683730209" sldId="274"/>
+            <ac:picMk id="6" creationId="{AA1D4F77-A580-00E1-6DAA-738905AF2649}"/>
+          </ac:picMkLst>
+        </pc:picChg>
+        <pc:picChg chg="del">
+          <ac:chgData name="Mandy Wallace" userId="cc03f24d-b43b-4356-8e08-77297e722b4c" providerId="ADAL" clId="{802A2429-C045-479A-A95C-C302BAFFF8CB}" dt="2024-08-19T22:41:58.675" v="53" actId="478"/>
+          <ac:picMkLst>
+            <pc:docMk/>
+            <pc:sldMk cId="3683730209" sldId="274"/>
+            <ac:picMk id="15" creationId="{488CCB40-2B00-023E-CAE9-741C4B7FE23B}"/>
+          </ac:picMkLst>
+        </pc:picChg>
+      </pc:sldChg>
+      <pc:sldChg chg="addSp delSp modSp mod">
+        <pc:chgData name="Mandy Wallace" userId="cc03f24d-b43b-4356-8e08-77297e722b4c" providerId="ADAL" clId="{802A2429-C045-479A-A95C-C302BAFFF8CB}" dt="2024-08-20T22:24:26.202" v="380" actId="1076"/>
+        <pc:sldMkLst>
+          <pc:docMk/>
+          <pc:sldMk cId="955642068" sldId="277"/>
+        </pc:sldMkLst>
+        <pc:spChg chg="add del mod">
+          <ac:chgData name="Mandy Wallace" userId="cc03f24d-b43b-4356-8e08-77297e722b4c" providerId="ADAL" clId="{802A2429-C045-479A-A95C-C302BAFFF8CB}" dt="2024-08-20T20:48:29.536" v="119" actId="478"/>
+          <ac:spMkLst>
+            <pc:docMk/>
+            <pc:sldMk cId="955642068" sldId="277"/>
+            <ac:spMk id="3" creationId="{3282F668-4F03-1E16-FEF3-4FDAE850BA90}"/>
+          </ac:spMkLst>
+        </pc:spChg>
+        <pc:spChg chg="add del mod">
+          <ac:chgData name="Mandy Wallace" userId="cc03f24d-b43b-4356-8e08-77297e722b4c" providerId="ADAL" clId="{802A2429-C045-479A-A95C-C302BAFFF8CB}" dt="2024-08-20T20:48:31.638" v="120" actId="478"/>
+          <ac:spMkLst>
+            <pc:docMk/>
+            <pc:sldMk cId="955642068" sldId="277"/>
+            <ac:spMk id="5" creationId="{43D8E0B1-262D-3C09-11C7-7E043A06E6E6}"/>
+          </ac:spMkLst>
+        </pc:spChg>
+        <pc:spChg chg="del">
+          <ac:chgData name="Mandy Wallace" userId="cc03f24d-b43b-4356-8e08-77297e722b4c" providerId="ADAL" clId="{802A2429-C045-479A-A95C-C302BAFFF8CB}" dt="2024-08-20T20:48:06.602" v="110" actId="478"/>
+          <ac:spMkLst>
+            <pc:docMk/>
+            <pc:sldMk cId="955642068" sldId="277"/>
+            <ac:spMk id="6" creationId="{FDCF3B7F-3F23-26EF-F6AE-65FCFB50A200}"/>
+          </ac:spMkLst>
+        </pc:spChg>
+        <pc:spChg chg="mod">
+          <ac:chgData name="Mandy Wallace" userId="cc03f24d-b43b-4356-8e08-77297e722b4c" providerId="ADAL" clId="{802A2429-C045-479A-A95C-C302BAFFF8CB}" dt="2024-08-20T22:12:25.702" v="319" actId="14100"/>
+          <ac:spMkLst>
+            <pc:docMk/>
+            <pc:sldMk cId="955642068" sldId="277"/>
+            <ac:spMk id="7" creationId="{00000000-0000-0000-0000-000000000000}"/>
+          </ac:spMkLst>
+        </pc:spChg>
+        <pc:spChg chg="del">
+          <ac:chgData name="Mandy Wallace" userId="cc03f24d-b43b-4356-8e08-77297e722b4c" providerId="ADAL" clId="{802A2429-C045-479A-A95C-C302BAFFF8CB}" dt="2024-08-20T20:48:06.602" v="110" actId="478"/>
+          <ac:spMkLst>
+            <pc:docMk/>
+            <pc:sldMk cId="955642068" sldId="277"/>
+            <ac:spMk id="8" creationId="{00000000-0000-0000-0000-000000000000}"/>
+          </ac:spMkLst>
+        </pc:spChg>
+        <pc:spChg chg="del">
+          <ac:chgData name="Mandy Wallace" userId="cc03f24d-b43b-4356-8e08-77297e722b4c" providerId="ADAL" clId="{802A2429-C045-479A-A95C-C302BAFFF8CB}" dt="2024-08-20T20:48:06.602" v="110" actId="478"/>
+          <ac:spMkLst>
+            <pc:docMk/>
+            <pc:sldMk cId="955642068" sldId="277"/>
+            <ac:spMk id="10" creationId="{00000000-0000-0000-0000-000000000000}"/>
+          </ac:spMkLst>
+        </pc:spChg>
+        <pc:spChg chg="add del mod">
+          <ac:chgData name="Mandy Wallace" userId="cc03f24d-b43b-4356-8e08-77297e722b4c" providerId="ADAL" clId="{802A2429-C045-479A-A95C-C302BAFFF8CB}" dt="2024-08-20T20:48:45.293" v="124" actId="22"/>
+          <ac:spMkLst>
+            <pc:docMk/>
+            <pc:sldMk cId="955642068" sldId="277"/>
+            <ac:spMk id="11" creationId="{984C980D-61F0-3A8F-1197-1D70C6467330}"/>
+          </ac:spMkLst>
+        </pc:spChg>
+        <pc:spChg chg="del">
+          <ac:chgData name="Mandy Wallace" userId="cc03f24d-b43b-4356-8e08-77297e722b4c" providerId="ADAL" clId="{802A2429-C045-479A-A95C-C302BAFFF8CB}" dt="2024-08-20T20:48:06.602" v="110" actId="478"/>
+          <ac:spMkLst>
+            <pc:docMk/>
+            <pc:sldMk cId="955642068" sldId="277"/>
+            <ac:spMk id="12" creationId="{4FF9F0B5-B57F-9F67-4DF3-01D70153199D}"/>
+          </ac:spMkLst>
+        </pc:spChg>
+        <pc:spChg chg="del">
+          <ac:chgData name="Mandy Wallace" userId="cc03f24d-b43b-4356-8e08-77297e722b4c" providerId="ADAL" clId="{802A2429-C045-479A-A95C-C302BAFFF8CB}" dt="2024-08-20T20:48:06.602" v="110" actId="478"/>
+          <ac:spMkLst>
+            <pc:docMk/>
+            <pc:sldMk cId="955642068" sldId="277"/>
+            <ac:spMk id="13" creationId="{1A9BCD5C-CBD9-94D8-A89A-D2839A2545AB}"/>
+          </ac:spMkLst>
+        </pc:spChg>
+        <pc:spChg chg="del">
+          <ac:chgData name="Mandy Wallace" userId="cc03f24d-b43b-4356-8e08-77297e722b4c" providerId="ADAL" clId="{802A2429-C045-479A-A95C-C302BAFFF8CB}" dt="2024-08-20T20:48:06.602" v="110" actId="478"/>
+          <ac:spMkLst>
+            <pc:docMk/>
+            <pc:sldMk cId="955642068" sldId="277"/>
+            <ac:spMk id="14" creationId="{215D15DD-70DB-F1E6-7EF0-34A2F7B7CD5F}"/>
+          </ac:spMkLst>
+        </pc:spChg>
+        <pc:spChg chg="del mod">
+          <ac:chgData name="Mandy Wallace" userId="cc03f24d-b43b-4356-8e08-77297e722b4c" providerId="ADAL" clId="{802A2429-C045-479A-A95C-C302BAFFF8CB}" dt="2024-08-20T20:48:20.945" v="115" actId="478"/>
+          <ac:spMkLst>
+            <pc:docMk/>
+            <pc:sldMk cId="955642068" sldId="277"/>
+            <ac:spMk id="15" creationId="{E409EA73-5495-D6E3-AA74-2E3915ACF849}"/>
+          </ac:spMkLst>
+        </pc:spChg>
+        <pc:spChg chg="del">
+          <ac:chgData name="Mandy Wallace" userId="cc03f24d-b43b-4356-8e08-77297e722b4c" providerId="ADAL" clId="{802A2429-C045-479A-A95C-C302BAFFF8CB}" dt="2024-08-20T20:48:22.681" v="116" actId="478"/>
+          <ac:spMkLst>
+            <pc:docMk/>
+            <pc:sldMk cId="955642068" sldId="277"/>
+            <ac:spMk id="16" creationId="{338C25A9-3F9D-7C8A-A3F4-EE7E9C7E8DC7}"/>
+          </ac:spMkLst>
+        </pc:spChg>
+        <pc:spChg chg="del">
+          <ac:chgData name="Mandy Wallace" userId="cc03f24d-b43b-4356-8e08-77297e722b4c" providerId="ADAL" clId="{802A2429-C045-479A-A95C-C302BAFFF8CB}" dt="2024-08-20T20:48:06.602" v="110" actId="478"/>
+          <ac:spMkLst>
+            <pc:docMk/>
+            <pc:sldMk cId="955642068" sldId="277"/>
+            <ac:spMk id="17" creationId="{D8ABFBDC-40F7-DAE5-7D19-10C8AD66FAFD}"/>
+          </ac:spMkLst>
+        </pc:spChg>
+        <pc:spChg chg="del">
+          <ac:chgData name="Mandy Wallace" userId="cc03f24d-b43b-4356-8e08-77297e722b4c" providerId="ADAL" clId="{802A2429-C045-479A-A95C-C302BAFFF8CB}" dt="2024-08-20T20:48:06.602" v="110" actId="478"/>
+          <ac:spMkLst>
+            <pc:docMk/>
+            <pc:sldMk cId="955642068" sldId="277"/>
+            <ac:spMk id="18" creationId="{133DABE9-5F55-F785-84A3-B6153F16205C}"/>
+          </ac:spMkLst>
+        </pc:spChg>
+        <pc:spChg chg="del">
+          <ac:chgData name="Mandy Wallace" userId="cc03f24d-b43b-4356-8e08-77297e722b4c" providerId="ADAL" clId="{802A2429-C045-479A-A95C-C302BAFFF8CB}" dt="2024-08-20T20:48:24.870" v="117" actId="478"/>
+          <ac:spMkLst>
+            <pc:docMk/>
+            <pc:sldMk cId="955642068" sldId="277"/>
+            <ac:spMk id="19" creationId="{16A0BCF1-AE1E-C3FD-9516-825E85B6702E}"/>
+          </ac:spMkLst>
+        </pc:spChg>
+        <pc:spChg chg="del">
+          <ac:chgData name="Mandy Wallace" userId="cc03f24d-b43b-4356-8e08-77297e722b4c" providerId="ADAL" clId="{802A2429-C045-479A-A95C-C302BAFFF8CB}" dt="2024-08-20T20:48:26.771" v="118" actId="478"/>
+          <ac:spMkLst>
+            <pc:docMk/>
+            <pc:sldMk cId="955642068" sldId="277"/>
+            <ac:spMk id="20" creationId="{387D9A75-5DED-ADED-1EB7-4250F5269CEE}"/>
+          </ac:spMkLst>
+        </pc:spChg>
+        <pc:picChg chg="add del mod">
+          <ac:chgData name="Mandy Wallace" userId="cc03f24d-b43b-4356-8e08-77297e722b4c" providerId="ADAL" clId="{802A2429-C045-479A-A95C-C302BAFFF8CB}" dt="2024-08-20T21:31:21.346" v="183" actId="478"/>
+          <ac:picMkLst>
+            <pc:docMk/>
+            <pc:sldMk cId="955642068" sldId="277"/>
+            <ac:picMk id="22" creationId="{8286D83F-C8C1-A07E-B59B-F9B8407CE8BC}"/>
+          </ac:picMkLst>
+        </pc:picChg>
+        <pc:picChg chg="add del mod">
+          <ac:chgData name="Mandy Wallace" userId="cc03f24d-b43b-4356-8e08-77297e722b4c" providerId="ADAL" clId="{802A2429-C045-479A-A95C-C302BAFFF8CB}" dt="2024-08-20T20:58:21.392" v="149" actId="478"/>
+          <ac:picMkLst>
+            <pc:docMk/>
+            <pc:sldMk cId="955642068" sldId="277"/>
+            <ac:picMk id="24" creationId="{F4173121-15F0-54DD-3A82-E3C227902360}"/>
+          </ac:picMkLst>
+        </pc:picChg>
+        <pc:picChg chg="add del mod">
+          <ac:chgData name="Mandy Wallace" userId="cc03f24d-b43b-4356-8e08-77297e722b4c" providerId="ADAL" clId="{802A2429-C045-479A-A95C-C302BAFFF8CB}" dt="2024-08-20T21:31:22.008" v="184" actId="478"/>
+          <ac:picMkLst>
+            <pc:docMk/>
+            <pc:sldMk cId="955642068" sldId="277"/>
+            <ac:picMk id="26" creationId="{EEB9E44D-BD92-256D-E4D6-A650527B4B17}"/>
+          </ac:picMkLst>
+        </pc:picChg>
+        <pc:picChg chg="add del mod">
+          <ac:chgData name="Mandy Wallace" userId="cc03f24d-b43b-4356-8e08-77297e722b4c" providerId="ADAL" clId="{802A2429-C045-479A-A95C-C302BAFFF8CB}" dt="2024-08-20T21:01:44.770" v="155" actId="478"/>
+          <ac:picMkLst>
+            <pc:docMk/>
+            <pc:sldMk cId="955642068" sldId="277"/>
+            <ac:picMk id="28" creationId="{B34483F6-9C02-B9EE-F030-6AE13B5650D5}"/>
+          </ac:picMkLst>
+        </pc:picChg>
+        <pc:picChg chg="add del mod">
+          <ac:chgData name="Mandy Wallace" userId="cc03f24d-b43b-4356-8e08-77297e722b4c" providerId="ADAL" clId="{802A2429-C045-479A-A95C-C302BAFFF8CB}" dt="2024-08-20T21:59:31.672" v="190" actId="478"/>
+          <ac:picMkLst>
+            <pc:docMk/>
+            <pc:sldMk cId="955642068" sldId="277"/>
+            <ac:picMk id="30" creationId="{E13C468A-0DDA-610A-145D-D67561E444D8}"/>
+          </ac:picMkLst>
+        </pc:picChg>
+        <pc:picChg chg="add mod">
+          <ac:chgData name="Mandy Wallace" userId="cc03f24d-b43b-4356-8e08-77297e722b4c" providerId="ADAL" clId="{802A2429-C045-479A-A95C-C302BAFFF8CB}" dt="2024-08-20T22:24:26.202" v="380" actId="1076"/>
+          <ac:picMkLst>
+            <pc:docMk/>
+            <pc:sldMk cId="955642068" sldId="277"/>
+            <ac:picMk id="32" creationId="{B7471492-6E3B-3B3C-83DD-4FAAB19BA223}"/>
+          </ac:picMkLst>
+        </pc:picChg>
+      </pc:sldChg>
+    </pc:docChg>
+  </pc:docChgLst>
   <pc:docChgLst>
     <pc:chgData name="Mandy Wallace" userId="cc03f24d-b43b-4356-8e08-77297e722b4c" providerId="ADAL" clId="{F938972D-E649-42D5-8531-E57D539A36F0}"/>
     <pc:docChg chg="undo custSel modSld sldOrd">
@@ -418,7 +957,7 @@
           <a:p>
             <a:fld id="{FE5B4EDC-59C0-49C7-8ADA-5A781B329E02}" type="datetimeFigureOut">
               <a:rPr lang="en-US"/>
-              <a:t>8/8/2024</a:t>
+              <a:t>8/20/2024</a:t>
             </a:fld>
             <a:endParaRPr/>
           </a:p>
@@ -583,7 +1122,7 @@
           <a:p>
             <a:fld id="{F2D8D46A-B586-417D-BFBD-8C8FE0AAF762}" type="datetimeFigureOut">
               <a:rPr lang="en-US"/>
-              <a:t>8/8/2024</a:t>
+              <a:t>8/20/2024</a:t>
             </a:fld>
             <a:endParaRPr/>
           </a:p>
@@ -1685,7 +2224,7 @@
           <a:p>
             <a:fld id="{F0DFD029-FB74-4578-B929-F66AA97659CA}" type="datetimeFigureOut">
               <a:rPr lang="en-US"/>
-              <a:t>8/8/2024</a:t>
+              <a:t>8/20/2024</a:t>
             </a:fld>
             <a:endParaRPr/>
           </a:p>
@@ -1883,7 +2422,7 @@
           <a:p>
             <a:fld id="{F0DFD029-FB74-4578-B929-F66AA97659CA}" type="datetimeFigureOut">
               <a:rPr lang="en-US"/>
-              <a:t>8/8/2024</a:t>
+              <a:t>8/20/2024</a:t>
             </a:fld>
             <a:endParaRPr/>
           </a:p>
@@ -2091,7 +2630,7 @@
           <a:p>
             <a:fld id="{F0DFD029-FB74-4578-B929-F66AA97659CA}" type="datetimeFigureOut">
               <a:rPr lang="en-US"/>
-              <a:t>8/8/2024</a:t>
+              <a:t>8/20/2024</a:t>
             </a:fld>
             <a:endParaRPr/>
           </a:p>
@@ -2289,7 +2828,7 @@
           <a:p>
             <a:fld id="{F0DFD029-FB74-4578-B929-F66AA97659CA}" type="datetimeFigureOut">
               <a:rPr lang="en-US"/>
-              <a:t>8/8/2024</a:t>
+              <a:t>8/20/2024</a:t>
             </a:fld>
             <a:endParaRPr/>
           </a:p>
@@ -2721,7 +3260,7 @@
           <a:p>
             <a:fld id="{F0DFD029-FB74-4578-B929-F66AA97659CA}" type="datetimeFigureOut">
               <a:rPr lang="en-US"/>
-              <a:t>8/8/2024</a:t>
+              <a:t>8/20/2024</a:t>
             </a:fld>
             <a:endParaRPr/>
           </a:p>
@@ -3025,7 +3564,7 @@
           <a:p>
             <a:fld id="{F0DFD029-FB74-4578-B929-F66AA97659CA}" type="datetimeFigureOut">
               <a:rPr lang="en-US"/>
-              <a:t>8/8/2024</a:t>
+              <a:t>8/20/2024</a:t>
             </a:fld>
             <a:endParaRPr/>
           </a:p>
@@ -3481,7 +4020,7 @@
           <a:p>
             <a:fld id="{F0DFD029-FB74-4578-B929-F66AA97659CA}" type="datetimeFigureOut">
               <a:rPr lang="en-US"/>
-              <a:t>8/8/2024</a:t>
+              <a:t>8/20/2024</a:t>
             </a:fld>
             <a:endParaRPr/>
           </a:p>
@@ -3611,7 +4150,7 @@
           <a:p>
             <a:fld id="{F0DFD029-FB74-4578-B929-F66AA97659CA}" type="datetimeFigureOut">
               <a:rPr lang="en-US"/>
-              <a:t>8/8/2024</a:t>
+              <a:t>8/20/2024</a:t>
             </a:fld>
             <a:endParaRPr/>
           </a:p>
@@ -3718,7 +4257,7 @@
           <a:p>
             <a:fld id="{F0DFD029-FB74-4578-B929-F66AA97659CA}" type="datetimeFigureOut">
               <a:rPr lang="en-US"/>
-              <a:t>8/8/2024</a:t>
+              <a:t>8/20/2024</a:t>
             </a:fld>
             <a:endParaRPr/>
           </a:p>
@@ -4017,7 +4556,7 @@
           <a:p>
             <a:fld id="{F0DFD029-FB74-4578-B929-F66AA97659CA}" type="datetimeFigureOut">
               <a:rPr lang="en-US"/>
-              <a:t>8/8/2024</a:t>
+              <a:t>8/20/2024</a:t>
             </a:fld>
             <a:endParaRPr/>
           </a:p>
@@ -4305,7 +4844,7 @@
           <a:p>
             <a:fld id="{F0DFD029-FB74-4578-B929-F66AA97659CA}" type="datetimeFigureOut">
               <a:rPr lang="en-US"/>
-              <a:t>8/8/2024</a:t>
+              <a:t>8/20/2024</a:t>
             </a:fld>
             <a:endParaRPr/>
           </a:p>
@@ -4928,7 +5467,7 @@
             <a:fld id="{F0DFD029-FB74-4578-B929-F66AA97659CA}" type="datetimeFigureOut">
               <a:rPr lang="en-US"/>
               <a:pPr/>
-              <a:t>8/8/2024</a:t>
+              <a:t>8/20/2024</a:t>
             </a:fld>
             <a:endParaRPr/>
           </a:p>
@@ -5444,8 +5983,13 @@
           <a:p>
             <a:r>
               <a:rPr lang="en-US" dirty="0"/>
-              <a:t>A look at the Use cases and data</a:t>
-            </a:r>
+              <a:t>A look at the current uses and </a:t>
+            </a:r>
+            <a:r>
+              <a:rPr lang="en-US"/>
+              <a:t>future potential</a:t>
+            </a:r>
+            <a:endParaRPr lang="en-US" dirty="0"/>
           </a:p>
         </p:txBody>
       </p:sp>
@@ -7409,6 +7953,55 @@
       </p:grpSpPr>
       <p:sp>
         <p:nvSpPr>
+          <p:cNvPr id="7" name="Rectangle: Rounded Corners 6">
+            <a:extLst>
+              <a:ext uri="{FF2B5EF4-FFF2-40B4-BE49-F238E27FC236}">
+                <a16:creationId xmlns:a16="http://schemas.microsoft.com/office/drawing/2014/main" id="{F4D48FF5-CB25-A4C6-01F1-00700EDCC866}"/>
+              </a:ext>
+            </a:extLst>
+          </p:cNvPr>
+          <p:cNvSpPr/>
+          <p:nvPr/>
+        </p:nvSpPr>
+        <p:spPr>
+          <a:xfrm>
+            <a:off x="1408112" y="1828800"/>
+            <a:ext cx="9372600" cy="3902082"/>
+          </a:xfrm>
+          <a:prstGeom prst="roundRect">
+            <a:avLst/>
+          </a:prstGeom>
+          <a:solidFill>
+            <a:schemeClr val="tx1"/>
+          </a:solidFill>
+        </p:spPr>
+        <p:style>
+          <a:lnRef idx="2">
+            <a:schemeClr val="accent1">
+              <a:shade val="50000"/>
+            </a:schemeClr>
+          </a:lnRef>
+          <a:fillRef idx="1">
+            <a:schemeClr val="accent1"/>
+          </a:fillRef>
+          <a:effectRef idx="0">
+            <a:schemeClr val="accent1"/>
+          </a:effectRef>
+          <a:fontRef idx="minor">
+            <a:schemeClr val="lt1"/>
+          </a:fontRef>
+        </p:style>
+        <p:txBody>
+          <a:bodyPr rtlCol="0" anchor="ctr"/>
+          <a:lstStyle/>
+          <a:p>
+            <a:pPr algn="ctr"/>
+            <a:endParaRPr lang="en-US" sz="2800" dirty="0"/>
+          </a:p>
+        </p:txBody>
+      </p:sp>
+      <p:sp>
+        <p:nvSpPr>
           <p:cNvPr id="13" name="Title 12"/>
           <p:cNvSpPr>
             <a:spLocks noGrp="1"/>
@@ -7417,13 +8010,20 @@
             <p:ph type="title"/>
           </p:nvPr>
         </p:nvSpPr>
-        <p:spPr/>
-        <p:txBody>
-          <a:bodyPr/>
+        <p:spPr>
+          <a:xfrm>
+            <a:off x="1218883" y="274637"/>
+            <a:ext cx="10360501" cy="1096963"/>
+          </a:xfrm>
+        </p:spPr>
+        <p:txBody>
+          <a:bodyPr>
+            <a:normAutofit/>
+          </a:bodyPr>
           <a:lstStyle/>
           <a:p>
             <a:r>
-              <a:rPr lang="en-US" dirty="0">
+              <a:rPr lang="en-US" sz="4400" dirty="0">
                 <a:solidFill>
                   <a:schemeClr val="accent3">
                     <a:lumMod val="60000"/>
@@ -7436,50 +8036,121 @@
           </a:p>
         </p:txBody>
       </p:sp>
-      <p:sp>
-        <p:nvSpPr>
-          <p:cNvPr id="14" name="Content Placeholder 13"/>
-          <p:cNvSpPr>
-            <a:spLocks noGrp="1"/>
-          </p:cNvSpPr>
-          <p:nvPr>
-            <p:ph idx="1"/>
-          </p:nvPr>
-        </p:nvSpPr>
-        <p:spPr/>
-        <p:txBody>
-          <a:bodyPr>
-            <a:normAutofit/>
-          </a:bodyPr>
+      <p:pic>
+        <p:nvPicPr>
+          <p:cNvPr id="5" name="Picture 4" descr="A close up of a logo&#10;&#10;Description automatically generated">
+            <a:extLst>
+              <a:ext uri="{FF2B5EF4-FFF2-40B4-BE49-F238E27FC236}">
+                <a16:creationId xmlns:a16="http://schemas.microsoft.com/office/drawing/2014/main" id="{BEA67917-2E24-661D-AD3B-1CF7E2273A3B}"/>
+              </a:ext>
+            </a:extLst>
+          </p:cNvPr>
+          <p:cNvPicPr>
+            <a:picLocks noChangeAspect="1"/>
+          </p:cNvPicPr>
+          <p:nvPr/>
+        </p:nvPicPr>
+        <p:blipFill>
+          <a:blip r:embed="rId2">
+            <a:extLst>
+              <a:ext uri="{28A0092B-C50C-407E-A947-70E740481C1C}">
+                <a14:useLocalDpi xmlns:a14="http://schemas.microsoft.com/office/drawing/2010/main" val="0"/>
+              </a:ext>
+            </a:extLst>
+          </a:blip>
+          <a:stretch>
+            <a:fillRect/>
+          </a:stretch>
+        </p:blipFill>
+        <p:spPr>
+          <a:xfrm>
+            <a:off x="2949144" y="1994273"/>
+            <a:ext cx="6290535" cy="1387214"/>
+          </a:xfrm>
+          <a:prstGeom prst="rect">
+            <a:avLst/>
+          </a:prstGeom>
+        </p:spPr>
+      </p:pic>
+      <p:pic>
+        <p:nvPicPr>
+          <p:cNvPr id="6" name="Picture 5" descr="A green and white logo&#10;&#10;Description automatically generated">
+            <a:extLst>
+              <a:ext uri="{FF2B5EF4-FFF2-40B4-BE49-F238E27FC236}">
+                <a16:creationId xmlns:a16="http://schemas.microsoft.com/office/drawing/2014/main" id="{A8D589F0-7425-5B59-77DF-43F5BCE24CB9}"/>
+              </a:ext>
+            </a:extLst>
+          </p:cNvPr>
+          <p:cNvPicPr>
+            <a:picLocks noChangeAspect="1"/>
+          </p:cNvPicPr>
+          <p:nvPr/>
+        </p:nvPicPr>
+        <p:blipFill>
+          <a:blip r:embed="rId3"/>
+          <a:stretch>
+            <a:fillRect/>
+          </a:stretch>
+        </p:blipFill>
+        <p:spPr>
+          <a:xfrm>
+            <a:off x="4545360" y="4804261"/>
+            <a:ext cx="3098104" cy="566205"/>
+          </a:xfrm>
+          <a:prstGeom prst="rect">
+            <a:avLst/>
+          </a:prstGeom>
+          <a:solidFill>
+            <a:srgbClr val="48A35D"/>
+          </a:solidFill>
+        </p:spPr>
+      </p:pic>
+      <p:sp>
+        <p:nvSpPr>
+          <p:cNvPr id="10" name="Plus Sign 9">
+            <a:extLst>
+              <a:ext uri="{FF2B5EF4-FFF2-40B4-BE49-F238E27FC236}">
+                <a16:creationId xmlns:a16="http://schemas.microsoft.com/office/drawing/2014/main" id="{7217E2CA-41FB-DB60-46C5-4A59EDD56131}"/>
+              </a:ext>
+            </a:extLst>
+          </p:cNvPr>
+          <p:cNvSpPr/>
+          <p:nvPr/>
+        </p:nvSpPr>
+        <p:spPr>
+          <a:xfrm>
+            <a:off x="5370511" y="3381487"/>
+            <a:ext cx="1447800" cy="1231392"/>
+          </a:xfrm>
+          <a:prstGeom prst="mathPlus">
+            <a:avLst/>
+          </a:prstGeom>
+          <a:solidFill>
+            <a:srgbClr val="185A4C"/>
+          </a:solidFill>
+        </p:spPr>
+        <p:style>
+          <a:lnRef idx="2">
+            <a:schemeClr val="accent1">
+              <a:shade val="50000"/>
+            </a:schemeClr>
+          </a:lnRef>
+          <a:fillRef idx="1">
+            <a:schemeClr val="accent1"/>
+          </a:fillRef>
+          <a:effectRef idx="0">
+            <a:schemeClr val="accent1"/>
+          </a:effectRef>
+          <a:fontRef idx="minor">
+            <a:schemeClr val="lt1"/>
+          </a:fontRef>
+        </p:style>
+        <p:txBody>
+          <a:bodyPr rtlCol="0" anchor="ctr"/>
           <a:lstStyle/>
           <a:p>
-            <a:r>
-              <a:rPr lang="en-US" dirty="0"/>
-              <a:t>Continuing Studies partnership with </a:t>
-            </a:r>
-            <a:r>
-              <a:rPr lang="en-US" dirty="0" err="1"/>
-              <a:t>RoboGarden</a:t>
-            </a:r>
-            <a:endParaRPr lang="en-US" dirty="0"/>
-          </a:p>
-          <a:p>
-            <a:r>
-              <a:rPr lang="en-US" dirty="0"/>
-              <a:t>Learning Machine Learning at UNBC</a:t>
-            </a:r>
-          </a:p>
-          <a:p>
-            <a:r>
-              <a:rPr lang="en-US" dirty="0"/>
-              <a:t>Other uses for machine learning at UNBC</a:t>
-            </a:r>
-          </a:p>
-          <a:p>
-            <a:pPr marL="377886" lvl="1" indent="0">
-              <a:buNone/>
-            </a:pPr>
-            <a:endParaRPr lang="en-US" dirty="0"/>
+            <a:pPr algn="ctr"/>
+            <a:endParaRPr lang="en-US" sz="2800"/>
           </a:p>
         </p:txBody>
       </p:sp>
@@ -7537,16 +8208,18 @@
         </p:nvSpPr>
         <p:spPr>
           <a:xfrm>
-            <a:off x="1218883" y="274637"/>
-            <a:ext cx="10360501" cy="792163"/>
+            <a:off x="1218883" y="86360"/>
+            <a:ext cx="10360501" cy="904239"/>
           </a:xfrm>
         </p:spPr>
         <p:txBody>
-          <a:bodyPr/>
+          <a:bodyPr>
+            <a:normAutofit/>
+          </a:bodyPr>
           <a:lstStyle/>
           <a:p>
             <a:r>
-              <a:rPr lang="en-US" dirty="0">
+              <a:rPr lang="en-US" sz="4400" dirty="0">
                 <a:solidFill>
                   <a:schemeClr val="accent3">
                     <a:lumMod val="60000"/>
@@ -7559,20 +8232,98 @@
           </a:p>
         </p:txBody>
       </p:sp>
-      <p:sp>
-        <p:nvSpPr>
-          <p:cNvPr id="8" name="Text Placeholder 7"/>
+      <p:pic>
+        <p:nvPicPr>
+          <p:cNvPr id="32" name="Picture 31" descr="A computer and a diagram&#10;&#10;Description automatically generated with medium confidence">
+            <a:extLst>
+              <a:ext uri="{FF2B5EF4-FFF2-40B4-BE49-F238E27FC236}">
+                <a16:creationId xmlns:a16="http://schemas.microsoft.com/office/drawing/2014/main" id="{B7471492-6E3B-3B3C-83DD-4FAAB19BA223}"/>
+              </a:ext>
+            </a:extLst>
+          </p:cNvPr>
+          <p:cNvPicPr>
+            <a:picLocks noChangeAspect="1"/>
+          </p:cNvPicPr>
+          <p:nvPr/>
+        </p:nvPicPr>
+        <p:blipFill>
+          <a:blip r:embed="rId2">
+            <a:extLst>
+              <a:ext uri="{28A0092B-C50C-407E-A947-70E740481C1C}">
+                <a14:useLocalDpi xmlns:a14="http://schemas.microsoft.com/office/drawing/2010/main" val="0"/>
+              </a:ext>
+            </a:extLst>
+          </a:blip>
+          <a:stretch>
+            <a:fillRect/>
+          </a:stretch>
+        </p:blipFill>
+        <p:spPr>
+          <a:xfrm>
+            <a:off x="1370012" y="1295400"/>
+            <a:ext cx="9704071" cy="5021857"/>
+          </a:xfrm>
+          <a:prstGeom prst="rect">
+            <a:avLst/>
+          </a:prstGeom>
+        </p:spPr>
+      </p:pic>
+    </p:spTree>
+    <p:extLst>
+      <p:ext uri="{BB962C8B-B14F-4D97-AF65-F5344CB8AC3E}">
+        <p14:creationId xmlns:p14="http://schemas.microsoft.com/office/powerpoint/2010/main" val="955642068"/>
+      </p:ext>
+    </p:extLst>
+  </p:cSld>
+  <p:clrMapOvr>
+    <a:masterClrMapping/>
+  </p:clrMapOvr>
+  <mc:AlternateContent xmlns:mc="http://schemas.openxmlformats.org/markup-compatibility/2006" xmlns:p14="http://schemas.microsoft.com/office/powerpoint/2010/main">
+    <mc:Choice Requires="p14">
+      <p:transition spd="med" p14:dur="700">
+        <p:fade/>
+      </p:transition>
+    </mc:Choice>
+    <mc:Fallback xmlns="">
+      <p:transition spd="med">
+        <p:fade/>
+      </p:transition>
+    </mc:Fallback>
+  </mc:AlternateContent>
+</p:sld>
+</file>
+
+<file path=ppt/slides/slide4.xml><?xml version="1.0" encoding="utf-8"?>
+<p:sld xmlns:a="http://schemas.openxmlformats.org/drawingml/2006/main" xmlns:r="http://schemas.openxmlformats.org/officeDocument/2006/relationships" xmlns:p="http://schemas.openxmlformats.org/presentationml/2006/main">
+  <p:cSld>
+    <p:spTree>
+      <p:nvGrpSpPr>
+        <p:cNvPr id="1" name=""/>
+        <p:cNvGrpSpPr/>
+        <p:nvPr/>
+      </p:nvGrpSpPr>
+      <p:grpSpPr>
+        <a:xfrm>
+          <a:off x="0" y="0"/>
+          <a:ext cx="0" cy="0"/>
+          <a:chOff x="0" y="0"/>
+          <a:chExt cx="0" cy="0"/>
+        </a:xfrm>
+      </p:grpSpPr>
+      <p:sp>
+        <p:nvSpPr>
+          <p:cNvPr id="7" name="Title 6"/>
           <p:cNvSpPr>
             <a:spLocks noGrp="1"/>
           </p:cNvSpPr>
           <p:nvPr>
-            <p:ph type="body" idx="1"/>
+            <p:ph type="title"/>
           </p:nvPr>
         </p:nvSpPr>
         <p:spPr>
           <a:xfrm>
-            <a:off x="1218883" y="1371600"/>
-            <a:ext cx="3351529" cy="508000"/>
+            <a:off x="1218883" y="304801"/>
+            <a:ext cx="10360501" cy="994702"/>
           </a:xfrm>
         </p:spPr>
         <p:txBody>
@@ -7581,88 +8332,127 @@
           </a:bodyPr>
           <a:lstStyle/>
           <a:p>
-            <a:pPr algn="ctr"/>
-            <a:r>
-              <a:rPr lang="en-US" sz="2000" dirty="0"/>
-              <a:t>Logistical Regression</a:t>
-            </a:r>
-          </a:p>
-        </p:txBody>
-      </p:sp>
-      <p:sp>
-        <p:nvSpPr>
-          <p:cNvPr id="10" name="Content Placeholder 9"/>
+            <a:r>
+              <a:rPr lang="en-US" sz="4400" dirty="0">
+                <a:solidFill>
+                  <a:schemeClr val="accent3">
+                    <a:lumMod val="60000"/>
+                    <a:lumOff val="40000"/>
+                  </a:schemeClr>
+                </a:solidFill>
+              </a:rPr>
+              <a:t>Machine Learning In Canada</a:t>
+            </a:r>
+          </a:p>
+        </p:txBody>
+      </p:sp>
+      <p:sp>
+        <p:nvSpPr>
+          <p:cNvPr id="3" name="Content Placeholder 2">
+            <a:extLst>
+              <a:ext uri="{FF2B5EF4-FFF2-40B4-BE49-F238E27FC236}">
+                <a16:creationId xmlns:a16="http://schemas.microsoft.com/office/drawing/2014/main" id="{AC053265-6A10-4985-B07B-C5B33F13CC65}"/>
+              </a:ext>
+            </a:extLst>
+          </p:cNvPr>
           <p:cNvSpPr>
             <a:spLocks noGrp="1"/>
           </p:cNvSpPr>
           <p:nvPr>
-            <p:ph sz="half" idx="2"/>
+            <p:ph idx="1"/>
           </p:nvPr>
         </p:nvSpPr>
         <p:spPr>
           <a:xfrm>
-            <a:off x="1447483" y="1981200"/>
-            <a:ext cx="3122929" cy="1168400"/>
+            <a:off x="1243837" y="3048000"/>
+            <a:ext cx="4120344" cy="2912724"/>
           </a:xfrm>
         </p:spPr>
         <p:txBody>
           <a:bodyPr/>
           <a:lstStyle/>
           <a:p>
-            <a:pPr>
+            <a:r>
+              <a:rPr lang="en-US" dirty="0" err="1"/>
+              <a:t>Attabotics</a:t>
+            </a:r>
+            <a:endParaRPr lang="en-US" dirty="0"/>
+          </a:p>
+          <a:p>
+            <a:pPr lvl="1"/>
+            <a:r>
+              <a:rPr lang="en-US" dirty="0"/>
+              <a:t>Teaching robotics for storage solutions</a:t>
+            </a:r>
+          </a:p>
+          <a:p>
+            <a:pPr lvl="1"/>
+            <a:r>
+              <a:rPr lang="en-US" dirty="0"/>
+              <a:t>Maximizing space</a:t>
+            </a:r>
+          </a:p>
+        </p:txBody>
+      </p:sp>
+      <p:sp>
+        <p:nvSpPr>
+          <p:cNvPr id="6" name="Title 6"/>
+          <p:cNvSpPr txBox="1">
+            <a:spLocks/>
+          </p:cNvSpPr>
+          <p:nvPr/>
+        </p:nvSpPr>
+        <p:spPr>
+          <a:xfrm>
+            <a:off x="1598612" y="1498600"/>
+            <a:ext cx="3733800" cy="994702"/>
+          </a:xfrm>
+          <a:prstGeom prst="rect">
+            <a:avLst/>
+          </a:prstGeom>
+        </p:spPr>
+        <p:txBody>
+          <a:bodyPr vert="horz" lIns="121899" tIns="60949" rIns="121899" bIns="60949" rtlCol="0" anchor="b">
+            <a:normAutofit fontScale="92500"/>
+          </a:bodyPr>
+          <a:lstStyle>
+            <a:lvl1pPr algn="l" defTabSz="1218987" rtl="0" eaLnBrk="1" latinLnBrk="0" hangingPunct="1">
               <a:lnSpc>
-                <a:spcPct val="100000"/>
+                <a:spcPct val="90000"/>
               </a:lnSpc>
               <a:spcBef>
-                <a:spcPts val="600"/>
+                <a:spcPct val="0"/>
               </a:spcBef>
-            </a:pPr>
-            <a:r>
-              <a:rPr lang="en-US" sz="1400" dirty="0"/>
-              <a:t>R2 Score = 0.663</a:t>
-            </a:r>
-          </a:p>
-          <a:p>
-            <a:pPr>
-              <a:spcBef>
-                <a:spcPts val="600"/>
-              </a:spcBef>
-            </a:pPr>
-            <a:r>
-              <a:rPr lang="en-US" sz="1400" dirty="0"/>
-              <a:t>Mean Squared Error = 0.138</a:t>
-            </a:r>
-          </a:p>
-          <a:p>
-            <a:pPr>
-              <a:spcBef>
-                <a:spcPts val="600"/>
-              </a:spcBef>
-            </a:pPr>
-            <a:r>
-              <a:rPr lang="en-US" sz="1400" dirty="0"/>
-              <a:t>Root Mean Squared Error = 0.371</a:t>
-            </a:r>
-          </a:p>
-          <a:p>
-            <a:pPr>
-              <a:spcBef>
-                <a:spcPts val="600"/>
-              </a:spcBef>
-            </a:pPr>
-            <a:r>
-              <a:rPr lang="en-US" sz="1400" dirty="0"/>
-              <a:t>Mean Absolute Error = 0.23</a:t>
-            </a:r>
-          </a:p>
-        </p:txBody>
-      </p:sp>
-      <p:sp>
-        <p:nvSpPr>
-          <p:cNvPr id="6" name="Text Placeholder 7">
+              <a:buNone/>
+              <a:defRPr sz="3600" kern="1200">
+                <a:solidFill>
+                  <a:schemeClr val="tx1"/>
+                </a:solidFill>
+                <a:latin typeface="+mj-lt"/>
+                <a:ea typeface="+mj-ea"/>
+                <a:cs typeface="+mj-cs"/>
+              </a:defRPr>
+            </a:lvl1pPr>
+          </a:lstStyle>
+          <a:p>
+            <a:pPr algn="ctr"/>
+            <a:r>
+              <a:rPr lang="en-US" sz="4400" dirty="0">
+                <a:solidFill>
+                  <a:srgbClr val="FFC000"/>
+                </a:solidFill>
+              </a:rPr>
+              <a:t>Green Initiatives</a:t>
+            </a:r>
+          </a:p>
+        </p:txBody>
+      </p:sp>
+      <p:sp>
+        <p:nvSpPr>
+          <p:cNvPr id="8" name="Content Placeholder 2">
             <a:extLst>
               <a:ext uri="{FF2B5EF4-FFF2-40B4-BE49-F238E27FC236}">
-                <a16:creationId xmlns:a16="http://schemas.microsoft.com/office/drawing/2014/main" id="{FDCF3B7F-3F23-26EF-F6AE-65FCFB50A200}"/>
+                <a16:creationId xmlns:a16="http://schemas.microsoft.com/office/drawing/2014/main" id="{2D130E7B-826E-CDD6-7FC3-46CD44A5E637}"/>
               </a:ext>
             </a:extLst>
           </p:cNvPr>
@@ -7673,252 +8463,16 @@
         </p:nvSpPr>
         <p:spPr>
           <a:xfrm>
-            <a:off x="1218883" y="3657599"/>
-            <a:ext cx="3427729" cy="681037"/>
+            <a:off x="6932612" y="3048000"/>
+            <a:ext cx="4876800" cy="3281452"/>
           </a:xfrm>
           <a:prstGeom prst="rect">
             <a:avLst/>
           </a:prstGeom>
         </p:spPr>
         <p:txBody>
-          <a:bodyPr vert="horz" lIns="121899" tIns="60949" rIns="121899" bIns="60949" rtlCol="0" anchor="b">
+          <a:bodyPr vert="horz" lIns="121899" tIns="60949" rIns="121899" bIns="60949" rtlCol="0">
             <a:normAutofit/>
-          </a:bodyPr>
-          <a:lstStyle>
-            <a:lvl1pPr marL="0" indent="0" algn="l" defTabSz="1218987" rtl="0" eaLnBrk="1" latinLnBrk="0" hangingPunct="1">
-              <a:lnSpc>
-                <a:spcPct val="90000"/>
-              </a:lnSpc>
-              <a:spcBef>
-                <a:spcPts val="0"/>
-              </a:spcBef>
-              <a:buClr>
-                <a:schemeClr val="accent1"/>
-              </a:buClr>
-              <a:buSzPct val="100000"/>
-              <a:buFont typeface="Arial" pitchFamily="34" charset="0"/>
-              <a:buNone/>
-              <a:defRPr sz="2800" b="0" kern="1200" cap="all" spc="200" baseline="0">
-                <a:solidFill>
-                  <a:schemeClr val="accent1"/>
-                </a:solidFill>
-                <a:latin typeface="+mn-lt"/>
-                <a:ea typeface="+mn-ea"/>
-                <a:cs typeface="+mn-cs"/>
-              </a:defRPr>
-            </a:lvl1pPr>
-            <a:lvl2pPr marL="609493" indent="0" algn="l" defTabSz="1218987" rtl="0" eaLnBrk="1" latinLnBrk="0" hangingPunct="1">
-              <a:lnSpc>
-                <a:spcPct val="90000"/>
-              </a:lnSpc>
-              <a:spcBef>
-                <a:spcPts val="800"/>
-              </a:spcBef>
-              <a:buClr>
-                <a:schemeClr val="accent1"/>
-              </a:buClr>
-              <a:buSzPct val="80000"/>
-              <a:buFont typeface="Arial" pitchFamily="34" charset="0"/>
-              <a:buNone/>
-              <a:defRPr sz="2700" b="1" kern="1200">
-                <a:solidFill>
-                  <a:schemeClr val="tx1"/>
-                </a:solidFill>
-                <a:latin typeface="+mn-lt"/>
-                <a:ea typeface="+mn-ea"/>
-                <a:cs typeface="+mn-cs"/>
-              </a:defRPr>
-            </a:lvl2pPr>
-            <a:lvl3pPr marL="1218987" indent="0" algn="l" defTabSz="1218987" rtl="0" eaLnBrk="1" latinLnBrk="0" hangingPunct="1">
-              <a:lnSpc>
-                <a:spcPct val="90000"/>
-              </a:lnSpc>
-              <a:spcBef>
-                <a:spcPts val="800"/>
-              </a:spcBef>
-              <a:buClr>
-                <a:schemeClr val="accent1"/>
-              </a:buClr>
-              <a:buSzPct val="80000"/>
-              <a:buFont typeface="Arial" pitchFamily="34" charset="0"/>
-              <a:buNone/>
-              <a:defRPr sz="2400" b="1" kern="1200">
-                <a:solidFill>
-                  <a:schemeClr val="tx1"/>
-                </a:solidFill>
-                <a:latin typeface="+mn-lt"/>
-                <a:ea typeface="+mn-ea"/>
-                <a:cs typeface="+mn-cs"/>
-              </a:defRPr>
-            </a:lvl3pPr>
-            <a:lvl4pPr marL="1828480" indent="0" algn="l" defTabSz="1218987" rtl="0" eaLnBrk="1" latinLnBrk="0" hangingPunct="1">
-              <a:lnSpc>
-                <a:spcPct val="90000"/>
-              </a:lnSpc>
-              <a:spcBef>
-                <a:spcPts val="800"/>
-              </a:spcBef>
-              <a:buClr>
-                <a:schemeClr val="accent1"/>
-              </a:buClr>
-              <a:buSzPct val="80000"/>
-              <a:buFont typeface="Arial" pitchFamily="34" charset="0"/>
-              <a:buNone/>
-              <a:defRPr sz="2100" b="1" kern="1200">
-                <a:solidFill>
-                  <a:schemeClr val="tx1"/>
-                </a:solidFill>
-                <a:latin typeface="+mn-lt"/>
-                <a:ea typeface="+mn-ea"/>
-                <a:cs typeface="+mn-cs"/>
-              </a:defRPr>
-            </a:lvl4pPr>
-            <a:lvl5pPr marL="2437973" indent="0" algn="l" defTabSz="1218987" rtl="0" eaLnBrk="1" latinLnBrk="0" hangingPunct="1">
-              <a:lnSpc>
-                <a:spcPct val="90000"/>
-              </a:lnSpc>
-              <a:spcBef>
-                <a:spcPts val="800"/>
-              </a:spcBef>
-              <a:buClr>
-                <a:schemeClr val="accent1"/>
-              </a:buClr>
-              <a:buSzPct val="80000"/>
-              <a:buFont typeface="Arial" pitchFamily="34" charset="0"/>
-              <a:buNone/>
-              <a:defRPr sz="2100" b="1" kern="1200">
-                <a:solidFill>
-                  <a:schemeClr val="tx1"/>
-                </a:solidFill>
-                <a:latin typeface="+mn-lt"/>
-                <a:ea typeface="+mn-ea"/>
-                <a:cs typeface="+mn-cs"/>
-              </a:defRPr>
-            </a:lvl5pPr>
-            <a:lvl6pPr marL="3047467" indent="0" algn="l" defTabSz="1218987" rtl="0" eaLnBrk="1" latinLnBrk="0" hangingPunct="1">
-              <a:lnSpc>
-                <a:spcPct val="90000"/>
-              </a:lnSpc>
-              <a:spcBef>
-                <a:spcPts val="800"/>
-              </a:spcBef>
-              <a:buClr>
-                <a:schemeClr val="accent1"/>
-              </a:buClr>
-              <a:buSzPct val="80000"/>
-              <a:buFont typeface="Arial" pitchFamily="34" charset="0"/>
-              <a:buNone/>
-              <a:defRPr sz="2100" b="1" kern="1200">
-                <a:solidFill>
-                  <a:schemeClr val="tx1"/>
-                </a:solidFill>
-                <a:latin typeface="+mn-lt"/>
-                <a:ea typeface="+mn-ea"/>
-                <a:cs typeface="+mn-cs"/>
-              </a:defRPr>
-            </a:lvl6pPr>
-            <a:lvl7pPr marL="3656960" indent="0" algn="l" defTabSz="1218987" rtl="0" eaLnBrk="1" latinLnBrk="0" hangingPunct="1">
-              <a:lnSpc>
-                <a:spcPct val="90000"/>
-              </a:lnSpc>
-              <a:spcBef>
-                <a:spcPts val="800"/>
-              </a:spcBef>
-              <a:buClr>
-                <a:schemeClr val="accent1"/>
-              </a:buClr>
-              <a:buSzPct val="80000"/>
-              <a:buFont typeface="Arial" pitchFamily="34" charset="0"/>
-              <a:buNone/>
-              <a:defRPr sz="2100" b="1" kern="1200">
-                <a:solidFill>
-                  <a:schemeClr val="tx1"/>
-                </a:solidFill>
-                <a:latin typeface="+mn-lt"/>
-                <a:ea typeface="+mn-ea"/>
-                <a:cs typeface="+mn-cs"/>
-              </a:defRPr>
-            </a:lvl7pPr>
-            <a:lvl8pPr marL="4266453" indent="0" algn="l" defTabSz="1218987" rtl="0" eaLnBrk="1" latinLnBrk="0" hangingPunct="1">
-              <a:lnSpc>
-                <a:spcPct val="90000"/>
-              </a:lnSpc>
-              <a:spcBef>
-                <a:spcPts val="800"/>
-              </a:spcBef>
-              <a:buClr>
-                <a:schemeClr val="accent1"/>
-              </a:buClr>
-              <a:buSzPct val="80000"/>
-              <a:buFont typeface="Arial" pitchFamily="34" charset="0"/>
-              <a:buNone/>
-              <a:defRPr sz="2100" b="1" kern="1200" baseline="0">
-                <a:solidFill>
-                  <a:schemeClr val="tx1"/>
-                </a:solidFill>
-                <a:latin typeface="+mn-lt"/>
-                <a:ea typeface="+mn-ea"/>
-                <a:cs typeface="+mn-cs"/>
-              </a:defRPr>
-            </a:lvl8pPr>
-            <a:lvl9pPr marL="4875947" indent="0" algn="l" defTabSz="1218987" rtl="0" eaLnBrk="1" latinLnBrk="0" hangingPunct="1">
-              <a:lnSpc>
-                <a:spcPct val="90000"/>
-              </a:lnSpc>
-              <a:spcBef>
-                <a:spcPts val="800"/>
-              </a:spcBef>
-              <a:buClr>
-                <a:schemeClr val="accent1"/>
-              </a:buClr>
-              <a:buSzPct val="80000"/>
-              <a:buFont typeface="Arial" pitchFamily="34" charset="0"/>
-              <a:buNone/>
-              <a:defRPr sz="2100" b="1" kern="1200" baseline="0">
-                <a:solidFill>
-                  <a:schemeClr val="tx1"/>
-                </a:solidFill>
-                <a:latin typeface="+mn-lt"/>
-                <a:ea typeface="+mn-ea"/>
-                <a:cs typeface="+mn-cs"/>
-              </a:defRPr>
-            </a:lvl9pPr>
-          </a:lstStyle>
-          <a:p>
-            <a:pPr algn="ctr"/>
-            <a:r>
-              <a:rPr lang="en-US" sz="2000" dirty="0"/>
-              <a:t>Random Forest Regression</a:t>
-            </a:r>
-          </a:p>
-        </p:txBody>
-      </p:sp>
-      <p:sp>
-        <p:nvSpPr>
-          <p:cNvPr id="12" name="Content Placeholder 9">
-            <a:extLst>
-              <a:ext uri="{FF2B5EF4-FFF2-40B4-BE49-F238E27FC236}">
-                <a16:creationId xmlns:a16="http://schemas.microsoft.com/office/drawing/2014/main" id="{4FF9F0B5-B57F-9F67-4DF3-01D70153199D}"/>
-              </a:ext>
-            </a:extLst>
-          </p:cNvPr>
-          <p:cNvSpPr txBox="1">
-            <a:spLocks/>
-          </p:cNvSpPr>
-          <p:nvPr/>
-        </p:nvSpPr>
-        <p:spPr>
-          <a:xfrm>
-            <a:off x="1447483" y="4341432"/>
-            <a:ext cx="3122929" cy="1168400"/>
-          </a:xfrm>
-          <a:prstGeom prst="rect">
-            <a:avLst/>
-          </a:prstGeom>
-        </p:spPr>
-        <p:txBody>
-          <a:bodyPr vert="horz" lIns="121899" tIns="60949" rIns="121899" bIns="60949" rtlCol="0">
-            <a:noAutofit/>
           </a:bodyPr>
           <a:lstStyle>
             <a:lvl1pPr marL="304747" indent="-304747" algn="l" defTabSz="1218987" rtl="0" eaLnBrk="1" latinLnBrk="0" hangingPunct="1">
@@ -8066,7 +8620,7 @@
               <a:buSzPct val="80000"/>
               <a:buFont typeface="Arial" pitchFamily="34" charset="0"/>
               <a:buChar char="•"/>
-              <a:defRPr sz="2000" kern="1200" baseline="0">
+              <a:defRPr sz="2000" kern="1200">
                 <a:solidFill>
                   <a:schemeClr val="tx1"/>
                 </a:solidFill>
@@ -8121,60 +8675,37 @@
             </a:lvl9pPr>
           </a:lstStyle>
           <a:p>
-            <a:pPr>
-              <a:lnSpc>
-                <a:spcPct val="100000"/>
-              </a:lnSpc>
-              <a:spcBef>
-                <a:spcPts val="600"/>
-              </a:spcBef>
-            </a:pPr>
-            <a:r>
-              <a:rPr lang="en-US" sz="1400" dirty="0"/>
-              <a:t>R2 Score = 0.906</a:t>
-            </a:r>
-          </a:p>
-          <a:p>
-            <a:pPr>
-              <a:spcBef>
-                <a:spcPts val="600"/>
-              </a:spcBef>
-            </a:pPr>
-            <a:r>
-              <a:rPr lang="en-US" sz="1400" dirty="0"/>
-              <a:t>Mean Squared Error = 0.038</a:t>
-            </a:r>
-          </a:p>
-          <a:p>
-            <a:pPr>
-              <a:spcBef>
-                <a:spcPts val="600"/>
-              </a:spcBef>
-            </a:pPr>
-            <a:r>
-              <a:rPr lang="en-US" sz="1400" dirty="0"/>
-              <a:t>Root Mean Squared Error = 0.196</a:t>
-            </a:r>
-          </a:p>
-          <a:p>
-            <a:pPr>
-              <a:spcBef>
-                <a:spcPts val="600"/>
-              </a:spcBef>
-            </a:pPr>
-            <a:r>
-              <a:rPr lang="en-US" sz="1400" dirty="0"/>
-              <a:t>Mean Absolute Error = 0.067</a:t>
-            </a:r>
-          </a:p>
-        </p:txBody>
-      </p:sp>
-      <p:sp>
-        <p:nvSpPr>
-          <p:cNvPr id="13" name="Text Placeholder 7">
+            <a:r>
+              <a:rPr lang="en-US" dirty="0"/>
+              <a:t>In Canada and throughout the world</a:t>
+            </a:r>
+          </a:p>
+          <a:p>
+            <a:r>
+              <a:rPr lang="en-US" dirty="0"/>
+              <a:t>Cancer - Early detection</a:t>
+            </a:r>
+          </a:p>
+          <a:p>
+            <a:r>
+              <a:rPr lang="en-US" dirty="0"/>
+              <a:t>Fast processing times</a:t>
+            </a:r>
+          </a:p>
+          <a:p>
+            <a:r>
+              <a:rPr lang="en-US" dirty="0"/>
+              <a:t>False positives better than false negatives</a:t>
+            </a:r>
+          </a:p>
+        </p:txBody>
+      </p:sp>
+      <p:sp>
+        <p:nvSpPr>
+          <p:cNvPr id="9" name="Title 6">
             <a:extLst>
               <a:ext uri="{FF2B5EF4-FFF2-40B4-BE49-F238E27FC236}">
-                <a16:creationId xmlns:a16="http://schemas.microsoft.com/office/drawing/2014/main" id="{1A9BCD5C-CBD9-94D8-A89A-D2839A2545AB}"/>
+                <a16:creationId xmlns:a16="http://schemas.microsoft.com/office/drawing/2014/main" id="{289F8318-3256-C748-290F-078CC32A0D48}"/>
               </a:ext>
             </a:extLst>
           </p:cNvPr>
@@ -8185,8 +8716,8 @@
         </p:nvSpPr>
         <p:spPr>
           <a:xfrm>
-            <a:off x="4951412" y="1371600"/>
-            <a:ext cx="3351529" cy="508000"/>
+            <a:off x="7313612" y="1498600"/>
+            <a:ext cx="3733800" cy="994702"/>
           </a:xfrm>
           <a:prstGeom prst="rect">
             <a:avLst/>
@@ -8194,2189 +8725,77 @@
         </p:spPr>
         <p:txBody>
           <a:bodyPr vert="horz" lIns="121899" tIns="60949" rIns="121899" bIns="60949" rtlCol="0" anchor="b">
-            <a:normAutofit/>
+            <a:normAutofit fontScale="92500"/>
           </a:bodyPr>
           <a:lstStyle>
-            <a:lvl1pPr marL="0" indent="0" algn="l" defTabSz="1218987" rtl="0" eaLnBrk="1" latinLnBrk="0" hangingPunct="1">
+            <a:lvl1pPr algn="l" defTabSz="1218987" rtl="0" eaLnBrk="1" latinLnBrk="0" hangingPunct="1">
               <a:lnSpc>
                 <a:spcPct val="90000"/>
               </a:lnSpc>
               <a:spcBef>
-                <a:spcPts val="0"/>
+                <a:spcPct val="0"/>
               </a:spcBef>
-              <a:buClr>
-                <a:schemeClr val="accent1"/>
-              </a:buClr>
-              <a:buSzPct val="100000"/>
-              <a:buFont typeface="Arial" pitchFamily="34" charset="0"/>
               <a:buNone/>
-              <a:defRPr sz="2800" b="0" kern="1200" cap="all" spc="200" baseline="0">
-                <a:solidFill>
-                  <a:schemeClr val="accent1"/>
-                </a:solidFill>
-                <a:latin typeface="+mn-lt"/>
-                <a:ea typeface="+mn-ea"/>
-                <a:cs typeface="+mn-cs"/>
-              </a:defRPr>
-            </a:lvl1pPr>
-            <a:lvl2pPr marL="609493" indent="0" algn="l" defTabSz="1218987" rtl="0" eaLnBrk="1" latinLnBrk="0" hangingPunct="1">
-              <a:lnSpc>
-                <a:spcPct val="90000"/>
-              </a:lnSpc>
-              <a:spcBef>
-                <a:spcPts val="800"/>
-              </a:spcBef>
-              <a:buClr>
-                <a:schemeClr val="accent1"/>
-              </a:buClr>
-              <a:buSzPct val="80000"/>
-              <a:buFont typeface="Arial" pitchFamily="34" charset="0"/>
-              <a:buNone/>
-              <a:defRPr sz="2700" b="1" kern="1200">
+              <a:defRPr sz="3600" kern="1200">
                 <a:solidFill>
                   <a:schemeClr val="tx1"/>
                 </a:solidFill>
-                <a:latin typeface="+mn-lt"/>
-                <a:ea typeface="+mn-ea"/>
-                <a:cs typeface="+mn-cs"/>
+                <a:latin typeface="+mj-lt"/>
+                <a:ea typeface="+mj-ea"/>
+                <a:cs typeface="+mj-cs"/>
               </a:defRPr>
-            </a:lvl2pPr>
-            <a:lvl3pPr marL="1218987" indent="0" algn="l" defTabSz="1218987" rtl="0" eaLnBrk="1" latinLnBrk="0" hangingPunct="1">
-              <a:lnSpc>
-                <a:spcPct val="90000"/>
-              </a:lnSpc>
-              <a:spcBef>
-                <a:spcPts val="800"/>
-              </a:spcBef>
-              <a:buClr>
-                <a:schemeClr val="accent1"/>
-              </a:buClr>
-              <a:buSzPct val="80000"/>
-              <a:buFont typeface="Arial" pitchFamily="34" charset="0"/>
-              <a:buNone/>
-              <a:defRPr sz="2400" b="1" kern="1200">
+            </a:lvl1pPr>
+          </a:lstStyle>
+          <a:p>
+            <a:pPr algn="ctr"/>
+            <a:r>
+              <a:rPr lang="en-US" sz="4400" dirty="0">
                 <a:solidFill>
-                  <a:schemeClr val="tx1"/>
+                  <a:srgbClr val="FFC000"/>
                 </a:solidFill>
-                <a:latin typeface="+mn-lt"/>
-                <a:ea typeface="+mn-ea"/>
-                <a:cs typeface="+mn-cs"/>
-              </a:defRPr>
-            </a:lvl3pPr>
-            <a:lvl4pPr marL="1828480" indent="0" algn="l" defTabSz="1218987" rtl="0" eaLnBrk="1" latinLnBrk="0" hangingPunct="1">
-              <a:lnSpc>
-                <a:spcPct val="90000"/>
-              </a:lnSpc>
-              <a:spcBef>
-                <a:spcPts val="800"/>
-              </a:spcBef>
-              <a:buClr>
-                <a:schemeClr val="accent1"/>
-              </a:buClr>
-              <a:buSzPct val="80000"/>
-              <a:buFont typeface="Arial" pitchFamily="34" charset="0"/>
-              <a:buNone/>
-              <a:defRPr sz="2100" b="1" kern="1200">
-                <a:solidFill>
-                  <a:schemeClr val="tx1"/>
-                </a:solidFill>
-                <a:latin typeface="+mn-lt"/>
-                <a:ea typeface="+mn-ea"/>
-                <a:cs typeface="+mn-cs"/>
-              </a:defRPr>
-            </a:lvl4pPr>
-            <a:lvl5pPr marL="2437973" indent="0" algn="l" defTabSz="1218987" rtl="0" eaLnBrk="1" latinLnBrk="0" hangingPunct="1">
-              <a:lnSpc>
-                <a:spcPct val="90000"/>
-              </a:lnSpc>
-              <a:spcBef>
-                <a:spcPts val="800"/>
-              </a:spcBef>
-              <a:buClr>
-                <a:schemeClr val="accent1"/>
-              </a:buClr>
-              <a:buSzPct val="80000"/>
-              <a:buFont typeface="Arial" pitchFamily="34" charset="0"/>
-              <a:buNone/>
-              <a:defRPr sz="2100" b="1" kern="1200">
-                <a:solidFill>
-                  <a:schemeClr val="tx1"/>
-                </a:solidFill>
-                <a:latin typeface="+mn-lt"/>
-                <a:ea typeface="+mn-ea"/>
-                <a:cs typeface="+mn-cs"/>
-              </a:defRPr>
-            </a:lvl5pPr>
-            <a:lvl6pPr marL="3047467" indent="0" algn="l" defTabSz="1218987" rtl="0" eaLnBrk="1" latinLnBrk="0" hangingPunct="1">
-              <a:lnSpc>
-                <a:spcPct val="90000"/>
-              </a:lnSpc>
-              <a:spcBef>
-                <a:spcPts val="800"/>
-              </a:spcBef>
-              <a:buClr>
-                <a:schemeClr val="accent1"/>
-              </a:buClr>
-              <a:buSzPct val="80000"/>
-              <a:buFont typeface="Arial" pitchFamily="34" charset="0"/>
-              <a:buNone/>
-              <a:defRPr sz="2100" b="1" kern="1200">
-                <a:solidFill>
-                  <a:schemeClr val="tx1"/>
-                </a:solidFill>
-                <a:latin typeface="+mn-lt"/>
-                <a:ea typeface="+mn-ea"/>
-                <a:cs typeface="+mn-cs"/>
-              </a:defRPr>
-            </a:lvl6pPr>
-            <a:lvl7pPr marL="3656960" indent="0" algn="l" defTabSz="1218987" rtl="0" eaLnBrk="1" latinLnBrk="0" hangingPunct="1">
-              <a:lnSpc>
-                <a:spcPct val="90000"/>
-              </a:lnSpc>
-              <a:spcBef>
-                <a:spcPts val="800"/>
-              </a:spcBef>
-              <a:buClr>
-                <a:schemeClr val="accent1"/>
-              </a:buClr>
-              <a:buSzPct val="80000"/>
-              <a:buFont typeface="Arial" pitchFamily="34" charset="0"/>
-              <a:buNone/>
-              <a:defRPr sz="2100" b="1" kern="1200">
-                <a:solidFill>
-                  <a:schemeClr val="tx1"/>
-                </a:solidFill>
-                <a:latin typeface="+mn-lt"/>
-                <a:ea typeface="+mn-ea"/>
-                <a:cs typeface="+mn-cs"/>
-              </a:defRPr>
-            </a:lvl7pPr>
-            <a:lvl8pPr marL="4266453" indent="0" algn="l" defTabSz="1218987" rtl="0" eaLnBrk="1" latinLnBrk="0" hangingPunct="1">
-              <a:lnSpc>
-                <a:spcPct val="90000"/>
-              </a:lnSpc>
-              <a:spcBef>
-                <a:spcPts val="800"/>
-              </a:spcBef>
-              <a:buClr>
-                <a:schemeClr val="accent1"/>
-              </a:buClr>
-              <a:buSzPct val="80000"/>
-              <a:buFont typeface="Arial" pitchFamily="34" charset="0"/>
-              <a:buNone/>
-              <a:defRPr sz="2100" b="1" kern="1200" baseline="0">
-                <a:solidFill>
-                  <a:schemeClr val="tx1"/>
-                </a:solidFill>
-                <a:latin typeface="+mn-lt"/>
-                <a:ea typeface="+mn-ea"/>
-                <a:cs typeface="+mn-cs"/>
-              </a:defRPr>
-            </a:lvl8pPr>
-            <a:lvl9pPr marL="4875947" indent="0" algn="l" defTabSz="1218987" rtl="0" eaLnBrk="1" latinLnBrk="0" hangingPunct="1">
-              <a:lnSpc>
-                <a:spcPct val="90000"/>
-              </a:lnSpc>
-              <a:spcBef>
-                <a:spcPts val="800"/>
-              </a:spcBef>
-              <a:buClr>
-                <a:schemeClr val="accent1"/>
-              </a:buClr>
-              <a:buSzPct val="80000"/>
-              <a:buFont typeface="Arial" pitchFamily="34" charset="0"/>
-              <a:buNone/>
-              <a:defRPr sz="2100" b="1" kern="1200" baseline="0">
-                <a:solidFill>
-                  <a:schemeClr val="tx1"/>
-                </a:solidFill>
-                <a:latin typeface="+mn-lt"/>
-                <a:ea typeface="+mn-ea"/>
-                <a:cs typeface="+mn-cs"/>
-              </a:defRPr>
-            </a:lvl9pPr>
-          </a:lstStyle>
-          <a:p>
-            <a:pPr algn="ctr"/>
-            <a:r>
-              <a:rPr lang="en-US" sz="2000" dirty="0"/>
-              <a:t>KNN Regression</a:t>
-            </a:r>
-          </a:p>
-        </p:txBody>
-      </p:sp>
-      <p:sp>
-        <p:nvSpPr>
-          <p:cNvPr id="14" name="Content Placeholder 9">
+              </a:rPr>
+              <a:t>Health Industry</a:t>
+            </a:r>
+          </a:p>
+        </p:txBody>
+      </p:sp>
+      <p:cxnSp>
+        <p:nvCxnSpPr>
+          <p:cNvPr id="11" name="Straight Connector 10">
             <a:extLst>
               <a:ext uri="{FF2B5EF4-FFF2-40B4-BE49-F238E27FC236}">
-                <a16:creationId xmlns:a16="http://schemas.microsoft.com/office/drawing/2014/main" id="{215D15DD-70DB-F1E6-7EF0-34A2F7B7CD5F}"/>
+                <a16:creationId xmlns:a16="http://schemas.microsoft.com/office/drawing/2014/main" id="{94520D8E-F535-586F-8B8B-B8553565003B}"/>
               </a:ext>
             </a:extLst>
           </p:cNvPr>
-          <p:cNvSpPr txBox="1">
-            <a:spLocks/>
-          </p:cNvSpPr>
+          <p:cNvCxnSpPr/>
           <p:nvPr/>
-        </p:nvSpPr>
+        </p:nvCxnSpPr>
         <p:spPr>
-          <a:xfrm>
-            <a:off x="5180012" y="1981200"/>
-            <a:ext cx="3122929" cy="1168400"/>
+          <a:xfrm flipH="1">
+            <a:off x="6360397" y="1833652"/>
+            <a:ext cx="77471" cy="4495800"/>
           </a:xfrm>
-          <a:prstGeom prst="rect">
+          <a:prstGeom prst="line">
             <a:avLst/>
           </a:prstGeom>
+          <a:ln w="25400"/>
         </p:spPr>
-        <p:txBody>
-          <a:bodyPr vert="horz" lIns="121899" tIns="60949" rIns="121899" bIns="60949" rtlCol="0">
-            <a:noAutofit/>
-          </a:bodyPr>
-          <a:lstStyle>
-            <a:lvl1pPr marL="304747" indent="-304747" algn="l" defTabSz="1218987" rtl="0" eaLnBrk="1" latinLnBrk="0" hangingPunct="1">
-              <a:lnSpc>
-                <a:spcPct val="90000"/>
-              </a:lnSpc>
-              <a:spcBef>
-                <a:spcPts val="1600"/>
-              </a:spcBef>
-              <a:buClr>
-                <a:schemeClr val="accent1"/>
-              </a:buClr>
-              <a:buSzPct val="100000"/>
-              <a:buFont typeface="Arial" pitchFamily="34" charset="0"/>
-              <a:buChar char="•"/>
-              <a:defRPr sz="2800" kern="1200">
-                <a:solidFill>
-                  <a:schemeClr val="tx1"/>
-                </a:solidFill>
-                <a:latin typeface="+mn-lt"/>
-                <a:ea typeface="+mn-ea"/>
-                <a:cs typeface="+mn-cs"/>
-              </a:defRPr>
-            </a:lvl1pPr>
-            <a:lvl2pPr marL="609493" indent="-231607" algn="l" defTabSz="1218987" rtl="0" eaLnBrk="1" latinLnBrk="0" hangingPunct="1">
-              <a:lnSpc>
-                <a:spcPct val="90000"/>
-              </a:lnSpc>
-              <a:spcBef>
-                <a:spcPts val="800"/>
-              </a:spcBef>
-              <a:buClr>
-                <a:schemeClr val="accent1"/>
-              </a:buClr>
-              <a:buSzPct val="80000"/>
-              <a:buFont typeface="Arial" pitchFamily="34" charset="0"/>
-              <a:buChar char="•"/>
-              <a:defRPr sz="2400" kern="1200">
-                <a:solidFill>
-                  <a:schemeClr val="tx1"/>
-                </a:solidFill>
-                <a:latin typeface="+mn-lt"/>
-                <a:ea typeface="+mn-ea"/>
-                <a:cs typeface="+mn-cs"/>
-              </a:defRPr>
-            </a:lvl2pPr>
-            <a:lvl3pPr marL="914240" indent="-231607" algn="l" defTabSz="1218987" rtl="0" eaLnBrk="1" latinLnBrk="0" hangingPunct="1">
-              <a:lnSpc>
-                <a:spcPct val="90000"/>
-              </a:lnSpc>
-              <a:spcBef>
-                <a:spcPts val="800"/>
-              </a:spcBef>
-              <a:buClr>
-                <a:schemeClr val="accent1"/>
-              </a:buClr>
-              <a:buSzPct val="80000"/>
-              <a:buFont typeface="Arial" pitchFamily="34" charset="0"/>
-              <a:buChar char="•"/>
-              <a:defRPr sz="2000" kern="1200">
-                <a:solidFill>
-                  <a:schemeClr val="tx1"/>
-                </a:solidFill>
-                <a:latin typeface="+mn-lt"/>
-                <a:ea typeface="+mn-ea"/>
-                <a:cs typeface="+mn-cs"/>
-              </a:defRPr>
-            </a:lvl3pPr>
-            <a:lvl4pPr marL="1218987" indent="-231607" algn="l" defTabSz="1218987" rtl="0" eaLnBrk="1" latinLnBrk="0" hangingPunct="1">
-              <a:lnSpc>
-                <a:spcPct val="90000"/>
-              </a:lnSpc>
-              <a:spcBef>
-                <a:spcPts val="800"/>
-              </a:spcBef>
-              <a:buClr>
-                <a:schemeClr val="accent1"/>
-              </a:buClr>
-              <a:buSzPct val="80000"/>
-              <a:buFont typeface="Arial" pitchFamily="34" charset="0"/>
-              <a:buChar char="•"/>
-              <a:defRPr sz="2000" kern="1200">
-                <a:solidFill>
-                  <a:schemeClr val="tx1"/>
-                </a:solidFill>
-                <a:latin typeface="+mn-lt"/>
-                <a:ea typeface="+mn-ea"/>
-                <a:cs typeface="+mn-cs"/>
-              </a:defRPr>
-            </a:lvl4pPr>
-            <a:lvl5pPr marL="1523733" indent="-231607" algn="l" defTabSz="1218987" rtl="0" eaLnBrk="1" latinLnBrk="0" hangingPunct="1">
-              <a:lnSpc>
-                <a:spcPct val="90000"/>
-              </a:lnSpc>
-              <a:spcBef>
-                <a:spcPts val="800"/>
-              </a:spcBef>
-              <a:buClr>
-                <a:schemeClr val="accent1"/>
-              </a:buClr>
-              <a:buSzPct val="80000"/>
-              <a:buFont typeface="Arial" pitchFamily="34" charset="0"/>
-              <a:buChar char="•"/>
-              <a:defRPr sz="2000" kern="1200">
-                <a:solidFill>
-                  <a:schemeClr val="tx1"/>
-                </a:solidFill>
-                <a:latin typeface="+mn-lt"/>
-                <a:ea typeface="+mn-ea"/>
-                <a:cs typeface="+mn-cs"/>
-              </a:defRPr>
-            </a:lvl5pPr>
-            <a:lvl6pPr marL="1828480" indent="-231607" algn="l" defTabSz="1218987" rtl="0" eaLnBrk="1" latinLnBrk="0" hangingPunct="1">
-              <a:lnSpc>
-                <a:spcPct val="90000"/>
-              </a:lnSpc>
-              <a:spcBef>
-                <a:spcPts val="800"/>
-              </a:spcBef>
-              <a:buClr>
-                <a:schemeClr val="accent1"/>
-              </a:buClr>
-              <a:buSzPct val="80000"/>
-              <a:buFont typeface="Arial" pitchFamily="34" charset="0"/>
-              <a:buChar char="•"/>
-              <a:defRPr sz="2000" kern="1200">
-                <a:solidFill>
-                  <a:schemeClr val="tx1"/>
-                </a:solidFill>
-                <a:latin typeface="+mn-lt"/>
-                <a:ea typeface="+mn-ea"/>
-                <a:cs typeface="+mn-cs"/>
-              </a:defRPr>
-            </a:lvl6pPr>
-            <a:lvl7pPr marL="2133227" indent="-231607" algn="l" defTabSz="1218987" rtl="0" eaLnBrk="1" latinLnBrk="0" hangingPunct="1">
-              <a:lnSpc>
-                <a:spcPct val="90000"/>
-              </a:lnSpc>
-              <a:spcBef>
-                <a:spcPts val="800"/>
-              </a:spcBef>
-              <a:buClr>
-                <a:schemeClr val="accent1"/>
-              </a:buClr>
-              <a:buSzPct val="80000"/>
-              <a:buFont typeface="Arial" pitchFamily="34" charset="0"/>
-              <a:buChar char="•"/>
-              <a:defRPr sz="2000" kern="1200" baseline="0">
-                <a:solidFill>
-                  <a:schemeClr val="tx1"/>
-                </a:solidFill>
-                <a:latin typeface="+mn-lt"/>
-                <a:ea typeface="+mn-ea"/>
-                <a:cs typeface="+mn-cs"/>
-              </a:defRPr>
-            </a:lvl7pPr>
-            <a:lvl8pPr marL="2437973" indent="-231607" algn="l" defTabSz="1218987" rtl="0" eaLnBrk="1" latinLnBrk="0" hangingPunct="1">
-              <a:lnSpc>
-                <a:spcPct val="90000"/>
-              </a:lnSpc>
-              <a:spcBef>
-                <a:spcPts val="800"/>
-              </a:spcBef>
-              <a:buClr>
-                <a:schemeClr val="accent1"/>
-              </a:buClr>
-              <a:buSzPct val="80000"/>
-              <a:buFont typeface="Arial" pitchFamily="34" charset="0"/>
-              <a:buChar char="•"/>
-              <a:defRPr sz="2000" kern="1200" baseline="0">
-                <a:solidFill>
-                  <a:schemeClr val="tx1"/>
-                </a:solidFill>
-                <a:latin typeface="+mn-lt"/>
-                <a:ea typeface="+mn-ea"/>
-                <a:cs typeface="+mn-cs"/>
-              </a:defRPr>
-            </a:lvl8pPr>
-            <a:lvl9pPr marL="2742720" indent="-231607" algn="l" defTabSz="1218987" rtl="0" eaLnBrk="1" latinLnBrk="0" hangingPunct="1">
-              <a:lnSpc>
-                <a:spcPct val="90000"/>
-              </a:lnSpc>
-              <a:spcBef>
-                <a:spcPts val="800"/>
-              </a:spcBef>
-              <a:buClr>
-                <a:schemeClr val="accent1"/>
-              </a:buClr>
-              <a:buSzPct val="80000"/>
-              <a:buFont typeface="Arial" pitchFamily="34" charset="0"/>
-              <a:buChar char="•"/>
-              <a:defRPr sz="2000" kern="1200" baseline="0">
-                <a:solidFill>
-                  <a:schemeClr val="tx1"/>
-                </a:solidFill>
-                <a:latin typeface="+mn-lt"/>
-                <a:ea typeface="+mn-ea"/>
-                <a:cs typeface="+mn-cs"/>
-              </a:defRPr>
-            </a:lvl9pPr>
-          </a:lstStyle>
-          <a:p>
-            <a:pPr>
-              <a:lnSpc>
-                <a:spcPct val="100000"/>
-              </a:lnSpc>
-              <a:spcBef>
-                <a:spcPts val="600"/>
-              </a:spcBef>
-            </a:pPr>
-            <a:r>
-              <a:rPr lang="en-US" sz="1400" dirty="0"/>
-              <a:t>R2 Score = 0.840</a:t>
-            </a:r>
-          </a:p>
-          <a:p>
-            <a:pPr>
-              <a:lnSpc>
-                <a:spcPct val="100000"/>
-              </a:lnSpc>
-              <a:spcBef>
-                <a:spcPts val="600"/>
-              </a:spcBef>
-            </a:pPr>
-            <a:r>
-              <a:rPr lang="en-US" sz="1400" dirty="0"/>
-              <a:t>Mean Squared Error = 0.065</a:t>
-            </a:r>
-          </a:p>
-          <a:p>
-            <a:pPr>
-              <a:spcBef>
-                <a:spcPts val="600"/>
-              </a:spcBef>
-            </a:pPr>
-            <a:r>
-              <a:rPr lang="en-US" sz="1400" dirty="0"/>
-              <a:t>Root Mean Squared Error = 0.256</a:t>
-            </a:r>
-          </a:p>
-          <a:p>
-            <a:pPr>
-              <a:spcBef>
-                <a:spcPts val="600"/>
-              </a:spcBef>
-            </a:pPr>
-            <a:r>
-              <a:rPr lang="en-US" sz="1400" dirty="0"/>
-              <a:t>Mean Absolute Error = 0.090</a:t>
-            </a:r>
-          </a:p>
-        </p:txBody>
-      </p:sp>
-      <p:sp>
-        <p:nvSpPr>
-          <p:cNvPr id="15" name="Text Placeholder 7">
-            <a:extLst>
-              <a:ext uri="{FF2B5EF4-FFF2-40B4-BE49-F238E27FC236}">
-                <a16:creationId xmlns:a16="http://schemas.microsoft.com/office/drawing/2014/main" id="{E409EA73-5495-D6E3-AA74-2E3915ACF849}"/>
-              </a:ext>
-            </a:extLst>
-          </p:cNvPr>
-          <p:cNvSpPr txBox="1">
-            <a:spLocks/>
-          </p:cNvSpPr>
-          <p:nvPr/>
-        </p:nvSpPr>
-        <p:spPr>
-          <a:xfrm>
-            <a:off x="8380412" y="1371600"/>
-            <a:ext cx="3503929" cy="609600"/>
-          </a:xfrm>
-          <a:prstGeom prst="rect">
-            <a:avLst/>
-          </a:prstGeom>
-        </p:spPr>
-        <p:txBody>
-          <a:bodyPr vert="horz" lIns="121899" tIns="60949" rIns="121899" bIns="60949" rtlCol="0" anchor="b">
-            <a:normAutofit fontScale="92500" lnSpcReduction="10000"/>
-          </a:bodyPr>
-          <a:lstStyle>
-            <a:lvl1pPr marL="0" indent="0" algn="l" defTabSz="1218987" rtl="0" eaLnBrk="1" latinLnBrk="0" hangingPunct="1">
-              <a:lnSpc>
-                <a:spcPct val="90000"/>
-              </a:lnSpc>
-              <a:spcBef>
-                <a:spcPts val="0"/>
-              </a:spcBef>
-              <a:buClr>
-                <a:schemeClr val="accent1"/>
-              </a:buClr>
-              <a:buSzPct val="100000"/>
-              <a:buFont typeface="Arial" pitchFamily="34" charset="0"/>
-              <a:buNone/>
-              <a:defRPr sz="2800" b="0" kern="1200" cap="all" spc="200" baseline="0">
-                <a:solidFill>
-                  <a:schemeClr val="accent1"/>
-                </a:solidFill>
-                <a:latin typeface="+mn-lt"/>
-                <a:ea typeface="+mn-ea"/>
-                <a:cs typeface="+mn-cs"/>
-              </a:defRPr>
-            </a:lvl1pPr>
-            <a:lvl2pPr marL="609493" indent="0" algn="l" defTabSz="1218987" rtl="0" eaLnBrk="1" latinLnBrk="0" hangingPunct="1">
-              <a:lnSpc>
-                <a:spcPct val="90000"/>
-              </a:lnSpc>
-              <a:spcBef>
-                <a:spcPts val="800"/>
-              </a:spcBef>
-              <a:buClr>
-                <a:schemeClr val="accent1"/>
-              </a:buClr>
-              <a:buSzPct val="80000"/>
-              <a:buFont typeface="Arial" pitchFamily="34" charset="0"/>
-              <a:buNone/>
-              <a:defRPr sz="2700" b="1" kern="1200">
-                <a:solidFill>
-                  <a:schemeClr val="tx1"/>
-                </a:solidFill>
-                <a:latin typeface="+mn-lt"/>
-                <a:ea typeface="+mn-ea"/>
-                <a:cs typeface="+mn-cs"/>
-              </a:defRPr>
-            </a:lvl2pPr>
-            <a:lvl3pPr marL="1218987" indent="0" algn="l" defTabSz="1218987" rtl="0" eaLnBrk="1" latinLnBrk="0" hangingPunct="1">
-              <a:lnSpc>
-                <a:spcPct val="90000"/>
-              </a:lnSpc>
-              <a:spcBef>
-                <a:spcPts val="800"/>
-              </a:spcBef>
-              <a:buClr>
-                <a:schemeClr val="accent1"/>
-              </a:buClr>
-              <a:buSzPct val="80000"/>
-              <a:buFont typeface="Arial" pitchFamily="34" charset="0"/>
-              <a:buNone/>
-              <a:defRPr sz="2400" b="1" kern="1200">
-                <a:solidFill>
-                  <a:schemeClr val="tx1"/>
-                </a:solidFill>
-                <a:latin typeface="+mn-lt"/>
-                <a:ea typeface="+mn-ea"/>
-                <a:cs typeface="+mn-cs"/>
-              </a:defRPr>
-            </a:lvl3pPr>
-            <a:lvl4pPr marL="1828480" indent="0" algn="l" defTabSz="1218987" rtl="0" eaLnBrk="1" latinLnBrk="0" hangingPunct="1">
-              <a:lnSpc>
-                <a:spcPct val="90000"/>
-              </a:lnSpc>
-              <a:spcBef>
-                <a:spcPts val="800"/>
-              </a:spcBef>
-              <a:buClr>
-                <a:schemeClr val="accent1"/>
-              </a:buClr>
-              <a:buSzPct val="80000"/>
-              <a:buFont typeface="Arial" pitchFamily="34" charset="0"/>
-              <a:buNone/>
-              <a:defRPr sz="2100" b="1" kern="1200">
-                <a:solidFill>
-                  <a:schemeClr val="tx1"/>
-                </a:solidFill>
-                <a:latin typeface="+mn-lt"/>
-                <a:ea typeface="+mn-ea"/>
-                <a:cs typeface="+mn-cs"/>
-              </a:defRPr>
-            </a:lvl4pPr>
-            <a:lvl5pPr marL="2437973" indent="0" algn="l" defTabSz="1218987" rtl="0" eaLnBrk="1" latinLnBrk="0" hangingPunct="1">
-              <a:lnSpc>
-                <a:spcPct val="90000"/>
-              </a:lnSpc>
-              <a:spcBef>
-                <a:spcPts val="800"/>
-              </a:spcBef>
-              <a:buClr>
-                <a:schemeClr val="accent1"/>
-              </a:buClr>
-              <a:buSzPct val="80000"/>
-              <a:buFont typeface="Arial" pitchFamily="34" charset="0"/>
-              <a:buNone/>
-              <a:defRPr sz="2100" b="1" kern="1200">
-                <a:solidFill>
-                  <a:schemeClr val="tx1"/>
-                </a:solidFill>
-                <a:latin typeface="+mn-lt"/>
-                <a:ea typeface="+mn-ea"/>
-                <a:cs typeface="+mn-cs"/>
-              </a:defRPr>
-            </a:lvl5pPr>
-            <a:lvl6pPr marL="3047467" indent="0" algn="l" defTabSz="1218987" rtl="0" eaLnBrk="1" latinLnBrk="0" hangingPunct="1">
-              <a:lnSpc>
-                <a:spcPct val="90000"/>
-              </a:lnSpc>
-              <a:spcBef>
-                <a:spcPts val="800"/>
-              </a:spcBef>
-              <a:buClr>
-                <a:schemeClr val="accent1"/>
-              </a:buClr>
-              <a:buSzPct val="80000"/>
-              <a:buFont typeface="Arial" pitchFamily="34" charset="0"/>
-              <a:buNone/>
-              <a:defRPr sz="2100" b="1" kern="1200">
-                <a:solidFill>
-                  <a:schemeClr val="tx1"/>
-                </a:solidFill>
-                <a:latin typeface="+mn-lt"/>
-                <a:ea typeface="+mn-ea"/>
-                <a:cs typeface="+mn-cs"/>
-              </a:defRPr>
-            </a:lvl6pPr>
-            <a:lvl7pPr marL="3656960" indent="0" algn="l" defTabSz="1218987" rtl="0" eaLnBrk="1" latinLnBrk="0" hangingPunct="1">
-              <a:lnSpc>
-                <a:spcPct val="90000"/>
-              </a:lnSpc>
-              <a:spcBef>
-                <a:spcPts val="800"/>
-              </a:spcBef>
-              <a:buClr>
-                <a:schemeClr val="accent1"/>
-              </a:buClr>
-              <a:buSzPct val="80000"/>
-              <a:buFont typeface="Arial" pitchFamily="34" charset="0"/>
-              <a:buNone/>
-              <a:defRPr sz="2100" b="1" kern="1200">
-                <a:solidFill>
-                  <a:schemeClr val="tx1"/>
-                </a:solidFill>
-                <a:latin typeface="+mn-lt"/>
-                <a:ea typeface="+mn-ea"/>
-                <a:cs typeface="+mn-cs"/>
-              </a:defRPr>
-            </a:lvl7pPr>
-            <a:lvl8pPr marL="4266453" indent="0" algn="l" defTabSz="1218987" rtl="0" eaLnBrk="1" latinLnBrk="0" hangingPunct="1">
-              <a:lnSpc>
-                <a:spcPct val="90000"/>
-              </a:lnSpc>
-              <a:spcBef>
-                <a:spcPts val="800"/>
-              </a:spcBef>
-              <a:buClr>
-                <a:schemeClr val="accent1"/>
-              </a:buClr>
-              <a:buSzPct val="80000"/>
-              <a:buFont typeface="Arial" pitchFamily="34" charset="0"/>
-              <a:buNone/>
-              <a:defRPr sz="2100" b="1" kern="1200" baseline="0">
-                <a:solidFill>
-                  <a:schemeClr val="tx1"/>
-                </a:solidFill>
-                <a:latin typeface="+mn-lt"/>
-                <a:ea typeface="+mn-ea"/>
-                <a:cs typeface="+mn-cs"/>
-              </a:defRPr>
-            </a:lvl8pPr>
-            <a:lvl9pPr marL="4875947" indent="0" algn="l" defTabSz="1218987" rtl="0" eaLnBrk="1" latinLnBrk="0" hangingPunct="1">
-              <a:lnSpc>
-                <a:spcPct val="90000"/>
-              </a:lnSpc>
-              <a:spcBef>
-                <a:spcPts val="800"/>
-              </a:spcBef>
-              <a:buClr>
-                <a:schemeClr val="accent1"/>
-              </a:buClr>
-              <a:buSzPct val="80000"/>
-              <a:buFont typeface="Arial" pitchFamily="34" charset="0"/>
-              <a:buNone/>
-              <a:defRPr sz="2100" b="1" kern="1200" baseline="0">
-                <a:solidFill>
-                  <a:schemeClr val="tx1"/>
-                </a:solidFill>
-                <a:latin typeface="+mn-lt"/>
-                <a:ea typeface="+mn-ea"/>
-                <a:cs typeface="+mn-cs"/>
-              </a:defRPr>
-            </a:lvl9pPr>
-          </a:lstStyle>
-          <a:p>
-            <a:pPr algn="ctr"/>
-            <a:r>
-              <a:rPr lang="en-US" sz="2000" dirty="0"/>
-              <a:t>Decision Tree Regression</a:t>
-            </a:r>
-          </a:p>
-        </p:txBody>
-      </p:sp>
-      <p:sp>
-        <p:nvSpPr>
-          <p:cNvPr id="16" name="Content Placeholder 9">
-            <a:extLst>
-              <a:ext uri="{FF2B5EF4-FFF2-40B4-BE49-F238E27FC236}">
-                <a16:creationId xmlns:a16="http://schemas.microsoft.com/office/drawing/2014/main" id="{338C25A9-3F9D-7C8A-A3F4-EE7E9C7E8DC7}"/>
-              </a:ext>
-            </a:extLst>
-          </p:cNvPr>
-          <p:cNvSpPr txBox="1">
-            <a:spLocks/>
-          </p:cNvSpPr>
-          <p:nvPr/>
-        </p:nvSpPr>
-        <p:spPr>
-          <a:xfrm>
-            <a:off x="8761412" y="1981200"/>
-            <a:ext cx="3122929" cy="1168400"/>
-          </a:xfrm>
-          <a:prstGeom prst="rect">
-            <a:avLst/>
-          </a:prstGeom>
-        </p:spPr>
-        <p:txBody>
-          <a:bodyPr vert="horz" lIns="121899" tIns="60949" rIns="121899" bIns="60949" rtlCol="0">
-            <a:noAutofit/>
-          </a:bodyPr>
-          <a:lstStyle>
-            <a:lvl1pPr marL="304747" indent="-304747" algn="l" defTabSz="1218987" rtl="0" eaLnBrk="1" latinLnBrk="0" hangingPunct="1">
-              <a:lnSpc>
-                <a:spcPct val="90000"/>
-              </a:lnSpc>
-              <a:spcBef>
-                <a:spcPts val="1600"/>
-              </a:spcBef>
-              <a:buClr>
-                <a:schemeClr val="accent1"/>
-              </a:buClr>
-              <a:buSzPct val="100000"/>
-              <a:buFont typeface="Arial" pitchFamily="34" charset="0"/>
-              <a:buChar char="•"/>
-              <a:defRPr sz="2800" kern="1200">
-                <a:solidFill>
-                  <a:schemeClr val="tx1"/>
-                </a:solidFill>
-                <a:latin typeface="+mn-lt"/>
-                <a:ea typeface="+mn-ea"/>
-                <a:cs typeface="+mn-cs"/>
-              </a:defRPr>
-            </a:lvl1pPr>
-            <a:lvl2pPr marL="609493" indent="-231607" algn="l" defTabSz="1218987" rtl="0" eaLnBrk="1" latinLnBrk="0" hangingPunct="1">
-              <a:lnSpc>
-                <a:spcPct val="90000"/>
-              </a:lnSpc>
-              <a:spcBef>
-                <a:spcPts val="800"/>
-              </a:spcBef>
-              <a:buClr>
-                <a:schemeClr val="accent1"/>
-              </a:buClr>
-              <a:buSzPct val="80000"/>
-              <a:buFont typeface="Arial" pitchFamily="34" charset="0"/>
-              <a:buChar char="•"/>
-              <a:defRPr sz="2400" kern="1200">
-                <a:solidFill>
-                  <a:schemeClr val="tx1"/>
-                </a:solidFill>
-                <a:latin typeface="+mn-lt"/>
-                <a:ea typeface="+mn-ea"/>
-                <a:cs typeface="+mn-cs"/>
-              </a:defRPr>
-            </a:lvl2pPr>
-            <a:lvl3pPr marL="914240" indent="-231607" algn="l" defTabSz="1218987" rtl="0" eaLnBrk="1" latinLnBrk="0" hangingPunct="1">
-              <a:lnSpc>
-                <a:spcPct val="90000"/>
-              </a:lnSpc>
-              <a:spcBef>
-                <a:spcPts val="800"/>
-              </a:spcBef>
-              <a:buClr>
-                <a:schemeClr val="accent1"/>
-              </a:buClr>
-              <a:buSzPct val="80000"/>
-              <a:buFont typeface="Arial" pitchFamily="34" charset="0"/>
-              <a:buChar char="•"/>
-              <a:defRPr sz="2000" kern="1200">
-                <a:solidFill>
-                  <a:schemeClr val="tx1"/>
-                </a:solidFill>
-                <a:latin typeface="+mn-lt"/>
-                <a:ea typeface="+mn-ea"/>
-                <a:cs typeface="+mn-cs"/>
-              </a:defRPr>
-            </a:lvl3pPr>
-            <a:lvl4pPr marL="1218987" indent="-231607" algn="l" defTabSz="1218987" rtl="0" eaLnBrk="1" latinLnBrk="0" hangingPunct="1">
-              <a:lnSpc>
-                <a:spcPct val="90000"/>
-              </a:lnSpc>
-              <a:spcBef>
-                <a:spcPts val="800"/>
-              </a:spcBef>
-              <a:buClr>
-                <a:schemeClr val="accent1"/>
-              </a:buClr>
-              <a:buSzPct val="80000"/>
-              <a:buFont typeface="Arial" pitchFamily="34" charset="0"/>
-              <a:buChar char="•"/>
-              <a:defRPr sz="2000" kern="1200">
-                <a:solidFill>
-                  <a:schemeClr val="tx1"/>
-                </a:solidFill>
-                <a:latin typeface="+mn-lt"/>
-                <a:ea typeface="+mn-ea"/>
-                <a:cs typeface="+mn-cs"/>
-              </a:defRPr>
-            </a:lvl4pPr>
-            <a:lvl5pPr marL="1523733" indent="-231607" algn="l" defTabSz="1218987" rtl="0" eaLnBrk="1" latinLnBrk="0" hangingPunct="1">
-              <a:lnSpc>
-                <a:spcPct val="90000"/>
-              </a:lnSpc>
-              <a:spcBef>
-                <a:spcPts val="800"/>
-              </a:spcBef>
-              <a:buClr>
-                <a:schemeClr val="accent1"/>
-              </a:buClr>
-              <a:buSzPct val="80000"/>
-              <a:buFont typeface="Arial" pitchFamily="34" charset="0"/>
-              <a:buChar char="•"/>
-              <a:defRPr sz="2000" kern="1200">
-                <a:solidFill>
-                  <a:schemeClr val="tx1"/>
-                </a:solidFill>
-                <a:latin typeface="+mn-lt"/>
-                <a:ea typeface="+mn-ea"/>
-                <a:cs typeface="+mn-cs"/>
-              </a:defRPr>
-            </a:lvl5pPr>
-            <a:lvl6pPr marL="1828480" indent="-231607" algn="l" defTabSz="1218987" rtl="0" eaLnBrk="1" latinLnBrk="0" hangingPunct="1">
-              <a:lnSpc>
-                <a:spcPct val="90000"/>
-              </a:lnSpc>
-              <a:spcBef>
-                <a:spcPts val="800"/>
-              </a:spcBef>
-              <a:buClr>
-                <a:schemeClr val="accent1"/>
-              </a:buClr>
-              <a:buSzPct val="80000"/>
-              <a:buFont typeface="Arial" pitchFamily="34" charset="0"/>
-              <a:buChar char="•"/>
-              <a:defRPr sz="2000" kern="1200">
-                <a:solidFill>
-                  <a:schemeClr val="tx1"/>
-                </a:solidFill>
-                <a:latin typeface="+mn-lt"/>
-                <a:ea typeface="+mn-ea"/>
-                <a:cs typeface="+mn-cs"/>
-              </a:defRPr>
-            </a:lvl6pPr>
-            <a:lvl7pPr marL="2133227" indent="-231607" algn="l" defTabSz="1218987" rtl="0" eaLnBrk="1" latinLnBrk="0" hangingPunct="1">
-              <a:lnSpc>
-                <a:spcPct val="90000"/>
-              </a:lnSpc>
-              <a:spcBef>
-                <a:spcPts val="800"/>
-              </a:spcBef>
-              <a:buClr>
-                <a:schemeClr val="accent1"/>
-              </a:buClr>
-              <a:buSzPct val="80000"/>
-              <a:buFont typeface="Arial" pitchFamily="34" charset="0"/>
-              <a:buChar char="•"/>
-              <a:defRPr sz="2000" kern="1200" baseline="0">
-                <a:solidFill>
-                  <a:schemeClr val="tx1"/>
-                </a:solidFill>
-                <a:latin typeface="+mn-lt"/>
-                <a:ea typeface="+mn-ea"/>
-                <a:cs typeface="+mn-cs"/>
-              </a:defRPr>
-            </a:lvl7pPr>
-            <a:lvl8pPr marL="2437973" indent="-231607" algn="l" defTabSz="1218987" rtl="0" eaLnBrk="1" latinLnBrk="0" hangingPunct="1">
-              <a:lnSpc>
-                <a:spcPct val="90000"/>
-              </a:lnSpc>
-              <a:spcBef>
-                <a:spcPts val="800"/>
-              </a:spcBef>
-              <a:buClr>
-                <a:schemeClr val="accent1"/>
-              </a:buClr>
-              <a:buSzPct val="80000"/>
-              <a:buFont typeface="Arial" pitchFamily="34" charset="0"/>
-              <a:buChar char="•"/>
-              <a:defRPr sz="2000" kern="1200" baseline="0">
-                <a:solidFill>
-                  <a:schemeClr val="tx1"/>
-                </a:solidFill>
-                <a:latin typeface="+mn-lt"/>
-                <a:ea typeface="+mn-ea"/>
-                <a:cs typeface="+mn-cs"/>
-              </a:defRPr>
-            </a:lvl8pPr>
-            <a:lvl9pPr marL="2742720" indent="-231607" algn="l" defTabSz="1218987" rtl="0" eaLnBrk="1" latinLnBrk="0" hangingPunct="1">
-              <a:lnSpc>
-                <a:spcPct val="90000"/>
-              </a:lnSpc>
-              <a:spcBef>
-                <a:spcPts val="800"/>
-              </a:spcBef>
-              <a:buClr>
-                <a:schemeClr val="accent1"/>
-              </a:buClr>
-              <a:buSzPct val="80000"/>
-              <a:buFont typeface="Arial" pitchFamily="34" charset="0"/>
-              <a:buChar char="•"/>
-              <a:defRPr sz="2000" kern="1200" baseline="0">
-                <a:solidFill>
-                  <a:schemeClr val="tx1"/>
-                </a:solidFill>
-                <a:latin typeface="+mn-lt"/>
-                <a:ea typeface="+mn-ea"/>
-                <a:cs typeface="+mn-cs"/>
-              </a:defRPr>
-            </a:lvl9pPr>
-          </a:lstStyle>
-          <a:p>
-            <a:pPr>
-              <a:lnSpc>
-                <a:spcPct val="100000"/>
-              </a:lnSpc>
-              <a:spcBef>
-                <a:spcPts val="600"/>
-              </a:spcBef>
-            </a:pPr>
-            <a:r>
-              <a:rPr lang="en-US" sz="1400" dirty="0"/>
-              <a:t>R2 Score = 0.839</a:t>
-            </a:r>
-          </a:p>
-          <a:p>
-            <a:pPr>
-              <a:spcBef>
-                <a:spcPts val="600"/>
-              </a:spcBef>
-            </a:pPr>
-            <a:r>
-              <a:rPr lang="en-US" sz="1400" dirty="0"/>
-              <a:t>Mean Squared Error = 0.065</a:t>
-            </a:r>
-          </a:p>
-          <a:p>
-            <a:pPr>
-              <a:spcBef>
-                <a:spcPts val="600"/>
-              </a:spcBef>
-            </a:pPr>
-            <a:r>
-              <a:rPr lang="en-US" sz="1400" dirty="0"/>
-              <a:t>Root Mean Squared Error = 0.256</a:t>
-            </a:r>
-          </a:p>
-          <a:p>
-            <a:pPr>
-              <a:spcBef>
-                <a:spcPts val="600"/>
-              </a:spcBef>
-            </a:pPr>
-            <a:r>
-              <a:rPr lang="en-US" sz="1400" dirty="0"/>
-              <a:t>Mean Absolute Error = 0.059</a:t>
-            </a:r>
-          </a:p>
-        </p:txBody>
-      </p:sp>
-      <p:sp>
-        <p:nvSpPr>
-          <p:cNvPr id="17" name="Text Placeholder 7">
-            <a:extLst>
-              <a:ext uri="{FF2B5EF4-FFF2-40B4-BE49-F238E27FC236}">
-                <a16:creationId xmlns:a16="http://schemas.microsoft.com/office/drawing/2014/main" id="{D8ABFBDC-40F7-DAE5-7D19-10C8AD66FAFD}"/>
-              </a:ext>
-            </a:extLst>
-          </p:cNvPr>
-          <p:cNvSpPr txBox="1">
-            <a:spLocks/>
-          </p:cNvSpPr>
-          <p:nvPr/>
-        </p:nvSpPr>
-        <p:spPr>
-          <a:xfrm>
-            <a:off x="4951412" y="3729037"/>
-            <a:ext cx="3351529" cy="508000"/>
-          </a:xfrm>
-          <a:prstGeom prst="rect">
-            <a:avLst/>
-          </a:prstGeom>
-        </p:spPr>
-        <p:txBody>
-          <a:bodyPr vert="horz" lIns="121899" tIns="60949" rIns="121899" bIns="60949" rtlCol="0" anchor="b">
-            <a:normAutofit/>
-          </a:bodyPr>
-          <a:lstStyle>
-            <a:lvl1pPr marL="0" indent="0" algn="l" defTabSz="1218987" rtl="0" eaLnBrk="1" latinLnBrk="0" hangingPunct="1">
-              <a:lnSpc>
-                <a:spcPct val="90000"/>
-              </a:lnSpc>
-              <a:spcBef>
-                <a:spcPts val="0"/>
-              </a:spcBef>
-              <a:buClr>
-                <a:schemeClr val="accent1"/>
-              </a:buClr>
-              <a:buSzPct val="100000"/>
-              <a:buFont typeface="Arial" pitchFamily="34" charset="0"/>
-              <a:buNone/>
-              <a:defRPr sz="2800" b="0" kern="1200" cap="all" spc="200" baseline="0">
-                <a:solidFill>
-                  <a:schemeClr val="accent1"/>
-                </a:solidFill>
-                <a:latin typeface="+mn-lt"/>
-                <a:ea typeface="+mn-ea"/>
-                <a:cs typeface="+mn-cs"/>
-              </a:defRPr>
-            </a:lvl1pPr>
-            <a:lvl2pPr marL="609493" indent="0" algn="l" defTabSz="1218987" rtl="0" eaLnBrk="1" latinLnBrk="0" hangingPunct="1">
-              <a:lnSpc>
-                <a:spcPct val="90000"/>
-              </a:lnSpc>
-              <a:spcBef>
-                <a:spcPts val="800"/>
-              </a:spcBef>
-              <a:buClr>
-                <a:schemeClr val="accent1"/>
-              </a:buClr>
-              <a:buSzPct val="80000"/>
-              <a:buFont typeface="Arial" pitchFamily="34" charset="0"/>
-              <a:buNone/>
-              <a:defRPr sz="2700" b="1" kern="1200">
-                <a:solidFill>
-                  <a:schemeClr val="tx1"/>
-                </a:solidFill>
-                <a:latin typeface="+mn-lt"/>
-                <a:ea typeface="+mn-ea"/>
-                <a:cs typeface="+mn-cs"/>
-              </a:defRPr>
-            </a:lvl2pPr>
-            <a:lvl3pPr marL="1218987" indent="0" algn="l" defTabSz="1218987" rtl="0" eaLnBrk="1" latinLnBrk="0" hangingPunct="1">
-              <a:lnSpc>
-                <a:spcPct val="90000"/>
-              </a:lnSpc>
-              <a:spcBef>
-                <a:spcPts val="800"/>
-              </a:spcBef>
-              <a:buClr>
-                <a:schemeClr val="accent1"/>
-              </a:buClr>
-              <a:buSzPct val="80000"/>
-              <a:buFont typeface="Arial" pitchFamily="34" charset="0"/>
-              <a:buNone/>
-              <a:defRPr sz="2400" b="1" kern="1200">
-                <a:solidFill>
-                  <a:schemeClr val="tx1"/>
-                </a:solidFill>
-                <a:latin typeface="+mn-lt"/>
-                <a:ea typeface="+mn-ea"/>
-                <a:cs typeface="+mn-cs"/>
-              </a:defRPr>
-            </a:lvl3pPr>
-            <a:lvl4pPr marL="1828480" indent="0" algn="l" defTabSz="1218987" rtl="0" eaLnBrk="1" latinLnBrk="0" hangingPunct="1">
-              <a:lnSpc>
-                <a:spcPct val="90000"/>
-              </a:lnSpc>
-              <a:spcBef>
-                <a:spcPts val="800"/>
-              </a:spcBef>
-              <a:buClr>
-                <a:schemeClr val="accent1"/>
-              </a:buClr>
-              <a:buSzPct val="80000"/>
-              <a:buFont typeface="Arial" pitchFamily="34" charset="0"/>
-              <a:buNone/>
-              <a:defRPr sz="2100" b="1" kern="1200">
-                <a:solidFill>
-                  <a:schemeClr val="tx1"/>
-                </a:solidFill>
-                <a:latin typeface="+mn-lt"/>
-                <a:ea typeface="+mn-ea"/>
-                <a:cs typeface="+mn-cs"/>
-              </a:defRPr>
-            </a:lvl4pPr>
-            <a:lvl5pPr marL="2437973" indent="0" algn="l" defTabSz="1218987" rtl="0" eaLnBrk="1" latinLnBrk="0" hangingPunct="1">
-              <a:lnSpc>
-                <a:spcPct val="90000"/>
-              </a:lnSpc>
-              <a:spcBef>
-                <a:spcPts val="800"/>
-              </a:spcBef>
-              <a:buClr>
-                <a:schemeClr val="accent1"/>
-              </a:buClr>
-              <a:buSzPct val="80000"/>
-              <a:buFont typeface="Arial" pitchFamily="34" charset="0"/>
-              <a:buNone/>
-              <a:defRPr sz="2100" b="1" kern="1200">
-                <a:solidFill>
-                  <a:schemeClr val="tx1"/>
-                </a:solidFill>
-                <a:latin typeface="+mn-lt"/>
-                <a:ea typeface="+mn-ea"/>
-                <a:cs typeface="+mn-cs"/>
-              </a:defRPr>
-            </a:lvl5pPr>
-            <a:lvl6pPr marL="3047467" indent="0" algn="l" defTabSz="1218987" rtl="0" eaLnBrk="1" latinLnBrk="0" hangingPunct="1">
-              <a:lnSpc>
-                <a:spcPct val="90000"/>
-              </a:lnSpc>
-              <a:spcBef>
-                <a:spcPts val="800"/>
-              </a:spcBef>
-              <a:buClr>
-                <a:schemeClr val="accent1"/>
-              </a:buClr>
-              <a:buSzPct val="80000"/>
-              <a:buFont typeface="Arial" pitchFamily="34" charset="0"/>
-              <a:buNone/>
-              <a:defRPr sz="2100" b="1" kern="1200">
-                <a:solidFill>
-                  <a:schemeClr val="tx1"/>
-                </a:solidFill>
-                <a:latin typeface="+mn-lt"/>
-                <a:ea typeface="+mn-ea"/>
-                <a:cs typeface="+mn-cs"/>
-              </a:defRPr>
-            </a:lvl6pPr>
-            <a:lvl7pPr marL="3656960" indent="0" algn="l" defTabSz="1218987" rtl="0" eaLnBrk="1" latinLnBrk="0" hangingPunct="1">
-              <a:lnSpc>
-                <a:spcPct val="90000"/>
-              </a:lnSpc>
-              <a:spcBef>
-                <a:spcPts val="800"/>
-              </a:spcBef>
-              <a:buClr>
-                <a:schemeClr val="accent1"/>
-              </a:buClr>
-              <a:buSzPct val="80000"/>
-              <a:buFont typeface="Arial" pitchFamily="34" charset="0"/>
-              <a:buNone/>
-              <a:defRPr sz="2100" b="1" kern="1200">
-                <a:solidFill>
-                  <a:schemeClr val="tx1"/>
-                </a:solidFill>
-                <a:latin typeface="+mn-lt"/>
-                <a:ea typeface="+mn-ea"/>
-                <a:cs typeface="+mn-cs"/>
-              </a:defRPr>
-            </a:lvl7pPr>
-            <a:lvl8pPr marL="4266453" indent="0" algn="l" defTabSz="1218987" rtl="0" eaLnBrk="1" latinLnBrk="0" hangingPunct="1">
-              <a:lnSpc>
-                <a:spcPct val="90000"/>
-              </a:lnSpc>
-              <a:spcBef>
-                <a:spcPts val="800"/>
-              </a:spcBef>
-              <a:buClr>
-                <a:schemeClr val="accent1"/>
-              </a:buClr>
-              <a:buSzPct val="80000"/>
-              <a:buFont typeface="Arial" pitchFamily="34" charset="0"/>
-              <a:buNone/>
-              <a:defRPr sz="2100" b="1" kern="1200" baseline="0">
-                <a:solidFill>
-                  <a:schemeClr val="tx1"/>
-                </a:solidFill>
-                <a:latin typeface="+mn-lt"/>
-                <a:ea typeface="+mn-ea"/>
-                <a:cs typeface="+mn-cs"/>
-              </a:defRPr>
-            </a:lvl8pPr>
-            <a:lvl9pPr marL="4875947" indent="0" algn="l" defTabSz="1218987" rtl="0" eaLnBrk="1" latinLnBrk="0" hangingPunct="1">
-              <a:lnSpc>
-                <a:spcPct val="90000"/>
-              </a:lnSpc>
-              <a:spcBef>
-                <a:spcPts val="800"/>
-              </a:spcBef>
-              <a:buClr>
-                <a:schemeClr val="accent1"/>
-              </a:buClr>
-              <a:buSzPct val="80000"/>
-              <a:buFont typeface="Arial" pitchFamily="34" charset="0"/>
-              <a:buNone/>
-              <a:defRPr sz="2100" b="1" kern="1200" baseline="0">
-                <a:solidFill>
-                  <a:schemeClr val="tx1"/>
-                </a:solidFill>
-                <a:latin typeface="+mn-lt"/>
-                <a:ea typeface="+mn-ea"/>
-                <a:cs typeface="+mn-cs"/>
-              </a:defRPr>
-            </a:lvl9pPr>
-          </a:lstStyle>
-          <a:p>
-            <a:pPr algn="ctr"/>
-            <a:r>
-              <a:rPr lang="en-US" sz="2000" dirty="0"/>
-              <a:t>SVR Regression</a:t>
-            </a:r>
-          </a:p>
-        </p:txBody>
-      </p:sp>
-      <p:sp>
-        <p:nvSpPr>
-          <p:cNvPr id="18" name="Content Placeholder 9">
-            <a:extLst>
-              <a:ext uri="{FF2B5EF4-FFF2-40B4-BE49-F238E27FC236}">
-                <a16:creationId xmlns:a16="http://schemas.microsoft.com/office/drawing/2014/main" id="{133DABE9-5F55-F785-84A3-B6153F16205C}"/>
-              </a:ext>
-            </a:extLst>
-          </p:cNvPr>
-          <p:cNvSpPr txBox="1">
-            <a:spLocks/>
-          </p:cNvSpPr>
-          <p:nvPr/>
-        </p:nvSpPr>
-        <p:spPr>
-          <a:xfrm>
-            <a:off x="5180012" y="4338637"/>
-            <a:ext cx="3122929" cy="1168400"/>
-          </a:xfrm>
-          <a:prstGeom prst="rect">
-            <a:avLst/>
-          </a:prstGeom>
-        </p:spPr>
-        <p:txBody>
-          <a:bodyPr vert="horz" lIns="121899" tIns="60949" rIns="121899" bIns="60949" rtlCol="0">
-            <a:noAutofit/>
-          </a:bodyPr>
-          <a:lstStyle>
-            <a:lvl1pPr marL="304747" indent="-304747" algn="l" defTabSz="1218987" rtl="0" eaLnBrk="1" latinLnBrk="0" hangingPunct="1">
-              <a:lnSpc>
-                <a:spcPct val="90000"/>
-              </a:lnSpc>
-              <a:spcBef>
-                <a:spcPts val="1600"/>
-              </a:spcBef>
-              <a:buClr>
-                <a:schemeClr val="accent1"/>
-              </a:buClr>
-              <a:buSzPct val="100000"/>
-              <a:buFont typeface="Arial" pitchFamily="34" charset="0"/>
-              <a:buChar char="•"/>
-              <a:defRPr sz="2800" kern="1200">
-                <a:solidFill>
-                  <a:schemeClr val="tx1"/>
-                </a:solidFill>
-                <a:latin typeface="+mn-lt"/>
-                <a:ea typeface="+mn-ea"/>
-                <a:cs typeface="+mn-cs"/>
-              </a:defRPr>
-            </a:lvl1pPr>
-            <a:lvl2pPr marL="609493" indent="-231607" algn="l" defTabSz="1218987" rtl="0" eaLnBrk="1" latinLnBrk="0" hangingPunct="1">
-              <a:lnSpc>
-                <a:spcPct val="90000"/>
-              </a:lnSpc>
-              <a:spcBef>
-                <a:spcPts val="800"/>
-              </a:spcBef>
-              <a:buClr>
-                <a:schemeClr val="accent1"/>
-              </a:buClr>
-              <a:buSzPct val="80000"/>
-              <a:buFont typeface="Arial" pitchFamily="34" charset="0"/>
-              <a:buChar char="•"/>
-              <a:defRPr sz="2400" kern="1200">
-                <a:solidFill>
-                  <a:schemeClr val="tx1"/>
-                </a:solidFill>
-                <a:latin typeface="+mn-lt"/>
-                <a:ea typeface="+mn-ea"/>
-                <a:cs typeface="+mn-cs"/>
-              </a:defRPr>
-            </a:lvl2pPr>
-            <a:lvl3pPr marL="914240" indent="-231607" algn="l" defTabSz="1218987" rtl="0" eaLnBrk="1" latinLnBrk="0" hangingPunct="1">
-              <a:lnSpc>
-                <a:spcPct val="90000"/>
-              </a:lnSpc>
-              <a:spcBef>
-                <a:spcPts val="800"/>
-              </a:spcBef>
-              <a:buClr>
-                <a:schemeClr val="accent1"/>
-              </a:buClr>
-              <a:buSzPct val="80000"/>
-              <a:buFont typeface="Arial" pitchFamily="34" charset="0"/>
-              <a:buChar char="•"/>
-              <a:defRPr sz="2000" kern="1200">
-                <a:solidFill>
-                  <a:schemeClr val="tx1"/>
-                </a:solidFill>
-                <a:latin typeface="+mn-lt"/>
-                <a:ea typeface="+mn-ea"/>
-                <a:cs typeface="+mn-cs"/>
-              </a:defRPr>
-            </a:lvl3pPr>
-            <a:lvl4pPr marL="1218987" indent="-231607" algn="l" defTabSz="1218987" rtl="0" eaLnBrk="1" latinLnBrk="0" hangingPunct="1">
-              <a:lnSpc>
-                <a:spcPct val="90000"/>
-              </a:lnSpc>
-              <a:spcBef>
-                <a:spcPts val="800"/>
-              </a:spcBef>
-              <a:buClr>
-                <a:schemeClr val="accent1"/>
-              </a:buClr>
-              <a:buSzPct val="80000"/>
-              <a:buFont typeface="Arial" pitchFamily="34" charset="0"/>
-              <a:buChar char="•"/>
-              <a:defRPr sz="2000" kern="1200">
-                <a:solidFill>
-                  <a:schemeClr val="tx1"/>
-                </a:solidFill>
-                <a:latin typeface="+mn-lt"/>
-                <a:ea typeface="+mn-ea"/>
-                <a:cs typeface="+mn-cs"/>
-              </a:defRPr>
-            </a:lvl4pPr>
-            <a:lvl5pPr marL="1523733" indent="-231607" algn="l" defTabSz="1218987" rtl="0" eaLnBrk="1" latinLnBrk="0" hangingPunct="1">
-              <a:lnSpc>
-                <a:spcPct val="90000"/>
-              </a:lnSpc>
-              <a:spcBef>
-                <a:spcPts val="800"/>
-              </a:spcBef>
-              <a:buClr>
-                <a:schemeClr val="accent1"/>
-              </a:buClr>
-              <a:buSzPct val="80000"/>
-              <a:buFont typeface="Arial" pitchFamily="34" charset="0"/>
-              <a:buChar char="•"/>
-              <a:defRPr sz="2000" kern="1200">
-                <a:solidFill>
-                  <a:schemeClr val="tx1"/>
-                </a:solidFill>
-                <a:latin typeface="+mn-lt"/>
-                <a:ea typeface="+mn-ea"/>
-                <a:cs typeface="+mn-cs"/>
-              </a:defRPr>
-            </a:lvl5pPr>
-            <a:lvl6pPr marL="1828480" indent="-231607" algn="l" defTabSz="1218987" rtl="0" eaLnBrk="1" latinLnBrk="0" hangingPunct="1">
-              <a:lnSpc>
-                <a:spcPct val="90000"/>
-              </a:lnSpc>
-              <a:spcBef>
-                <a:spcPts val="800"/>
-              </a:spcBef>
-              <a:buClr>
-                <a:schemeClr val="accent1"/>
-              </a:buClr>
-              <a:buSzPct val="80000"/>
-              <a:buFont typeface="Arial" pitchFamily="34" charset="0"/>
-              <a:buChar char="•"/>
-              <a:defRPr sz="2000" kern="1200">
-                <a:solidFill>
-                  <a:schemeClr val="tx1"/>
-                </a:solidFill>
-                <a:latin typeface="+mn-lt"/>
-                <a:ea typeface="+mn-ea"/>
-                <a:cs typeface="+mn-cs"/>
-              </a:defRPr>
-            </a:lvl6pPr>
-            <a:lvl7pPr marL="2133227" indent="-231607" algn="l" defTabSz="1218987" rtl="0" eaLnBrk="1" latinLnBrk="0" hangingPunct="1">
-              <a:lnSpc>
-                <a:spcPct val="90000"/>
-              </a:lnSpc>
-              <a:spcBef>
-                <a:spcPts val="800"/>
-              </a:spcBef>
-              <a:buClr>
-                <a:schemeClr val="accent1"/>
-              </a:buClr>
-              <a:buSzPct val="80000"/>
-              <a:buFont typeface="Arial" pitchFamily="34" charset="0"/>
-              <a:buChar char="•"/>
-              <a:defRPr sz="2000" kern="1200" baseline="0">
-                <a:solidFill>
-                  <a:schemeClr val="tx1"/>
-                </a:solidFill>
-                <a:latin typeface="+mn-lt"/>
-                <a:ea typeface="+mn-ea"/>
-                <a:cs typeface="+mn-cs"/>
-              </a:defRPr>
-            </a:lvl7pPr>
-            <a:lvl8pPr marL="2437973" indent="-231607" algn="l" defTabSz="1218987" rtl="0" eaLnBrk="1" latinLnBrk="0" hangingPunct="1">
-              <a:lnSpc>
-                <a:spcPct val="90000"/>
-              </a:lnSpc>
-              <a:spcBef>
-                <a:spcPts val="800"/>
-              </a:spcBef>
-              <a:buClr>
-                <a:schemeClr val="accent1"/>
-              </a:buClr>
-              <a:buSzPct val="80000"/>
-              <a:buFont typeface="Arial" pitchFamily="34" charset="0"/>
-              <a:buChar char="•"/>
-              <a:defRPr sz="2000" kern="1200" baseline="0">
-                <a:solidFill>
-                  <a:schemeClr val="tx1"/>
-                </a:solidFill>
-                <a:latin typeface="+mn-lt"/>
-                <a:ea typeface="+mn-ea"/>
-                <a:cs typeface="+mn-cs"/>
-              </a:defRPr>
-            </a:lvl8pPr>
-            <a:lvl9pPr marL="2742720" indent="-231607" algn="l" defTabSz="1218987" rtl="0" eaLnBrk="1" latinLnBrk="0" hangingPunct="1">
-              <a:lnSpc>
-                <a:spcPct val="90000"/>
-              </a:lnSpc>
-              <a:spcBef>
-                <a:spcPts val="800"/>
-              </a:spcBef>
-              <a:buClr>
-                <a:schemeClr val="accent1"/>
-              </a:buClr>
-              <a:buSzPct val="80000"/>
-              <a:buFont typeface="Arial" pitchFamily="34" charset="0"/>
-              <a:buChar char="•"/>
-              <a:defRPr sz="2000" kern="1200" baseline="0">
-                <a:solidFill>
-                  <a:schemeClr val="tx1"/>
-                </a:solidFill>
-                <a:latin typeface="+mn-lt"/>
-                <a:ea typeface="+mn-ea"/>
-                <a:cs typeface="+mn-cs"/>
-              </a:defRPr>
-            </a:lvl9pPr>
-          </a:lstStyle>
-          <a:p>
-            <a:pPr>
-              <a:lnSpc>
-                <a:spcPct val="100000"/>
-              </a:lnSpc>
-              <a:spcBef>
-                <a:spcPts val="600"/>
-              </a:spcBef>
-            </a:pPr>
-            <a:r>
-              <a:rPr lang="en-US" sz="1400" dirty="0"/>
-              <a:t>R2 Score = 0.837</a:t>
-            </a:r>
-          </a:p>
-          <a:p>
-            <a:pPr>
-              <a:spcBef>
-                <a:spcPts val="600"/>
-              </a:spcBef>
-            </a:pPr>
-            <a:r>
-              <a:rPr lang="en-US" sz="1400" dirty="0"/>
-              <a:t>Mean Squared Error = 0.066</a:t>
-            </a:r>
-          </a:p>
-          <a:p>
-            <a:pPr>
-              <a:spcBef>
-                <a:spcPts val="600"/>
-              </a:spcBef>
-            </a:pPr>
-            <a:r>
-              <a:rPr lang="en-US" sz="1400" dirty="0"/>
-              <a:t>Root Mean Squared Error = 0.258</a:t>
-            </a:r>
-          </a:p>
-          <a:p>
-            <a:pPr>
-              <a:spcBef>
-                <a:spcPts val="600"/>
-              </a:spcBef>
-            </a:pPr>
-            <a:r>
-              <a:rPr lang="en-US" sz="1400" dirty="0"/>
-              <a:t>Mean Absolute Error = 0.123</a:t>
-            </a:r>
-          </a:p>
-        </p:txBody>
-      </p:sp>
-      <p:sp>
-        <p:nvSpPr>
-          <p:cNvPr id="19" name="Text Placeholder 7">
-            <a:extLst>
-              <a:ext uri="{FF2B5EF4-FFF2-40B4-BE49-F238E27FC236}">
-                <a16:creationId xmlns:a16="http://schemas.microsoft.com/office/drawing/2014/main" id="{16A0BCF1-AE1E-C3FD-9516-825E85B6702E}"/>
-              </a:ext>
-            </a:extLst>
-          </p:cNvPr>
-          <p:cNvSpPr txBox="1">
-            <a:spLocks/>
-          </p:cNvSpPr>
-          <p:nvPr/>
-        </p:nvSpPr>
-        <p:spPr>
-          <a:xfrm>
-            <a:off x="8532812" y="3729037"/>
-            <a:ext cx="3351529" cy="508000"/>
-          </a:xfrm>
-          <a:prstGeom prst="rect">
-            <a:avLst/>
-          </a:prstGeom>
-        </p:spPr>
-        <p:txBody>
-          <a:bodyPr vert="horz" lIns="121899" tIns="60949" rIns="121899" bIns="60949" rtlCol="0" anchor="b">
-            <a:normAutofit/>
-          </a:bodyPr>
-          <a:lstStyle>
-            <a:lvl1pPr marL="0" indent="0" algn="l" defTabSz="1218987" rtl="0" eaLnBrk="1" latinLnBrk="0" hangingPunct="1">
-              <a:lnSpc>
-                <a:spcPct val="90000"/>
-              </a:lnSpc>
-              <a:spcBef>
-                <a:spcPts val="0"/>
-              </a:spcBef>
-              <a:buClr>
-                <a:schemeClr val="accent1"/>
-              </a:buClr>
-              <a:buSzPct val="100000"/>
-              <a:buFont typeface="Arial" pitchFamily="34" charset="0"/>
-              <a:buNone/>
-              <a:defRPr sz="2800" b="0" kern="1200" cap="all" spc="200" baseline="0">
-                <a:solidFill>
-                  <a:schemeClr val="accent1"/>
-                </a:solidFill>
-                <a:latin typeface="+mn-lt"/>
-                <a:ea typeface="+mn-ea"/>
-                <a:cs typeface="+mn-cs"/>
-              </a:defRPr>
-            </a:lvl1pPr>
-            <a:lvl2pPr marL="609493" indent="0" algn="l" defTabSz="1218987" rtl="0" eaLnBrk="1" latinLnBrk="0" hangingPunct="1">
-              <a:lnSpc>
-                <a:spcPct val="90000"/>
-              </a:lnSpc>
-              <a:spcBef>
-                <a:spcPts val="800"/>
-              </a:spcBef>
-              <a:buClr>
-                <a:schemeClr val="accent1"/>
-              </a:buClr>
-              <a:buSzPct val="80000"/>
-              <a:buFont typeface="Arial" pitchFamily="34" charset="0"/>
-              <a:buNone/>
-              <a:defRPr sz="2700" b="1" kern="1200">
-                <a:solidFill>
-                  <a:schemeClr val="tx1"/>
-                </a:solidFill>
-                <a:latin typeface="+mn-lt"/>
-                <a:ea typeface="+mn-ea"/>
-                <a:cs typeface="+mn-cs"/>
-              </a:defRPr>
-            </a:lvl2pPr>
-            <a:lvl3pPr marL="1218987" indent="0" algn="l" defTabSz="1218987" rtl="0" eaLnBrk="1" latinLnBrk="0" hangingPunct="1">
-              <a:lnSpc>
-                <a:spcPct val="90000"/>
-              </a:lnSpc>
-              <a:spcBef>
-                <a:spcPts val="800"/>
-              </a:spcBef>
-              <a:buClr>
-                <a:schemeClr val="accent1"/>
-              </a:buClr>
-              <a:buSzPct val="80000"/>
-              <a:buFont typeface="Arial" pitchFamily="34" charset="0"/>
-              <a:buNone/>
-              <a:defRPr sz="2400" b="1" kern="1200">
-                <a:solidFill>
-                  <a:schemeClr val="tx1"/>
-                </a:solidFill>
-                <a:latin typeface="+mn-lt"/>
-                <a:ea typeface="+mn-ea"/>
-                <a:cs typeface="+mn-cs"/>
-              </a:defRPr>
-            </a:lvl3pPr>
-            <a:lvl4pPr marL="1828480" indent="0" algn="l" defTabSz="1218987" rtl="0" eaLnBrk="1" latinLnBrk="0" hangingPunct="1">
-              <a:lnSpc>
-                <a:spcPct val="90000"/>
-              </a:lnSpc>
-              <a:spcBef>
-                <a:spcPts val="800"/>
-              </a:spcBef>
-              <a:buClr>
-                <a:schemeClr val="accent1"/>
-              </a:buClr>
-              <a:buSzPct val="80000"/>
-              <a:buFont typeface="Arial" pitchFamily="34" charset="0"/>
-              <a:buNone/>
-              <a:defRPr sz="2100" b="1" kern="1200">
-                <a:solidFill>
-                  <a:schemeClr val="tx1"/>
-                </a:solidFill>
-                <a:latin typeface="+mn-lt"/>
-                <a:ea typeface="+mn-ea"/>
-                <a:cs typeface="+mn-cs"/>
-              </a:defRPr>
-            </a:lvl4pPr>
-            <a:lvl5pPr marL="2437973" indent="0" algn="l" defTabSz="1218987" rtl="0" eaLnBrk="1" latinLnBrk="0" hangingPunct="1">
-              <a:lnSpc>
-                <a:spcPct val="90000"/>
-              </a:lnSpc>
-              <a:spcBef>
-                <a:spcPts val="800"/>
-              </a:spcBef>
-              <a:buClr>
-                <a:schemeClr val="accent1"/>
-              </a:buClr>
-              <a:buSzPct val="80000"/>
-              <a:buFont typeface="Arial" pitchFamily="34" charset="0"/>
-              <a:buNone/>
-              <a:defRPr sz="2100" b="1" kern="1200">
-                <a:solidFill>
-                  <a:schemeClr val="tx1"/>
-                </a:solidFill>
-                <a:latin typeface="+mn-lt"/>
-                <a:ea typeface="+mn-ea"/>
-                <a:cs typeface="+mn-cs"/>
-              </a:defRPr>
-            </a:lvl5pPr>
-            <a:lvl6pPr marL="3047467" indent="0" algn="l" defTabSz="1218987" rtl="0" eaLnBrk="1" latinLnBrk="0" hangingPunct="1">
-              <a:lnSpc>
-                <a:spcPct val="90000"/>
-              </a:lnSpc>
-              <a:spcBef>
-                <a:spcPts val="800"/>
-              </a:spcBef>
-              <a:buClr>
-                <a:schemeClr val="accent1"/>
-              </a:buClr>
-              <a:buSzPct val="80000"/>
-              <a:buFont typeface="Arial" pitchFamily="34" charset="0"/>
-              <a:buNone/>
-              <a:defRPr sz="2100" b="1" kern="1200">
-                <a:solidFill>
-                  <a:schemeClr val="tx1"/>
-                </a:solidFill>
-                <a:latin typeface="+mn-lt"/>
-                <a:ea typeface="+mn-ea"/>
-                <a:cs typeface="+mn-cs"/>
-              </a:defRPr>
-            </a:lvl6pPr>
-            <a:lvl7pPr marL="3656960" indent="0" algn="l" defTabSz="1218987" rtl="0" eaLnBrk="1" latinLnBrk="0" hangingPunct="1">
-              <a:lnSpc>
-                <a:spcPct val="90000"/>
-              </a:lnSpc>
-              <a:spcBef>
-                <a:spcPts val="800"/>
-              </a:spcBef>
-              <a:buClr>
-                <a:schemeClr val="accent1"/>
-              </a:buClr>
-              <a:buSzPct val="80000"/>
-              <a:buFont typeface="Arial" pitchFamily="34" charset="0"/>
-              <a:buNone/>
-              <a:defRPr sz="2100" b="1" kern="1200">
-                <a:solidFill>
-                  <a:schemeClr val="tx1"/>
-                </a:solidFill>
-                <a:latin typeface="+mn-lt"/>
-                <a:ea typeface="+mn-ea"/>
-                <a:cs typeface="+mn-cs"/>
-              </a:defRPr>
-            </a:lvl7pPr>
-            <a:lvl8pPr marL="4266453" indent="0" algn="l" defTabSz="1218987" rtl="0" eaLnBrk="1" latinLnBrk="0" hangingPunct="1">
-              <a:lnSpc>
-                <a:spcPct val="90000"/>
-              </a:lnSpc>
-              <a:spcBef>
-                <a:spcPts val="800"/>
-              </a:spcBef>
-              <a:buClr>
-                <a:schemeClr val="accent1"/>
-              </a:buClr>
-              <a:buSzPct val="80000"/>
-              <a:buFont typeface="Arial" pitchFamily="34" charset="0"/>
-              <a:buNone/>
-              <a:defRPr sz="2100" b="1" kern="1200" baseline="0">
-                <a:solidFill>
-                  <a:schemeClr val="tx1"/>
-                </a:solidFill>
-                <a:latin typeface="+mn-lt"/>
-                <a:ea typeface="+mn-ea"/>
-                <a:cs typeface="+mn-cs"/>
-              </a:defRPr>
-            </a:lvl8pPr>
-            <a:lvl9pPr marL="4875947" indent="0" algn="l" defTabSz="1218987" rtl="0" eaLnBrk="1" latinLnBrk="0" hangingPunct="1">
-              <a:lnSpc>
-                <a:spcPct val="90000"/>
-              </a:lnSpc>
-              <a:spcBef>
-                <a:spcPts val="800"/>
-              </a:spcBef>
-              <a:buClr>
-                <a:schemeClr val="accent1"/>
-              </a:buClr>
-              <a:buSzPct val="80000"/>
-              <a:buFont typeface="Arial" pitchFamily="34" charset="0"/>
-              <a:buNone/>
-              <a:defRPr sz="2100" b="1" kern="1200" baseline="0">
-                <a:solidFill>
-                  <a:schemeClr val="tx1"/>
-                </a:solidFill>
-                <a:latin typeface="+mn-lt"/>
-                <a:ea typeface="+mn-ea"/>
-                <a:cs typeface="+mn-cs"/>
-              </a:defRPr>
-            </a:lvl9pPr>
-          </a:lstStyle>
-          <a:p>
-            <a:pPr algn="ctr"/>
-            <a:r>
-              <a:rPr lang="en-US" sz="2000" dirty="0"/>
-              <a:t>ANN Regression</a:t>
-            </a:r>
-          </a:p>
-        </p:txBody>
-      </p:sp>
-      <p:sp>
-        <p:nvSpPr>
-          <p:cNvPr id="20" name="Content Placeholder 9">
-            <a:extLst>
-              <a:ext uri="{FF2B5EF4-FFF2-40B4-BE49-F238E27FC236}">
-                <a16:creationId xmlns:a16="http://schemas.microsoft.com/office/drawing/2014/main" id="{387D9A75-5DED-ADED-1EB7-4250F5269CEE}"/>
-              </a:ext>
-            </a:extLst>
-          </p:cNvPr>
-          <p:cNvSpPr txBox="1">
-            <a:spLocks/>
-          </p:cNvSpPr>
-          <p:nvPr/>
-        </p:nvSpPr>
-        <p:spPr>
-          <a:xfrm>
-            <a:off x="8761412" y="4338637"/>
-            <a:ext cx="3122929" cy="1168400"/>
-          </a:xfrm>
-          <a:prstGeom prst="rect">
-            <a:avLst/>
-          </a:prstGeom>
-        </p:spPr>
-        <p:txBody>
-          <a:bodyPr vert="horz" lIns="121899" tIns="60949" rIns="121899" bIns="60949" rtlCol="0">
-            <a:noAutofit/>
-          </a:bodyPr>
-          <a:lstStyle>
-            <a:lvl1pPr marL="304747" indent="-304747" algn="l" defTabSz="1218987" rtl="0" eaLnBrk="1" latinLnBrk="0" hangingPunct="1">
-              <a:lnSpc>
-                <a:spcPct val="90000"/>
-              </a:lnSpc>
-              <a:spcBef>
-                <a:spcPts val="1600"/>
-              </a:spcBef>
-              <a:buClr>
-                <a:schemeClr val="accent1"/>
-              </a:buClr>
-              <a:buSzPct val="100000"/>
-              <a:buFont typeface="Arial" pitchFamily="34" charset="0"/>
-              <a:buChar char="•"/>
-              <a:defRPr sz="2800" kern="1200">
-                <a:solidFill>
-                  <a:schemeClr val="tx1"/>
-                </a:solidFill>
-                <a:latin typeface="+mn-lt"/>
-                <a:ea typeface="+mn-ea"/>
-                <a:cs typeface="+mn-cs"/>
-              </a:defRPr>
-            </a:lvl1pPr>
-            <a:lvl2pPr marL="609493" indent="-231607" algn="l" defTabSz="1218987" rtl="0" eaLnBrk="1" latinLnBrk="0" hangingPunct="1">
-              <a:lnSpc>
-                <a:spcPct val="90000"/>
-              </a:lnSpc>
-              <a:spcBef>
-                <a:spcPts val="800"/>
-              </a:spcBef>
-              <a:buClr>
-                <a:schemeClr val="accent1"/>
-              </a:buClr>
-              <a:buSzPct val="80000"/>
-              <a:buFont typeface="Arial" pitchFamily="34" charset="0"/>
-              <a:buChar char="•"/>
-              <a:defRPr sz="2400" kern="1200">
-                <a:solidFill>
-                  <a:schemeClr val="tx1"/>
-                </a:solidFill>
-                <a:latin typeface="+mn-lt"/>
-                <a:ea typeface="+mn-ea"/>
-                <a:cs typeface="+mn-cs"/>
-              </a:defRPr>
-            </a:lvl2pPr>
-            <a:lvl3pPr marL="914240" indent="-231607" algn="l" defTabSz="1218987" rtl="0" eaLnBrk="1" latinLnBrk="0" hangingPunct="1">
-              <a:lnSpc>
-                <a:spcPct val="90000"/>
-              </a:lnSpc>
-              <a:spcBef>
-                <a:spcPts val="800"/>
-              </a:spcBef>
-              <a:buClr>
-                <a:schemeClr val="accent1"/>
-              </a:buClr>
-              <a:buSzPct val="80000"/>
-              <a:buFont typeface="Arial" pitchFamily="34" charset="0"/>
-              <a:buChar char="•"/>
-              <a:defRPr sz="2000" kern="1200">
-                <a:solidFill>
-                  <a:schemeClr val="tx1"/>
-                </a:solidFill>
-                <a:latin typeface="+mn-lt"/>
-                <a:ea typeface="+mn-ea"/>
-                <a:cs typeface="+mn-cs"/>
-              </a:defRPr>
-            </a:lvl3pPr>
-            <a:lvl4pPr marL="1218987" indent="-231607" algn="l" defTabSz="1218987" rtl="0" eaLnBrk="1" latinLnBrk="0" hangingPunct="1">
-              <a:lnSpc>
-                <a:spcPct val="90000"/>
-              </a:lnSpc>
-              <a:spcBef>
-                <a:spcPts val="800"/>
-              </a:spcBef>
-              <a:buClr>
-                <a:schemeClr val="accent1"/>
-              </a:buClr>
-              <a:buSzPct val="80000"/>
-              <a:buFont typeface="Arial" pitchFamily="34" charset="0"/>
-              <a:buChar char="•"/>
-              <a:defRPr sz="2000" kern="1200">
-                <a:solidFill>
-                  <a:schemeClr val="tx1"/>
-                </a:solidFill>
-                <a:latin typeface="+mn-lt"/>
-                <a:ea typeface="+mn-ea"/>
-                <a:cs typeface="+mn-cs"/>
-              </a:defRPr>
-            </a:lvl4pPr>
-            <a:lvl5pPr marL="1523733" indent="-231607" algn="l" defTabSz="1218987" rtl="0" eaLnBrk="1" latinLnBrk="0" hangingPunct="1">
-              <a:lnSpc>
-                <a:spcPct val="90000"/>
-              </a:lnSpc>
-              <a:spcBef>
-                <a:spcPts val="800"/>
-              </a:spcBef>
-              <a:buClr>
-                <a:schemeClr val="accent1"/>
-              </a:buClr>
-              <a:buSzPct val="80000"/>
-              <a:buFont typeface="Arial" pitchFamily="34" charset="0"/>
-              <a:buChar char="•"/>
-              <a:defRPr sz="2000" kern="1200">
-                <a:solidFill>
-                  <a:schemeClr val="tx1"/>
-                </a:solidFill>
-                <a:latin typeface="+mn-lt"/>
-                <a:ea typeface="+mn-ea"/>
-                <a:cs typeface="+mn-cs"/>
-              </a:defRPr>
-            </a:lvl5pPr>
-            <a:lvl6pPr marL="1828480" indent="-231607" algn="l" defTabSz="1218987" rtl="0" eaLnBrk="1" latinLnBrk="0" hangingPunct="1">
-              <a:lnSpc>
-                <a:spcPct val="90000"/>
-              </a:lnSpc>
-              <a:spcBef>
-                <a:spcPts val="800"/>
-              </a:spcBef>
-              <a:buClr>
-                <a:schemeClr val="accent1"/>
-              </a:buClr>
-              <a:buSzPct val="80000"/>
-              <a:buFont typeface="Arial" pitchFamily="34" charset="0"/>
-              <a:buChar char="•"/>
-              <a:defRPr sz="2000" kern="1200">
-                <a:solidFill>
-                  <a:schemeClr val="tx1"/>
-                </a:solidFill>
-                <a:latin typeface="+mn-lt"/>
-                <a:ea typeface="+mn-ea"/>
-                <a:cs typeface="+mn-cs"/>
-              </a:defRPr>
-            </a:lvl6pPr>
-            <a:lvl7pPr marL="2133227" indent="-231607" algn="l" defTabSz="1218987" rtl="0" eaLnBrk="1" latinLnBrk="0" hangingPunct="1">
-              <a:lnSpc>
-                <a:spcPct val="90000"/>
-              </a:lnSpc>
-              <a:spcBef>
-                <a:spcPts val="800"/>
-              </a:spcBef>
-              <a:buClr>
-                <a:schemeClr val="accent1"/>
-              </a:buClr>
-              <a:buSzPct val="80000"/>
-              <a:buFont typeface="Arial" pitchFamily="34" charset="0"/>
-              <a:buChar char="•"/>
-              <a:defRPr sz="2000" kern="1200" baseline="0">
-                <a:solidFill>
-                  <a:schemeClr val="tx1"/>
-                </a:solidFill>
-                <a:latin typeface="+mn-lt"/>
-                <a:ea typeface="+mn-ea"/>
-                <a:cs typeface="+mn-cs"/>
-              </a:defRPr>
-            </a:lvl7pPr>
-            <a:lvl8pPr marL="2437973" indent="-231607" algn="l" defTabSz="1218987" rtl="0" eaLnBrk="1" latinLnBrk="0" hangingPunct="1">
-              <a:lnSpc>
-                <a:spcPct val="90000"/>
-              </a:lnSpc>
-              <a:spcBef>
-                <a:spcPts val="800"/>
-              </a:spcBef>
-              <a:buClr>
-                <a:schemeClr val="accent1"/>
-              </a:buClr>
-              <a:buSzPct val="80000"/>
-              <a:buFont typeface="Arial" pitchFamily="34" charset="0"/>
-              <a:buChar char="•"/>
-              <a:defRPr sz="2000" kern="1200" baseline="0">
-                <a:solidFill>
-                  <a:schemeClr val="tx1"/>
-                </a:solidFill>
-                <a:latin typeface="+mn-lt"/>
-                <a:ea typeface="+mn-ea"/>
-                <a:cs typeface="+mn-cs"/>
-              </a:defRPr>
-            </a:lvl8pPr>
-            <a:lvl9pPr marL="2742720" indent="-231607" algn="l" defTabSz="1218987" rtl="0" eaLnBrk="1" latinLnBrk="0" hangingPunct="1">
-              <a:lnSpc>
-                <a:spcPct val="90000"/>
-              </a:lnSpc>
-              <a:spcBef>
-                <a:spcPts val="800"/>
-              </a:spcBef>
-              <a:buClr>
-                <a:schemeClr val="accent1"/>
-              </a:buClr>
-              <a:buSzPct val="80000"/>
-              <a:buFont typeface="Arial" pitchFamily="34" charset="0"/>
-              <a:buChar char="•"/>
-              <a:defRPr sz="2000" kern="1200" baseline="0">
-                <a:solidFill>
-                  <a:schemeClr val="tx1"/>
-                </a:solidFill>
-                <a:latin typeface="+mn-lt"/>
-                <a:ea typeface="+mn-ea"/>
-                <a:cs typeface="+mn-cs"/>
-              </a:defRPr>
-            </a:lvl9pPr>
-          </a:lstStyle>
-          <a:p>
-            <a:pPr>
-              <a:lnSpc>
-                <a:spcPct val="100000"/>
-              </a:lnSpc>
-              <a:spcBef>
-                <a:spcPts val="600"/>
-              </a:spcBef>
-            </a:pPr>
-            <a:r>
-              <a:rPr lang="en-US" sz="1400" dirty="0"/>
-              <a:t>R2 Score = 0.889</a:t>
-            </a:r>
-          </a:p>
-          <a:p>
-            <a:pPr>
-              <a:spcBef>
-                <a:spcPts val="600"/>
-              </a:spcBef>
-            </a:pPr>
-            <a:r>
-              <a:rPr lang="en-US" sz="1400" dirty="0"/>
-              <a:t>Mean Squared Error = 0.045</a:t>
-            </a:r>
-          </a:p>
-          <a:p>
-            <a:pPr>
-              <a:spcBef>
-                <a:spcPts val="600"/>
-              </a:spcBef>
-            </a:pPr>
-            <a:r>
-              <a:rPr lang="en-US" sz="1400" dirty="0"/>
-              <a:t>Root Mean Squared Error = 0.213</a:t>
-            </a:r>
-          </a:p>
-          <a:p>
-            <a:pPr>
-              <a:spcBef>
-                <a:spcPts val="600"/>
-              </a:spcBef>
-            </a:pPr>
-            <a:r>
-              <a:rPr lang="en-US" sz="1400" dirty="0"/>
-              <a:t>Mean Absolute Error = 0.086</a:t>
-            </a:r>
-          </a:p>
-        </p:txBody>
-      </p:sp>
-    </p:spTree>
-    <p:extLst>
-      <p:ext uri="{BB962C8B-B14F-4D97-AF65-F5344CB8AC3E}">
-        <p14:creationId xmlns:p14="http://schemas.microsoft.com/office/powerpoint/2010/main" val="955642068"/>
-      </p:ext>
-    </p:extLst>
-  </p:cSld>
-  <p:clrMapOvr>
-    <a:masterClrMapping/>
-  </p:clrMapOvr>
-  <mc:AlternateContent xmlns:mc="http://schemas.openxmlformats.org/markup-compatibility/2006" xmlns:p14="http://schemas.microsoft.com/office/powerpoint/2010/main">
-    <mc:Choice Requires="p14">
-      <p:transition spd="med" p14:dur="700">
-        <p:fade/>
-      </p:transition>
-    </mc:Choice>
-    <mc:Fallback xmlns="">
-      <p:transition spd="med">
-        <p:fade/>
-      </p:transition>
-    </mc:Fallback>
-  </mc:AlternateContent>
-</p:sld>
-</file>
-
-<file path=ppt/slides/slide4.xml><?xml version="1.0" encoding="utf-8"?>
-<p:sld xmlns:a="http://schemas.openxmlformats.org/drawingml/2006/main" xmlns:r="http://schemas.openxmlformats.org/officeDocument/2006/relationships" xmlns:p="http://schemas.openxmlformats.org/presentationml/2006/main">
-  <p:cSld>
-    <p:spTree>
-      <p:nvGrpSpPr>
-        <p:cNvPr id="1" name=""/>
-        <p:cNvGrpSpPr/>
-        <p:nvPr/>
-      </p:nvGrpSpPr>
-      <p:grpSpPr>
-        <a:xfrm>
-          <a:off x="0" y="0"/>
-          <a:ext cx="0" cy="0"/>
-          <a:chOff x="0" y="0"/>
-          <a:chExt cx="0" cy="0"/>
-        </a:xfrm>
-      </p:grpSpPr>
-      <p:sp>
-        <p:nvSpPr>
-          <p:cNvPr id="7" name="Title 6"/>
-          <p:cNvSpPr>
-            <a:spLocks noGrp="1"/>
-          </p:cNvSpPr>
-          <p:nvPr>
-            <p:ph type="title"/>
-          </p:nvPr>
-        </p:nvSpPr>
-        <p:spPr>
-          <a:xfrm>
-            <a:off x="1218883" y="681698"/>
-            <a:ext cx="10360501" cy="1223963"/>
-          </a:xfrm>
-        </p:spPr>
-        <p:txBody>
-          <a:bodyPr/>
-          <a:lstStyle/>
-          <a:p>
-            <a:r>
-              <a:rPr lang="en-US" dirty="0">
-                <a:solidFill>
-                  <a:schemeClr val="accent3">
-                    <a:lumMod val="60000"/>
-                    <a:lumOff val="40000"/>
-                  </a:schemeClr>
-                </a:solidFill>
-              </a:rPr>
-              <a:t>Machine Learning Trends</a:t>
-            </a:r>
-          </a:p>
-        </p:txBody>
-      </p:sp>
-      <p:sp>
-        <p:nvSpPr>
-          <p:cNvPr id="3" name="Content Placeholder 2">
-            <a:extLst>
-              <a:ext uri="{FF2B5EF4-FFF2-40B4-BE49-F238E27FC236}">
-                <a16:creationId xmlns:a16="http://schemas.microsoft.com/office/drawing/2014/main" id="{AC053265-6A10-4985-B07B-C5B33F13CC65}"/>
-              </a:ext>
-            </a:extLst>
-          </p:cNvPr>
-          <p:cNvSpPr>
-            <a:spLocks noGrp="1"/>
-          </p:cNvSpPr>
-          <p:nvPr>
-            <p:ph idx="1"/>
-          </p:nvPr>
-        </p:nvSpPr>
-        <p:spPr>
-          <a:xfrm>
-            <a:off x="1218883" y="2971800"/>
-            <a:ext cx="10360501" cy="3192268"/>
-          </a:xfrm>
-        </p:spPr>
-        <p:txBody>
-          <a:bodyPr/>
-          <a:lstStyle/>
-          <a:p>
-            <a:r>
-              <a:rPr lang="en-US" dirty="0"/>
-              <a:t>My aim in this project is putting together pieces of ML analyzing, data cleaning, and modelling that can be re-used in other projects</a:t>
-            </a:r>
-          </a:p>
-          <a:p>
-            <a:r>
-              <a:rPr lang="en-US" dirty="0"/>
-              <a:t>Learning to move from a single notebook version to an object-oriented reusable project for the future</a:t>
-            </a:r>
-          </a:p>
-          <a:p>
-            <a:r>
-              <a:rPr lang="en-US" dirty="0"/>
-              <a:t>Solidify and grow what we have learned so far with ML, AI networks and python coding to put it all together as a package</a:t>
-            </a:r>
-          </a:p>
-        </p:txBody>
-      </p:sp>
-      <p:pic>
-        <p:nvPicPr>
-          <p:cNvPr id="5" name="Picture 4" descr="Blue abacus">
-            <a:extLst>
-              <a:ext uri="{FF2B5EF4-FFF2-40B4-BE49-F238E27FC236}">
-                <a16:creationId xmlns:a16="http://schemas.microsoft.com/office/drawing/2014/main" id="{BC385270-78B2-5ADD-F0E8-3F73772E755D}"/>
-              </a:ext>
-            </a:extLst>
-          </p:cNvPr>
-          <p:cNvPicPr>
-            <a:picLocks noChangeAspect="1"/>
-          </p:cNvPicPr>
-          <p:nvPr/>
-        </p:nvPicPr>
-        <p:blipFill>
-          <a:blip r:embed="rId2" cstate="print">
-            <a:extLst>
-              <a:ext uri="{28A0092B-C50C-407E-A947-70E740481C1C}">
-                <a14:useLocalDpi xmlns:a14="http://schemas.microsoft.com/office/drawing/2010/main" val="0"/>
-              </a:ext>
-            </a:extLst>
-          </a:blip>
-          <a:stretch>
-            <a:fillRect/>
-          </a:stretch>
-        </p:blipFill>
-        <p:spPr>
-          <a:xfrm>
-            <a:off x="6428921" y="274637"/>
-            <a:ext cx="4742278" cy="2286053"/>
-          </a:xfrm>
-          <a:prstGeom prst="rect">
-            <a:avLst/>
-          </a:prstGeom>
-        </p:spPr>
-      </p:pic>
+        <p:style>
+          <a:lnRef idx="1">
+            <a:schemeClr val="accent1"/>
+          </a:lnRef>
+          <a:fillRef idx="0">
+            <a:schemeClr val="accent1"/>
+          </a:fillRef>
+          <a:effectRef idx="0">
+            <a:schemeClr val="accent1"/>
+          </a:effectRef>
+          <a:fontRef idx="minor">
+            <a:schemeClr val="tx1"/>
+          </a:fontRef>
+        </p:style>
+      </p:cxnSp>
     </p:spTree>
     <p:extLst>
       <p:ext uri="{BB962C8B-B14F-4D97-AF65-F5344CB8AC3E}">
@@ -10437,12 +8856,12 @@
         </p:spPr>
         <p:txBody>
           <a:bodyPr>
-            <a:normAutofit fontScale="90000"/>
+            <a:normAutofit/>
           </a:bodyPr>
           <a:lstStyle/>
           <a:p>
             <a:r>
-              <a:rPr lang="en-US" dirty="0">
+              <a:rPr lang="en-US" sz="4400" dirty="0">
                 <a:solidFill>
                   <a:schemeClr val="accent3">
                     <a:lumMod val="60000"/>
@@ -10450,110 +8869,11 @@
                   </a:schemeClr>
                 </a:solidFill>
               </a:rPr>
-              <a:t>Data Used to find the Trends and how we can use Machine Learning to FIND the Trends</a:t>
-            </a:r>
-          </a:p>
-        </p:txBody>
-      </p:sp>
-      <p:sp>
-        <p:nvSpPr>
-          <p:cNvPr id="10" name="Content Placeholder 9"/>
-          <p:cNvSpPr>
-            <a:spLocks noGrp="1"/>
-          </p:cNvSpPr>
-          <p:nvPr>
-            <p:ph sz="half" idx="2"/>
-          </p:nvPr>
-        </p:nvSpPr>
-        <p:spPr>
-          <a:xfrm>
-            <a:off x="831849" y="1828799"/>
-            <a:ext cx="5078677" cy="1490513"/>
-          </a:xfrm>
-        </p:spPr>
-        <p:txBody>
-          <a:bodyPr/>
-          <a:lstStyle/>
-          <a:p>
-            <a:r>
-              <a:rPr lang="en-US" sz="1400" dirty="0"/>
-              <a:t>Beginning Columns: 11, 3 categorical, 6 float, 2 int</a:t>
-            </a:r>
-          </a:p>
-          <a:p>
-            <a:r>
-              <a:rPr lang="en-US" sz="1400" dirty="0"/>
-              <a:t>Beginning Rows: 53940</a:t>
-            </a:r>
-          </a:p>
-          <a:p>
-            <a:r>
-              <a:rPr lang="en-US" sz="1400" dirty="0"/>
-              <a:t>Beginning Column names: Unnamed: 0, carat, cut, color, clarity, depth, table, price, x, y, z</a:t>
-            </a:r>
-          </a:p>
-        </p:txBody>
-      </p:sp>
-      <p:pic>
-        <p:nvPicPr>
-          <p:cNvPr id="5" name="Picture 4">
-            <a:extLst>
-              <a:ext uri="{FF2B5EF4-FFF2-40B4-BE49-F238E27FC236}">
-                <a16:creationId xmlns:a16="http://schemas.microsoft.com/office/drawing/2014/main" id="{6D627DD2-45DC-192C-E0A2-A64D1D4AB444}"/>
-              </a:ext>
-            </a:extLst>
-          </p:cNvPr>
-          <p:cNvPicPr>
-            <a:picLocks noChangeAspect="1"/>
-          </p:cNvPicPr>
-          <p:nvPr/>
-        </p:nvPicPr>
-        <p:blipFill>
-          <a:blip r:embed="rId2"/>
-          <a:stretch>
-            <a:fillRect/>
-          </a:stretch>
-        </p:blipFill>
-        <p:spPr>
-          <a:xfrm>
-            <a:off x="5408612" y="1884664"/>
-            <a:ext cx="6564087" cy="1239536"/>
-          </a:xfrm>
-          <a:prstGeom prst="rect">
-            <a:avLst/>
-          </a:prstGeom>
-        </p:spPr>
-      </p:pic>
-      <p:pic>
-        <p:nvPicPr>
-          <p:cNvPr id="8" name="Picture 7">
-            <a:extLst>
-              <a:ext uri="{FF2B5EF4-FFF2-40B4-BE49-F238E27FC236}">
-                <a16:creationId xmlns:a16="http://schemas.microsoft.com/office/drawing/2014/main" id="{F4C66B5D-DEB2-1751-A07A-802D8EFD89AC}"/>
-              </a:ext>
-            </a:extLst>
-          </p:cNvPr>
-          <p:cNvPicPr>
-            <a:picLocks noChangeAspect="1"/>
-          </p:cNvPicPr>
-          <p:nvPr/>
-        </p:nvPicPr>
-        <p:blipFill>
-          <a:blip r:embed="rId3"/>
-          <a:stretch>
-            <a:fillRect/>
-          </a:stretch>
-        </p:blipFill>
-        <p:spPr>
-          <a:xfrm>
-            <a:off x="1293812" y="5027887"/>
-            <a:ext cx="8805994" cy="1361926"/>
-          </a:xfrm>
-          <a:prstGeom prst="rect">
-            <a:avLst/>
-          </a:prstGeom>
-        </p:spPr>
-      </p:pic>
+              <a:t>Enabling Accessibility in Education</a:t>
+            </a:r>
+          </a:p>
+        </p:txBody>
+      </p:sp>
       <p:sp>
         <p:nvSpPr>
           <p:cNvPr id="9" name="TextBox 8">
@@ -10568,8 +8888,8 @@
         </p:nvSpPr>
         <p:spPr>
           <a:xfrm>
-            <a:off x="989012" y="1149150"/>
-            <a:ext cx="4552528" cy="523220"/>
+            <a:off x="1293812" y="1607614"/>
+            <a:ext cx="4061368" cy="523220"/>
           </a:xfrm>
           <a:prstGeom prst="rect">
             <a:avLst/>
@@ -10588,17 +8908,17 @@
                   <a:srgbClr val="FFC000"/>
                 </a:solidFill>
               </a:rPr>
-              <a:t>Before cleanup/preprocessing</a:t>
-            </a:r>
-          </a:p>
-        </p:txBody>
-      </p:sp>
-      <p:sp>
-        <p:nvSpPr>
-          <p:cNvPr id="12" name="TextBox 11">
+              <a:t>Sign Language Recognition</a:t>
+            </a:r>
+          </a:p>
+        </p:txBody>
+      </p:sp>
+      <p:sp>
+        <p:nvSpPr>
+          <p:cNvPr id="11" name="TextBox 10">
             <a:extLst>
               <a:ext uri="{FF2B5EF4-FFF2-40B4-BE49-F238E27FC236}">
-                <a16:creationId xmlns:a16="http://schemas.microsoft.com/office/drawing/2014/main" id="{1F621BDF-DF19-CDB9-2114-880DCAF0F740}"/>
+                <a16:creationId xmlns:a16="http://schemas.microsoft.com/office/drawing/2014/main" id="{F6913468-AD92-C7AD-8C00-87CF78C978E6}"/>
               </a:ext>
             </a:extLst>
           </p:cNvPr>
@@ -10607,8 +8927,8 @@
         </p:nvSpPr>
         <p:spPr>
           <a:xfrm>
-            <a:off x="995114" y="3531606"/>
-            <a:ext cx="6111380" cy="461665"/>
+            <a:off x="1041531" y="5646906"/>
+            <a:ext cx="4595883" cy="584775"/>
           </a:xfrm>
           <a:prstGeom prst="rect">
             <a:avLst/>
@@ -10616,271 +8936,121 @@
           <a:noFill/>
         </p:spPr>
         <p:txBody>
-          <a:bodyPr wrap="square">
+          <a:bodyPr wrap="square" rtlCol="0">
             <a:spAutoFit/>
           </a:bodyPr>
           <a:lstStyle/>
           <a:p>
-            <a:r>
-              <a:rPr lang="en-US" sz="2400" dirty="0">
+            <a:pPr algn="ctr"/>
+            <a:r>
+              <a:rPr lang="en-US" sz="1600" dirty="0">
                 <a:solidFill>
                   <a:srgbClr val="FFC000"/>
                 </a:solidFill>
               </a:rPr>
-              <a:t>After cleanup/preprocessing</a:t>
-            </a:r>
-          </a:p>
-        </p:txBody>
-      </p:sp>
-      <p:sp>
-        <p:nvSpPr>
-          <p:cNvPr id="13" name="Content Placeholder 9">
+              <a:t>Sign language interpreter at </a:t>
+            </a:r>
+            <a:r>
+              <a:rPr lang="en-US" sz="1600" dirty="0" err="1">
+                <a:solidFill>
+                  <a:srgbClr val="FFC000"/>
+                </a:solidFill>
+              </a:rPr>
+              <a:t>FridaysForFuture</a:t>
+            </a:r>
+            <a:r>
+              <a:rPr lang="en-US" sz="1600" dirty="0">
+                <a:solidFill>
+                  <a:srgbClr val="FFC000"/>
+                </a:solidFill>
+              </a:rPr>
+              <a:t> demonstration Berlin 2024-05-31</a:t>
+            </a:r>
+          </a:p>
+        </p:txBody>
+      </p:sp>
+      <p:pic>
+        <p:nvPicPr>
+          <p:cNvPr id="1026" name="Picture 2">
             <a:extLst>
               <a:ext uri="{FF2B5EF4-FFF2-40B4-BE49-F238E27FC236}">
-                <a16:creationId xmlns:a16="http://schemas.microsoft.com/office/drawing/2014/main" id="{02B03558-0B25-06E0-A2BD-BF22B82CD562}"/>
+                <a16:creationId xmlns:a16="http://schemas.microsoft.com/office/drawing/2014/main" id="{3280F61D-BB67-79EB-6EB7-74CBBBE2F591}"/>
               </a:ext>
             </a:extLst>
           </p:cNvPr>
-          <p:cNvSpPr txBox="1">
-            <a:spLocks/>
-          </p:cNvSpPr>
+          <p:cNvPicPr>
+            <a:picLocks noChangeAspect="1" noChangeArrowheads="1"/>
+          </p:cNvPicPr>
           <p:nvPr/>
-        </p:nvSpPr>
-        <p:spPr>
+        </p:nvPicPr>
+        <p:blipFill>
+          <a:blip r:embed="rId2">
+            <a:extLst>
+              <a:ext uri="{28A0092B-C50C-407E-A947-70E740481C1C}">
+                <a14:useLocalDpi xmlns:a14="http://schemas.microsoft.com/office/drawing/2010/main" val="0"/>
+              </a:ext>
+            </a:extLst>
+          </a:blip>
+          <a:srcRect/>
+          <a:stretch>
+            <a:fillRect/>
+          </a:stretch>
+        </p:blipFill>
+        <p:spPr bwMode="auto">
           <a:xfrm>
-            <a:off x="831849" y="4074156"/>
-            <a:ext cx="10747535" cy="902003"/>
+            <a:off x="1026554" y="2362200"/>
+            <a:ext cx="4595883" cy="3063922"/>
           </a:xfrm>
           <a:prstGeom prst="rect">
             <a:avLst/>
           </a:prstGeom>
+          <a:noFill/>
+          <a:extLst>
+            <a:ext uri="{909E8E84-426E-40DD-AFC4-6F175D3DCCD1}">
+              <a14:hiddenFill xmlns:a14="http://schemas.microsoft.com/office/drawing/2010/main">
+                <a:solidFill>
+                  <a:srgbClr val="FFFFFF"/>
+                </a:solidFill>
+              </a14:hiddenFill>
+            </a:ext>
+          </a:extLst>
         </p:spPr>
-        <p:txBody>
-          <a:bodyPr vert="horz" lIns="121899" tIns="60949" rIns="121899" bIns="60949" numCol="2" rtlCol="0">
-            <a:noAutofit/>
+      </p:pic>
+      <p:sp>
+        <p:nvSpPr>
+          <p:cNvPr id="14" name="TextBox 13">
+            <a:extLst>
+              <a:ext uri="{FF2B5EF4-FFF2-40B4-BE49-F238E27FC236}">
+                <a16:creationId xmlns:a16="http://schemas.microsoft.com/office/drawing/2014/main" id="{DC718C26-BB9D-B228-EC6F-12C6F3F27A2D}"/>
+              </a:ext>
+            </a:extLst>
+          </p:cNvPr>
+          <p:cNvSpPr txBox="1"/>
+          <p:nvPr/>
+        </p:nvSpPr>
+        <p:spPr>
+          <a:xfrm>
+            <a:off x="6407484" y="1607614"/>
+            <a:ext cx="5802166" cy="523220"/>
+          </a:xfrm>
+          <a:prstGeom prst="rect">
+            <a:avLst/>
+          </a:prstGeom>
+          <a:noFill/>
+        </p:spPr>
+        <p:txBody>
+          <a:bodyPr wrap="none" rtlCol="0">
+            <a:spAutoFit/>
           </a:bodyPr>
-          <a:lstStyle>
-            <a:lvl1pPr marL="304747" indent="-304747" algn="l" defTabSz="1218987" rtl="0" eaLnBrk="1" latinLnBrk="0" hangingPunct="1">
-              <a:lnSpc>
-                <a:spcPct val="90000"/>
-              </a:lnSpc>
-              <a:spcBef>
-                <a:spcPts val="1600"/>
-              </a:spcBef>
-              <a:buClr>
-                <a:schemeClr val="accent1"/>
-              </a:buClr>
-              <a:buSzPct val="100000"/>
-              <a:buFont typeface="Arial" pitchFamily="34" charset="0"/>
-              <a:buChar char="•"/>
-              <a:defRPr sz="2800" kern="1200">
+          <a:lstStyle/>
+          <a:p>
+            <a:r>
+              <a:rPr lang="en-US" sz="2800" dirty="0">
                 <a:solidFill>
-                  <a:schemeClr val="tx1"/>
+                  <a:srgbClr val="FFC000"/>
                 </a:solidFill>
-                <a:latin typeface="+mn-lt"/>
-                <a:ea typeface="+mn-ea"/>
-                <a:cs typeface="+mn-cs"/>
-              </a:defRPr>
-            </a:lvl1pPr>
-            <a:lvl2pPr marL="609493" indent="-231607" algn="l" defTabSz="1218987" rtl="0" eaLnBrk="1" latinLnBrk="0" hangingPunct="1">
-              <a:lnSpc>
-                <a:spcPct val="90000"/>
-              </a:lnSpc>
-              <a:spcBef>
-                <a:spcPts val="800"/>
-              </a:spcBef>
-              <a:buClr>
-                <a:schemeClr val="accent1"/>
-              </a:buClr>
-              <a:buSzPct val="80000"/>
-              <a:buFont typeface="Arial" pitchFamily="34" charset="0"/>
-              <a:buChar char="•"/>
-              <a:defRPr sz="2400" kern="1200">
-                <a:solidFill>
-                  <a:schemeClr val="tx1"/>
-                </a:solidFill>
-                <a:latin typeface="+mn-lt"/>
-                <a:ea typeface="+mn-ea"/>
-                <a:cs typeface="+mn-cs"/>
-              </a:defRPr>
-            </a:lvl2pPr>
-            <a:lvl3pPr marL="914240" indent="-231607" algn="l" defTabSz="1218987" rtl="0" eaLnBrk="1" latinLnBrk="0" hangingPunct="1">
-              <a:lnSpc>
-                <a:spcPct val="90000"/>
-              </a:lnSpc>
-              <a:spcBef>
-                <a:spcPts val="800"/>
-              </a:spcBef>
-              <a:buClr>
-                <a:schemeClr val="accent1"/>
-              </a:buClr>
-              <a:buSzPct val="80000"/>
-              <a:buFont typeface="Arial" pitchFamily="34" charset="0"/>
-              <a:buChar char="•"/>
-              <a:defRPr sz="2000" kern="1200">
-                <a:solidFill>
-                  <a:schemeClr val="tx1"/>
-                </a:solidFill>
-                <a:latin typeface="+mn-lt"/>
-                <a:ea typeface="+mn-ea"/>
-                <a:cs typeface="+mn-cs"/>
-              </a:defRPr>
-            </a:lvl3pPr>
-            <a:lvl4pPr marL="1218987" indent="-231607" algn="l" defTabSz="1218987" rtl="0" eaLnBrk="1" latinLnBrk="0" hangingPunct="1">
-              <a:lnSpc>
-                <a:spcPct val="90000"/>
-              </a:lnSpc>
-              <a:spcBef>
-                <a:spcPts val="800"/>
-              </a:spcBef>
-              <a:buClr>
-                <a:schemeClr val="accent1"/>
-              </a:buClr>
-              <a:buSzPct val="80000"/>
-              <a:buFont typeface="Arial" pitchFamily="34" charset="0"/>
-              <a:buChar char="•"/>
-              <a:defRPr sz="2000" kern="1200">
-                <a:solidFill>
-                  <a:schemeClr val="tx1"/>
-                </a:solidFill>
-                <a:latin typeface="+mn-lt"/>
-                <a:ea typeface="+mn-ea"/>
-                <a:cs typeface="+mn-cs"/>
-              </a:defRPr>
-            </a:lvl4pPr>
-            <a:lvl5pPr marL="1523733" indent="-231607" algn="l" defTabSz="1218987" rtl="0" eaLnBrk="1" latinLnBrk="0" hangingPunct="1">
-              <a:lnSpc>
-                <a:spcPct val="90000"/>
-              </a:lnSpc>
-              <a:spcBef>
-                <a:spcPts val="800"/>
-              </a:spcBef>
-              <a:buClr>
-                <a:schemeClr val="accent1"/>
-              </a:buClr>
-              <a:buSzPct val="80000"/>
-              <a:buFont typeface="Arial" pitchFamily="34" charset="0"/>
-              <a:buChar char="•"/>
-              <a:defRPr sz="2000" kern="1200">
-                <a:solidFill>
-                  <a:schemeClr val="tx1"/>
-                </a:solidFill>
-                <a:latin typeface="+mn-lt"/>
-                <a:ea typeface="+mn-ea"/>
-                <a:cs typeface="+mn-cs"/>
-              </a:defRPr>
-            </a:lvl5pPr>
-            <a:lvl6pPr marL="1828480" indent="-231607" algn="l" defTabSz="1218987" rtl="0" eaLnBrk="1" latinLnBrk="0" hangingPunct="1">
-              <a:lnSpc>
-                <a:spcPct val="90000"/>
-              </a:lnSpc>
-              <a:spcBef>
-                <a:spcPts val="800"/>
-              </a:spcBef>
-              <a:buClr>
-                <a:schemeClr val="accent1"/>
-              </a:buClr>
-              <a:buSzPct val="80000"/>
-              <a:buFont typeface="Arial" pitchFamily="34" charset="0"/>
-              <a:buChar char="•"/>
-              <a:defRPr sz="2000" kern="1200">
-                <a:solidFill>
-                  <a:schemeClr val="tx1"/>
-                </a:solidFill>
-                <a:latin typeface="+mn-lt"/>
-                <a:ea typeface="+mn-ea"/>
-                <a:cs typeface="+mn-cs"/>
-              </a:defRPr>
-            </a:lvl6pPr>
-            <a:lvl7pPr marL="2133227" indent="-231607" algn="l" defTabSz="1218987" rtl="0" eaLnBrk="1" latinLnBrk="0" hangingPunct="1">
-              <a:lnSpc>
-                <a:spcPct val="90000"/>
-              </a:lnSpc>
-              <a:spcBef>
-                <a:spcPts val="800"/>
-              </a:spcBef>
-              <a:buClr>
-                <a:schemeClr val="accent1"/>
-              </a:buClr>
-              <a:buSzPct val="80000"/>
-              <a:buFont typeface="Arial" pitchFamily="34" charset="0"/>
-              <a:buChar char="•"/>
-              <a:defRPr sz="2000" kern="1200" baseline="0">
-                <a:solidFill>
-                  <a:schemeClr val="tx1"/>
-                </a:solidFill>
-                <a:latin typeface="+mn-lt"/>
-                <a:ea typeface="+mn-ea"/>
-                <a:cs typeface="+mn-cs"/>
-              </a:defRPr>
-            </a:lvl7pPr>
-            <a:lvl8pPr marL="2437973" indent="-231607" algn="l" defTabSz="1218987" rtl="0" eaLnBrk="1" latinLnBrk="0" hangingPunct="1">
-              <a:lnSpc>
-                <a:spcPct val="90000"/>
-              </a:lnSpc>
-              <a:spcBef>
-                <a:spcPts val="800"/>
-              </a:spcBef>
-              <a:buClr>
-                <a:schemeClr val="accent1"/>
-              </a:buClr>
-              <a:buSzPct val="80000"/>
-              <a:buFont typeface="Arial" pitchFamily="34" charset="0"/>
-              <a:buChar char="•"/>
-              <a:defRPr sz="2000" kern="1200" baseline="0">
-                <a:solidFill>
-                  <a:schemeClr val="tx1"/>
-                </a:solidFill>
-                <a:latin typeface="+mn-lt"/>
-                <a:ea typeface="+mn-ea"/>
-                <a:cs typeface="+mn-cs"/>
-              </a:defRPr>
-            </a:lvl8pPr>
-            <a:lvl9pPr marL="2742720" indent="-231607" algn="l" defTabSz="1218987" rtl="0" eaLnBrk="1" latinLnBrk="0" hangingPunct="1">
-              <a:lnSpc>
-                <a:spcPct val="90000"/>
-              </a:lnSpc>
-              <a:spcBef>
-                <a:spcPts val="800"/>
-              </a:spcBef>
-              <a:buClr>
-                <a:schemeClr val="accent1"/>
-              </a:buClr>
-              <a:buSzPct val="80000"/>
-              <a:buFont typeface="Arial" pitchFamily="34" charset="0"/>
-              <a:buChar char="•"/>
-              <a:defRPr sz="2000" kern="1200" baseline="0">
-                <a:solidFill>
-                  <a:schemeClr val="tx1"/>
-                </a:solidFill>
-                <a:latin typeface="+mn-lt"/>
-                <a:ea typeface="+mn-ea"/>
-                <a:cs typeface="+mn-cs"/>
-              </a:defRPr>
-            </a:lvl9pPr>
-          </a:lstStyle>
-          <a:p>
-            <a:r>
-              <a:rPr lang="en-US" sz="1400" dirty="0"/>
-              <a:t>Remaining Columns: 10, Shuffled and sampled 50%</a:t>
-            </a:r>
-          </a:p>
-          <a:p>
-            <a:r>
-              <a:rPr lang="en-US" sz="1400" dirty="0"/>
-              <a:t>Remaining Rows: 26970</a:t>
-            </a:r>
-          </a:p>
-          <a:p>
-            <a:r>
-              <a:rPr lang="en-US" sz="1400" dirty="0"/>
-              <a:t>Removed any empty, column Unnamed 0, encoded, standardized</a:t>
-            </a:r>
-          </a:p>
-          <a:p>
-            <a:r>
-              <a:rPr lang="en-US" sz="1400" dirty="0"/>
-              <a:t>Train 80% test 10% Val 10%</a:t>
+              </a:rPr>
+              <a:t>Language Translation and Preservation</a:t>
             </a:r>
           </a:p>
         </p:txBody>
@@ -11693,66 +9863,6 @@
           </a:p>
         </p:txBody>
       </p:sp>
-      <p:pic>
-        <p:nvPicPr>
-          <p:cNvPr id="6" name="Picture 5">
-            <a:extLst>
-              <a:ext uri="{FF2B5EF4-FFF2-40B4-BE49-F238E27FC236}">
-                <a16:creationId xmlns:a16="http://schemas.microsoft.com/office/drawing/2014/main" id="{AA1D4F77-A580-00E1-6DAA-738905AF2649}"/>
-              </a:ext>
-            </a:extLst>
-          </p:cNvPr>
-          <p:cNvPicPr>
-            <a:picLocks noChangeAspect="1"/>
-          </p:cNvPicPr>
-          <p:nvPr/>
-        </p:nvPicPr>
-        <p:blipFill>
-          <a:blip r:embed="rId2"/>
-          <a:stretch>
-            <a:fillRect/>
-          </a:stretch>
-        </p:blipFill>
-        <p:spPr>
-          <a:xfrm>
-            <a:off x="1137113" y="2174584"/>
-            <a:ext cx="5276511" cy="4408779"/>
-          </a:xfrm>
-          <a:prstGeom prst="rect">
-            <a:avLst/>
-          </a:prstGeom>
-        </p:spPr>
-      </p:pic>
-      <p:pic>
-        <p:nvPicPr>
-          <p:cNvPr id="15" name="Picture 14">
-            <a:extLst>
-              <a:ext uri="{FF2B5EF4-FFF2-40B4-BE49-F238E27FC236}">
-                <a16:creationId xmlns:a16="http://schemas.microsoft.com/office/drawing/2014/main" id="{488CCB40-2B00-023E-CAE9-741C4B7FE23B}"/>
-              </a:ext>
-            </a:extLst>
-          </p:cNvPr>
-          <p:cNvPicPr>
-            <a:picLocks noChangeAspect="1"/>
-          </p:cNvPicPr>
-          <p:nvPr/>
-        </p:nvPicPr>
-        <p:blipFill>
-          <a:blip r:embed="rId3"/>
-          <a:stretch>
-            <a:fillRect/>
-          </a:stretch>
-        </p:blipFill>
-        <p:spPr>
-          <a:xfrm>
-            <a:off x="6780212" y="2174583"/>
-            <a:ext cx="5209962" cy="4408779"/>
-          </a:xfrm>
-          <a:prstGeom prst="rect">
-            <a:avLst/>
-          </a:prstGeom>
-        </p:spPr>
-      </p:pic>
     </p:spTree>
     <p:extLst>
       <p:ext uri="{BB962C8B-B14F-4D97-AF65-F5344CB8AC3E}">

--- a/lt_presentation/MWLightning.pptx
+++ b/lt_presentation/MWLightning.pptx
@@ -5,26 +5,20 @@
     <p:sldMasterId id="2147483660" r:id="rId4"/>
   </p:sldMasterIdLst>
   <p:notesMasterIdLst>
-    <p:notesMasterId r:id="rId19"/>
+    <p:notesMasterId r:id="rId13"/>
   </p:notesMasterIdLst>
   <p:handoutMasterIdLst>
-    <p:handoutMasterId r:id="rId20"/>
+    <p:handoutMasterId r:id="rId14"/>
   </p:handoutMasterIdLst>
   <p:sldIdLst>
     <p:sldId id="257" r:id="rId5"/>
     <p:sldId id="268" r:id="rId6"/>
     <p:sldId id="277" r:id="rId7"/>
     <p:sldId id="267" r:id="rId8"/>
-    <p:sldId id="273" r:id="rId9"/>
-    <p:sldId id="272" r:id="rId10"/>
-    <p:sldId id="261" r:id="rId11"/>
-    <p:sldId id="274" r:id="rId12"/>
-    <p:sldId id="275" r:id="rId13"/>
-    <p:sldId id="271" r:id="rId14"/>
-    <p:sldId id="279" r:id="rId15"/>
-    <p:sldId id="278" r:id="rId16"/>
-    <p:sldId id="280" r:id="rId17"/>
-    <p:sldId id="270" r:id="rId18"/>
+    <p:sldId id="272" r:id="rId9"/>
+    <p:sldId id="281" r:id="rId10"/>
+    <p:sldId id="273" r:id="rId11"/>
+    <p:sldId id="261" r:id="rId12"/>
   </p:sldIdLst>
   <p:sldSz cx="12188825" cy="6858000"/>
   <p:notesSz cx="6858000" cy="9144000"/>
@@ -159,7 +153,7 @@
 <file path=ppt/revisionInfo.xml><?xml version="1.0" encoding="utf-8"?>
 <p1510:revInfo xmlns:a="http://schemas.openxmlformats.org/drawingml/2006/main" xmlns:r="http://schemas.openxmlformats.org/officeDocument/2006/relationships" xmlns:p1510="http://schemas.microsoft.com/office/powerpoint/2015/10/main">
   <p1510:revLst>
-    <p1510:client id="{802A2429-C045-479A-A95C-C302BAFFF8CB}" v="35" dt="2024-08-20T22:55:36.251"/>
+    <p1510:client id="{802A2429-C045-479A-A95C-C302BAFFF8CB}" v="43" dt="2024-08-21T20:15:52.268"/>
   </p1510:revLst>
 </p1510:revInfo>
 </file>
@@ -168,8 +162,8 @@
 <pc:chgInfo xmlns:a="http://schemas.openxmlformats.org/drawingml/2006/main" xmlns:r="http://schemas.openxmlformats.org/officeDocument/2006/relationships" xmlns:ac="http://schemas.microsoft.com/office/drawing/2013/main/command" xmlns:pc="http://schemas.microsoft.com/office/powerpoint/2013/main/command">
   <pc:docChgLst>
     <pc:chgData name="Mandy Wallace" userId="cc03f24d-b43b-4356-8e08-77297e722b4c" providerId="ADAL" clId="{802A2429-C045-479A-A95C-C302BAFFF8CB}"/>
-    <pc:docChg chg="undo redo custSel modSld">
-      <pc:chgData name="Mandy Wallace" userId="cc03f24d-b43b-4356-8e08-77297e722b4c" providerId="ADAL" clId="{802A2429-C045-479A-A95C-C302BAFFF8CB}" dt="2024-08-20T22:56:01.831" v="993" actId="1076"/>
+    <pc:docChg chg="undo redo custSel addSld delSld modSld sldOrd">
+      <pc:chgData name="Mandy Wallace" userId="cc03f24d-b43b-4356-8e08-77297e722b4c" providerId="ADAL" clId="{802A2429-C045-479A-A95C-C302BAFFF8CB}" dt="2024-08-21T20:20:35.423" v="1950" actId="47"/>
       <pc:docMkLst>
         <pc:docMk/>
       </pc:docMkLst>
@@ -185,6 +179,69 @@
             <pc:docMk/>
             <pc:sldMk cId="1332291891" sldId="257"/>
             <ac:spMk id="5" creationId="{00000000-0000-0000-0000-000000000000}"/>
+          </ac:spMkLst>
+        </pc:spChg>
+      </pc:sldChg>
+      <pc:sldChg chg="addSp delSp modSp mod">
+        <pc:chgData name="Mandy Wallace" userId="cc03f24d-b43b-4356-8e08-77297e722b4c" providerId="ADAL" clId="{802A2429-C045-479A-A95C-C302BAFFF8CB}" dt="2024-08-21T20:20:23.894" v="1943" actId="20577"/>
+        <pc:sldMkLst>
+          <pc:docMk/>
+          <pc:sldMk cId="2672039197" sldId="261"/>
+        </pc:sldMkLst>
+        <pc:spChg chg="add del mod">
+          <ac:chgData name="Mandy Wallace" userId="cc03f24d-b43b-4356-8e08-77297e722b4c" providerId="ADAL" clId="{802A2429-C045-479A-A95C-C302BAFFF8CB}" dt="2024-08-21T20:17:21.246" v="1687" actId="478"/>
+          <ac:spMkLst>
+            <pc:docMk/>
+            <pc:sldMk cId="2672039197" sldId="261"/>
+            <ac:spMk id="3" creationId="{C81CFF11-45A7-D053-67C2-0C6E0B381DF3}"/>
+          </ac:spMkLst>
+        </pc:spChg>
+        <pc:spChg chg="add del mod">
+          <ac:chgData name="Mandy Wallace" userId="cc03f24d-b43b-4356-8e08-77297e722b4c" providerId="ADAL" clId="{802A2429-C045-479A-A95C-C302BAFFF8CB}" dt="2024-08-21T20:17:19.155" v="1686" actId="478"/>
+          <ac:spMkLst>
+            <pc:docMk/>
+            <pc:sldMk cId="2672039197" sldId="261"/>
+            <ac:spMk id="6" creationId="{D99B858E-7BEC-E565-45EB-098A1A3EEEEC}"/>
+          </ac:spMkLst>
+        </pc:spChg>
+        <pc:spChg chg="mod">
+          <ac:chgData name="Mandy Wallace" userId="cc03f24d-b43b-4356-8e08-77297e722b4c" providerId="ADAL" clId="{802A2429-C045-479A-A95C-C302BAFFF8CB}" dt="2024-08-21T20:17:32.111" v="1707" actId="20577"/>
+          <ac:spMkLst>
+            <pc:docMk/>
+            <pc:sldMk cId="2672039197" sldId="261"/>
+            <ac:spMk id="7" creationId="{00000000-0000-0000-0000-000000000000}"/>
+          </ac:spMkLst>
+        </pc:spChg>
+        <pc:spChg chg="del">
+          <ac:chgData name="Mandy Wallace" userId="cc03f24d-b43b-4356-8e08-77297e722b4c" providerId="ADAL" clId="{802A2429-C045-479A-A95C-C302BAFFF8CB}" dt="2024-08-21T20:17:17.219" v="1685" actId="478"/>
+          <ac:spMkLst>
+            <pc:docMk/>
+            <pc:sldMk cId="2672039197" sldId="261"/>
+            <ac:spMk id="8" creationId="{00000000-0000-0000-0000-000000000000}"/>
+          </ac:spMkLst>
+        </pc:spChg>
+        <pc:spChg chg="mod">
+          <ac:chgData name="Mandy Wallace" userId="cc03f24d-b43b-4356-8e08-77297e722b4c" providerId="ADAL" clId="{802A2429-C045-479A-A95C-C302BAFFF8CB}" dt="2024-08-21T20:18:29.888" v="1787" actId="20577"/>
+          <ac:spMkLst>
+            <pc:docMk/>
+            <pc:sldMk cId="2672039197" sldId="261"/>
+            <ac:spMk id="9" creationId="{00000000-0000-0000-0000-000000000000}"/>
+          </ac:spMkLst>
+        </pc:spChg>
+        <pc:spChg chg="del">
+          <ac:chgData name="Mandy Wallace" userId="cc03f24d-b43b-4356-8e08-77297e722b4c" providerId="ADAL" clId="{802A2429-C045-479A-A95C-C302BAFFF8CB}" dt="2024-08-21T20:17:14.876" v="1684" actId="478"/>
+          <ac:spMkLst>
+            <pc:docMk/>
+            <pc:sldMk cId="2672039197" sldId="261"/>
+            <ac:spMk id="10" creationId="{00000000-0000-0000-0000-000000000000}"/>
+          </ac:spMkLst>
+        </pc:spChg>
+        <pc:spChg chg="mod">
+          <ac:chgData name="Mandy Wallace" userId="cc03f24d-b43b-4356-8e08-77297e722b4c" providerId="ADAL" clId="{802A2429-C045-479A-A95C-C302BAFFF8CB}" dt="2024-08-21T20:20:23.894" v="1943" actId="20577"/>
+          <ac:spMkLst>
+            <pc:docMk/>
+            <pc:sldMk cId="2672039197" sldId="261"/>
+            <ac:spMk id="11" creationId="{00000000-0000-0000-0000-000000000000}"/>
           </ac:spMkLst>
         </pc:spChg>
       </pc:sldChg>
@@ -370,8 +427,141 @@
           </ac:picMkLst>
         </pc:picChg>
       </pc:sldChg>
+      <pc:sldChg chg="del">
+        <pc:chgData name="Mandy Wallace" userId="cc03f24d-b43b-4356-8e08-77297e722b4c" providerId="ADAL" clId="{802A2429-C045-479A-A95C-C302BAFFF8CB}" dt="2024-08-21T20:20:35.423" v="1950" actId="47"/>
+        <pc:sldMkLst>
+          <pc:docMk/>
+          <pc:sldMk cId="4123189245" sldId="270"/>
+        </pc:sldMkLst>
+      </pc:sldChg>
+      <pc:sldChg chg="del">
+        <pc:chgData name="Mandy Wallace" userId="cc03f24d-b43b-4356-8e08-77297e722b4c" providerId="ADAL" clId="{802A2429-C045-479A-A95C-C302BAFFF8CB}" dt="2024-08-21T20:20:31.349" v="1946" actId="47"/>
+        <pc:sldMkLst>
+          <pc:docMk/>
+          <pc:sldMk cId="2319046984" sldId="271"/>
+        </pc:sldMkLst>
+      </pc:sldChg>
+      <pc:sldChg chg="addSp delSp modSp mod ord">
+        <pc:chgData name="Mandy Wallace" userId="cc03f24d-b43b-4356-8e08-77297e722b4c" providerId="ADAL" clId="{802A2429-C045-479A-A95C-C302BAFFF8CB}" dt="2024-08-21T20:07:26.151" v="1394" actId="207"/>
+        <pc:sldMkLst>
+          <pc:docMk/>
+          <pc:sldMk cId="2143967133" sldId="272"/>
+        </pc:sldMkLst>
+        <pc:spChg chg="del mod">
+          <ac:chgData name="Mandy Wallace" userId="cc03f24d-b43b-4356-8e08-77297e722b4c" providerId="ADAL" clId="{802A2429-C045-479A-A95C-C302BAFFF8CB}" dt="2024-08-21T19:55:54.141" v="1083" actId="478"/>
+          <ac:spMkLst>
+            <pc:docMk/>
+            <pc:sldMk cId="2143967133" sldId="272"/>
+            <ac:spMk id="3" creationId="{AC053265-6A10-4985-B07B-C5B33F13CC65}"/>
+          </ac:spMkLst>
+        </pc:spChg>
+        <pc:spChg chg="add del mod">
+          <ac:chgData name="Mandy Wallace" userId="cc03f24d-b43b-4356-8e08-77297e722b4c" providerId="ADAL" clId="{802A2429-C045-479A-A95C-C302BAFFF8CB}" dt="2024-08-21T19:55:55.680" v="1084" actId="478"/>
+          <ac:spMkLst>
+            <pc:docMk/>
+            <pc:sldMk cId="2143967133" sldId="272"/>
+            <ac:spMk id="5" creationId="{6C79356C-A695-C5C0-4477-14AB88ECE247}"/>
+          </ac:spMkLst>
+        </pc:spChg>
+        <pc:spChg chg="mod">
+          <ac:chgData name="Mandy Wallace" userId="cc03f24d-b43b-4356-8e08-77297e722b4c" providerId="ADAL" clId="{802A2429-C045-479A-A95C-C302BAFFF8CB}" dt="2024-08-21T20:01:15.548" v="1103" actId="14100"/>
+          <ac:spMkLst>
+            <pc:docMk/>
+            <pc:sldMk cId="2143967133" sldId="272"/>
+            <ac:spMk id="7" creationId="{00000000-0000-0000-0000-000000000000}"/>
+          </ac:spMkLst>
+        </pc:spChg>
+        <pc:spChg chg="add mod">
+          <ac:chgData name="Mandy Wallace" userId="cc03f24d-b43b-4356-8e08-77297e722b4c" providerId="ADAL" clId="{802A2429-C045-479A-A95C-C302BAFFF8CB}" dt="2024-08-21T20:07:26.151" v="1394" actId="207"/>
+          <ac:spMkLst>
+            <pc:docMk/>
+            <pc:sldMk cId="2143967133" sldId="272"/>
+            <ac:spMk id="11" creationId="{0262B139-4942-D9ED-871C-E3457CBE1F79}"/>
+          </ac:spMkLst>
+        </pc:spChg>
+        <pc:spChg chg="del">
+          <ac:chgData name="Mandy Wallace" userId="cc03f24d-b43b-4356-8e08-77297e722b4c" providerId="ADAL" clId="{802A2429-C045-479A-A95C-C302BAFFF8CB}" dt="2024-08-21T19:56:08.417" v="1090" actId="478"/>
+          <ac:spMkLst>
+            <pc:docMk/>
+            <pc:sldMk cId="2143967133" sldId="272"/>
+            <ac:spMk id="16" creationId="{53CC0B73-58C2-262F-3F63-6FD82AADDF14}"/>
+          </ac:spMkLst>
+        </pc:spChg>
+        <pc:spChg chg="mod">
+          <ac:chgData name="Mandy Wallace" userId="cc03f24d-b43b-4356-8e08-77297e722b4c" providerId="ADAL" clId="{802A2429-C045-479A-A95C-C302BAFFF8CB}" dt="2024-08-21T20:03:37.476" v="1211" actId="1076"/>
+          <ac:spMkLst>
+            <pc:docMk/>
+            <pc:sldMk cId="2143967133" sldId="272"/>
+            <ac:spMk id="17" creationId="{5FFC941C-1B0D-3DAA-C480-6CE1ACB24D07}"/>
+          </ac:spMkLst>
+        </pc:spChg>
+        <pc:spChg chg="del">
+          <ac:chgData name="Mandy Wallace" userId="cc03f24d-b43b-4356-8e08-77297e722b4c" providerId="ADAL" clId="{802A2429-C045-479A-A95C-C302BAFFF8CB}" dt="2024-08-21T19:56:05.106" v="1088" actId="478"/>
+          <ac:spMkLst>
+            <pc:docMk/>
+            <pc:sldMk cId="2143967133" sldId="272"/>
+            <ac:spMk id="20" creationId="{F5C453E9-490F-80F5-87BE-BE5288E86931}"/>
+          </ac:spMkLst>
+        </pc:spChg>
+        <pc:spChg chg="del">
+          <ac:chgData name="Mandy Wallace" userId="cc03f24d-b43b-4356-8e08-77297e722b4c" providerId="ADAL" clId="{802A2429-C045-479A-A95C-C302BAFFF8CB}" dt="2024-08-21T19:56:03.471" v="1087" actId="478"/>
+          <ac:spMkLst>
+            <pc:docMk/>
+            <pc:sldMk cId="2143967133" sldId="272"/>
+            <ac:spMk id="21" creationId="{B61DEF80-B50A-B979-30B6-730B5DAE5883}"/>
+          </ac:spMkLst>
+        </pc:spChg>
+        <pc:picChg chg="del">
+          <ac:chgData name="Mandy Wallace" userId="cc03f24d-b43b-4356-8e08-77297e722b4c" providerId="ADAL" clId="{802A2429-C045-479A-A95C-C302BAFFF8CB}" dt="2024-08-21T19:56:01.245" v="1086" actId="478"/>
+          <ac:picMkLst>
+            <pc:docMk/>
+            <pc:sldMk cId="2143967133" sldId="272"/>
+            <ac:picMk id="4" creationId="{4E093193-1CF5-FD33-6733-8CC3B71B1A6B}"/>
+          </ac:picMkLst>
+        </pc:picChg>
+        <pc:picChg chg="add del mod">
+          <ac:chgData name="Mandy Wallace" userId="cc03f24d-b43b-4356-8e08-77297e722b4c" providerId="ADAL" clId="{802A2429-C045-479A-A95C-C302BAFFF8CB}" dt="2024-08-21T19:59:47.585" v="1096" actId="478"/>
+          <ac:picMkLst>
+            <pc:docMk/>
+            <pc:sldMk cId="2143967133" sldId="272"/>
+            <ac:picMk id="8" creationId="{EF82F084-D68B-4F07-A8E8-F2E129AC7560}"/>
+          </ac:picMkLst>
+        </pc:picChg>
+        <pc:picChg chg="add mod">
+          <ac:chgData name="Mandy Wallace" userId="cc03f24d-b43b-4356-8e08-77297e722b4c" providerId="ADAL" clId="{802A2429-C045-479A-A95C-C302BAFFF8CB}" dt="2024-08-21T20:04:01.037" v="1213" actId="1076"/>
+          <ac:picMkLst>
+            <pc:docMk/>
+            <pc:sldMk cId="2143967133" sldId="272"/>
+            <ac:picMk id="10" creationId="{624D7DFB-BB28-E1AD-477F-A35D8203A3AD}"/>
+          </ac:picMkLst>
+        </pc:picChg>
+        <pc:picChg chg="del">
+          <ac:chgData name="Mandy Wallace" userId="cc03f24d-b43b-4356-8e08-77297e722b4c" providerId="ADAL" clId="{802A2429-C045-479A-A95C-C302BAFFF8CB}" dt="2024-08-21T19:56:05.961" v="1089" actId="478"/>
+          <ac:picMkLst>
+            <pc:docMk/>
+            <pc:sldMk cId="2143967133" sldId="272"/>
+            <ac:picMk id="13" creationId="{1F1CF1F2-D382-0D7E-19F2-93B4E10A54D0}"/>
+          </ac:picMkLst>
+        </pc:picChg>
+        <pc:picChg chg="del">
+          <ac:chgData name="Mandy Wallace" userId="cc03f24d-b43b-4356-8e08-77297e722b4c" providerId="ADAL" clId="{802A2429-C045-479A-A95C-C302BAFFF8CB}" dt="2024-08-21T19:56:10.159" v="1091" actId="478"/>
+          <ac:picMkLst>
+            <pc:docMk/>
+            <pc:sldMk cId="2143967133" sldId="272"/>
+            <ac:picMk id="15" creationId="{68F32624-EB91-7075-9E94-5CFFA2C50A4E}"/>
+          </ac:picMkLst>
+        </pc:picChg>
+        <pc:picChg chg="del">
+          <ac:chgData name="Mandy Wallace" userId="cc03f24d-b43b-4356-8e08-77297e722b4c" providerId="ADAL" clId="{802A2429-C045-479A-A95C-C302BAFFF8CB}" dt="2024-08-21T19:56:00.522" v="1085" actId="478"/>
+          <ac:picMkLst>
+            <pc:docMk/>
+            <pc:sldMk cId="2143967133" sldId="272"/>
+            <ac:picMk id="19" creationId="{422023C9-50D3-26E5-2E7C-927FB18DA2C5}"/>
+          </ac:picMkLst>
+        </pc:picChg>
+      </pc:sldChg>
       <pc:sldChg chg="addSp delSp modSp mod">
-        <pc:chgData name="Mandy Wallace" userId="cc03f24d-b43b-4356-8e08-77297e722b4c" providerId="ADAL" clId="{802A2429-C045-479A-A95C-C302BAFFF8CB}" dt="2024-08-20T22:56:01.831" v="993" actId="1076"/>
+        <pc:chgData name="Mandy Wallace" userId="cc03f24d-b43b-4356-8e08-77297e722b4c" providerId="ADAL" clId="{802A2429-C045-479A-A95C-C302BAFFF8CB}" dt="2024-08-21T20:16:40.857" v="1680" actId="255"/>
         <pc:sldMkLst>
           <pc:docMk/>
           <pc:sldMk cId="3397319845" sldId="273"/>
@@ -382,6 +572,14 @@
             <pc:docMk/>
             <pc:sldMk cId="3397319845" sldId="273"/>
             <ac:spMk id="3" creationId="{409F58AE-9F7F-5D3F-7787-4D0BB5A56F8E}"/>
+          </ac:spMkLst>
+        </pc:spChg>
+        <pc:spChg chg="add mod">
+          <ac:chgData name="Mandy Wallace" userId="cc03f24d-b43b-4356-8e08-77297e722b4c" providerId="ADAL" clId="{802A2429-C045-479A-A95C-C302BAFFF8CB}" dt="2024-08-21T20:16:33.100" v="1679" actId="1076"/>
+          <ac:spMkLst>
+            <pc:docMk/>
+            <pc:sldMk cId="3397319845" sldId="273"/>
+            <ac:spMk id="4" creationId="{D7A4734C-B42F-5F6F-0EDF-9B35FDC158F5}"/>
           </ac:spMkLst>
         </pc:spChg>
         <pc:spChg chg="mod">
@@ -409,7 +607,7 @@
           </ac:spMkLst>
         </pc:spChg>
         <pc:spChg chg="add mod">
-          <ac:chgData name="Mandy Wallace" userId="cc03f24d-b43b-4356-8e08-77297e722b4c" providerId="ADAL" clId="{802A2429-C045-479A-A95C-C302BAFFF8CB}" dt="2024-08-20T22:54:26.317" v="939" actId="255"/>
+          <ac:chgData name="Mandy Wallace" userId="cc03f24d-b43b-4356-8e08-77297e722b4c" providerId="ADAL" clId="{802A2429-C045-479A-A95C-C302BAFFF8CB}" dt="2024-08-21T20:16:40.857" v="1680" actId="255"/>
           <ac:spMkLst>
             <pc:docMk/>
             <pc:sldMk cId="3397319845" sldId="273"/>
@@ -433,13 +631,21 @@
           </ac:spMkLst>
         </pc:spChg>
         <pc:spChg chg="add mod">
-          <ac:chgData name="Mandy Wallace" userId="cc03f24d-b43b-4356-8e08-77297e722b4c" providerId="ADAL" clId="{802A2429-C045-479A-A95C-C302BAFFF8CB}" dt="2024-08-20T22:56:01.831" v="993" actId="1076"/>
+          <ac:chgData name="Mandy Wallace" userId="cc03f24d-b43b-4356-8e08-77297e722b4c" providerId="ADAL" clId="{802A2429-C045-479A-A95C-C302BAFFF8CB}" dt="2024-08-21T20:12:50.162" v="1651" actId="1076"/>
           <ac:spMkLst>
             <pc:docMk/>
             <pc:sldMk cId="3397319845" sldId="273"/>
             <ac:spMk id="14" creationId="{DC718C26-BB9D-B228-EC6F-12C6F3F27A2D}"/>
           </ac:spMkLst>
         </pc:spChg>
+        <pc:picChg chg="add mod">
+          <ac:chgData name="Mandy Wallace" userId="cc03f24d-b43b-4356-8e08-77297e722b4c" providerId="ADAL" clId="{802A2429-C045-479A-A95C-C302BAFFF8CB}" dt="2024-08-21T20:15:44.473" v="1658" actId="14100"/>
+          <ac:picMkLst>
+            <pc:docMk/>
+            <pc:sldMk cId="3397319845" sldId="273"/>
+            <ac:picMk id="3" creationId="{DE2CB708-32E6-C74A-285D-ABA76C040B52}"/>
+          </ac:picMkLst>
+        </pc:picChg>
         <pc:picChg chg="del">
           <ac:chgData name="Mandy Wallace" userId="cc03f24d-b43b-4356-8e08-77297e722b4c" providerId="ADAL" clId="{802A2429-C045-479A-A95C-C302BAFFF8CB}" dt="2024-08-20T22:42:49.223" v="851" actId="478"/>
           <ac:picMkLst>
@@ -473,8 +679,8 @@
           </ac:picMkLst>
         </pc:picChg>
       </pc:sldChg>
-      <pc:sldChg chg="addSp delSp modSp mod">
-        <pc:chgData name="Mandy Wallace" userId="cc03f24d-b43b-4356-8e08-77297e722b4c" providerId="ADAL" clId="{802A2429-C045-479A-A95C-C302BAFFF8CB}" dt="2024-08-20T19:04:48.408" v="67" actId="478"/>
+      <pc:sldChg chg="addSp delSp modSp del mod">
+        <pc:chgData name="Mandy Wallace" userId="cc03f24d-b43b-4356-8e08-77297e722b4c" providerId="ADAL" clId="{802A2429-C045-479A-A95C-C302BAFFF8CB}" dt="2024-08-21T20:20:28.084" v="1944" actId="47"/>
         <pc:sldMkLst>
           <pc:docMk/>
           <pc:sldMk cId="3683730209" sldId="274"/>
@@ -511,6 +717,13 @@
             <ac:picMk id="15" creationId="{488CCB40-2B00-023E-CAE9-741C4B7FE23B}"/>
           </ac:picMkLst>
         </pc:picChg>
+      </pc:sldChg>
+      <pc:sldChg chg="del">
+        <pc:chgData name="Mandy Wallace" userId="cc03f24d-b43b-4356-8e08-77297e722b4c" providerId="ADAL" clId="{802A2429-C045-479A-A95C-C302BAFFF8CB}" dt="2024-08-21T20:20:29.043" v="1945" actId="47"/>
+        <pc:sldMkLst>
+          <pc:docMk/>
+          <pc:sldMk cId="597797721" sldId="275"/>
+        </pc:sldMkLst>
       </pc:sldChg>
       <pc:sldChg chg="addSp delSp modSp mod">
         <pc:chgData name="Mandy Wallace" userId="cc03f24d-b43b-4356-8e08-77297e722b4c" providerId="ADAL" clId="{802A2429-C045-479A-A95C-C302BAFFF8CB}" dt="2024-08-20T22:24:26.202" v="380" actId="1076"/>
@@ -692,6 +905,82 @@
             <pc:docMk/>
             <pc:sldMk cId="955642068" sldId="277"/>
             <ac:picMk id="32" creationId="{B7471492-6E3B-3B3C-83DD-4FAAB19BA223}"/>
+          </ac:picMkLst>
+        </pc:picChg>
+      </pc:sldChg>
+      <pc:sldChg chg="del">
+        <pc:chgData name="Mandy Wallace" userId="cc03f24d-b43b-4356-8e08-77297e722b4c" providerId="ADAL" clId="{802A2429-C045-479A-A95C-C302BAFFF8CB}" dt="2024-08-21T20:20:33.183" v="1948" actId="47"/>
+        <pc:sldMkLst>
+          <pc:docMk/>
+          <pc:sldMk cId="2135812282" sldId="278"/>
+        </pc:sldMkLst>
+      </pc:sldChg>
+      <pc:sldChg chg="del">
+        <pc:chgData name="Mandy Wallace" userId="cc03f24d-b43b-4356-8e08-77297e722b4c" providerId="ADAL" clId="{802A2429-C045-479A-A95C-C302BAFFF8CB}" dt="2024-08-21T20:20:32.314" v="1947" actId="47"/>
+        <pc:sldMkLst>
+          <pc:docMk/>
+          <pc:sldMk cId="3005448340" sldId="279"/>
+        </pc:sldMkLst>
+      </pc:sldChg>
+      <pc:sldChg chg="del">
+        <pc:chgData name="Mandy Wallace" userId="cc03f24d-b43b-4356-8e08-77297e722b4c" providerId="ADAL" clId="{802A2429-C045-479A-A95C-C302BAFFF8CB}" dt="2024-08-21T20:20:33.972" v="1949" actId="47"/>
+        <pc:sldMkLst>
+          <pc:docMk/>
+          <pc:sldMk cId="738357484" sldId="280"/>
+        </pc:sldMkLst>
+      </pc:sldChg>
+      <pc:sldChg chg="addSp delSp modSp add mod">
+        <pc:chgData name="Mandy Wallace" userId="cc03f24d-b43b-4356-8e08-77297e722b4c" providerId="ADAL" clId="{802A2429-C045-479A-A95C-C302BAFFF8CB}" dt="2024-08-21T20:12:25.544" v="1650" actId="255"/>
+        <pc:sldMkLst>
+          <pc:docMk/>
+          <pc:sldMk cId="2769683903" sldId="281"/>
+        </pc:sldMkLst>
+        <pc:spChg chg="add mod">
+          <ac:chgData name="Mandy Wallace" userId="cc03f24d-b43b-4356-8e08-77297e722b4c" providerId="ADAL" clId="{802A2429-C045-479A-A95C-C302BAFFF8CB}" dt="2024-08-21T20:12:25.544" v="1650" actId="255"/>
+          <ac:spMkLst>
+            <pc:docMk/>
+            <pc:sldMk cId="2769683903" sldId="281"/>
+            <ac:spMk id="4" creationId="{FB469C20-5CAB-9EC0-6A72-703A3227DC60}"/>
+          </ac:spMkLst>
+        </pc:spChg>
+        <pc:spChg chg="mod">
+          <ac:chgData name="Mandy Wallace" userId="cc03f24d-b43b-4356-8e08-77297e722b4c" providerId="ADAL" clId="{802A2429-C045-479A-A95C-C302BAFFF8CB}" dt="2024-08-21T20:09:13.123" v="1474" actId="14100"/>
+          <ac:spMkLst>
+            <pc:docMk/>
+            <pc:sldMk cId="2769683903" sldId="281"/>
+            <ac:spMk id="7" creationId="{00000000-0000-0000-0000-000000000000}"/>
+          </ac:spMkLst>
+        </pc:spChg>
+        <pc:spChg chg="del">
+          <ac:chgData name="Mandy Wallace" userId="cc03f24d-b43b-4356-8e08-77297e722b4c" providerId="ADAL" clId="{802A2429-C045-479A-A95C-C302BAFFF8CB}" dt="2024-08-21T20:10:45.837" v="1604" actId="478"/>
+          <ac:spMkLst>
+            <pc:docMk/>
+            <pc:sldMk cId="2769683903" sldId="281"/>
+            <ac:spMk id="11" creationId="{0262B139-4942-D9ED-871C-E3457CBE1F79}"/>
+          </ac:spMkLst>
+        </pc:spChg>
+        <pc:spChg chg="mod">
+          <ac:chgData name="Mandy Wallace" userId="cc03f24d-b43b-4356-8e08-77297e722b4c" providerId="ADAL" clId="{802A2429-C045-479A-A95C-C302BAFFF8CB}" dt="2024-08-21T20:12:07.692" v="1648" actId="1076"/>
+          <ac:spMkLst>
+            <pc:docMk/>
+            <pc:sldMk cId="2769683903" sldId="281"/>
+            <ac:spMk id="17" creationId="{5FFC941C-1B0D-3DAA-C480-6CE1ACB24D07}"/>
+          </ac:spMkLst>
+        </pc:spChg>
+        <pc:picChg chg="add mod">
+          <ac:chgData name="Mandy Wallace" userId="cc03f24d-b43b-4356-8e08-77297e722b4c" providerId="ADAL" clId="{802A2429-C045-479A-A95C-C302BAFFF8CB}" dt="2024-08-21T20:12:11.751" v="1649" actId="14100"/>
+          <ac:picMkLst>
+            <pc:docMk/>
+            <pc:sldMk cId="2769683903" sldId="281"/>
+            <ac:picMk id="3" creationId="{16BFC7B6-8375-C1AB-D28D-956A3C6B6105}"/>
+          </ac:picMkLst>
+        </pc:picChg>
+        <pc:picChg chg="del">
+          <ac:chgData name="Mandy Wallace" userId="cc03f24d-b43b-4356-8e08-77297e722b4c" providerId="ADAL" clId="{802A2429-C045-479A-A95C-C302BAFFF8CB}" dt="2024-08-21T20:08:08.457" v="1396" actId="478"/>
+          <ac:picMkLst>
+            <pc:docMk/>
+            <pc:sldMk cId="2769683903" sldId="281"/>
+            <ac:picMk id="10" creationId="{624D7DFB-BB28-E1AD-477F-A35D8203A3AD}"/>
           </ac:picMkLst>
         </pc:picChg>
       </pc:sldChg>
@@ -957,7 +1246,7 @@
           <a:p>
             <a:fld id="{FE5B4EDC-59C0-49C7-8ADA-5A781B329E02}" type="datetimeFigureOut">
               <a:rPr lang="en-US"/>
-              <a:t>8/20/2024</a:t>
+              <a:t>8/21/2024</a:t>
             </a:fld>
             <a:endParaRPr/>
           </a:p>
@@ -1122,7 +1411,7 @@
           <a:p>
             <a:fld id="{F2D8D46A-B586-417D-BFBD-8C8FE0AAF762}" type="datetimeFigureOut">
               <a:rPr lang="en-US"/>
-              <a:t>8/20/2024</a:t>
+              <a:t>8/21/2024</a:t>
             </a:fld>
             <a:endParaRPr/>
           </a:p>
@@ -1382,90 +1671,6 @@
     </a:lvl9pPr>
   </p:notesStyle>
 </p:notesMaster>
-</file>
-
-<file path=ppt/notesSlides/notesSlide1.xml><?xml version="1.0" encoding="utf-8"?>
-<p:notes xmlns:a="http://schemas.openxmlformats.org/drawingml/2006/main" xmlns:r="http://schemas.openxmlformats.org/officeDocument/2006/relationships" xmlns:p="http://schemas.openxmlformats.org/presentationml/2006/main">
-  <p:cSld>
-    <p:spTree>
-      <p:nvGrpSpPr>
-        <p:cNvPr id="1" name=""/>
-        <p:cNvGrpSpPr/>
-        <p:nvPr/>
-      </p:nvGrpSpPr>
-      <p:grpSpPr>
-        <a:xfrm>
-          <a:off x="0" y="0"/>
-          <a:ext cx="0" cy="0"/>
-          <a:chOff x="0" y="0"/>
-          <a:chExt cx="0" cy="0"/>
-        </a:xfrm>
-      </p:grpSpPr>
-      <p:sp>
-        <p:nvSpPr>
-          <p:cNvPr id="2" name="Slide Image Placeholder 1"/>
-          <p:cNvSpPr>
-            <a:spLocks noGrp="1" noRot="1" noChangeAspect="1"/>
-          </p:cNvSpPr>
-          <p:nvPr>
-            <p:ph type="sldImg"/>
-          </p:nvPr>
-        </p:nvSpPr>
-        <p:spPr/>
-      </p:sp>
-      <p:sp>
-        <p:nvSpPr>
-          <p:cNvPr id="3" name="Notes Placeholder 2"/>
-          <p:cNvSpPr>
-            <a:spLocks noGrp="1"/>
-          </p:cNvSpPr>
-          <p:nvPr>
-            <p:ph type="body" idx="1"/>
-          </p:nvPr>
-        </p:nvSpPr>
-        <p:spPr/>
-        <p:txBody>
-          <a:bodyPr/>
-          <a:lstStyle/>
-          <a:p>
-            <a:endParaRPr lang="en-US" dirty="0"/>
-          </a:p>
-        </p:txBody>
-      </p:sp>
-      <p:sp>
-        <p:nvSpPr>
-          <p:cNvPr id="4" name="Slide Number Placeholder 3"/>
-          <p:cNvSpPr>
-            <a:spLocks noGrp="1"/>
-          </p:cNvSpPr>
-          <p:nvPr>
-            <p:ph type="sldNum" sz="quarter" idx="10"/>
-          </p:nvPr>
-        </p:nvSpPr>
-        <p:spPr/>
-        <p:txBody>
-          <a:bodyPr/>
-          <a:lstStyle/>
-          <a:p>
-            <a:fld id="{3EBA5BD7-F043-4D1B-AA17-CD412FC534DE}" type="slidenum">
-              <a:rPr lang="en-US" smtClean="0"/>
-              <a:t>14</a:t>
-            </a:fld>
-            <a:endParaRPr lang="en-US"/>
-          </a:p>
-        </p:txBody>
-      </p:sp>
-    </p:spTree>
-    <p:extLst>
-      <p:ext uri="{BB962C8B-B14F-4D97-AF65-F5344CB8AC3E}">
-        <p14:creationId xmlns:p14="http://schemas.microsoft.com/office/powerpoint/2010/main" val="4117229062"/>
-      </p:ext>
-    </p:extLst>
-  </p:cSld>
-  <p:clrMapOvr>
-    <a:masterClrMapping/>
-  </p:clrMapOvr>
-</p:notes>
 </file>
 
 <file path=ppt/slideLayouts/slideLayout1.xml><?xml version="1.0" encoding="utf-8"?>
@@ -2224,7 +2429,7 @@
           <a:p>
             <a:fld id="{F0DFD029-FB74-4578-B929-F66AA97659CA}" type="datetimeFigureOut">
               <a:rPr lang="en-US"/>
-              <a:t>8/20/2024</a:t>
+              <a:t>8/21/2024</a:t>
             </a:fld>
             <a:endParaRPr/>
           </a:p>
@@ -2422,7 +2627,7 @@
           <a:p>
             <a:fld id="{F0DFD029-FB74-4578-B929-F66AA97659CA}" type="datetimeFigureOut">
               <a:rPr lang="en-US"/>
-              <a:t>8/20/2024</a:t>
+              <a:t>8/21/2024</a:t>
             </a:fld>
             <a:endParaRPr/>
           </a:p>
@@ -2630,7 +2835,7 @@
           <a:p>
             <a:fld id="{F0DFD029-FB74-4578-B929-F66AA97659CA}" type="datetimeFigureOut">
               <a:rPr lang="en-US"/>
-              <a:t>8/20/2024</a:t>
+              <a:t>8/21/2024</a:t>
             </a:fld>
             <a:endParaRPr/>
           </a:p>
@@ -2828,7 +3033,7 @@
           <a:p>
             <a:fld id="{F0DFD029-FB74-4578-B929-F66AA97659CA}" type="datetimeFigureOut">
               <a:rPr lang="en-US"/>
-              <a:t>8/20/2024</a:t>
+              <a:t>8/21/2024</a:t>
             </a:fld>
             <a:endParaRPr/>
           </a:p>
@@ -3260,7 +3465,7 @@
           <a:p>
             <a:fld id="{F0DFD029-FB74-4578-B929-F66AA97659CA}" type="datetimeFigureOut">
               <a:rPr lang="en-US"/>
-              <a:t>8/20/2024</a:t>
+              <a:t>8/21/2024</a:t>
             </a:fld>
             <a:endParaRPr/>
           </a:p>
@@ -3564,7 +3769,7 @@
           <a:p>
             <a:fld id="{F0DFD029-FB74-4578-B929-F66AA97659CA}" type="datetimeFigureOut">
               <a:rPr lang="en-US"/>
-              <a:t>8/20/2024</a:t>
+              <a:t>8/21/2024</a:t>
             </a:fld>
             <a:endParaRPr/>
           </a:p>
@@ -4020,7 +4225,7 @@
           <a:p>
             <a:fld id="{F0DFD029-FB74-4578-B929-F66AA97659CA}" type="datetimeFigureOut">
               <a:rPr lang="en-US"/>
-              <a:t>8/20/2024</a:t>
+              <a:t>8/21/2024</a:t>
             </a:fld>
             <a:endParaRPr/>
           </a:p>
@@ -4150,7 +4355,7 @@
           <a:p>
             <a:fld id="{F0DFD029-FB74-4578-B929-F66AA97659CA}" type="datetimeFigureOut">
               <a:rPr lang="en-US"/>
-              <a:t>8/20/2024</a:t>
+              <a:t>8/21/2024</a:t>
             </a:fld>
             <a:endParaRPr/>
           </a:p>
@@ -4257,7 +4462,7 @@
           <a:p>
             <a:fld id="{F0DFD029-FB74-4578-B929-F66AA97659CA}" type="datetimeFigureOut">
               <a:rPr lang="en-US"/>
-              <a:t>8/20/2024</a:t>
+              <a:t>8/21/2024</a:t>
             </a:fld>
             <a:endParaRPr/>
           </a:p>
@@ -4556,7 +4761,7 @@
           <a:p>
             <a:fld id="{F0DFD029-FB74-4578-B929-F66AA97659CA}" type="datetimeFigureOut">
               <a:rPr lang="en-US"/>
-              <a:t>8/20/2024</a:t>
+              <a:t>8/21/2024</a:t>
             </a:fld>
             <a:endParaRPr/>
           </a:p>
@@ -4844,7 +5049,7 @@
           <a:p>
             <a:fld id="{F0DFD029-FB74-4578-B929-F66AA97659CA}" type="datetimeFigureOut">
               <a:rPr lang="en-US"/>
-              <a:t>8/20/2024</a:t>
+              <a:t>8/21/2024</a:t>
             </a:fld>
             <a:endParaRPr/>
           </a:p>
@@ -5467,7 +5672,7 @@
             <a:fld id="{F0DFD029-FB74-4578-B929-F66AA97659CA}" type="datetimeFigureOut">
               <a:rPr lang="en-US"/>
               <a:pPr/>
-              <a:t>8/20/2024</a:t>
+              <a:t>8/21/2024</a:t>
             </a:fld>
             <a:endParaRPr/>
           </a:p>
@@ -6053,1887 +6258,6 @@
 </p:sld>
 </file>
 
-<file path=ppt/slides/slide10.xml><?xml version="1.0" encoding="utf-8"?>
-<p:sld xmlns:a="http://schemas.openxmlformats.org/drawingml/2006/main" xmlns:r="http://schemas.openxmlformats.org/officeDocument/2006/relationships" xmlns:p="http://schemas.openxmlformats.org/presentationml/2006/main">
-  <p:cSld>
-    <p:spTree>
-      <p:nvGrpSpPr>
-        <p:cNvPr id="1" name=""/>
-        <p:cNvGrpSpPr/>
-        <p:nvPr/>
-      </p:nvGrpSpPr>
-      <p:grpSpPr>
-        <a:xfrm>
-          <a:off x="0" y="0"/>
-          <a:ext cx="0" cy="0"/>
-          <a:chOff x="0" y="0"/>
-          <a:chExt cx="0" cy="0"/>
-        </a:xfrm>
-      </p:grpSpPr>
-      <p:sp>
-        <p:nvSpPr>
-          <p:cNvPr id="2" name="Title 1"/>
-          <p:cNvSpPr>
-            <a:spLocks noGrp="1"/>
-          </p:cNvSpPr>
-          <p:nvPr>
-            <p:ph type="title"/>
-          </p:nvPr>
-        </p:nvSpPr>
-        <p:spPr/>
-        <p:txBody>
-          <a:bodyPr/>
-          <a:lstStyle/>
-          <a:p>
-            <a:r>
-              <a:rPr lang="en-US" dirty="0">
-                <a:solidFill>
-                  <a:schemeClr val="accent3">
-                    <a:lumMod val="60000"/>
-                    <a:lumOff val="40000"/>
-                  </a:schemeClr>
-                </a:solidFill>
-              </a:rPr>
-              <a:t>Summary</a:t>
-            </a:r>
-          </a:p>
-        </p:txBody>
-      </p:sp>
-      <p:sp>
-        <p:nvSpPr>
-          <p:cNvPr id="4" name="Text Placeholder 3"/>
-          <p:cNvSpPr>
-            <a:spLocks noGrp="1"/>
-          </p:cNvSpPr>
-          <p:nvPr>
-            <p:ph type="body" sz="half" idx="2"/>
-          </p:nvPr>
-        </p:nvSpPr>
-        <p:spPr>
-          <a:xfrm>
-            <a:off x="1218882" y="4241800"/>
-            <a:ext cx="4062942" cy="2235200"/>
-          </a:xfrm>
-        </p:spPr>
-        <p:txBody>
-          <a:bodyPr>
-            <a:normAutofit lnSpcReduction="10000"/>
-          </a:bodyPr>
-          <a:lstStyle/>
-          <a:p>
-            <a:r>
-              <a:rPr lang="en-US" dirty="0"/>
-              <a:t>So much learned and so much more to grow!</a:t>
-            </a:r>
-          </a:p>
-          <a:p>
-            <a:r>
-              <a:rPr lang="en-US" dirty="0">
-                <a:solidFill>
-                  <a:srgbClr val="FFC000"/>
-                </a:solidFill>
-              </a:rPr>
-              <a:t>Thank you </a:t>
-            </a:r>
-            <a:r>
-              <a:rPr lang="en-US" dirty="0"/>
-              <a:t>to all our instructors this has been one of the best hands-on instructions, I really appreciated the format, and everyone's patience and willingness to help us to learn!</a:t>
-            </a:r>
-          </a:p>
-        </p:txBody>
-      </p:sp>
-      <p:pic>
-        <p:nvPicPr>
-          <p:cNvPr id="6" name="Content Placeholder 5" descr="Race Flag with solid fill">
-            <a:extLst>
-              <a:ext uri="{FF2B5EF4-FFF2-40B4-BE49-F238E27FC236}">
-                <a16:creationId xmlns:a16="http://schemas.microsoft.com/office/drawing/2014/main" id="{A2B0131C-CECB-849F-6CA7-B55B1F7C17FF}"/>
-              </a:ext>
-            </a:extLst>
-          </p:cNvPr>
-          <p:cNvPicPr>
-            <a:picLocks noGrp="1" noChangeAspect="1"/>
-          </p:cNvPicPr>
-          <p:nvPr>
-            <p:ph idx="1"/>
-          </p:nvPr>
-        </p:nvPicPr>
-        <p:blipFill>
-          <a:blip r:embed="rId2">
-            <a:extLst>
-              <a:ext uri="{96DAC541-7B7A-43D3-8B79-37D633B846F1}">
-                <asvg:svgBlip xmlns:asvg="http://schemas.microsoft.com/office/drawing/2016/SVG/main" r:embed="rId3"/>
-              </a:ext>
-            </a:extLst>
-          </a:blip>
-          <a:stretch>
-            <a:fillRect/>
-          </a:stretch>
-        </p:blipFill>
-        <p:spPr>
-          <a:xfrm>
-            <a:off x="2095930" y="-21364"/>
-            <a:ext cx="1519964" cy="1519964"/>
-          </a:xfrm>
-        </p:spPr>
-      </p:pic>
-      <p:pic>
-        <p:nvPicPr>
-          <p:cNvPr id="5" name="Picture 4" descr="Elderly woman finishing a marathon">
-            <a:extLst>
-              <a:ext uri="{FF2B5EF4-FFF2-40B4-BE49-F238E27FC236}">
-                <a16:creationId xmlns:a16="http://schemas.microsoft.com/office/drawing/2014/main" id="{F0BD495A-AB3F-AA6A-84CF-977B64C0AFAA}"/>
-              </a:ext>
-            </a:extLst>
-          </p:cNvPr>
-          <p:cNvPicPr>
-            <a:picLocks noChangeAspect="1"/>
-          </p:cNvPicPr>
-          <p:nvPr/>
-        </p:nvPicPr>
-        <p:blipFill>
-          <a:blip r:embed="rId4" cstate="print">
-            <a:extLst>
-              <a:ext uri="{28A0092B-C50C-407E-A947-70E740481C1C}">
-                <a14:useLocalDpi xmlns:a14="http://schemas.microsoft.com/office/drawing/2010/main" val="0"/>
-              </a:ext>
-            </a:extLst>
-          </a:blip>
-          <a:stretch>
-            <a:fillRect/>
-          </a:stretch>
-        </p:blipFill>
-        <p:spPr>
-          <a:xfrm>
-            <a:off x="1370012" y="1295400"/>
-            <a:ext cx="2971800" cy="1981200"/>
-          </a:xfrm>
-          <a:prstGeom prst="rect">
-            <a:avLst/>
-          </a:prstGeom>
-        </p:spPr>
-      </p:pic>
-      <p:sp>
-        <p:nvSpPr>
-          <p:cNvPr id="3" name="Text Placeholder 3">
-            <a:extLst>
-              <a:ext uri="{FF2B5EF4-FFF2-40B4-BE49-F238E27FC236}">
-                <a16:creationId xmlns:a16="http://schemas.microsoft.com/office/drawing/2014/main" id="{D5949464-0556-4651-7514-5396CDC1F75B}"/>
-              </a:ext>
-            </a:extLst>
-          </p:cNvPr>
-          <p:cNvSpPr txBox="1">
-            <a:spLocks/>
-          </p:cNvSpPr>
-          <p:nvPr/>
-        </p:nvSpPr>
-        <p:spPr>
-          <a:xfrm>
-            <a:off x="5639232" y="1371830"/>
-            <a:ext cx="5867400" cy="3123969"/>
-          </a:xfrm>
-          <a:prstGeom prst="rect">
-            <a:avLst/>
-          </a:prstGeom>
-        </p:spPr>
-        <p:txBody>
-          <a:bodyPr vert="horz" lIns="121899" tIns="60949" rIns="121899" bIns="60949" rtlCol="0">
-            <a:normAutofit/>
-          </a:bodyPr>
-          <a:lstStyle>
-            <a:lvl1pPr marL="0" indent="0" algn="l" defTabSz="1218987" rtl="0" eaLnBrk="1" latinLnBrk="0" hangingPunct="1">
-              <a:lnSpc>
-                <a:spcPct val="90000"/>
-              </a:lnSpc>
-              <a:spcBef>
-                <a:spcPts val="1600"/>
-              </a:spcBef>
-              <a:buClr>
-                <a:schemeClr val="accent1"/>
-              </a:buClr>
-              <a:buSzPct val="100000"/>
-              <a:buFont typeface="Arial" pitchFamily="34" charset="0"/>
-              <a:buNone/>
-              <a:defRPr sz="2000" kern="1200">
-                <a:solidFill>
-                  <a:schemeClr val="tx1"/>
-                </a:solidFill>
-                <a:latin typeface="+mn-lt"/>
-                <a:ea typeface="+mn-ea"/>
-                <a:cs typeface="+mn-cs"/>
-              </a:defRPr>
-            </a:lvl1pPr>
-            <a:lvl2pPr marL="609493" indent="0" algn="l" defTabSz="1218987" rtl="0" eaLnBrk="1" latinLnBrk="0" hangingPunct="1">
-              <a:lnSpc>
-                <a:spcPct val="90000"/>
-              </a:lnSpc>
-              <a:spcBef>
-                <a:spcPts val="800"/>
-              </a:spcBef>
-              <a:buClr>
-                <a:schemeClr val="accent1"/>
-              </a:buClr>
-              <a:buSzPct val="80000"/>
-              <a:buFont typeface="Arial" pitchFamily="34" charset="0"/>
-              <a:buNone/>
-              <a:defRPr sz="1600" kern="1200">
-                <a:solidFill>
-                  <a:schemeClr val="tx1"/>
-                </a:solidFill>
-                <a:latin typeface="+mn-lt"/>
-                <a:ea typeface="+mn-ea"/>
-                <a:cs typeface="+mn-cs"/>
-              </a:defRPr>
-            </a:lvl2pPr>
-            <a:lvl3pPr marL="1218987" indent="0" algn="l" defTabSz="1218987" rtl="0" eaLnBrk="1" latinLnBrk="0" hangingPunct="1">
-              <a:lnSpc>
-                <a:spcPct val="90000"/>
-              </a:lnSpc>
-              <a:spcBef>
-                <a:spcPts val="800"/>
-              </a:spcBef>
-              <a:buClr>
-                <a:schemeClr val="accent1"/>
-              </a:buClr>
-              <a:buSzPct val="80000"/>
-              <a:buFont typeface="Arial" pitchFamily="34" charset="0"/>
-              <a:buNone/>
-              <a:defRPr sz="1300" kern="1200">
-                <a:solidFill>
-                  <a:schemeClr val="tx1"/>
-                </a:solidFill>
-                <a:latin typeface="+mn-lt"/>
-                <a:ea typeface="+mn-ea"/>
-                <a:cs typeface="+mn-cs"/>
-              </a:defRPr>
-            </a:lvl3pPr>
-            <a:lvl4pPr marL="1828480" indent="0" algn="l" defTabSz="1218987" rtl="0" eaLnBrk="1" latinLnBrk="0" hangingPunct="1">
-              <a:lnSpc>
-                <a:spcPct val="90000"/>
-              </a:lnSpc>
-              <a:spcBef>
-                <a:spcPts val="800"/>
-              </a:spcBef>
-              <a:buClr>
-                <a:schemeClr val="accent1"/>
-              </a:buClr>
-              <a:buSzPct val="80000"/>
-              <a:buFont typeface="Arial" pitchFamily="34" charset="0"/>
-              <a:buNone/>
-              <a:defRPr sz="1200" kern="1200">
-                <a:solidFill>
-                  <a:schemeClr val="tx1"/>
-                </a:solidFill>
-                <a:latin typeface="+mn-lt"/>
-                <a:ea typeface="+mn-ea"/>
-                <a:cs typeface="+mn-cs"/>
-              </a:defRPr>
-            </a:lvl4pPr>
-            <a:lvl5pPr marL="2437973" indent="0" algn="l" defTabSz="1218987" rtl="0" eaLnBrk="1" latinLnBrk="0" hangingPunct="1">
-              <a:lnSpc>
-                <a:spcPct val="90000"/>
-              </a:lnSpc>
-              <a:spcBef>
-                <a:spcPts val="800"/>
-              </a:spcBef>
-              <a:buClr>
-                <a:schemeClr val="accent1"/>
-              </a:buClr>
-              <a:buSzPct val="80000"/>
-              <a:buFont typeface="Arial" pitchFamily="34" charset="0"/>
-              <a:buNone/>
-              <a:defRPr sz="1200" kern="1200">
-                <a:solidFill>
-                  <a:schemeClr val="tx1"/>
-                </a:solidFill>
-                <a:latin typeface="+mn-lt"/>
-                <a:ea typeface="+mn-ea"/>
-                <a:cs typeface="+mn-cs"/>
-              </a:defRPr>
-            </a:lvl5pPr>
-            <a:lvl6pPr marL="3047467" indent="0" algn="l" defTabSz="1218987" rtl="0" eaLnBrk="1" latinLnBrk="0" hangingPunct="1">
-              <a:lnSpc>
-                <a:spcPct val="90000"/>
-              </a:lnSpc>
-              <a:spcBef>
-                <a:spcPts val="800"/>
-              </a:spcBef>
-              <a:buClr>
-                <a:schemeClr val="accent1"/>
-              </a:buClr>
-              <a:buSzPct val="80000"/>
-              <a:buFont typeface="Arial" pitchFamily="34" charset="0"/>
-              <a:buNone/>
-              <a:defRPr sz="1200" kern="1200">
-                <a:solidFill>
-                  <a:schemeClr val="tx1"/>
-                </a:solidFill>
-                <a:latin typeface="+mn-lt"/>
-                <a:ea typeface="+mn-ea"/>
-                <a:cs typeface="+mn-cs"/>
-              </a:defRPr>
-            </a:lvl6pPr>
-            <a:lvl7pPr marL="3656960" indent="0" algn="l" defTabSz="1218987" rtl="0" eaLnBrk="1" latinLnBrk="0" hangingPunct="1">
-              <a:lnSpc>
-                <a:spcPct val="90000"/>
-              </a:lnSpc>
-              <a:spcBef>
-                <a:spcPts val="800"/>
-              </a:spcBef>
-              <a:buClr>
-                <a:schemeClr val="accent1"/>
-              </a:buClr>
-              <a:buSzPct val="80000"/>
-              <a:buFont typeface="Arial" pitchFamily="34" charset="0"/>
-              <a:buNone/>
-              <a:defRPr sz="1200" kern="1200">
-                <a:solidFill>
-                  <a:schemeClr val="tx1"/>
-                </a:solidFill>
-                <a:latin typeface="+mn-lt"/>
-                <a:ea typeface="+mn-ea"/>
-                <a:cs typeface="+mn-cs"/>
-              </a:defRPr>
-            </a:lvl7pPr>
-            <a:lvl8pPr marL="4266453" indent="0" algn="l" defTabSz="1218987" rtl="0" eaLnBrk="1" latinLnBrk="0" hangingPunct="1">
-              <a:lnSpc>
-                <a:spcPct val="90000"/>
-              </a:lnSpc>
-              <a:spcBef>
-                <a:spcPts val="800"/>
-              </a:spcBef>
-              <a:buClr>
-                <a:schemeClr val="accent1"/>
-              </a:buClr>
-              <a:buSzPct val="80000"/>
-              <a:buFont typeface="Arial" pitchFamily="34" charset="0"/>
-              <a:buNone/>
-              <a:defRPr sz="1200" kern="1200" baseline="0">
-                <a:solidFill>
-                  <a:schemeClr val="tx1"/>
-                </a:solidFill>
-                <a:latin typeface="+mn-lt"/>
-                <a:ea typeface="+mn-ea"/>
-                <a:cs typeface="+mn-cs"/>
-              </a:defRPr>
-            </a:lvl8pPr>
-            <a:lvl9pPr marL="4875947" indent="0" algn="l" defTabSz="1218987" rtl="0" eaLnBrk="1" latinLnBrk="0" hangingPunct="1">
-              <a:lnSpc>
-                <a:spcPct val="90000"/>
-              </a:lnSpc>
-              <a:spcBef>
-                <a:spcPts val="800"/>
-              </a:spcBef>
-              <a:buClr>
-                <a:schemeClr val="accent1"/>
-              </a:buClr>
-              <a:buSzPct val="80000"/>
-              <a:buFont typeface="Arial" pitchFamily="34" charset="0"/>
-              <a:buNone/>
-              <a:defRPr sz="1200" kern="1200" baseline="0">
-                <a:solidFill>
-                  <a:schemeClr val="tx1"/>
-                </a:solidFill>
-                <a:latin typeface="+mn-lt"/>
-                <a:ea typeface="+mn-ea"/>
-                <a:cs typeface="+mn-cs"/>
-              </a:defRPr>
-            </a:lvl9pPr>
-          </a:lstStyle>
-          <a:p>
-            <a:pPr marL="342900" indent="-342900">
-              <a:buFont typeface="Arial" panose="020B0604020202020204" pitchFamily="34" charset="0"/>
-              <a:buChar char="•"/>
-            </a:pPr>
-            <a:r>
-              <a:rPr lang="en-US" dirty="0"/>
-              <a:t>Best Model for Classification?</a:t>
-            </a:r>
-          </a:p>
-          <a:p>
-            <a:pPr marL="952393" lvl="1" indent="-342900">
-              <a:buFont typeface="Arial" panose="020B0604020202020204" pitchFamily="34" charset="0"/>
-              <a:buChar char="•"/>
-            </a:pPr>
-            <a:r>
-              <a:rPr lang="en-US" dirty="0"/>
-              <a:t>Very close between Random Forest and ANN, I would focus on improving those 2 further</a:t>
-            </a:r>
-          </a:p>
-          <a:p>
-            <a:pPr marL="342900" indent="-342900">
-              <a:buFont typeface="Arial" panose="020B0604020202020204" pitchFamily="34" charset="0"/>
-              <a:buChar char="•"/>
-            </a:pPr>
-            <a:r>
-              <a:rPr lang="en-US" dirty="0"/>
-              <a:t>Best model for Regression?</a:t>
-            </a:r>
-          </a:p>
-          <a:p>
-            <a:pPr marL="952393" lvl="1" indent="-342900">
-              <a:buFont typeface="Arial" panose="020B0604020202020204" pitchFamily="34" charset="0"/>
-              <a:buChar char="•"/>
-            </a:pPr>
-            <a:r>
-              <a:rPr lang="en-US" dirty="0"/>
-              <a:t>Again Random Forest and ANN are the best performers with Random Forest being a bit better.</a:t>
-            </a:r>
-          </a:p>
-          <a:p>
-            <a:pPr marL="342900" indent="-342900">
-              <a:buFont typeface="Arial" panose="020B0604020202020204" pitchFamily="34" charset="0"/>
-              <a:buChar char="•"/>
-            </a:pPr>
-            <a:r>
-              <a:rPr lang="en-US" dirty="0"/>
-              <a:t>Best model for Clustering?</a:t>
-            </a:r>
-          </a:p>
-          <a:p>
-            <a:pPr marL="952393" lvl="1" indent="-342900">
-              <a:buFont typeface="Arial" panose="020B0604020202020204" pitchFamily="34" charset="0"/>
-              <a:buChar char="•"/>
-            </a:pPr>
-            <a:r>
-              <a:rPr lang="en-US" dirty="0"/>
-              <a:t>Haven’t compared metrics yet worked more on visualization first</a:t>
-            </a:r>
-          </a:p>
-        </p:txBody>
-      </p:sp>
-      <p:sp>
-        <p:nvSpPr>
-          <p:cNvPr id="7" name="Title 1">
-            <a:extLst>
-              <a:ext uri="{FF2B5EF4-FFF2-40B4-BE49-F238E27FC236}">
-                <a16:creationId xmlns:a16="http://schemas.microsoft.com/office/drawing/2014/main" id="{D835B3C7-8C0E-51E5-4616-946C395EF4C0}"/>
-              </a:ext>
-            </a:extLst>
-          </p:cNvPr>
-          <p:cNvSpPr txBox="1">
-            <a:spLocks/>
-          </p:cNvSpPr>
-          <p:nvPr/>
-        </p:nvSpPr>
-        <p:spPr>
-          <a:xfrm>
-            <a:off x="5660714" y="685800"/>
-            <a:ext cx="4062942" cy="558723"/>
-          </a:xfrm>
-          <a:prstGeom prst="rect">
-            <a:avLst/>
-          </a:prstGeom>
-        </p:spPr>
-        <p:txBody>
-          <a:bodyPr vert="horz" lIns="121899" tIns="60949" rIns="121899" bIns="60949" rtlCol="0" anchor="b">
-            <a:normAutofit/>
-          </a:bodyPr>
-          <a:lstStyle>
-            <a:lvl1pPr algn="l" defTabSz="1218987" rtl="0" eaLnBrk="1" latinLnBrk="0" hangingPunct="1">
-              <a:lnSpc>
-                <a:spcPct val="90000"/>
-              </a:lnSpc>
-              <a:spcBef>
-                <a:spcPct val="0"/>
-              </a:spcBef>
-              <a:buNone/>
-              <a:defRPr sz="2800" b="0" kern="1200" cap="all" spc="200" baseline="0">
-                <a:solidFill>
-                  <a:schemeClr val="accent1"/>
-                </a:solidFill>
-                <a:latin typeface="+mj-lt"/>
-                <a:ea typeface="+mj-ea"/>
-                <a:cs typeface="+mj-cs"/>
-              </a:defRPr>
-            </a:lvl1pPr>
-          </a:lstStyle>
-          <a:p>
-            <a:r>
-              <a:rPr lang="en-US" dirty="0">
-                <a:solidFill>
-                  <a:schemeClr val="accent3">
-                    <a:lumMod val="60000"/>
-                    <a:lumOff val="40000"/>
-                  </a:schemeClr>
-                </a:solidFill>
-              </a:rPr>
-              <a:t>Summary</a:t>
-            </a:r>
-          </a:p>
-        </p:txBody>
-      </p:sp>
-    </p:spTree>
-    <p:extLst>
-      <p:ext uri="{BB962C8B-B14F-4D97-AF65-F5344CB8AC3E}">
-        <p14:creationId xmlns:p14="http://schemas.microsoft.com/office/powerpoint/2010/main" val="2319046984"/>
-      </p:ext>
-    </p:extLst>
-  </p:cSld>
-  <p:clrMapOvr>
-    <a:masterClrMapping/>
-  </p:clrMapOvr>
-  <mc:AlternateContent xmlns:mc="http://schemas.openxmlformats.org/markup-compatibility/2006" xmlns:p14="http://schemas.microsoft.com/office/powerpoint/2010/main">
-    <mc:Choice Requires="p14">
-      <p:transition spd="med" p14:dur="700">
-        <p:fade/>
-      </p:transition>
-    </mc:Choice>
-    <mc:Fallback xmlns="">
-      <p:transition spd="med">
-        <p:fade/>
-      </p:transition>
-    </mc:Fallback>
-  </mc:AlternateContent>
-</p:sld>
-</file>
-
-<file path=ppt/slides/slide11.xml><?xml version="1.0" encoding="utf-8"?>
-<p:sld xmlns:a="http://schemas.openxmlformats.org/drawingml/2006/main" xmlns:r="http://schemas.openxmlformats.org/officeDocument/2006/relationships" xmlns:p="http://schemas.openxmlformats.org/presentationml/2006/main">
-  <p:cSld>
-    <p:spTree>
-      <p:nvGrpSpPr>
-        <p:cNvPr id="1" name=""/>
-        <p:cNvGrpSpPr/>
-        <p:nvPr/>
-      </p:nvGrpSpPr>
-      <p:grpSpPr>
-        <a:xfrm>
-          <a:off x="0" y="0"/>
-          <a:ext cx="0" cy="0"/>
-          <a:chOff x="0" y="0"/>
-          <a:chExt cx="0" cy="0"/>
-        </a:xfrm>
-      </p:grpSpPr>
-      <p:sp>
-        <p:nvSpPr>
-          <p:cNvPr id="7" name="Title 6"/>
-          <p:cNvSpPr>
-            <a:spLocks noGrp="1"/>
-          </p:cNvSpPr>
-          <p:nvPr>
-            <p:ph type="title"/>
-          </p:nvPr>
-        </p:nvSpPr>
-        <p:spPr/>
-        <p:txBody>
-          <a:bodyPr/>
-          <a:lstStyle/>
-          <a:p>
-            <a:r>
-              <a:rPr lang="en-US" dirty="0">
-                <a:solidFill>
-                  <a:schemeClr val="accent3">
-                    <a:lumMod val="60000"/>
-                    <a:lumOff val="40000"/>
-                  </a:schemeClr>
-                </a:solidFill>
-              </a:rPr>
-              <a:t>Classification Model Results</a:t>
-            </a:r>
-          </a:p>
-        </p:txBody>
-      </p:sp>
-      <p:pic>
-        <p:nvPicPr>
-          <p:cNvPr id="16" name="Picture 15">
-            <a:extLst>
-              <a:ext uri="{FF2B5EF4-FFF2-40B4-BE49-F238E27FC236}">
-                <a16:creationId xmlns:a16="http://schemas.microsoft.com/office/drawing/2014/main" id="{46A81F09-30EA-D422-9D32-FAB88F52F455}"/>
-              </a:ext>
-            </a:extLst>
-          </p:cNvPr>
-          <p:cNvPicPr>
-            <a:picLocks noChangeAspect="1"/>
-          </p:cNvPicPr>
-          <p:nvPr/>
-        </p:nvPicPr>
-        <p:blipFill>
-          <a:blip r:embed="rId2"/>
-          <a:stretch>
-            <a:fillRect/>
-          </a:stretch>
-        </p:blipFill>
-        <p:spPr>
-          <a:xfrm>
-            <a:off x="1370012" y="1981200"/>
-            <a:ext cx="4921395" cy="3505200"/>
-          </a:xfrm>
-          <a:prstGeom prst="rect">
-            <a:avLst/>
-          </a:prstGeom>
-        </p:spPr>
-      </p:pic>
-      <p:sp>
-        <p:nvSpPr>
-          <p:cNvPr id="17" name="Content Placeholder 10">
-            <a:extLst>
-              <a:ext uri="{FF2B5EF4-FFF2-40B4-BE49-F238E27FC236}">
-                <a16:creationId xmlns:a16="http://schemas.microsoft.com/office/drawing/2014/main" id="{10ADF933-4BAA-5782-FDE8-AE99F35D3CFF}"/>
-              </a:ext>
-            </a:extLst>
-          </p:cNvPr>
-          <p:cNvSpPr txBox="1">
-            <a:spLocks/>
-          </p:cNvSpPr>
-          <p:nvPr/>
-        </p:nvSpPr>
-        <p:spPr>
-          <a:xfrm>
-            <a:off x="6500707" y="2362200"/>
-            <a:ext cx="5078677" cy="3043382"/>
-          </a:xfrm>
-          <a:prstGeom prst="rect">
-            <a:avLst/>
-          </a:prstGeom>
-        </p:spPr>
-        <p:txBody>
-          <a:bodyPr vert="horz" lIns="121899" tIns="60949" rIns="121899" bIns="60949" rtlCol="0">
-            <a:noAutofit/>
-          </a:bodyPr>
-          <a:lstStyle>
-            <a:lvl1pPr marL="304747" indent="-304747" algn="l" defTabSz="1218987" rtl="0" eaLnBrk="1" latinLnBrk="0" hangingPunct="1">
-              <a:lnSpc>
-                <a:spcPct val="90000"/>
-              </a:lnSpc>
-              <a:spcBef>
-                <a:spcPts val="1600"/>
-              </a:spcBef>
-              <a:buClr>
-                <a:schemeClr val="accent1"/>
-              </a:buClr>
-              <a:buSzPct val="100000"/>
-              <a:buFont typeface="Arial" pitchFamily="34" charset="0"/>
-              <a:buChar char="•"/>
-              <a:defRPr sz="2800" kern="1200">
-                <a:solidFill>
-                  <a:schemeClr val="tx1"/>
-                </a:solidFill>
-                <a:latin typeface="+mn-lt"/>
-                <a:ea typeface="+mn-ea"/>
-                <a:cs typeface="+mn-cs"/>
-              </a:defRPr>
-            </a:lvl1pPr>
-            <a:lvl2pPr marL="609493" indent="-231607" algn="l" defTabSz="1218987" rtl="0" eaLnBrk="1" latinLnBrk="0" hangingPunct="1">
-              <a:lnSpc>
-                <a:spcPct val="90000"/>
-              </a:lnSpc>
-              <a:spcBef>
-                <a:spcPts val="800"/>
-              </a:spcBef>
-              <a:buClr>
-                <a:schemeClr val="accent1"/>
-              </a:buClr>
-              <a:buSzPct val="80000"/>
-              <a:buFont typeface="Arial" pitchFamily="34" charset="0"/>
-              <a:buChar char="•"/>
-              <a:defRPr sz="2400" kern="1200">
-                <a:solidFill>
-                  <a:schemeClr val="tx1"/>
-                </a:solidFill>
-                <a:latin typeface="+mn-lt"/>
-                <a:ea typeface="+mn-ea"/>
-                <a:cs typeface="+mn-cs"/>
-              </a:defRPr>
-            </a:lvl2pPr>
-            <a:lvl3pPr marL="914240" indent="-231607" algn="l" defTabSz="1218987" rtl="0" eaLnBrk="1" latinLnBrk="0" hangingPunct="1">
-              <a:lnSpc>
-                <a:spcPct val="90000"/>
-              </a:lnSpc>
-              <a:spcBef>
-                <a:spcPts val="800"/>
-              </a:spcBef>
-              <a:buClr>
-                <a:schemeClr val="accent1"/>
-              </a:buClr>
-              <a:buSzPct val="80000"/>
-              <a:buFont typeface="Arial" pitchFamily="34" charset="0"/>
-              <a:buChar char="•"/>
-              <a:defRPr sz="2000" kern="1200">
-                <a:solidFill>
-                  <a:schemeClr val="tx1"/>
-                </a:solidFill>
-                <a:latin typeface="+mn-lt"/>
-                <a:ea typeface="+mn-ea"/>
-                <a:cs typeface="+mn-cs"/>
-              </a:defRPr>
-            </a:lvl3pPr>
-            <a:lvl4pPr marL="1218987" indent="-231607" algn="l" defTabSz="1218987" rtl="0" eaLnBrk="1" latinLnBrk="0" hangingPunct="1">
-              <a:lnSpc>
-                <a:spcPct val="90000"/>
-              </a:lnSpc>
-              <a:spcBef>
-                <a:spcPts val="800"/>
-              </a:spcBef>
-              <a:buClr>
-                <a:schemeClr val="accent1"/>
-              </a:buClr>
-              <a:buSzPct val="80000"/>
-              <a:buFont typeface="Arial" pitchFamily="34" charset="0"/>
-              <a:buChar char="•"/>
-              <a:defRPr sz="2000" kern="1200">
-                <a:solidFill>
-                  <a:schemeClr val="tx1"/>
-                </a:solidFill>
-                <a:latin typeface="+mn-lt"/>
-                <a:ea typeface="+mn-ea"/>
-                <a:cs typeface="+mn-cs"/>
-              </a:defRPr>
-            </a:lvl4pPr>
-            <a:lvl5pPr marL="1523733" indent="-231607" algn="l" defTabSz="1218987" rtl="0" eaLnBrk="1" latinLnBrk="0" hangingPunct="1">
-              <a:lnSpc>
-                <a:spcPct val="90000"/>
-              </a:lnSpc>
-              <a:spcBef>
-                <a:spcPts val="800"/>
-              </a:spcBef>
-              <a:buClr>
-                <a:schemeClr val="accent1"/>
-              </a:buClr>
-              <a:buSzPct val="80000"/>
-              <a:buFont typeface="Arial" pitchFamily="34" charset="0"/>
-              <a:buChar char="•"/>
-              <a:defRPr sz="2000" kern="1200">
-                <a:solidFill>
-                  <a:schemeClr val="tx1"/>
-                </a:solidFill>
-                <a:latin typeface="+mn-lt"/>
-                <a:ea typeface="+mn-ea"/>
-                <a:cs typeface="+mn-cs"/>
-              </a:defRPr>
-            </a:lvl5pPr>
-            <a:lvl6pPr marL="1828480" indent="-231607" algn="l" defTabSz="1218987" rtl="0" eaLnBrk="1" latinLnBrk="0" hangingPunct="1">
-              <a:lnSpc>
-                <a:spcPct val="90000"/>
-              </a:lnSpc>
-              <a:spcBef>
-                <a:spcPts val="800"/>
-              </a:spcBef>
-              <a:buClr>
-                <a:schemeClr val="accent1"/>
-              </a:buClr>
-              <a:buSzPct val="80000"/>
-              <a:buFont typeface="Arial" pitchFamily="34" charset="0"/>
-              <a:buChar char="•"/>
-              <a:defRPr sz="2000" kern="1200" baseline="0">
-                <a:solidFill>
-                  <a:schemeClr val="tx1"/>
-                </a:solidFill>
-                <a:latin typeface="+mn-lt"/>
-                <a:ea typeface="+mn-ea"/>
-                <a:cs typeface="+mn-cs"/>
-              </a:defRPr>
-            </a:lvl6pPr>
-            <a:lvl7pPr marL="2133227" indent="-231607" algn="l" defTabSz="1218987" rtl="0" eaLnBrk="1" latinLnBrk="0" hangingPunct="1">
-              <a:lnSpc>
-                <a:spcPct val="90000"/>
-              </a:lnSpc>
-              <a:spcBef>
-                <a:spcPts val="800"/>
-              </a:spcBef>
-              <a:buClr>
-                <a:schemeClr val="accent1"/>
-              </a:buClr>
-              <a:buSzPct val="80000"/>
-              <a:buFont typeface="Arial" pitchFamily="34" charset="0"/>
-              <a:buChar char="•"/>
-              <a:defRPr sz="2000" kern="1200" baseline="0">
-                <a:solidFill>
-                  <a:schemeClr val="tx1"/>
-                </a:solidFill>
-                <a:latin typeface="+mn-lt"/>
-                <a:ea typeface="+mn-ea"/>
-                <a:cs typeface="+mn-cs"/>
-              </a:defRPr>
-            </a:lvl7pPr>
-            <a:lvl8pPr marL="2437973" indent="-231607" algn="l" defTabSz="1218987" rtl="0" eaLnBrk="1" latinLnBrk="0" hangingPunct="1">
-              <a:lnSpc>
-                <a:spcPct val="90000"/>
-              </a:lnSpc>
-              <a:spcBef>
-                <a:spcPts val="800"/>
-              </a:spcBef>
-              <a:buClr>
-                <a:schemeClr val="accent1"/>
-              </a:buClr>
-              <a:buSzPct val="80000"/>
-              <a:buFont typeface="Arial" pitchFamily="34" charset="0"/>
-              <a:buChar char="•"/>
-              <a:defRPr sz="2000" kern="1200" baseline="0">
-                <a:solidFill>
-                  <a:schemeClr val="tx1"/>
-                </a:solidFill>
-                <a:latin typeface="+mn-lt"/>
-                <a:ea typeface="+mn-ea"/>
-                <a:cs typeface="+mn-cs"/>
-              </a:defRPr>
-            </a:lvl8pPr>
-            <a:lvl9pPr marL="2742720" indent="-231607" algn="l" defTabSz="1218987" rtl="0" eaLnBrk="1" latinLnBrk="0" hangingPunct="1">
-              <a:lnSpc>
-                <a:spcPct val="90000"/>
-              </a:lnSpc>
-              <a:spcBef>
-                <a:spcPts val="800"/>
-              </a:spcBef>
-              <a:buClr>
-                <a:schemeClr val="accent1"/>
-              </a:buClr>
-              <a:buSzPct val="80000"/>
-              <a:buFont typeface="Arial" pitchFamily="34" charset="0"/>
-              <a:buChar char="•"/>
-              <a:defRPr sz="2000" kern="1200" baseline="0">
-                <a:solidFill>
-                  <a:schemeClr val="tx1"/>
-                </a:solidFill>
-                <a:latin typeface="+mn-lt"/>
-                <a:ea typeface="+mn-ea"/>
-                <a:cs typeface="+mn-cs"/>
-              </a:defRPr>
-            </a:lvl9pPr>
-          </a:lstStyle>
-          <a:p>
-            <a:r>
-              <a:rPr lang="en-US" sz="1600" dirty="0"/>
-              <a:t>Logistic Regression: 0.568</a:t>
-            </a:r>
-          </a:p>
-          <a:p>
-            <a:r>
-              <a:rPr lang="en-US" sz="1600" dirty="0"/>
-              <a:t>KNN: 0.551</a:t>
-            </a:r>
-          </a:p>
-          <a:p>
-            <a:r>
-              <a:rPr lang="en-US" sz="1600" dirty="0"/>
-              <a:t>Decision Tree0.646</a:t>
-            </a:r>
-          </a:p>
-          <a:p>
-            <a:r>
-              <a:rPr lang="en-US" sz="1600" dirty="0"/>
-              <a:t>Random Forest: 0.699</a:t>
-            </a:r>
-          </a:p>
-          <a:p>
-            <a:r>
-              <a:rPr lang="en-US" sz="1600" dirty="0"/>
-              <a:t>SVC: 0.569</a:t>
-            </a:r>
-          </a:p>
-          <a:p>
-            <a:r>
-              <a:rPr lang="en-US" sz="1600" dirty="0"/>
-              <a:t>ANN 0.692</a:t>
-            </a:r>
-          </a:p>
-          <a:p>
-            <a:endParaRPr lang="en-US" dirty="0"/>
-          </a:p>
-        </p:txBody>
-      </p:sp>
-      <p:sp>
-        <p:nvSpPr>
-          <p:cNvPr id="19" name="TextBox 18">
-            <a:extLst>
-              <a:ext uri="{FF2B5EF4-FFF2-40B4-BE49-F238E27FC236}">
-                <a16:creationId xmlns:a16="http://schemas.microsoft.com/office/drawing/2014/main" id="{B93457BB-CB25-CFE4-0497-05ED6BF20198}"/>
-              </a:ext>
-            </a:extLst>
-          </p:cNvPr>
-          <p:cNvSpPr txBox="1"/>
-          <p:nvPr/>
-        </p:nvSpPr>
-        <p:spPr>
-          <a:xfrm>
-            <a:off x="6856411" y="1900535"/>
-            <a:ext cx="3614385" cy="461665"/>
-          </a:xfrm>
-          <a:prstGeom prst="rect">
-            <a:avLst/>
-          </a:prstGeom>
-          <a:noFill/>
-        </p:spPr>
-        <p:txBody>
-          <a:bodyPr wrap="square">
-            <a:spAutoFit/>
-          </a:bodyPr>
-          <a:lstStyle/>
-          <a:p>
-            <a:r>
-              <a:rPr lang="en-US" sz="2400" dirty="0">
-                <a:solidFill>
-                  <a:srgbClr val="FFC000"/>
-                </a:solidFill>
-              </a:rPr>
-              <a:t>Accuracy Scores</a:t>
-            </a:r>
-          </a:p>
-        </p:txBody>
-      </p:sp>
-    </p:spTree>
-    <p:extLst>
-      <p:ext uri="{BB962C8B-B14F-4D97-AF65-F5344CB8AC3E}">
-        <p14:creationId xmlns:p14="http://schemas.microsoft.com/office/powerpoint/2010/main" val="3005448340"/>
-      </p:ext>
-    </p:extLst>
-  </p:cSld>
-  <p:clrMapOvr>
-    <a:masterClrMapping/>
-  </p:clrMapOvr>
-  <mc:AlternateContent xmlns:mc="http://schemas.openxmlformats.org/markup-compatibility/2006" xmlns:p14="http://schemas.microsoft.com/office/powerpoint/2010/main">
-    <mc:Choice Requires="p14">
-      <p:transition spd="med" p14:dur="700">
-        <p:fade/>
-      </p:transition>
-    </mc:Choice>
-    <mc:Fallback xmlns="">
-      <p:transition spd="med">
-        <p:fade/>
-      </p:transition>
-    </mc:Fallback>
-  </mc:AlternateContent>
-</p:sld>
-</file>
-
-<file path=ppt/slides/slide12.xml><?xml version="1.0" encoding="utf-8"?>
-<p:sld xmlns:a="http://schemas.openxmlformats.org/drawingml/2006/main" xmlns:r="http://schemas.openxmlformats.org/officeDocument/2006/relationships" xmlns:p="http://schemas.openxmlformats.org/presentationml/2006/main">
-  <p:cSld>
-    <p:spTree>
-      <p:nvGrpSpPr>
-        <p:cNvPr id="1" name=""/>
-        <p:cNvGrpSpPr/>
-        <p:nvPr/>
-      </p:nvGrpSpPr>
-      <p:grpSpPr>
-        <a:xfrm>
-          <a:off x="0" y="0"/>
-          <a:ext cx="0" cy="0"/>
-          <a:chOff x="0" y="0"/>
-          <a:chExt cx="0" cy="0"/>
-        </a:xfrm>
-      </p:grpSpPr>
-      <p:sp>
-        <p:nvSpPr>
-          <p:cNvPr id="7" name="Title 6"/>
-          <p:cNvSpPr>
-            <a:spLocks noGrp="1"/>
-          </p:cNvSpPr>
-          <p:nvPr>
-            <p:ph type="title"/>
-          </p:nvPr>
-        </p:nvSpPr>
-        <p:spPr/>
-        <p:txBody>
-          <a:bodyPr/>
-          <a:lstStyle/>
-          <a:p>
-            <a:r>
-              <a:rPr lang="en-US" dirty="0">
-                <a:solidFill>
-                  <a:schemeClr val="accent3">
-                    <a:lumMod val="60000"/>
-                    <a:lumOff val="40000"/>
-                  </a:schemeClr>
-                </a:solidFill>
-              </a:rPr>
-              <a:t>Clustering Model Results</a:t>
-            </a:r>
-          </a:p>
-        </p:txBody>
-      </p:sp>
-      <p:sp>
-        <p:nvSpPr>
-          <p:cNvPr id="8" name="Text Placeholder 7"/>
-          <p:cNvSpPr>
-            <a:spLocks noGrp="1"/>
-          </p:cNvSpPr>
-          <p:nvPr>
-            <p:ph type="body" idx="1"/>
-          </p:nvPr>
-        </p:nvSpPr>
-        <p:spPr>
-          <a:xfrm>
-            <a:off x="1218883" y="1701800"/>
-            <a:ext cx="4418329" cy="431800"/>
-          </a:xfrm>
-        </p:spPr>
-        <p:txBody>
-          <a:bodyPr>
-            <a:normAutofit lnSpcReduction="10000"/>
-          </a:bodyPr>
-          <a:lstStyle/>
-          <a:p>
-            <a:pPr algn="ctr"/>
-            <a:r>
-              <a:rPr lang="en-US" sz="2400" dirty="0"/>
-              <a:t>K-Means</a:t>
-            </a:r>
-          </a:p>
-        </p:txBody>
-      </p:sp>
-      <p:sp>
-        <p:nvSpPr>
-          <p:cNvPr id="9" name="Text Placeholder 8"/>
-          <p:cNvSpPr>
-            <a:spLocks noGrp="1"/>
-          </p:cNvSpPr>
-          <p:nvPr>
-            <p:ph type="body" sz="quarter" idx="3"/>
-          </p:nvPr>
-        </p:nvSpPr>
-        <p:spPr>
-          <a:xfrm>
-            <a:off x="6496644" y="1701800"/>
-            <a:ext cx="5082740" cy="431800"/>
-          </a:xfrm>
-        </p:spPr>
-        <p:txBody>
-          <a:bodyPr>
-            <a:normAutofit lnSpcReduction="10000"/>
-          </a:bodyPr>
-          <a:lstStyle/>
-          <a:p>
-            <a:pPr algn="ctr"/>
-            <a:r>
-              <a:rPr lang="en-US" sz="2400" dirty="0"/>
-              <a:t>Cluster Visualization</a:t>
-            </a:r>
-          </a:p>
-        </p:txBody>
-      </p:sp>
-      <p:sp>
-        <p:nvSpPr>
-          <p:cNvPr id="6" name="TextBox 5">
-            <a:extLst>
-              <a:ext uri="{FF2B5EF4-FFF2-40B4-BE49-F238E27FC236}">
-                <a16:creationId xmlns:a16="http://schemas.microsoft.com/office/drawing/2014/main" id="{7EB1A21F-50D8-8151-4D30-BF9CD6F3C513}"/>
-              </a:ext>
-            </a:extLst>
-          </p:cNvPr>
-          <p:cNvSpPr txBox="1"/>
-          <p:nvPr/>
-        </p:nvSpPr>
-        <p:spPr>
-          <a:xfrm>
-            <a:off x="1573053" y="5334000"/>
-            <a:ext cx="3545023" cy="707886"/>
-          </a:xfrm>
-          <a:prstGeom prst="rect">
-            <a:avLst/>
-          </a:prstGeom>
-          <a:noFill/>
-        </p:spPr>
-        <p:txBody>
-          <a:bodyPr wrap="square" rtlCol="0">
-            <a:spAutoFit/>
-          </a:bodyPr>
-          <a:lstStyle/>
-          <a:p>
-            <a:r>
-              <a:rPr lang="en-US" sz="2000" dirty="0">
-                <a:solidFill>
-                  <a:srgbClr val="FFC000"/>
-                </a:solidFill>
-              </a:rPr>
-              <a:t>Based on Elbow curve I chose </a:t>
-            </a:r>
-            <a:r>
-              <a:rPr lang="en-US" sz="2000" dirty="0" err="1">
-                <a:solidFill>
-                  <a:srgbClr val="FFC000"/>
-                </a:solidFill>
-              </a:rPr>
-              <a:t>n_clusters</a:t>
-            </a:r>
-            <a:r>
-              <a:rPr lang="en-US" sz="2000" dirty="0">
-                <a:solidFill>
-                  <a:srgbClr val="FFC000"/>
-                </a:solidFill>
-              </a:rPr>
-              <a:t> = 3</a:t>
-            </a:r>
-          </a:p>
-        </p:txBody>
-      </p:sp>
-      <p:pic>
-        <p:nvPicPr>
-          <p:cNvPr id="13" name="Picture 12">
-            <a:extLst>
-              <a:ext uri="{FF2B5EF4-FFF2-40B4-BE49-F238E27FC236}">
-                <a16:creationId xmlns:a16="http://schemas.microsoft.com/office/drawing/2014/main" id="{F56FABAD-DD69-CCB2-2799-40588E71AD8B}"/>
-              </a:ext>
-            </a:extLst>
-          </p:cNvPr>
-          <p:cNvPicPr>
-            <a:picLocks noChangeAspect="1"/>
-          </p:cNvPicPr>
-          <p:nvPr/>
-        </p:nvPicPr>
-        <p:blipFill>
-          <a:blip r:embed="rId2"/>
-          <a:stretch>
-            <a:fillRect/>
-          </a:stretch>
-        </p:blipFill>
-        <p:spPr>
-          <a:xfrm>
-            <a:off x="1547988" y="2286000"/>
-            <a:ext cx="3566403" cy="2786062"/>
-          </a:xfrm>
-          <a:prstGeom prst="rect">
-            <a:avLst/>
-          </a:prstGeom>
-        </p:spPr>
-      </p:pic>
-      <p:pic>
-        <p:nvPicPr>
-          <p:cNvPr id="17" name="Picture 16">
-            <a:extLst>
-              <a:ext uri="{FF2B5EF4-FFF2-40B4-BE49-F238E27FC236}">
-                <a16:creationId xmlns:a16="http://schemas.microsoft.com/office/drawing/2014/main" id="{C4504BF5-CC7E-A1FC-0492-FCADFD417C39}"/>
-              </a:ext>
-            </a:extLst>
-          </p:cNvPr>
-          <p:cNvPicPr>
-            <a:picLocks noChangeAspect="1"/>
-          </p:cNvPicPr>
-          <p:nvPr/>
-        </p:nvPicPr>
-        <p:blipFill>
-          <a:blip r:embed="rId3"/>
-          <a:stretch>
-            <a:fillRect/>
-          </a:stretch>
-        </p:blipFill>
-        <p:spPr>
-          <a:xfrm>
-            <a:off x="6704012" y="2200995"/>
-            <a:ext cx="4363663" cy="3179941"/>
-          </a:xfrm>
-          <a:prstGeom prst="rect">
-            <a:avLst/>
-          </a:prstGeom>
-        </p:spPr>
-      </p:pic>
-      <p:sp>
-        <p:nvSpPr>
-          <p:cNvPr id="18" name="TextBox 17">
-            <a:extLst>
-              <a:ext uri="{FF2B5EF4-FFF2-40B4-BE49-F238E27FC236}">
-                <a16:creationId xmlns:a16="http://schemas.microsoft.com/office/drawing/2014/main" id="{83CC6982-0913-2F3D-4819-3772A36BAEEF}"/>
-              </a:ext>
-            </a:extLst>
-          </p:cNvPr>
-          <p:cNvSpPr txBox="1"/>
-          <p:nvPr/>
-        </p:nvSpPr>
-        <p:spPr>
-          <a:xfrm>
-            <a:off x="7070749" y="5448331"/>
-            <a:ext cx="3545023" cy="1015663"/>
-          </a:xfrm>
-          <a:prstGeom prst="rect">
-            <a:avLst/>
-          </a:prstGeom>
-          <a:noFill/>
-        </p:spPr>
-        <p:txBody>
-          <a:bodyPr wrap="square" rtlCol="0">
-            <a:spAutoFit/>
-          </a:bodyPr>
-          <a:lstStyle/>
-          <a:p>
-            <a:r>
-              <a:rPr lang="en-US" sz="2000" dirty="0">
-                <a:solidFill>
-                  <a:srgbClr val="FFC000"/>
-                </a:solidFill>
-              </a:rPr>
-              <a:t>In progress – I also wanted to see the clusters visualized but have some more refining to do</a:t>
-            </a:r>
-          </a:p>
-        </p:txBody>
-      </p:sp>
-    </p:spTree>
-    <p:extLst>
-      <p:ext uri="{BB962C8B-B14F-4D97-AF65-F5344CB8AC3E}">
-        <p14:creationId xmlns:p14="http://schemas.microsoft.com/office/powerpoint/2010/main" val="2135812282"/>
-      </p:ext>
-    </p:extLst>
-  </p:cSld>
-  <p:clrMapOvr>
-    <a:masterClrMapping/>
-  </p:clrMapOvr>
-  <mc:AlternateContent xmlns:mc="http://schemas.openxmlformats.org/markup-compatibility/2006" xmlns:p14="http://schemas.microsoft.com/office/powerpoint/2010/main">
-    <mc:Choice Requires="p14">
-      <p:transition spd="med" p14:dur="700">
-        <p:fade/>
-      </p:transition>
-    </mc:Choice>
-    <mc:Fallback xmlns="">
-      <p:transition spd="med">
-        <p:fade/>
-      </p:transition>
-    </mc:Fallback>
-  </mc:AlternateContent>
-</p:sld>
-</file>
-
-<file path=ppt/slides/slide13.xml><?xml version="1.0" encoding="utf-8"?>
-<p:sld xmlns:a="http://schemas.openxmlformats.org/drawingml/2006/main" xmlns:r="http://schemas.openxmlformats.org/officeDocument/2006/relationships" xmlns:p="http://schemas.openxmlformats.org/presentationml/2006/main">
-  <p:cSld>
-    <p:spTree>
-      <p:nvGrpSpPr>
-        <p:cNvPr id="1" name=""/>
-        <p:cNvGrpSpPr/>
-        <p:nvPr/>
-      </p:nvGrpSpPr>
-      <p:grpSpPr>
-        <a:xfrm>
-          <a:off x="0" y="0"/>
-          <a:ext cx="0" cy="0"/>
-          <a:chOff x="0" y="0"/>
-          <a:chExt cx="0" cy="0"/>
-        </a:xfrm>
-      </p:grpSpPr>
-      <p:sp>
-        <p:nvSpPr>
-          <p:cNvPr id="7" name="Title 6"/>
-          <p:cNvSpPr>
-            <a:spLocks noGrp="1"/>
-          </p:cNvSpPr>
-          <p:nvPr>
-            <p:ph type="title"/>
-          </p:nvPr>
-        </p:nvSpPr>
-        <p:spPr>
-          <a:xfrm>
-            <a:off x="1218883" y="274637"/>
-            <a:ext cx="10360501" cy="639763"/>
-          </a:xfrm>
-        </p:spPr>
-        <p:txBody>
-          <a:bodyPr/>
-          <a:lstStyle/>
-          <a:p>
-            <a:r>
-              <a:rPr lang="en-US" dirty="0">
-                <a:solidFill>
-                  <a:schemeClr val="accent3">
-                    <a:lumMod val="60000"/>
-                    <a:lumOff val="40000"/>
-                  </a:schemeClr>
-                </a:solidFill>
-              </a:rPr>
-              <a:t>Clustering Model Results</a:t>
-            </a:r>
-          </a:p>
-        </p:txBody>
-      </p:sp>
-      <p:sp>
-        <p:nvSpPr>
-          <p:cNvPr id="8" name="Text Placeholder 7"/>
-          <p:cNvSpPr>
-            <a:spLocks noGrp="1"/>
-          </p:cNvSpPr>
-          <p:nvPr>
-            <p:ph type="body" idx="1"/>
-          </p:nvPr>
-        </p:nvSpPr>
-        <p:spPr>
-          <a:xfrm>
-            <a:off x="1240365" y="1092200"/>
-            <a:ext cx="4800600" cy="431800"/>
-          </a:xfrm>
-        </p:spPr>
-        <p:txBody>
-          <a:bodyPr>
-            <a:normAutofit lnSpcReduction="10000"/>
-          </a:bodyPr>
-          <a:lstStyle/>
-          <a:p>
-            <a:pPr algn="ctr"/>
-            <a:r>
-              <a:rPr lang="en-US" sz="2400" dirty="0"/>
-              <a:t>Hierarchal agglomerative</a:t>
-            </a:r>
-          </a:p>
-        </p:txBody>
-      </p:sp>
-      <p:sp>
-        <p:nvSpPr>
-          <p:cNvPr id="18" name="TextBox 17">
-            <a:extLst>
-              <a:ext uri="{FF2B5EF4-FFF2-40B4-BE49-F238E27FC236}">
-                <a16:creationId xmlns:a16="http://schemas.microsoft.com/office/drawing/2014/main" id="{83CC6982-0913-2F3D-4819-3772A36BAEEF}"/>
-              </a:ext>
-            </a:extLst>
-          </p:cNvPr>
-          <p:cNvSpPr txBox="1"/>
-          <p:nvPr/>
-        </p:nvSpPr>
-        <p:spPr>
-          <a:xfrm>
-            <a:off x="2068962" y="5411857"/>
-            <a:ext cx="7493160" cy="707886"/>
-          </a:xfrm>
-          <a:prstGeom prst="rect">
-            <a:avLst/>
-          </a:prstGeom>
-          <a:noFill/>
-        </p:spPr>
-        <p:txBody>
-          <a:bodyPr wrap="square" rtlCol="0">
-            <a:spAutoFit/>
-          </a:bodyPr>
-          <a:lstStyle/>
-          <a:p>
-            <a:r>
-              <a:rPr lang="en-US" sz="2000" dirty="0">
-                <a:solidFill>
-                  <a:srgbClr val="FFC000"/>
-                </a:solidFill>
-              </a:rPr>
-              <a:t>In progress – I also wanted to see the clusters visualized so I’ve added a </a:t>
-            </a:r>
-            <a:r>
-              <a:rPr lang="en-US" sz="2000" dirty="0" err="1">
-                <a:solidFill>
-                  <a:srgbClr val="FFC000"/>
-                </a:solidFill>
-              </a:rPr>
-              <a:t>dendogram</a:t>
-            </a:r>
-            <a:r>
-              <a:rPr lang="en-US" sz="2000" dirty="0">
-                <a:solidFill>
-                  <a:srgbClr val="FFC000"/>
-                </a:solidFill>
-              </a:rPr>
-              <a:t> – using same metric – Euclidean and linkage- ward</a:t>
-            </a:r>
-          </a:p>
-        </p:txBody>
-      </p:sp>
-      <p:pic>
-        <p:nvPicPr>
-          <p:cNvPr id="11" name="Picture 10">
-            <a:extLst>
-              <a:ext uri="{FF2B5EF4-FFF2-40B4-BE49-F238E27FC236}">
-                <a16:creationId xmlns:a16="http://schemas.microsoft.com/office/drawing/2014/main" id="{DDCA65BD-CE88-563B-3F02-425DBDEB8574}"/>
-              </a:ext>
-            </a:extLst>
-          </p:cNvPr>
-          <p:cNvPicPr>
-            <a:picLocks noChangeAspect="1"/>
-          </p:cNvPicPr>
-          <p:nvPr/>
-        </p:nvPicPr>
-        <p:blipFill>
-          <a:blip r:embed="rId2"/>
-          <a:stretch>
-            <a:fillRect/>
-          </a:stretch>
-        </p:blipFill>
-        <p:spPr>
-          <a:xfrm>
-            <a:off x="1446212" y="1833244"/>
-            <a:ext cx="8738660" cy="3191511"/>
-          </a:xfrm>
-          <a:prstGeom prst="rect">
-            <a:avLst/>
-          </a:prstGeom>
-        </p:spPr>
-      </p:pic>
-      <p:sp>
-        <p:nvSpPr>
-          <p:cNvPr id="12" name="Text Placeholder 7">
-            <a:extLst>
-              <a:ext uri="{FF2B5EF4-FFF2-40B4-BE49-F238E27FC236}">
-                <a16:creationId xmlns:a16="http://schemas.microsoft.com/office/drawing/2014/main" id="{39761411-46DC-6C91-D240-98509D9C7E79}"/>
-              </a:ext>
-            </a:extLst>
-          </p:cNvPr>
-          <p:cNvSpPr txBox="1">
-            <a:spLocks/>
-          </p:cNvSpPr>
-          <p:nvPr/>
-        </p:nvSpPr>
-        <p:spPr>
-          <a:xfrm>
-            <a:off x="7388225" y="355600"/>
-            <a:ext cx="4800600" cy="431800"/>
-          </a:xfrm>
-          <a:prstGeom prst="rect">
-            <a:avLst/>
-          </a:prstGeom>
-        </p:spPr>
-        <p:txBody>
-          <a:bodyPr vert="horz" lIns="121899" tIns="60949" rIns="121899" bIns="60949" rtlCol="0" anchor="b">
-            <a:normAutofit lnSpcReduction="10000"/>
-          </a:bodyPr>
-          <a:lstStyle>
-            <a:lvl1pPr marL="0" indent="0" algn="l" defTabSz="1218987" rtl="0" eaLnBrk="1" latinLnBrk="0" hangingPunct="1">
-              <a:lnSpc>
-                <a:spcPct val="90000"/>
-              </a:lnSpc>
-              <a:spcBef>
-                <a:spcPts val="0"/>
-              </a:spcBef>
-              <a:buClr>
-                <a:schemeClr val="accent1"/>
-              </a:buClr>
-              <a:buSzPct val="100000"/>
-              <a:buFont typeface="Arial" pitchFamily="34" charset="0"/>
-              <a:buNone/>
-              <a:defRPr sz="2800" b="0" kern="1200" cap="all" spc="200" baseline="0">
-                <a:solidFill>
-                  <a:schemeClr val="accent1"/>
-                </a:solidFill>
-                <a:latin typeface="+mn-lt"/>
-                <a:ea typeface="+mn-ea"/>
-                <a:cs typeface="+mn-cs"/>
-              </a:defRPr>
-            </a:lvl1pPr>
-            <a:lvl2pPr marL="609493" indent="0" algn="l" defTabSz="1218987" rtl="0" eaLnBrk="1" latinLnBrk="0" hangingPunct="1">
-              <a:lnSpc>
-                <a:spcPct val="90000"/>
-              </a:lnSpc>
-              <a:spcBef>
-                <a:spcPts val="800"/>
-              </a:spcBef>
-              <a:buClr>
-                <a:schemeClr val="accent1"/>
-              </a:buClr>
-              <a:buSzPct val="80000"/>
-              <a:buFont typeface="Arial" pitchFamily="34" charset="0"/>
-              <a:buNone/>
-              <a:defRPr sz="2700" b="1" kern="1200">
-                <a:solidFill>
-                  <a:schemeClr val="tx1"/>
-                </a:solidFill>
-                <a:latin typeface="+mn-lt"/>
-                <a:ea typeface="+mn-ea"/>
-                <a:cs typeface="+mn-cs"/>
-              </a:defRPr>
-            </a:lvl2pPr>
-            <a:lvl3pPr marL="1218987" indent="0" algn="l" defTabSz="1218987" rtl="0" eaLnBrk="1" latinLnBrk="0" hangingPunct="1">
-              <a:lnSpc>
-                <a:spcPct val="90000"/>
-              </a:lnSpc>
-              <a:spcBef>
-                <a:spcPts val="800"/>
-              </a:spcBef>
-              <a:buClr>
-                <a:schemeClr val="accent1"/>
-              </a:buClr>
-              <a:buSzPct val="80000"/>
-              <a:buFont typeface="Arial" pitchFamily="34" charset="0"/>
-              <a:buNone/>
-              <a:defRPr sz="2400" b="1" kern="1200">
-                <a:solidFill>
-                  <a:schemeClr val="tx1"/>
-                </a:solidFill>
-                <a:latin typeface="+mn-lt"/>
-                <a:ea typeface="+mn-ea"/>
-                <a:cs typeface="+mn-cs"/>
-              </a:defRPr>
-            </a:lvl3pPr>
-            <a:lvl4pPr marL="1828480" indent="0" algn="l" defTabSz="1218987" rtl="0" eaLnBrk="1" latinLnBrk="0" hangingPunct="1">
-              <a:lnSpc>
-                <a:spcPct val="90000"/>
-              </a:lnSpc>
-              <a:spcBef>
-                <a:spcPts val="800"/>
-              </a:spcBef>
-              <a:buClr>
-                <a:schemeClr val="accent1"/>
-              </a:buClr>
-              <a:buSzPct val="80000"/>
-              <a:buFont typeface="Arial" pitchFamily="34" charset="0"/>
-              <a:buNone/>
-              <a:defRPr sz="2100" b="1" kern="1200">
-                <a:solidFill>
-                  <a:schemeClr val="tx1"/>
-                </a:solidFill>
-                <a:latin typeface="+mn-lt"/>
-                <a:ea typeface="+mn-ea"/>
-                <a:cs typeface="+mn-cs"/>
-              </a:defRPr>
-            </a:lvl4pPr>
-            <a:lvl5pPr marL="2437973" indent="0" algn="l" defTabSz="1218987" rtl="0" eaLnBrk="1" latinLnBrk="0" hangingPunct="1">
-              <a:lnSpc>
-                <a:spcPct val="90000"/>
-              </a:lnSpc>
-              <a:spcBef>
-                <a:spcPts val="800"/>
-              </a:spcBef>
-              <a:buClr>
-                <a:schemeClr val="accent1"/>
-              </a:buClr>
-              <a:buSzPct val="80000"/>
-              <a:buFont typeface="Arial" pitchFamily="34" charset="0"/>
-              <a:buNone/>
-              <a:defRPr sz="2100" b="1" kern="1200">
-                <a:solidFill>
-                  <a:schemeClr val="tx1"/>
-                </a:solidFill>
-                <a:latin typeface="+mn-lt"/>
-                <a:ea typeface="+mn-ea"/>
-                <a:cs typeface="+mn-cs"/>
-              </a:defRPr>
-            </a:lvl5pPr>
-            <a:lvl6pPr marL="3047467" indent="0" algn="l" defTabSz="1218987" rtl="0" eaLnBrk="1" latinLnBrk="0" hangingPunct="1">
-              <a:lnSpc>
-                <a:spcPct val="90000"/>
-              </a:lnSpc>
-              <a:spcBef>
-                <a:spcPts val="800"/>
-              </a:spcBef>
-              <a:buClr>
-                <a:schemeClr val="accent1"/>
-              </a:buClr>
-              <a:buSzPct val="80000"/>
-              <a:buFont typeface="Arial" pitchFamily="34" charset="0"/>
-              <a:buNone/>
-              <a:defRPr sz="2100" b="1" kern="1200">
-                <a:solidFill>
-                  <a:schemeClr val="tx1"/>
-                </a:solidFill>
-                <a:latin typeface="+mn-lt"/>
-                <a:ea typeface="+mn-ea"/>
-                <a:cs typeface="+mn-cs"/>
-              </a:defRPr>
-            </a:lvl6pPr>
-            <a:lvl7pPr marL="3656960" indent="0" algn="l" defTabSz="1218987" rtl="0" eaLnBrk="1" latinLnBrk="0" hangingPunct="1">
-              <a:lnSpc>
-                <a:spcPct val="90000"/>
-              </a:lnSpc>
-              <a:spcBef>
-                <a:spcPts val="800"/>
-              </a:spcBef>
-              <a:buClr>
-                <a:schemeClr val="accent1"/>
-              </a:buClr>
-              <a:buSzPct val="80000"/>
-              <a:buFont typeface="Arial" pitchFamily="34" charset="0"/>
-              <a:buNone/>
-              <a:defRPr sz="2100" b="1" kern="1200">
-                <a:solidFill>
-                  <a:schemeClr val="tx1"/>
-                </a:solidFill>
-                <a:latin typeface="+mn-lt"/>
-                <a:ea typeface="+mn-ea"/>
-                <a:cs typeface="+mn-cs"/>
-              </a:defRPr>
-            </a:lvl7pPr>
-            <a:lvl8pPr marL="4266453" indent="0" algn="l" defTabSz="1218987" rtl="0" eaLnBrk="1" latinLnBrk="0" hangingPunct="1">
-              <a:lnSpc>
-                <a:spcPct val="90000"/>
-              </a:lnSpc>
-              <a:spcBef>
-                <a:spcPts val="800"/>
-              </a:spcBef>
-              <a:buClr>
-                <a:schemeClr val="accent1"/>
-              </a:buClr>
-              <a:buSzPct val="80000"/>
-              <a:buFont typeface="Arial" pitchFamily="34" charset="0"/>
-              <a:buNone/>
-              <a:defRPr sz="2100" b="1" kern="1200" baseline="0">
-                <a:solidFill>
-                  <a:schemeClr val="tx1"/>
-                </a:solidFill>
-                <a:latin typeface="+mn-lt"/>
-                <a:ea typeface="+mn-ea"/>
-                <a:cs typeface="+mn-cs"/>
-              </a:defRPr>
-            </a:lvl8pPr>
-            <a:lvl9pPr marL="4875947" indent="0" algn="l" defTabSz="1218987" rtl="0" eaLnBrk="1" latinLnBrk="0" hangingPunct="1">
-              <a:lnSpc>
-                <a:spcPct val="90000"/>
-              </a:lnSpc>
-              <a:spcBef>
-                <a:spcPts val="800"/>
-              </a:spcBef>
-              <a:buClr>
-                <a:schemeClr val="accent1"/>
-              </a:buClr>
-              <a:buSzPct val="80000"/>
-              <a:buFont typeface="Arial" pitchFamily="34" charset="0"/>
-              <a:buNone/>
-              <a:defRPr sz="2100" b="1" kern="1200" baseline="0">
-                <a:solidFill>
-                  <a:schemeClr val="tx1"/>
-                </a:solidFill>
-                <a:latin typeface="+mn-lt"/>
-                <a:ea typeface="+mn-ea"/>
-                <a:cs typeface="+mn-cs"/>
-              </a:defRPr>
-            </a:lvl9pPr>
-          </a:lstStyle>
-          <a:p>
-            <a:pPr algn="ctr"/>
-            <a:r>
-              <a:rPr lang="en-US" sz="2400" dirty="0"/>
-              <a:t>Mean </a:t>
-            </a:r>
-            <a:r>
-              <a:rPr lang="en-US" sz="2400" dirty="0" err="1"/>
-              <a:t>SHift</a:t>
-            </a:r>
-            <a:endParaRPr lang="en-US" sz="2400" dirty="0"/>
-          </a:p>
-        </p:txBody>
-      </p:sp>
-      <p:sp>
-        <p:nvSpPr>
-          <p:cNvPr id="14" name="TextBox 13">
-            <a:extLst>
-              <a:ext uri="{FF2B5EF4-FFF2-40B4-BE49-F238E27FC236}">
-                <a16:creationId xmlns:a16="http://schemas.microsoft.com/office/drawing/2014/main" id="{41D682EB-ABB7-28EC-7B1B-286DAE408DA2}"/>
-              </a:ext>
-            </a:extLst>
-          </p:cNvPr>
-          <p:cNvSpPr txBox="1"/>
-          <p:nvPr/>
-        </p:nvSpPr>
-        <p:spPr>
-          <a:xfrm>
-            <a:off x="7388225" y="771320"/>
-            <a:ext cx="4421188" cy="707886"/>
-          </a:xfrm>
-          <a:prstGeom prst="rect">
-            <a:avLst/>
-          </a:prstGeom>
-          <a:noFill/>
-        </p:spPr>
-        <p:txBody>
-          <a:bodyPr wrap="square" rtlCol="0">
-            <a:spAutoFit/>
-          </a:bodyPr>
-          <a:lstStyle/>
-          <a:p>
-            <a:r>
-              <a:rPr lang="en-US" sz="2000" dirty="0">
-                <a:solidFill>
-                  <a:srgbClr val="FFC000"/>
-                </a:solidFill>
-              </a:rPr>
-              <a:t>Running and clustering – haven’t yet added visualization for yet</a:t>
-            </a:r>
-          </a:p>
-        </p:txBody>
-      </p:sp>
-    </p:spTree>
-    <p:extLst>
-      <p:ext uri="{BB962C8B-B14F-4D97-AF65-F5344CB8AC3E}">
-        <p14:creationId xmlns:p14="http://schemas.microsoft.com/office/powerpoint/2010/main" val="738357484"/>
-      </p:ext>
-    </p:extLst>
-  </p:cSld>
-  <p:clrMapOvr>
-    <a:masterClrMapping/>
-  </p:clrMapOvr>
-  <mc:AlternateContent xmlns:mc="http://schemas.openxmlformats.org/markup-compatibility/2006" xmlns:p14="http://schemas.microsoft.com/office/powerpoint/2010/main">
-    <mc:Choice Requires="p14">
-      <p:transition spd="med" p14:dur="700">
-        <p:fade/>
-      </p:transition>
-    </mc:Choice>
-    <mc:Fallback xmlns="">
-      <p:transition spd="med">
-        <p:fade/>
-      </p:transition>
-    </mc:Fallback>
-  </mc:AlternateContent>
-</p:sld>
-</file>
-
-<file path=ppt/slides/slide14.xml><?xml version="1.0" encoding="utf-8"?>
-<p:sld xmlns:a="http://schemas.openxmlformats.org/drawingml/2006/main" xmlns:r="http://schemas.openxmlformats.org/officeDocument/2006/relationships" xmlns:p="http://schemas.openxmlformats.org/presentationml/2006/main">
-  <p:cSld>
-    <p:spTree>
-      <p:nvGrpSpPr>
-        <p:cNvPr id="1" name=""/>
-        <p:cNvGrpSpPr/>
-        <p:nvPr/>
-      </p:nvGrpSpPr>
-      <p:grpSpPr>
-        <a:xfrm>
-          <a:off x="0" y="0"/>
-          <a:ext cx="0" cy="0"/>
-          <a:chOff x="0" y="0"/>
-          <a:chExt cx="0" cy="0"/>
-        </a:xfrm>
-      </p:grpSpPr>
-      <p:sp>
-        <p:nvSpPr>
-          <p:cNvPr id="2" name="Title 1"/>
-          <p:cNvSpPr>
-            <a:spLocks noGrp="1"/>
-          </p:cNvSpPr>
-          <p:nvPr>
-            <p:ph type="title"/>
-          </p:nvPr>
-        </p:nvSpPr>
-        <p:spPr>
-          <a:xfrm>
-            <a:off x="1218883" y="274637"/>
-            <a:ext cx="10360501" cy="1223963"/>
-          </a:xfrm>
-        </p:spPr>
-        <p:txBody>
-          <a:bodyPr anchor="b">
-            <a:normAutofit/>
-          </a:bodyPr>
-          <a:lstStyle/>
-          <a:p>
-            <a:r>
-              <a:rPr lang="en-US" dirty="0">
-                <a:solidFill>
-                  <a:schemeClr val="accent3">
-                    <a:lumMod val="60000"/>
-                    <a:lumOff val="40000"/>
-                  </a:schemeClr>
-                </a:solidFill>
-              </a:rPr>
-              <a:t>Challenges and Thoughts during Project</a:t>
-            </a:r>
-          </a:p>
-        </p:txBody>
-      </p:sp>
-      <p:pic>
-        <p:nvPicPr>
-          <p:cNvPr id="8" name="Content Placeholder 7" descr="Geometric shapes on a wooden background">
-            <a:extLst>
-              <a:ext uri="{FF2B5EF4-FFF2-40B4-BE49-F238E27FC236}">
-                <a16:creationId xmlns:a16="http://schemas.microsoft.com/office/drawing/2014/main" id="{7B3AA107-6A8C-EAAD-362C-318C24853879}"/>
-              </a:ext>
-            </a:extLst>
-          </p:cNvPr>
-          <p:cNvPicPr>
-            <a:picLocks noGrp="1" noChangeAspect="1"/>
-          </p:cNvPicPr>
-          <p:nvPr>
-            <p:ph sz="half" idx="1"/>
-          </p:nvPr>
-        </p:nvPicPr>
-        <p:blipFill rotWithShape="1">
-          <a:blip r:embed="rId3" cstate="print">
-            <a:extLst>
-              <a:ext uri="{28A0092B-C50C-407E-A947-70E740481C1C}">
-                <a14:useLocalDpi xmlns:a14="http://schemas.microsoft.com/office/drawing/2010/main" val="0"/>
-              </a:ext>
-            </a:extLst>
-          </a:blip>
-          <a:srcRect l="6831" r="17250"/>
-          <a:stretch/>
-        </p:blipFill>
-        <p:spPr>
-          <a:xfrm>
-            <a:off x="1218883" y="2057400"/>
-            <a:ext cx="4298675" cy="3779520"/>
-          </a:xfrm>
-          <a:noFill/>
-        </p:spPr>
-      </p:pic>
-      <p:sp>
-        <p:nvSpPr>
-          <p:cNvPr id="3" name="Content Placeholder 2"/>
-          <p:cNvSpPr>
-            <a:spLocks noGrp="1"/>
-          </p:cNvSpPr>
-          <p:nvPr>
-            <p:ph sz="half" idx="2"/>
-          </p:nvPr>
-        </p:nvSpPr>
-        <p:spPr>
-          <a:xfrm>
-            <a:off x="5789613" y="1706880"/>
-            <a:ext cx="5789772" cy="4922520"/>
-          </a:xfrm>
-        </p:spPr>
-        <p:txBody>
-          <a:bodyPr>
-            <a:normAutofit/>
-          </a:bodyPr>
-          <a:lstStyle/>
-          <a:p>
-            <a:r>
-              <a:rPr lang="en-US" sz="1800" dirty="0"/>
-              <a:t>Visualizations could use some tweaking, missing one histogram to be added (but have a base for a group one to use in future projects that works)</a:t>
-            </a:r>
-          </a:p>
-          <a:p>
-            <a:r>
-              <a:rPr lang="en-US" sz="1800" dirty="0"/>
-              <a:t>I struggled a bit with switching from all-in-one notebook/</a:t>
-            </a:r>
-            <a:r>
-              <a:rPr lang="en-US" sz="1800" dirty="0" err="1"/>
-              <a:t>py</a:t>
-            </a:r>
-            <a:r>
-              <a:rPr lang="en-US" sz="1800" dirty="0"/>
-              <a:t> file to object oriented and could definitely grow more there still and will work on that – felt like my biggest challenge at the end</a:t>
-            </a:r>
-          </a:p>
-          <a:p>
-            <a:r>
-              <a:rPr lang="en-US" sz="1800" dirty="0"/>
-              <a:t>Could definitely </a:t>
-            </a:r>
-            <a:r>
-              <a:rPr lang="en-US" sz="1800" dirty="0" err="1"/>
-              <a:t>hypertune</a:t>
-            </a:r>
-            <a:r>
-              <a:rPr lang="en-US" sz="1800" dirty="0"/>
-              <a:t> more parameters for the networks but wanted to have the whole project completed so may be a work in progress to get them even better but did meet the requirements</a:t>
-            </a:r>
-          </a:p>
-          <a:p>
-            <a:r>
-              <a:rPr lang="en-US" sz="1800" dirty="0"/>
-              <a:t>Making sure I’m using the right target for each section as they have different targets!  I forgot initially when testing.</a:t>
-            </a:r>
-          </a:p>
-          <a:p>
-            <a:r>
-              <a:rPr lang="en-US" sz="1800" dirty="0"/>
-              <a:t>Very satisfying to see it all coming together as a package and lots of “Aha!” moments</a:t>
-            </a:r>
-          </a:p>
-        </p:txBody>
-      </p:sp>
-    </p:spTree>
-    <p:extLst>
-      <p:ext uri="{BB962C8B-B14F-4D97-AF65-F5344CB8AC3E}">
-        <p14:creationId xmlns:p14="http://schemas.microsoft.com/office/powerpoint/2010/main" val="4123189245"/>
-      </p:ext>
-    </p:extLst>
-  </p:cSld>
-  <p:clrMapOvr>
-    <a:masterClrMapping/>
-  </p:clrMapOvr>
-  <mc:AlternateContent xmlns:mc="http://schemas.openxmlformats.org/markup-compatibility/2006" xmlns:p14="http://schemas.microsoft.com/office/powerpoint/2010/main">
-    <mc:Choice Requires="p14">
-      <p:transition spd="med" p14:dur="700">
-        <p:fade/>
-      </p:transition>
-    </mc:Choice>
-    <mc:Fallback xmlns="">
-      <p:transition spd="med">
-        <p:fade/>
-      </p:transition>
-    </mc:Fallback>
-  </mc:AlternateContent>
-</p:sld>
-</file>
-
 <file path=ppt/slides/slide2.xml><?xml version="1.0" encoding="utf-8"?>
 <p:sld xmlns:a="http://schemas.openxmlformats.org/drawingml/2006/main" xmlns:r="http://schemas.openxmlformats.org/officeDocument/2006/relationships" xmlns:p="http://schemas.openxmlformats.org/presentationml/2006/main">
   <p:cSld>
@@ -8851,6 +7175,582 @@
         <p:spPr>
           <a:xfrm>
             <a:off x="1218883" y="274637"/>
+            <a:ext cx="10360501" cy="944563"/>
+          </a:xfrm>
+        </p:spPr>
+        <p:txBody>
+          <a:bodyPr/>
+          <a:lstStyle/>
+          <a:p>
+            <a:r>
+              <a:rPr lang="en-US" dirty="0">
+                <a:solidFill>
+                  <a:schemeClr val="accent3">
+                    <a:lumMod val="60000"/>
+                    <a:lumOff val="40000"/>
+                  </a:schemeClr>
+                </a:solidFill>
+              </a:rPr>
+              <a:t>Machine Learning in the Sciences</a:t>
+            </a:r>
+          </a:p>
+        </p:txBody>
+      </p:sp>
+      <p:sp>
+        <p:nvSpPr>
+          <p:cNvPr id="17" name="TextBox 16">
+            <a:extLst>
+              <a:ext uri="{FF2B5EF4-FFF2-40B4-BE49-F238E27FC236}">
+                <a16:creationId xmlns:a16="http://schemas.microsoft.com/office/drawing/2014/main" id="{5FFC941C-1B0D-3DAA-C480-6CE1ACB24D07}"/>
+              </a:ext>
+            </a:extLst>
+          </p:cNvPr>
+          <p:cNvSpPr txBox="1"/>
+          <p:nvPr/>
+        </p:nvSpPr>
+        <p:spPr>
+          <a:xfrm>
+            <a:off x="1065212" y="5629256"/>
+            <a:ext cx="10285572" cy="954107"/>
+          </a:xfrm>
+          <a:prstGeom prst="rect">
+            <a:avLst/>
+          </a:prstGeom>
+          <a:noFill/>
+        </p:spPr>
+        <p:txBody>
+          <a:bodyPr wrap="square" rtlCol="0">
+            <a:spAutoFit/>
+          </a:bodyPr>
+          <a:lstStyle/>
+          <a:p>
+            <a:r>
+              <a:rPr lang="en-US" sz="2800" dirty="0">
+                <a:solidFill>
+                  <a:srgbClr val="FFC000"/>
+                </a:solidFill>
+              </a:rPr>
+              <a:t>Image: 50,000x magnification of a section of Cyanobacteria cell type (Blue Green Algae)</a:t>
+            </a:r>
+          </a:p>
+        </p:txBody>
+      </p:sp>
+      <p:pic>
+        <p:nvPicPr>
+          <p:cNvPr id="10" name="Picture 9" descr="A close-up of a map&#10;&#10;Description automatically generated">
+            <a:extLst>
+              <a:ext uri="{FF2B5EF4-FFF2-40B4-BE49-F238E27FC236}">
+                <a16:creationId xmlns:a16="http://schemas.microsoft.com/office/drawing/2014/main" id="{624D7DFB-BB28-E1AD-477F-A35D8203A3AD}"/>
+              </a:ext>
+            </a:extLst>
+          </p:cNvPr>
+          <p:cNvPicPr>
+            <a:picLocks noChangeAspect="1"/>
+          </p:cNvPicPr>
+          <p:nvPr/>
+        </p:nvPicPr>
+        <p:blipFill>
+          <a:blip r:embed="rId2">
+            <a:extLst>
+              <a:ext uri="{28A0092B-C50C-407E-A947-70E740481C1C}">
+                <a14:useLocalDpi xmlns:a14="http://schemas.microsoft.com/office/drawing/2010/main" val="0"/>
+              </a:ext>
+            </a:extLst>
+          </a:blip>
+          <a:stretch>
+            <a:fillRect/>
+          </a:stretch>
+        </p:blipFill>
+        <p:spPr>
+          <a:xfrm>
+            <a:off x="1217216" y="1219200"/>
+            <a:ext cx="7501761" cy="4191000"/>
+          </a:xfrm>
+          <a:prstGeom prst="rect">
+            <a:avLst/>
+          </a:prstGeom>
+        </p:spPr>
+      </p:pic>
+      <p:sp>
+        <p:nvSpPr>
+          <p:cNvPr id="11" name="TextBox 10">
+            <a:extLst>
+              <a:ext uri="{FF2B5EF4-FFF2-40B4-BE49-F238E27FC236}">
+                <a16:creationId xmlns:a16="http://schemas.microsoft.com/office/drawing/2014/main" id="{0262B139-4942-D9ED-871C-E3457CBE1F79}"/>
+              </a:ext>
+            </a:extLst>
+          </p:cNvPr>
+          <p:cNvSpPr txBox="1"/>
+          <p:nvPr/>
+        </p:nvSpPr>
+        <p:spPr>
+          <a:xfrm>
+            <a:off x="8532812" y="1438256"/>
+            <a:ext cx="3429000" cy="2862322"/>
+          </a:xfrm>
+          <a:prstGeom prst="rect">
+            <a:avLst/>
+          </a:prstGeom>
+          <a:noFill/>
+        </p:spPr>
+        <p:txBody>
+          <a:bodyPr wrap="square" rtlCol="0">
+            <a:spAutoFit/>
+          </a:bodyPr>
+          <a:lstStyle/>
+          <a:p>
+            <a:r>
+              <a:rPr lang="en-US" sz="2000" dirty="0">
+                <a:solidFill>
+                  <a:schemeClr val="accent1">
+                    <a:lumMod val="60000"/>
+                    <a:lumOff val="40000"/>
+                  </a:schemeClr>
+                </a:solidFill>
+              </a:rPr>
+              <a:t>Cyan – Thylakoid membrane</a:t>
+            </a:r>
+          </a:p>
+          <a:p>
+            <a:pPr marL="342900" indent="-342900">
+              <a:buFont typeface="Arial" panose="020B0604020202020204" pitchFamily="34" charset="0"/>
+              <a:buChar char="•"/>
+            </a:pPr>
+            <a:r>
+              <a:rPr lang="en-US" sz="2000" dirty="0">
+                <a:solidFill>
+                  <a:schemeClr val="accent1">
+                    <a:lumMod val="60000"/>
+                    <a:lumOff val="40000"/>
+                  </a:schemeClr>
+                </a:solidFill>
+              </a:rPr>
+              <a:t>Scaffolding</a:t>
+            </a:r>
+          </a:p>
+          <a:p>
+            <a:endParaRPr lang="en-US" sz="2000" dirty="0">
+              <a:solidFill>
+                <a:srgbClr val="FFC000"/>
+              </a:solidFill>
+            </a:endParaRPr>
+          </a:p>
+          <a:p>
+            <a:r>
+              <a:rPr lang="en-US" sz="2000" dirty="0">
+                <a:solidFill>
+                  <a:srgbClr val="FFFF00"/>
+                </a:solidFill>
+              </a:rPr>
+              <a:t>Yellow – </a:t>
+            </a:r>
+            <a:r>
+              <a:rPr lang="en-US" sz="2000" dirty="0" err="1">
+                <a:solidFill>
+                  <a:srgbClr val="FFFF00"/>
+                </a:solidFill>
+              </a:rPr>
+              <a:t>Phycobilisome</a:t>
+            </a:r>
+            <a:endParaRPr lang="en-US" sz="2000" dirty="0">
+              <a:solidFill>
+                <a:srgbClr val="FFFF00"/>
+              </a:solidFill>
+            </a:endParaRPr>
+          </a:p>
+          <a:p>
+            <a:pPr marL="342900" indent="-342900">
+              <a:buFont typeface="Arial" panose="020B0604020202020204" pitchFamily="34" charset="0"/>
+              <a:buChar char="•"/>
+            </a:pPr>
+            <a:r>
+              <a:rPr lang="en-US" sz="2000" dirty="0">
+                <a:solidFill>
+                  <a:srgbClr val="FFFF00"/>
+                </a:solidFill>
+              </a:rPr>
+              <a:t>Light harvesting pigments</a:t>
+            </a:r>
+          </a:p>
+          <a:p>
+            <a:pPr marL="342900" indent="-342900">
+              <a:buFont typeface="Arial" panose="020B0604020202020204" pitchFamily="34" charset="0"/>
+              <a:buChar char="•"/>
+            </a:pPr>
+            <a:endParaRPr lang="en-US" sz="2000" dirty="0">
+              <a:solidFill>
+                <a:srgbClr val="FFC000"/>
+              </a:solidFill>
+            </a:endParaRPr>
+          </a:p>
+          <a:p>
+            <a:r>
+              <a:rPr lang="en-US" sz="2000" dirty="0">
+                <a:solidFill>
+                  <a:srgbClr val="00B050"/>
+                </a:solidFill>
+              </a:rPr>
+              <a:t>Green – Ribosomes</a:t>
+            </a:r>
+          </a:p>
+          <a:p>
+            <a:endParaRPr lang="en-US" sz="2000" dirty="0">
+              <a:solidFill>
+                <a:srgbClr val="FFC000"/>
+              </a:solidFill>
+            </a:endParaRPr>
+          </a:p>
+          <a:p>
+            <a:r>
+              <a:rPr lang="en-US" sz="2000" dirty="0">
+                <a:solidFill>
+                  <a:srgbClr val="FF0000"/>
+                </a:solidFill>
+              </a:rPr>
+              <a:t>Red – Mystery at this time</a:t>
+            </a:r>
+          </a:p>
+        </p:txBody>
+      </p:sp>
+    </p:spTree>
+    <p:extLst>
+      <p:ext uri="{BB962C8B-B14F-4D97-AF65-F5344CB8AC3E}">
+        <p14:creationId xmlns:p14="http://schemas.microsoft.com/office/powerpoint/2010/main" val="2143967133"/>
+      </p:ext>
+    </p:extLst>
+  </p:cSld>
+  <p:clrMapOvr>
+    <a:masterClrMapping/>
+  </p:clrMapOvr>
+  <mc:AlternateContent xmlns:mc="http://schemas.openxmlformats.org/markup-compatibility/2006" xmlns:p14="http://schemas.microsoft.com/office/powerpoint/2010/main">
+    <mc:Choice Requires="p14">
+      <p:transition spd="med" p14:dur="700">
+        <p:fade/>
+      </p:transition>
+    </mc:Choice>
+    <mc:Fallback xmlns="">
+      <p:transition spd="med">
+        <p:fade/>
+      </p:transition>
+    </mc:Fallback>
+  </mc:AlternateContent>
+</p:sld>
+</file>
+
+<file path=ppt/slides/slide6.xml><?xml version="1.0" encoding="utf-8"?>
+<p:sld xmlns:a="http://schemas.openxmlformats.org/drawingml/2006/main" xmlns:r="http://schemas.openxmlformats.org/officeDocument/2006/relationships" xmlns:p="http://schemas.openxmlformats.org/presentationml/2006/main">
+  <p:cSld>
+    <p:spTree>
+      <p:nvGrpSpPr>
+        <p:cNvPr id="1" name=""/>
+        <p:cNvGrpSpPr/>
+        <p:nvPr/>
+      </p:nvGrpSpPr>
+      <p:grpSpPr>
+        <a:xfrm>
+          <a:off x="0" y="0"/>
+          <a:ext cx="0" cy="0"/>
+          <a:chOff x="0" y="0"/>
+          <a:chExt cx="0" cy="0"/>
+        </a:xfrm>
+      </p:grpSpPr>
+      <p:sp>
+        <p:nvSpPr>
+          <p:cNvPr id="7" name="Title 6"/>
+          <p:cNvSpPr>
+            <a:spLocks noGrp="1"/>
+          </p:cNvSpPr>
+          <p:nvPr>
+            <p:ph type="title"/>
+          </p:nvPr>
+        </p:nvSpPr>
+        <p:spPr>
+          <a:xfrm>
+            <a:off x="1218883" y="152401"/>
+            <a:ext cx="10360501" cy="914399"/>
+          </a:xfrm>
+        </p:spPr>
+        <p:txBody>
+          <a:bodyPr/>
+          <a:lstStyle/>
+          <a:p>
+            <a:r>
+              <a:rPr lang="en-US" dirty="0">
+                <a:solidFill>
+                  <a:schemeClr val="accent3">
+                    <a:lumMod val="60000"/>
+                    <a:lumOff val="40000"/>
+                  </a:schemeClr>
+                </a:solidFill>
+              </a:rPr>
+              <a:t>Machine Learning in the Sciences</a:t>
+            </a:r>
+          </a:p>
+        </p:txBody>
+      </p:sp>
+      <p:sp>
+        <p:nvSpPr>
+          <p:cNvPr id="17" name="TextBox 16">
+            <a:extLst>
+              <a:ext uri="{FF2B5EF4-FFF2-40B4-BE49-F238E27FC236}">
+                <a16:creationId xmlns:a16="http://schemas.microsoft.com/office/drawing/2014/main" id="{5FFC941C-1B0D-3DAA-C480-6CE1ACB24D07}"/>
+              </a:ext>
+            </a:extLst>
+          </p:cNvPr>
+          <p:cNvSpPr txBox="1"/>
+          <p:nvPr/>
+        </p:nvSpPr>
+        <p:spPr>
+          <a:xfrm>
+            <a:off x="1197417" y="5898693"/>
+            <a:ext cx="10285572" cy="523220"/>
+          </a:xfrm>
+          <a:prstGeom prst="rect">
+            <a:avLst/>
+          </a:prstGeom>
+          <a:noFill/>
+        </p:spPr>
+        <p:txBody>
+          <a:bodyPr wrap="square" rtlCol="0">
+            <a:spAutoFit/>
+          </a:bodyPr>
+          <a:lstStyle/>
+          <a:p>
+            <a:r>
+              <a:rPr lang="en-US" sz="2800" dirty="0">
+                <a:solidFill>
+                  <a:srgbClr val="FFC000"/>
+                </a:solidFill>
+              </a:rPr>
+              <a:t>Image after de-noising and machine learning (through deep learning)</a:t>
+            </a:r>
+          </a:p>
+        </p:txBody>
+      </p:sp>
+      <p:pic>
+        <p:nvPicPr>
+          <p:cNvPr id="3" name="Picture 2" descr="A colorfully colored image of a plant&#10;&#10;Description automatically generated with medium confidence">
+            <a:extLst>
+              <a:ext uri="{FF2B5EF4-FFF2-40B4-BE49-F238E27FC236}">
+                <a16:creationId xmlns:a16="http://schemas.microsoft.com/office/drawing/2014/main" id="{16BFC7B6-8375-C1AB-D28D-956A3C6B6105}"/>
+              </a:ext>
+            </a:extLst>
+          </p:cNvPr>
+          <p:cNvPicPr>
+            <a:picLocks noChangeAspect="1"/>
+          </p:cNvPicPr>
+          <p:nvPr/>
+        </p:nvPicPr>
+        <p:blipFill>
+          <a:blip r:embed="rId2">
+            <a:extLst>
+              <a:ext uri="{28A0092B-C50C-407E-A947-70E740481C1C}">
+                <a14:useLocalDpi xmlns:a14="http://schemas.microsoft.com/office/drawing/2010/main" val="0"/>
+              </a:ext>
+            </a:extLst>
+          </a:blip>
+          <a:stretch>
+            <a:fillRect/>
+          </a:stretch>
+        </p:blipFill>
+        <p:spPr>
+          <a:xfrm>
+            <a:off x="1446212" y="1066800"/>
+            <a:ext cx="6553759" cy="4834158"/>
+          </a:xfrm>
+          <a:prstGeom prst="rect">
+            <a:avLst/>
+          </a:prstGeom>
+        </p:spPr>
+      </p:pic>
+      <p:sp>
+        <p:nvSpPr>
+          <p:cNvPr id="4" name="TextBox 3">
+            <a:extLst>
+              <a:ext uri="{FF2B5EF4-FFF2-40B4-BE49-F238E27FC236}">
+                <a16:creationId xmlns:a16="http://schemas.microsoft.com/office/drawing/2014/main" id="{FB469C20-5CAB-9EC0-6A72-703A3227DC60}"/>
+              </a:ext>
+            </a:extLst>
+          </p:cNvPr>
+          <p:cNvSpPr txBox="1"/>
+          <p:nvPr/>
+        </p:nvSpPr>
+        <p:spPr>
+          <a:xfrm>
+            <a:off x="7999971" y="1350486"/>
+            <a:ext cx="3926986" cy="3785652"/>
+          </a:xfrm>
+          <a:prstGeom prst="rect">
+            <a:avLst/>
+          </a:prstGeom>
+          <a:noFill/>
+        </p:spPr>
+        <p:txBody>
+          <a:bodyPr wrap="square" rtlCol="0">
+            <a:spAutoFit/>
+          </a:bodyPr>
+          <a:lstStyle/>
+          <a:p>
+            <a:r>
+              <a:rPr lang="en-US" dirty="0">
+                <a:solidFill>
+                  <a:schemeClr val="accent1">
+                    <a:lumMod val="60000"/>
+                    <a:lumOff val="40000"/>
+                  </a:schemeClr>
+                </a:solidFill>
+              </a:rPr>
+              <a:t>Image courtesy of: </a:t>
+            </a:r>
+          </a:p>
+          <a:p>
+            <a:endParaRPr lang="en-US" dirty="0">
+              <a:solidFill>
+                <a:schemeClr val="accent1">
+                  <a:lumMod val="60000"/>
+                  <a:lumOff val="40000"/>
+                </a:schemeClr>
+              </a:solidFill>
+            </a:endParaRPr>
+          </a:p>
+          <a:p>
+            <a:r>
+              <a:rPr lang="en-US" dirty="0">
+                <a:solidFill>
+                  <a:schemeClr val="accent1">
+                    <a:lumMod val="60000"/>
+                    <a:lumOff val="40000"/>
+                  </a:schemeClr>
+                </a:solidFill>
+              </a:rPr>
+              <a:t>Matthew </a:t>
+            </a:r>
+            <a:r>
+              <a:rPr lang="en-US" dirty="0" err="1">
+                <a:solidFill>
+                  <a:schemeClr val="accent1">
+                    <a:lumMod val="60000"/>
+                    <a:lumOff val="40000"/>
+                  </a:schemeClr>
+                </a:solidFill>
+              </a:rPr>
+              <a:t>Swulius</a:t>
+            </a:r>
+            <a:r>
+              <a:rPr lang="en-US" dirty="0">
+                <a:solidFill>
+                  <a:schemeClr val="accent1">
+                    <a:lumMod val="60000"/>
+                    <a:lumOff val="40000"/>
+                  </a:schemeClr>
+                </a:solidFill>
+              </a:rPr>
+              <a:t> </a:t>
+            </a:r>
+          </a:p>
+          <a:p>
+            <a:endParaRPr lang="en-US" dirty="0">
+              <a:solidFill>
+                <a:schemeClr val="accent1">
+                  <a:lumMod val="60000"/>
+                  <a:lumOff val="40000"/>
+                </a:schemeClr>
+              </a:solidFill>
+            </a:endParaRPr>
+          </a:p>
+          <a:p>
+            <a:r>
+              <a:rPr lang="en-US" dirty="0">
+                <a:solidFill>
+                  <a:schemeClr val="accent1">
+                    <a:lumMod val="60000"/>
+                    <a:lumOff val="40000"/>
+                  </a:schemeClr>
+                </a:solidFill>
+              </a:rPr>
+              <a:t>Assistant Professor of Biochemistry and Molecular Biology</a:t>
+            </a:r>
+          </a:p>
+          <a:p>
+            <a:endParaRPr lang="en-US" dirty="0">
+              <a:solidFill>
+                <a:schemeClr val="accent1">
+                  <a:lumMod val="60000"/>
+                  <a:lumOff val="40000"/>
+                </a:schemeClr>
+              </a:solidFill>
+            </a:endParaRPr>
+          </a:p>
+          <a:p>
+            <a:r>
+              <a:rPr lang="en-US" dirty="0">
+                <a:solidFill>
+                  <a:schemeClr val="accent1">
+                    <a:lumMod val="60000"/>
+                    <a:lumOff val="40000"/>
+                  </a:schemeClr>
+                </a:solidFill>
+              </a:rPr>
+              <a:t>Penn State College of Medicine</a:t>
+            </a:r>
+          </a:p>
+        </p:txBody>
+      </p:sp>
+    </p:spTree>
+    <p:extLst>
+      <p:ext uri="{BB962C8B-B14F-4D97-AF65-F5344CB8AC3E}">
+        <p14:creationId xmlns:p14="http://schemas.microsoft.com/office/powerpoint/2010/main" val="2769683903"/>
+      </p:ext>
+    </p:extLst>
+  </p:cSld>
+  <p:clrMapOvr>
+    <a:masterClrMapping/>
+  </p:clrMapOvr>
+  <mc:AlternateContent xmlns:mc="http://schemas.openxmlformats.org/markup-compatibility/2006" xmlns:p14="http://schemas.microsoft.com/office/powerpoint/2010/main">
+    <mc:Choice Requires="p14">
+      <p:transition spd="med" p14:dur="700">
+        <p:fade/>
+      </p:transition>
+    </mc:Choice>
+    <mc:Fallback xmlns="">
+      <p:transition spd="med">
+        <p:fade/>
+      </p:transition>
+    </mc:Fallback>
+  </mc:AlternateContent>
+</p:sld>
+</file>
+
+<file path=ppt/slides/slide7.xml><?xml version="1.0" encoding="utf-8"?>
+<p:sld xmlns:a="http://schemas.openxmlformats.org/drawingml/2006/main" xmlns:r="http://schemas.openxmlformats.org/officeDocument/2006/relationships" xmlns:p="http://schemas.openxmlformats.org/presentationml/2006/main">
+  <p:cSld>
+    <p:spTree>
+      <p:nvGrpSpPr>
+        <p:cNvPr id="1" name=""/>
+        <p:cNvGrpSpPr/>
+        <p:nvPr/>
+      </p:nvGrpSpPr>
+      <p:grpSpPr>
+        <a:xfrm>
+          <a:off x="0" y="0"/>
+          <a:ext cx="0" cy="0"/>
+          <a:chOff x="0" y="0"/>
+          <a:chExt cx="0" cy="0"/>
+        </a:xfrm>
+      </p:grpSpPr>
+      <p:sp>
+        <p:nvSpPr>
+          <p:cNvPr id="7" name="Title 6"/>
+          <p:cNvSpPr>
+            <a:spLocks noGrp="1"/>
+          </p:cNvSpPr>
+          <p:nvPr>
+            <p:ph type="title"/>
+          </p:nvPr>
+        </p:nvSpPr>
+        <p:spPr>
+          <a:xfrm>
+            <a:off x="1218883" y="274637"/>
             <a:ext cx="10360501" cy="874513"/>
           </a:xfrm>
         </p:spPr>
@@ -8927,8 +7827,8 @@
         </p:nvSpPr>
         <p:spPr>
           <a:xfrm>
-            <a:off x="1041531" y="5646906"/>
-            <a:ext cx="4595883" cy="584775"/>
+            <a:off x="1041531" y="5899321"/>
+            <a:ext cx="4595883" cy="646331"/>
           </a:xfrm>
           <a:prstGeom prst="rect">
             <a:avLst/>
@@ -8943,7 +7843,7 @@
           <a:p>
             <a:pPr algn="ctr"/>
             <a:r>
-              <a:rPr lang="en-US" sz="1600" dirty="0">
+              <a:rPr lang="en-US" sz="1800" dirty="0">
                 <a:solidFill>
                   <a:srgbClr val="FFC000"/>
                 </a:solidFill>
@@ -8951,7 +7851,7 @@
               <a:t>Sign language interpreter at </a:t>
             </a:r>
             <a:r>
-              <a:rPr lang="en-US" sz="1600" dirty="0" err="1">
+              <a:rPr lang="en-US" sz="1800" dirty="0" err="1">
                 <a:solidFill>
                   <a:srgbClr val="FFC000"/>
                 </a:solidFill>
@@ -8959,7 +7859,7 @@
               <a:t>FridaysForFuture</a:t>
             </a:r>
             <a:r>
-              <a:rPr lang="en-US" sz="1600" dirty="0">
+              <a:rPr lang="en-US" sz="1800" dirty="0">
                 <a:solidFill>
                   <a:srgbClr val="FFC000"/>
                 </a:solidFill>
@@ -9030,7 +7930,7 @@
         </p:nvSpPr>
         <p:spPr>
           <a:xfrm>
-            <a:off x="6407484" y="1607614"/>
+            <a:off x="6323012" y="1607614"/>
             <a:ext cx="5802166" cy="523220"/>
           </a:xfrm>
           <a:prstGeom prst="rect">
@@ -9055,111 +7955,12 @@
           </a:p>
         </p:txBody>
       </p:sp>
-    </p:spTree>
-    <p:extLst>
-      <p:ext uri="{BB962C8B-B14F-4D97-AF65-F5344CB8AC3E}">
-        <p14:creationId xmlns:p14="http://schemas.microsoft.com/office/powerpoint/2010/main" val="3397319845"/>
-      </p:ext>
-    </p:extLst>
-  </p:cSld>
-  <p:clrMapOvr>
-    <a:masterClrMapping/>
-  </p:clrMapOvr>
-  <mc:AlternateContent xmlns:mc="http://schemas.openxmlformats.org/markup-compatibility/2006" xmlns:p14="http://schemas.microsoft.com/office/powerpoint/2010/main">
-    <mc:Choice Requires="p14">
-      <p:transition spd="med" p14:dur="700">
-        <p:fade/>
-      </p:transition>
-    </mc:Choice>
-    <mc:Fallback xmlns="">
-      <p:transition spd="med">
-        <p:fade/>
-      </p:transition>
-    </mc:Fallback>
-  </mc:AlternateContent>
-</p:sld>
-</file>
-
-<file path=ppt/slides/slide6.xml><?xml version="1.0" encoding="utf-8"?>
-<p:sld xmlns:a="http://schemas.openxmlformats.org/drawingml/2006/main" xmlns:r="http://schemas.openxmlformats.org/officeDocument/2006/relationships" xmlns:p="http://schemas.openxmlformats.org/presentationml/2006/main">
-  <p:cSld>
-    <p:spTree>
-      <p:nvGrpSpPr>
-        <p:cNvPr id="1" name=""/>
-        <p:cNvGrpSpPr/>
-        <p:nvPr/>
-      </p:nvGrpSpPr>
-      <p:grpSpPr>
-        <a:xfrm>
-          <a:off x="0" y="0"/>
-          <a:ext cx="0" cy="0"/>
-          <a:chOff x="0" y="0"/>
-          <a:chExt cx="0" cy="0"/>
-        </a:xfrm>
-      </p:grpSpPr>
-      <p:sp>
-        <p:nvSpPr>
-          <p:cNvPr id="7" name="Title 6"/>
-          <p:cNvSpPr>
-            <a:spLocks noGrp="1"/>
-          </p:cNvSpPr>
-          <p:nvPr>
-            <p:ph type="title"/>
-          </p:nvPr>
-        </p:nvSpPr>
-        <p:spPr/>
-        <p:txBody>
-          <a:bodyPr/>
-          <a:lstStyle/>
-          <a:p>
-            <a:r>
-              <a:rPr lang="en-US" dirty="0">
-                <a:solidFill>
-                  <a:schemeClr val="accent3">
-                    <a:lumMod val="60000"/>
-                    <a:lumOff val="40000"/>
-                  </a:schemeClr>
-                </a:solidFill>
-              </a:rPr>
-              <a:t>Machine Learning uses in Higher Education</a:t>
-            </a:r>
-          </a:p>
-        </p:txBody>
-      </p:sp>
-      <p:sp>
-        <p:nvSpPr>
-          <p:cNvPr id="3" name="Content Placeholder 2">
+      <p:pic>
+        <p:nvPicPr>
+          <p:cNvPr id="3" name="Picture 2" descr="A close up of a number&#10;&#10;Description automatically generated">
             <a:extLst>
               <a:ext uri="{FF2B5EF4-FFF2-40B4-BE49-F238E27FC236}">
-                <a16:creationId xmlns:a16="http://schemas.microsoft.com/office/drawing/2014/main" id="{AC053265-6A10-4985-B07B-C5B33F13CC65}"/>
-              </a:ext>
-            </a:extLst>
-          </p:cNvPr>
-          <p:cNvSpPr>
-            <a:spLocks noGrp="1"/>
-          </p:cNvSpPr>
-          <p:nvPr>
-            <p:ph idx="1"/>
-          </p:nvPr>
-        </p:nvSpPr>
-        <p:spPr/>
-        <p:txBody>
-          <a:bodyPr/>
-          <a:lstStyle/>
-          <a:p>
-            <a:r>
-              <a:rPr lang="en-US" dirty="0"/>
-              <a:t>There’s 3 problems we want to be able to solve essentially that add up to predicting Diamond Valuation as a whole</a:t>
-            </a:r>
-          </a:p>
-        </p:txBody>
-      </p:sp>
-      <p:pic>
-        <p:nvPicPr>
-          <p:cNvPr id="4" name="Graphic 3" descr="Social network outline">
-            <a:extLst>
-              <a:ext uri="{FF2B5EF4-FFF2-40B4-BE49-F238E27FC236}">
-                <a16:creationId xmlns:a16="http://schemas.microsoft.com/office/drawing/2014/main" id="{4E093193-1CF5-FD33-6733-8CC3B71B1A6B}"/>
+                <a16:creationId xmlns:a16="http://schemas.microsoft.com/office/drawing/2014/main" id="{DE2CB708-32E6-C74A-285D-ABA76C040B52}"/>
               </a:ext>
             </a:extLst>
           </p:cNvPr>
@@ -9169,219 +7970,7 @@
           <p:nvPr/>
         </p:nvPicPr>
         <p:blipFill>
-          <a:blip r:embed="rId2">
-            <a:extLst>
-              <a:ext uri="{96DAC541-7B7A-43D3-8B79-37D633B846F1}">
-                <asvg:svgBlip xmlns:asvg="http://schemas.microsoft.com/office/drawing/2016/SVG/main" r:embed="rId3"/>
-              </a:ext>
-            </a:extLst>
-          </a:blip>
-          <a:stretch>
-            <a:fillRect/>
-          </a:stretch>
-        </p:blipFill>
-        <p:spPr>
-          <a:xfrm>
-            <a:off x="9281522" y="3047999"/>
-            <a:ext cx="1600200" cy="1600200"/>
-          </a:xfrm>
-          <a:prstGeom prst="rect">
-            <a:avLst/>
-          </a:prstGeom>
-        </p:spPr>
-      </p:pic>
-      <p:pic>
-        <p:nvPicPr>
-          <p:cNvPr id="13" name="Picture 12" descr="Cut diamond">
-            <a:extLst>
-              <a:ext uri="{FF2B5EF4-FFF2-40B4-BE49-F238E27FC236}">
-                <a16:creationId xmlns:a16="http://schemas.microsoft.com/office/drawing/2014/main" id="{1F1CF1F2-D382-0D7E-19F2-93B4E10A54D0}"/>
-              </a:ext>
-            </a:extLst>
-          </p:cNvPr>
-          <p:cNvPicPr>
-            <a:picLocks noChangeAspect="1"/>
-          </p:cNvPicPr>
-          <p:nvPr/>
-        </p:nvPicPr>
-        <p:blipFill>
-          <a:blip r:embed="rId4" cstate="print">
-            <a:extLst>
-              <a:ext uri="{BEBA8EAE-BF5A-486C-A8C5-ECC9F3942E4B}">
-                <a14:imgProps xmlns:a14="http://schemas.microsoft.com/office/drawing/2010/main">
-                  <a14:imgLayer r:embed="rId5">
-                    <a14:imgEffect>
-                      <a14:backgroundRemoval t="10000" b="90000" l="10000" r="90000">
-                        <a14:foregroundMark x1="30273" y1="49524" x2="26465" y2="58681"/>
-                        <a14:foregroundMark x1="29492" y1="41538" x2="29492" y2="41538"/>
-                        <a14:foregroundMark x1="33301" y1="30110" x2="33301" y2="28938"/>
-                        <a14:foregroundMark x1="23389" y1="32381" x2="24951" y2="63223"/>
-                      </a14:backgroundRemoval>
-                    </a14:imgEffect>
-                  </a14:imgLayer>
-                </a14:imgProps>
-              </a:ext>
-              <a:ext uri="{28A0092B-C50C-407E-A947-70E740481C1C}">
-                <a14:useLocalDpi xmlns:a14="http://schemas.microsoft.com/office/drawing/2010/main" val="0"/>
-              </a:ext>
-            </a:extLst>
-          </a:blip>
-          <a:stretch>
-            <a:fillRect/>
-          </a:stretch>
-        </p:blipFill>
-        <p:spPr>
-          <a:xfrm>
-            <a:off x="1205379" y="2895601"/>
-            <a:ext cx="1714919" cy="1143000"/>
-          </a:xfrm>
-          <a:prstGeom prst="rect">
-            <a:avLst/>
-          </a:prstGeom>
-        </p:spPr>
-      </p:pic>
-      <p:pic>
-        <p:nvPicPr>
-          <p:cNvPr id="15" name="Picture 14" descr="Close-up of diamond ring in darkness">
-            <a:extLst>
-              <a:ext uri="{FF2B5EF4-FFF2-40B4-BE49-F238E27FC236}">
-                <a16:creationId xmlns:a16="http://schemas.microsoft.com/office/drawing/2014/main" id="{68F32624-EB91-7075-9E94-5CFFA2C50A4E}"/>
-              </a:ext>
-            </a:extLst>
-          </p:cNvPr>
-          <p:cNvPicPr>
-            <a:picLocks noChangeAspect="1"/>
-          </p:cNvPicPr>
-          <p:nvPr/>
-        </p:nvPicPr>
-        <p:blipFill>
-          <a:blip r:embed="rId6" cstate="print">
-            <a:extLst>
-              <a:ext uri="{BEBA8EAE-BF5A-486C-A8C5-ECC9F3942E4B}">
-                <a14:imgProps xmlns:a14="http://schemas.microsoft.com/office/drawing/2010/main">
-                  <a14:imgLayer r:embed="rId7">
-                    <a14:imgEffect>
-                      <a14:backgroundRemoval t="10000" b="90000" l="10000" r="90000">
-                        <a14:backgroundMark x1="84457" y1="66545" x2="67982" y2="52162"/>
-                        <a14:backgroundMark x1="67982" y1="52162" x2="29605" y2="44646"/>
-                        <a14:backgroundMark x1="29605" y1="44646" x2="29523" y2="71152"/>
-                        <a14:backgroundMark x1="29523" y1="71152" x2="52330" y2="81051"/>
-                        <a14:backgroundMark x1="52330" y1="81051" x2="73438" y2="80242"/>
-                        <a14:backgroundMark x1="73438" y1="80242" x2="83553" y2="61939"/>
-                      </a14:backgroundRemoval>
-                    </a14:imgEffect>
-                  </a14:imgLayer>
-                </a14:imgProps>
-              </a:ext>
-              <a:ext uri="{28A0092B-C50C-407E-A947-70E740481C1C}">
-                <a14:useLocalDpi xmlns:a14="http://schemas.microsoft.com/office/drawing/2010/main" val="0"/>
-              </a:ext>
-            </a:extLst>
-          </a:blip>
-          <a:stretch>
-            <a:fillRect/>
-          </a:stretch>
-        </p:blipFill>
-        <p:spPr>
-          <a:xfrm>
-            <a:off x="366555" y="4449203"/>
-            <a:ext cx="2919934" cy="1981200"/>
-          </a:xfrm>
-          <a:prstGeom prst="rect">
-            <a:avLst/>
-          </a:prstGeom>
-        </p:spPr>
-      </p:pic>
-      <p:sp>
-        <p:nvSpPr>
-          <p:cNvPr id="16" name="TextBox 15">
-            <a:extLst>
-              <a:ext uri="{FF2B5EF4-FFF2-40B4-BE49-F238E27FC236}">
-                <a16:creationId xmlns:a16="http://schemas.microsoft.com/office/drawing/2014/main" id="{53CC0B73-58C2-262F-3F63-6FD82AADDF14}"/>
-              </a:ext>
-            </a:extLst>
-          </p:cNvPr>
-          <p:cNvSpPr txBox="1"/>
-          <p:nvPr/>
-        </p:nvSpPr>
-        <p:spPr>
-          <a:xfrm>
-            <a:off x="1448127" y="3909789"/>
-            <a:ext cx="617477" cy="523220"/>
-          </a:xfrm>
-          <a:prstGeom prst="rect">
-            <a:avLst/>
-          </a:prstGeom>
-          <a:noFill/>
-        </p:spPr>
-        <p:txBody>
-          <a:bodyPr wrap="none" rtlCol="0">
-            <a:spAutoFit/>
-          </a:bodyPr>
-          <a:lstStyle/>
-          <a:p>
-            <a:r>
-              <a:rPr lang="en-US" sz="2800" dirty="0"/>
-              <a:t>OR</a:t>
-            </a:r>
-          </a:p>
-        </p:txBody>
-      </p:sp>
-      <p:sp>
-        <p:nvSpPr>
-          <p:cNvPr id="17" name="TextBox 16">
-            <a:extLst>
-              <a:ext uri="{FF2B5EF4-FFF2-40B4-BE49-F238E27FC236}">
-                <a16:creationId xmlns:a16="http://schemas.microsoft.com/office/drawing/2014/main" id="{5FFC941C-1B0D-3DAA-C480-6CE1ACB24D07}"/>
-              </a:ext>
-            </a:extLst>
-          </p:cNvPr>
-          <p:cNvSpPr txBox="1"/>
-          <p:nvPr/>
-        </p:nvSpPr>
-        <p:spPr>
-          <a:xfrm>
-            <a:off x="290326" y="5400695"/>
-            <a:ext cx="3545023" cy="707886"/>
-          </a:xfrm>
-          <a:prstGeom prst="rect">
-            <a:avLst/>
-          </a:prstGeom>
-          <a:noFill/>
-        </p:spPr>
-        <p:txBody>
-          <a:bodyPr wrap="square" rtlCol="0">
-            <a:spAutoFit/>
-          </a:bodyPr>
-          <a:lstStyle/>
-          <a:p>
-            <a:r>
-              <a:rPr lang="en-US" sz="2000" dirty="0">
-                <a:solidFill>
-                  <a:srgbClr val="FFC000"/>
-                </a:solidFill>
-              </a:rPr>
-              <a:t>Classification, how do features relate to overall clarity/quality?</a:t>
-            </a:r>
-          </a:p>
-        </p:txBody>
-      </p:sp>
-      <p:pic>
-        <p:nvPicPr>
-          <p:cNvPr id="19" name="Picture 18" descr="Abstract particle graph background">
-            <a:extLst>
-              <a:ext uri="{FF2B5EF4-FFF2-40B4-BE49-F238E27FC236}">
-                <a16:creationId xmlns:a16="http://schemas.microsoft.com/office/drawing/2014/main" id="{422023C9-50D3-26E5-2E7C-927FB18DA2C5}"/>
-              </a:ext>
-            </a:extLst>
-          </p:cNvPr>
-          <p:cNvPicPr>
-            <a:picLocks noChangeAspect="1"/>
-          </p:cNvPicPr>
-          <p:nvPr/>
-        </p:nvPicPr>
-        <p:blipFill>
-          <a:blip r:embed="rId8" cstate="print">
+          <a:blip r:embed="rId3">
             <a:extLst>
               <a:ext uri="{28A0092B-C50C-407E-A947-70E740481C1C}">
                 <a14:useLocalDpi xmlns:a14="http://schemas.microsoft.com/office/drawing/2010/main" val="0"/>
@@ -9394,8 +7983,8 @@
         </p:blipFill>
         <p:spPr>
           <a:xfrm>
-            <a:off x="5096936" y="3403066"/>
-            <a:ext cx="1868156" cy="1245133"/>
+            <a:off x="6780212" y="2362200"/>
+            <a:ext cx="4382059" cy="3156451"/>
           </a:xfrm>
           <a:prstGeom prst="rect">
             <a:avLst/>
@@ -9404,10 +7993,10 @@
       </p:pic>
       <p:sp>
         <p:nvSpPr>
-          <p:cNvPr id="20" name="TextBox 19">
+          <p:cNvPr id="4" name="TextBox 3">
             <a:extLst>
               <a:ext uri="{FF2B5EF4-FFF2-40B4-BE49-F238E27FC236}">
-                <a16:creationId xmlns:a16="http://schemas.microsoft.com/office/drawing/2014/main" id="{F5C453E9-490F-80F5-87BE-BE5288E86931}"/>
+                <a16:creationId xmlns:a16="http://schemas.microsoft.com/office/drawing/2014/main" id="{D7A4734C-B42F-5F6F-0EDF-9B35FDC158F5}"/>
               </a:ext>
             </a:extLst>
           </p:cNvPr>
@@ -9416,8 +8005,8 @@
         </p:nvSpPr>
         <p:spPr>
           <a:xfrm>
-            <a:off x="4138817" y="5424107"/>
-            <a:ext cx="3784395" cy="707886"/>
+            <a:off x="6399133" y="5864764"/>
+            <a:ext cx="5105479" cy="461665"/>
           </a:xfrm>
           <a:prstGeom prst="rect">
             <a:avLst/>
@@ -9430,52 +8019,14 @@
           </a:bodyPr>
           <a:lstStyle/>
           <a:p>
-            <a:r>
-              <a:rPr lang="en-US" sz="2000" dirty="0">
+            <a:pPr algn="ctr"/>
+            <a:r>
+              <a:rPr lang="en-US" dirty="0">
                 <a:solidFill>
                   <a:srgbClr val="FFC000"/>
                 </a:solidFill>
               </a:rPr>
-              <a:t>Regression, how much does each feature influence the price/value?</a:t>
-            </a:r>
-          </a:p>
-        </p:txBody>
-      </p:sp>
-      <p:sp>
-        <p:nvSpPr>
-          <p:cNvPr id="21" name="TextBox 20">
-            <a:extLst>
-              <a:ext uri="{FF2B5EF4-FFF2-40B4-BE49-F238E27FC236}">
-                <a16:creationId xmlns:a16="http://schemas.microsoft.com/office/drawing/2014/main" id="{B61DEF80-B50A-B979-30B6-730B5DAE5883}"/>
-              </a:ext>
-            </a:extLst>
-          </p:cNvPr>
-          <p:cNvSpPr txBox="1"/>
-          <p:nvPr/>
-        </p:nvSpPr>
-        <p:spPr>
-          <a:xfrm>
-            <a:off x="8396030" y="5156203"/>
-            <a:ext cx="3426240" cy="1323439"/>
-          </a:xfrm>
-          <a:prstGeom prst="rect">
-            <a:avLst/>
-          </a:prstGeom>
-          <a:noFill/>
-        </p:spPr>
-        <p:txBody>
-          <a:bodyPr wrap="square" rtlCol="0">
-            <a:spAutoFit/>
-          </a:bodyPr>
-          <a:lstStyle/>
-          <a:p>
-            <a:r>
-              <a:rPr lang="en-US" sz="2000" dirty="0">
-                <a:solidFill>
-                  <a:srgbClr val="FFC000"/>
-                </a:solidFill>
-              </a:rPr>
-              <a:t>Clustering, who is most likely to purchase based on what features and who do we therefore target?</a:t>
+              <a:t>Cree Syllabic</a:t>
             </a:r>
           </a:p>
         </p:txBody>
@@ -9483,254 +8034,7 @@
     </p:spTree>
     <p:extLst>
       <p:ext uri="{BB962C8B-B14F-4D97-AF65-F5344CB8AC3E}">
-        <p14:creationId xmlns:p14="http://schemas.microsoft.com/office/powerpoint/2010/main" val="2143967133"/>
-      </p:ext>
-    </p:extLst>
-  </p:cSld>
-  <p:clrMapOvr>
-    <a:masterClrMapping/>
-  </p:clrMapOvr>
-  <mc:AlternateContent xmlns:mc="http://schemas.openxmlformats.org/markup-compatibility/2006" xmlns:p14="http://schemas.microsoft.com/office/powerpoint/2010/main">
-    <mc:Choice Requires="p14">
-      <p:transition spd="med" p14:dur="700">
-        <p:fade/>
-      </p:transition>
-    </mc:Choice>
-    <mc:Fallback xmlns="">
-      <p:transition spd="med">
-        <p:fade/>
-      </p:transition>
-    </mc:Fallback>
-  </mc:AlternateContent>
-</p:sld>
-</file>
-
-<file path=ppt/slides/slide7.xml><?xml version="1.0" encoding="utf-8"?>
-<p:sld xmlns:a="http://schemas.openxmlformats.org/drawingml/2006/main" xmlns:r="http://schemas.openxmlformats.org/officeDocument/2006/relationships" xmlns:p="http://schemas.openxmlformats.org/presentationml/2006/main">
-  <p:cSld>
-    <p:spTree>
-      <p:nvGrpSpPr>
-        <p:cNvPr id="1" name=""/>
-        <p:cNvGrpSpPr/>
-        <p:nvPr/>
-      </p:nvGrpSpPr>
-      <p:grpSpPr>
-        <a:xfrm>
-          <a:off x="0" y="0"/>
-          <a:ext cx="0" cy="0"/>
-          <a:chOff x="0" y="0"/>
-          <a:chExt cx="0" cy="0"/>
-        </a:xfrm>
-      </p:grpSpPr>
-      <p:sp>
-        <p:nvSpPr>
-          <p:cNvPr id="7" name="Title 6"/>
-          <p:cNvSpPr>
-            <a:spLocks noGrp="1"/>
-          </p:cNvSpPr>
-          <p:nvPr>
-            <p:ph type="title"/>
-          </p:nvPr>
-        </p:nvSpPr>
-        <p:spPr>
-          <a:xfrm>
-            <a:off x="1218883" y="274637"/>
-            <a:ext cx="10360501" cy="1016001"/>
-          </a:xfrm>
-        </p:spPr>
-        <p:txBody>
-          <a:bodyPr/>
-          <a:lstStyle/>
-          <a:p>
-            <a:r>
-              <a:rPr lang="en-US" dirty="0">
-                <a:solidFill>
-                  <a:schemeClr val="accent3">
-                    <a:lumMod val="60000"/>
-                    <a:lumOff val="40000"/>
-                  </a:schemeClr>
-                </a:solidFill>
-              </a:rPr>
-              <a:t>Data Exploration and Uses</a:t>
-            </a:r>
-          </a:p>
-        </p:txBody>
-      </p:sp>
-      <p:sp>
-        <p:nvSpPr>
-          <p:cNvPr id="8" name="Text Placeholder 7"/>
-          <p:cNvSpPr>
-            <a:spLocks noGrp="1"/>
-          </p:cNvSpPr>
-          <p:nvPr>
-            <p:ph type="body" idx="1"/>
-          </p:nvPr>
-        </p:nvSpPr>
-        <p:spPr>
-          <a:xfrm>
-            <a:off x="6297560" y="427038"/>
-            <a:ext cx="5082740" cy="914400"/>
-          </a:xfrm>
-        </p:spPr>
-        <p:txBody>
-          <a:bodyPr>
-            <a:normAutofit/>
-          </a:bodyPr>
-          <a:lstStyle/>
-          <a:p>
-            <a:pPr algn="ctr"/>
-            <a:r>
-              <a:rPr lang="en-US" sz="2400" dirty="0"/>
-              <a:t>Information about the data</a:t>
-            </a:r>
-          </a:p>
-        </p:txBody>
-      </p:sp>
-      <p:sp>
-        <p:nvSpPr>
-          <p:cNvPr id="10" name="Content Placeholder 9"/>
-          <p:cNvSpPr>
-            <a:spLocks noGrp="1"/>
-          </p:cNvSpPr>
-          <p:nvPr>
-            <p:ph sz="half" idx="2"/>
-          </p:nvPr>
-        </p:nvSpPr>
-        <p:spPr>
-          <a:xfrm>
-            <a:off x="6399133" y="1584960"/>
-            <a:ext cx="5078677" cy="1016000"/>
-          </a:xfrm>
-        </p:spPr>
-        <p:txBody>
-          <a:bodyPr/>
-          <a:lstStyle/>
-          <a:p>
-            <a:r>
-              <a:rPr lang="en-US" dirty="0"/>
-              <a:t>Description of Data</a:t>
-            </a:r>
-          </a:p>
-        </p:txBody>
-      </p:sp>
-      <p:sp>
-        <p:nvSpPr>
-          <p:cNvPr id="9" name="Text Placeholder 8"/>
-          <p:cNvSpPr>
-            <a:spLocks noGrp="1"/>
-          </p:cNvSpPr>
-          <p:nvPr>
-            <p:ph type="body" sz="quarter" idx="3"/>
-          </p:nvPr>
-        </p:nvSpPr>
-        <p:spPr>
-          <a:xfrm>
-            <a:off x="6496644" y="2144078"/>
-            <a:ext cx="5082740" cy="914400"/>
-          </a:xfrm>
-        </p:spPr>
-        <p:txBody>
-          <a:bodyPr>
-            <a:normAutofit/>
-          </a:bodyPr>
-          <a:lstStyle/>
-          <a:p>
-            <a:r>
-              <a:rPr lang="en-US" sz="2400" dirty="0"/>
-              <a:t>Data Visualizations</a:t>
-            </a:r>
-          </a:p>
-        </p:txBody>
-      </p:sp>
-      <p:sp>
-        <p:nvSpPr>
-          <p:cNvPr id="11" name="Content Placeholder 10"/>
-          <p:cNvSpPr>
-            <a:spLocks noGrp="1"/>
-          </p:cNvSpPr>
-          <p:nvPr>
-            <p:ph sz="quarter" idx="4"/>
-          </p:nvPr>
-        </p:nvSpPr>
-        <p:spPr>
-          <a:xfrm>
-            <a:off x="6500707" y="3403600"/>
-            <a:ext cx="5078677" cy="3454400"/>
-          </a:xfrm>
-        </p:spPr>
-        <p:txBody>
-          <a:bodyPr/>
-          <a:lstStyle/>
-          <a:p>
-            <a:r>
-              <a:rPr lang="en-US" dirty="0"/>
-              <a:t>Heatmap</a:t>
-            </a:r>
-          </a:p>
-          <a:p>
-            <a:r>
-              <a:rPr lang="en-US" dirty="0" err="1"/>
-              <a:t>Pairplot</a:t>
-            </a:r>
-            <a:endParaRPr lang="en-US" dirty="0"/>
-          </a:p>
-          <a:p>
-            <a:r>
-              <a:rPr lang="en-US" dirty="0"/>
-              <a:t>Histogram</a:t>
-            </a:r>
-          </a:p>
-          <a:p>
-            <a:r>
-              <a:rPr lang="en-US" dirty="0"/>
-              <a:t>Box plot</a:t>
-            </a:r>
-          </a:p>
-          <a:p>
-            <a:endParaRPr lang="en-US" dirty="0"/>
-          </a:p>
-        </p:txBody>
-      </p:sp>
-      <p:pic>
-        <p:nvPicPr>
-          <p:cNvPr id="5" name="Picture 4" descr="Young girl with space explorer aspirations">
-            <a:extLst>
-              <a:ext uri="{FF2B5EF4-FFF2-40B4-BE49-F238E27FC236}">
-                <a16:creationId xmlns:a16="http://schemas.microsoft.com/office/drawing/2014/main" id="{6F882D5A-41B3-3B48-F849-59E1DED1A7A6}"/>
-              </a:ext>
-            </a:extLst>
-          </p:cNvPr>
-          <p:cNvPicPr>
-            <a:picLocks noChangeAspect="1"/>
-          </p:cNvPicPr>
-          <p:nvPr/>
-        </p:nvPicPr>
-        <p:blipFill>
-          <a:blip r:embed="rId2" cstate="print">
-            <a:extLst>
-              <a:ext uri="{28A0092B-C50C-407E-A947-70E740481C1C}">
-                <a14:useLocalDpi xmlns:a14="http://schemas.microsoft.com/office/drawing/2010/main" val="0"/>
-              </a:ext>
-            </a:extLst>
-          </a:blip>
-          <a:stretch>
-            <a:fillRect/>
-          </a:stretch>
-        </p:blipFill>
-        <p:spPr>
-          <a:xfrm>
-            <a:off x="955191" y="2137547"/>
-            <a:ext cx="4713922" cy="4713922"/>
-          </a:xfrm>
-          <a:prstGeom prst="rect">
-            <a:avLst/>
-          </a:prstGeom>
-        </p:spPr>
-      </p:pic>
-    </p:spTree>
-    <p:extLst>
-      <p:ext uri="{BB962C8B-B14F-4D97-AF65-F5344CB8AC3E}">
-        <p14:creationId xmlns:p14="http://schemas.microsoft.com/office/powerpoint/2010/main" val="2672039197"/>
+        <p14:creationId xmlns:p14="http://schemas.microsoft.com/office/powerpoint/2010/main" val="3397319845"/>
       </p:ext>
     </p:extLst>
   </p:cSld>
@@ -9782,7 +8086,7 @@
         <p:spPr>
           <a:xfrm>
             <a:off x="1218883" y="274637"/>
-            <a:ext cx="10360501" cy="914401"/>
+            <a:ext cx="10360501" cy="1016001"/>
           </a:xfrm>
         </p:spPr>
         <p:txBody>
@@ -9798,37 +8102,7 @@
                   </a:schemeClr>
                 </a:solidFill>
               </a:rPr>
-              <a:t>The future of Machine Learning</a:t>
-            </a:r>
-          </a:p>
-        </p:txBody>
-      </p:sp>
-      <p:sp>
-        <p:nvSpPr>
-          <p:cNvPr id="8" name="Text Placeholder 7"/>
-          <p:cNvSpPr>
-            <a:spLocks noGrp="1"/>
-          </p:cNvSpPr>
-          <p:nvPr>
-            <p:ph type="body" idx="1"/>
-          </p:nvPr>
-        </p:nvSpPr>
-        <p:spPr>
-          <a:xfrm>
-            <a:off x="1137112" y="1233576"/>
-            <a:ext cx="5276511" cy="508000"/>
-          </a:xfrm>
-        </p:spPr>
-        <p:txBody>
-          <a:bodyPr>
-            <a:normAutofit/>
-          </a:bodyPr>
-          <a:lstStyle/>
-          <a:p>
-            <a:pPr algn="ctr"/>
-            <a:r>
-              <a:rPr lang="en-US" sz="2400" dirty="0"/>
-              <a:t>Heatmap</a:t>
+              <a:t>The Future of Machine Learning in Higher Education</a:t>
             </a:r>
           </a:p>
         </p:txBody>
@@ -9845,8 +8119,8 @@
         </p:nvSpPr>
         <p:spPr>
           <a:xfrm>
-            <a:off x="6780212" y="1189038"/>
-            <a:ext cx="5209962" cy="472784"/>
+            <a:off x="6496644" y="1905000"/>
+            <a:ext cx="5082740" cy="762000"/>
           </a:xfrm>
         </p:spPr>
         <p:txBody>
@@ -9855,151 +8129,76 @@
           </a:bodyPr>
           <a:lstStyle/>
           <a:p>
-            <a:pPr algn="ctr"/>
             <a:r>
               <a:rPr lang="en-US" sz="2400" dirty="0"/>
-              <a:t>Pair Plot</a:t>
+              <a:t>Incredible potential</a:t>
             </a:r>
           </a:p>
         </p:txBody>
       </p:sp>
-    </p:spTree>
-    <p:extLst>
-      <p:ext uri="{BB962C8B-B14F-4D97-AF65-F5344CB8AC3E}">
-        <p14:creationId xmlns:p14="http://schemas.microsoft.com/office/powerpoint/2010/main" val="3683730209"/>
-      </p:ext>
-    </p:extLst>
-  </p:cSld>
-  <p:clrMapOvr>
-    <a:masterClrMapping/>
-  </p:clrMapOvr>
-  <mc:AlternateContent xmlns:mc="http://schemas.openxmlformats.org/markup-compatibility/2006" xmlns:p14="http://schemas.microsoft.com/office/powerpoint/2010/main">
-    <mc:Choice Requires="p14">
-      <p:transition spd="med" p14:dur="700">
-        <p:fade/>
-      </p:transition>
-    </mc:Choice>
-    <mc:Fallback xmlns="">
-      <p:transition spd="med">
-        <p:fade/>
-      </p:transition>
-    </mc:Fallback>
-  </mc:AlternateContent>
-</p:sld>
-</file>
-
-<file path=ppt/slides/slide9.xml><?xml version="1.0" encoding="utf-8"?>
-<p:sld xmlns:a="http://schemas.openxmlformats.org/drawingml/2006/main" xmlns:r="http://schemas.openxmlformats.org/officeDocument/2006/relationships" xmlns:p="http://schemas.openxmlformats.org/presentationml/2006/main">
-  <p:cSld>
-    <p:spTree>
-      <p:nvGrpSpPr>
-        <p:cNvPr id="1" name=""/>
-        <p:cNvGrpSpPr/>
-        <p:nvPr/>
-      </p:nvGrpSpPr>
-      <p:grpSpPr>
-        <a:xfrm>
-          <a:off x="0" y="0"/>
-          <a:ext cx="0" cy="0"/>
-          <a:chOff x="0" y="0"/>
-          <a:chExt cx="0" cy="0"/>
-        </a:xfrm>
-      </p:grpSpPr>
       <p:sp>
         <p:nvSpPr>
-          <p:cNvPr id="7" name="Title 6"/>
+          <p:cNvPr id="11" name="Content Placeholder 10"/>
           <p:cNvSpPr>
             <a:spLocks noGrp="1"/>
           </p:cNvSpPr>
           <p:nvPr>
-            <p:ph type="title"/>
-          </p:nvPr>
-        </p:nvSpPr>
-        <p:spPr/>
-        <p:txBody>
-          <a:bodyPr/>
-          <a:lstStyle/>
-          <a:p>
-            <a:r>
-              <a:rPr lang="en-US" dirty="0">
-                <a:solidFill>
-                  <a:schemeClr val="accent3">
-                    <a:lumMod val="60000"/>
-                    <a:lumOff val="40000"/>
-                  </a:schemeClr>
-                </a:solidFill>
-              </a:rPr>
-              <a:t>Other Possibilities for Machine Learning</a:t>
-            </a:r>
-          </a:p>
-        </p:txBody>
-      </p:sp>
-      <p:sp>
-        <p:nvSpPr>
-          <p:cNvPr id="8" name="Text Placeholder 7"/>
-          <p:cNvSpPr>
-            <a:spLocks noGrp="1"/>
-          </p:cNvSpPr>
-          <p:nvPr>
-            <p:ph type="body" idx="1"/>
+            <p:ph sz="quarter" idx="4"/>
           </p:nvPr>
         </p:nvSpPr>
         <p:spPr>
           <a:xfrm>
-            <a:off x="1218883" y="1701800"/>
-            <a:ext cx="4184254" cy="508000"/>
+            <a:off x="6500707" y="3128963"/>
+            <a:ext cx="5308705" cy="3454400"/>
           </a:xfrm>
         </p:spPr>
         <p:txBody>
-          <a:bodyPr>
-            <a:normAutofit/>
-          </a:bodyPr>
+          <a:bodyPr/>
           <a:lstStyle/>
           <a:p>
-            <a:pPr algn="ctr"/>
-            <a:r>
-              <a:rPr lang="en-US" sz="2400" dirty="0"/>
-              <a:t>Histogram</a:t>
-            </a:r>
-          </a:p>
-        </p:txBody>
-      </p:sp>
-      <p:sp>
-        <p:nvSpPr>
-          <p:cNvPr id="9" name="Text Placeholder 8"/>
-          <p:cNvSpPr>
-            <a:spLocks noGrp="1"/>
-          </p:cNvSpPr>
-          <p:nvPr>
-            <p:ph type="body" sz="quarter" idx="3"/>
-          </p:nvPr>
-        </p:nvSpPr>
-        <p:spPr>
-          <a:xfrm>
-            <a:off x="6063463" y="1701800"/>
-            <a:ext cx="5715000" cy="508000"/>
-          </a:xfrm>
-        </p:spPr>
-        <p:txBody>
-          <a:bodyPr>
-            <a:normAutofit/>
-          </a:bodyPr>
-          <a:lstStyle/>
-          <a:p>
-            <a:pPr algn="ctr"/>
-            <a:r>
-              <a:rPr lang="en-US" sz="2400" dirty="0"/>
-              <a:t>Box Plot</a:t>
-            </a:r>
+            <a:r>
+              <a:rPr lang="en-US" dirty="0"/>
+              <a:t>Connection</a:t>
+            </a:r>
+          </a:p>
+          <a:p>
+            <a:r>
+              <a:rPr lang="en-US" dirty="0"/>
+              <a:t>Breakthroughs</a:t>
+            </a:r>
+          </a:p>
+          <a:p>
+            <a:r>
+              <a:rPr lang="en-US" dirty="0"/>
+              <a:t>Prevention and Detection</a:t>
+            </a:r>
+          </a:p>
+          <a:p>
+            <a:r>
+              <a:rPr lang="en-US" dirty="0"/>
+              <a:t>Success through Learning Styles</a:t>
+            </a:r>
+          </a:p>
+          <a:p>
+            <a:r>
+              <a:rPr lang="en-US" dirty="0"/>
+              <a:t>Preserving our History</a:t>
+            </a:r>
+          </a:p>
+          <a:p>
+            <a:endParaRPr lang="en-US" dirty="0"/>
+          </a:p>
+          <a:p>
+            <a:endParaRPr lang="en-US" dirty="0"/>
           </a:p>
         </p:txBody>
       </p:sp>
       <p:pic>
         <p:nvPicPr>
-          <p:cNvPr id="5" name="Picture 4">
+          <p:cNvPr id="5" name="Picture 4" descr="Young girl with space explorer aspirations">
             <a:extLst>
               <a:ext uri="{FF2B5EF4-FFF2-40B4-BE49-F238E27FC236}">
-                <a16:creationId xmlns:a16="http://schemas.microsoft.com/office/drawing/2014/main" id="{752CD35A-5C68-FD1A-A1D0-A5487D211AC3}"/>
+                <a16:creationId xmlns:a16="http://schemas.microsoft.com/office/drawing/2014/main" id="{6F882D5A-41B3-3B48-F849-59E1DED1A7A6}"/>
               </a:ext>
             </a:extLst>
           </p:cNvPr>
@@ -10009,45 +8208,21 @@
           <p:nvPr/>
         </p:nvPicPr>
         <p:blipFill>
-          <a:blip r:embed="rId2"/>
+          <a:blip r:embed="rId2" cstate="print">
+            <a:extLst>
+              <a:ext uri="{28A0092B-C50C-407E-A947-70E740481C1C}">
+                <a14:useLocalDpi xmlns:a14="http://schemas.microsoft.com/office/drawing/2010/main" val="0"/>
+              </a:ext>
+            </a:extLst>
+          </a:blip>
           <a:stretch>
             <a:fillRect/>
           </a:stretch>
         </p:blipFill>
         <p:spPr>
           <a:xfrm>
-            <a:off x="1370012" y="2717800"/>
-            <a:ext cx="4033125" cy="4123480"/>
-          </a:xfrm>
-          <a:prstGeom prst="rect">
-            <a:avLst/>
-          </a:prstGeom>
-        </p:spPr>
-      </p:pic>
-      <p:pic>
-        <p:nvPicPr>
-          <p:cNvPr id="12" name="Picture 11">
-            <a:extLst>
-              <a:ext uri="{FF2B5EF4-FFF2-40B4-BE49-F238E27FC236}">
-                <a16:creationId xmlns:a16="http://schemas.microsoft.com/office/drawing/2014/main" id="{E666617D-00E2-4A53-0D29-B0965182C31D}"/>
-              </a:ext>
-            </a:extLst>
-          </p:cNvPr>
-          <p:cNvPicPr>
-            <a:picLocks noChangeAspect="1"/>
-          </p:cNvPicPr>
-          <p:nvPr/>
-        </p:nvPicPr>
-        <p:blipFill>
-          <a:blip r:embed="rId3"/>
-          <a:stretch>
-            <a:fillRect/>
-          </a:stretch>
-        </p:blipFill>
-        <p:spPr>
-          <a:xfrm>
-            <a:off x="6063463" y="2604112"/>
-            <a:ext cx="5715000" cy="4200525"/>
+            <a:off x="955191" y="2137547"/>
+            <a:ext cx="4713922" cy="4713922"/>
           </a:xfrm>
           <a:prstGeom prst="rect">
             <a:avLst/>
@@ -10057,7 +8232,7 @@
     </p:spTree>
     <p:extLst>
       <p:ext uri="{BB962C8B-B14F-4D97-AF65-F5344CB8AC3E}">
-        <p14:creationId xmlns:p14="http://schemas.microsoft.com/office/powerpoint/2010/main" val="597797721"/>
+        <p14:creationId xmlns:p14="http://schemas.microsoft.com/office/powerpoint/2010/main" val="2672039197"/>
       </p:ext>
     </p:extLst>
   </p:cSld>
@@ -11039,6 +9214,1046 @@
 </file>
 
 <file path=customXml/item2.xml><?xml version="1.0" encoding="utf-8"?>
+<ct:contentTypeSchema xmlns:ct="http://schemas.microsoft.com/office/2006/metadata/contentType" xmlns:ma="http://schemas.microsoft.com/office/2006/metadata/properties/metaAttributes" ct:_="" ma:_="" ma:contentTypeName="TemplateFile" ma:contentTypeID="0x0101006EDDDB5EE6D98C44930B742096920B300400F5B6D36B3EF94B4E9A635CDF2A18F5B8" ma:contentTypeVersion="72" ma:contentTypeDescription="Create a new document." ma:contentTypeScope="" ma:versionID="a23e56308344d904b51738559c3d67c9">
+  <xsd:schema xmlns:xsd="http://www.w3.org/2001/XMLSchema" xmlns:xs="http://www.w3.org/2001/XMLSchema" xmlns:p="http://schemas.microsoft.com/office/2006/metadata/properties" xmlns:ns2="4873beb7-5857-4685-be1f-d57550cc96cc" targetNamespace="http://schemas.microsoft.com/office/2006/metadata/properties" ma:root="true" ma:fieldsID="cd0908cc4600e77bf5da051303e00c8d" ns2:_="">
+    <xsd:import namespace="4873beb7-5857-4685-be1f-d57550cc96cc"/>
+    <xsd:element name="properties">
+      <xsd:complexType>
+        <xsd:sequence>
+          <xsd:element name="documentManagement">
+            <xsd:complexType>
+              <xsd:all>
+                <xsd:element ref="ns2:AcquiredFrom" minOccurs="0"/>
+                <xsd:element ref="ns2:UACurrentWords" minOccurs="0"/>
+                <xsd:element ref="ns2:TPApplication" minOccurs="0"/>
+                <xsd:element ref="ns2:ApprovalLog" minOccurs="0"/>
+                <xsd:element ref="ns2:ApprovalStatus" minOccurs="0"/>
+                <xsd:element ref="ns2:AssetStart" minOccurs="0"/>
+                <xsd:element ref="ns2:AssetExpire" minOccurs="0"/>
+                <xsd:element ref="ns2:AssetId" minOccurs="0"/>
+                <xsd:element ref="ns2:IsSearchable" minOccurs="0"/>
+                <xsd:element ref="ns2:AssetType" minOccurs="0"/>
+                <xsd:element ref="ns2:APAuthor" minOccurs="0"/>
+                <xsd:element ref="ns2:AverageRating" minOccurs="0"/>
+                <xsd:element ref="ns2:BlockPublish" minOccurs="0"/>
+                <xsd:element ref="ns2:BugNumber" minOccurs="0"/>
+                <xsd:element ref="ns2:CampaignTagsTaxHTField0" minOccurs="0"/>
+                <xsd:element ref="ns2:TPClientViewer" minOccurs="0"/>
+                <xsd:element ref="ns2:ClipArtFilename" minOccurs="0"/>
+                <xsd:element ref="ns2:TPCommandLine" minOccurs="0"/>
+                <xsd:element ref="ns2:TPComponent" minOccurs="0"/>
+                <xsd:element ref="ns2:ContentItem" minOccurs="0"/>
+                <xsd:element ref="ns2:CrawlForDependencies" minOccurs="0"/>
+                <xsd:element ref="ns2:CSXHash" minOccurs="0"/>
+                <xsd:element ref="ns2:CSXSubmissionMarket" minOccurs="0"/>
+                <xsd:element ref="ns2:CSXUpdate" minOccurs="0"/>
+                <xsd:element ref="ns2:IntlLangReviewDate" minOccurs="0"/>
+                <xsd:element ref="ns2:IsDeleted" minOccurs="0"/>
+                <xsd:element ref="ns2:APDescription" minOccurs="0"/>
+                <xsd:element ref="ns2:DirectSourceMarket" minOccurs="0"/>
+                <xsd:element ref="ns2:Downloads" minOccurs="0"/>
+                <xsd:element ref="ns2:DSATActionTaken" minOccurs="0"/>
+                <xsd:element ref="ns2:APEditor" minOccurs="0"/>
+                <xsd:element ref="ns2:EditorialStatus" minOccurs="0"/>
+                <xsd:element ref="ns2:EditorialTags" minOccurs="0"/>
+                <xsd:element ref="ns2:TPExecutable" minOccurs="0"/>
+                <xsd:element ref="ns2:FeatureTagsTaxHTField0" minOccurs="0"/>
+                <xsd:element ref="ns2:TPFriendlyName" minOccurs="0"/>
+                <xsd:element ref="ns2:FriendlyTitle" minOccurs="0"/>
+                <xsd:element ref="ns2:PrimaryImageGen" minOccurs="0"/>
+                <xsd:element ref="ns2:HandoffToMSDN" minOccurs="0"/>
+                <xsd:element ref="ns2:InProjectListLookup" minOccurs="0"/>
+                <xsd:element ref="ns2:TPInstallLocation" minOccurs="0"/>
+                <xsd:element ref="ns2:InternalTagsTaxHTField0" minOccurs="0"/>
+                <xsd:element ref="ns2:IntlLangReview" minOccurs="0"/>
+                <xsd:element ref="ns2:IntlLangReviewer" minOccurs="0"/>
+                <xsd:element ref="ns2:MarketSpecific" minOccurs="0"/>
+                <xsd:element ref="ns2:LastCompleteVersionLookup" minOccurs="0"/>
+                <xsd:element ref="ns2:LastHandOff" minOccurs="0"/>
+                <xsd:element ref="ns2:LastModifiedDateTime" minOccurs="0"/>
+                <xsd:element ref="ns2:LastPreviewErrorLookup" minOccurs="0"/>
+                <xsd:element ref="ns2:LastPreviewResultLookup" minOccurs="0"/>
+                <xsd:element ref="ns2:LastPreviewAttemptDateLookup" minOccurs="0"/>
+                <xsd:element ref="ns2:LastPreviewedByLookup" minOccurs="0"/>
+                <xsd:element ref="ns2:LastPreviewTimeLookup" minOccurs="0"/>
+                <xsd:element ref="ns2:LastPreviewVersionLookup" minOccurs="0"/>
+                <xsd:element ref="ns2:LastPublishErrorLookup" minOccurs="0"/>
+                <xsd:element ref="ns2:LastPublishResultLookup" minOccurs="0"/>
+                <xsd:element ref="ns2:LastPublishAttemptDateLookup" minOccurs="0"/>
+                <xsd:element ref="ns2:LastPublishedByLookup" minOccurs="0"/>
+                <xsd:element ref="ns2:LastPublishTimeLookup" minOccurs="0"/>
+                <xsd:element ref="ns2:LastPublishVersionLookup" minOccurs="0"/>
+                <xsd:element ref="ns2:TPLaunchHelpLinkType" minOccurs="0"/>
+                <xsd:element ref="ns2:LegacyData" minOccurs="0"/>
+                <xsd:element ref="ns2:TPLaunchHelpLink" minOccurs="0"/>
+                <xsd:element ref="ns2:LocComments" minOccurs="0"/>
+                <xsd:element ref="ns2:LocLastLocAttemptVersionLookup" minOccurs="0"/>
+                <xsd:element ref="ns2:LocLastLocAttemptVersionTypeLookup" minOccurs="0"/>
+                <xsd:element ref="ns2:LocManualTestRequired" minOccurs="0"/>
+                <xsd:element ref="ns2:LocMarketGroupTiers2" minOccurs="0"/>
+                <xsd:element ref="ns2:LocNewPublishedVersionLookup" minOccurs="0"/>
+                <xsd:element ref="ns2:LocOverallHandbackStatusLookup" minOccurs="0"/>
+                <xsd:element ref="ns2:LocOverallLocStatusLookup" minOccurs="0"/>
+                <xsd:element ref="ns2:LocOverallPreviewStatusLookup" minOccurs="0"/>
+                <xsd:element ref="ns2:LocOverallPublishStatusLookup" minOccurs="0"/>
+                <xsd:element ref="ns2:IntlLocPriority" minOccurs="0"/>
+                <xsd:element ref="ns2:LocProcessedForHandoffsLookup" minOccurs="0"/>
+                <xsd:element ref="ns2:LocProcessedForMarketsLookup" minOccurs="0"/>
+                <xsd:element ref="ns2:LocPublishedDependentAssetsLookup" minOccurs="0"/>
+                <xsd:element ref="ns2:LocPublishedLinkedAssetsLookup" minOccurs="0"/>
+                <xsd:element ref="ns2:LocRecommendedHandoff" minOccurs="0"/>
+                <xsd:element ref="ns2:LocalizationTagsTaxHTField0" minOccurs="0"/>
+                <xsd:element ref="ns2:MachineTranslated" minOccurs="0"/>
+                <xsd:element ref="ns2:Manager" minOccurs="0"/>
+                <xsd:element ref="ns2:Markets" minOccurs="0"/>
+                <xsd:element ref="ns2:Milestone" minOccurs="0"/>
+                <xsd:element ref="ns2:TPNamespace" minOccurs="0"/>
+                <xsd:element ref="ns2:NumericId" minOccurs="0"/>
+                <xsd:element ref="ns2:NumOfRatingsLookup" minOccurs="0"/>
+                <xsd:element ref="ns2:OOCacheId" minOccurs="0"/>
+                <xsd:element ref="ns2:OpenTemplate" minOccurs="0"/>
+                <xsd:element ref="ns2:OriginAsset" minOccurs="0"/>
+                <xsd:element ref="ns2:OriginalRelease" minOccurs="0"/>
+                <xsd:element ref="ns2:OriginalSourceMarket" minOccurs="0"/>
+                <xsd:element ref="ns2:OutputCachingOn" minOccurs="0"/>
+                <xsd:element ref="ns2:ParentAssetId" minOccurs="0"/>
+                <xsd:element ref="ns2:PlannedPubDate" minOccurs="0"/>
+                <xsd:element ref="ns2:PolicheckWords" minOccurs="0"/>
+                <xsd:element ref="ns2:BusinessGroup" minOccurs="0"/>
+                <xsd:element ref="ns2:UAProjectedTotalWords" minOccurs="0"/>
+                <xsd:element ref="ns2:Provider" minOccurs="0"/>
+                <xsd:element ref="ns2:Providers" minOccurs="0"/>
+                <xsd:element ref="ns2:PublishStatusLookup" minOccurs="0"/>
+                <xsd:element ref="ns2:PublishTargets" minOccurs="0"/>
+                <xsd:element ref="ns2:RecommendationsModifier" minOccurs="0"/>
+                <xsd:element ref="ns2:ArtSampleDocs" minOccurs="0"/>
+                <xsd:element ref="ns2:ScenarioTagsTaxHTField0" minOccurs="0"/>
+                <xsd:element ref="ns2:ShowIn" minOccurs="0"/>
+                <xsd:element ref="ns2:SourceTitle" minOccurs="0"/>
+                <xsd:element ref="ns2:CSXSubmissionDate" minOccurs="0"/>
+                <xsd:element ref="ns2:SubmitterId" minOccurs="0"/>
+                <xsd:element ref="ns2:TaxCatchAll" minOccurs="0"/>
+                <xsd:element ref="ns2:TaxCatchAllLabel" minOccurs="0"/>
+                <xsd:element ref="ns2:TemplateStatus" minOccurs="0"/>
+                <xsd:element ref="ns2:TemplateTemplateType" minOccurs="0"/>
+                <xsd:element ref="ns2:ThumbnailAssetId" minOccurs="0"/>
+                <xsd:element ref="ns2:TimesCloned" minOccurs="0"/>
+                <xsd:element ref="ns2:TrustLevel" minOccurs="0"/>
+                <xsd:element ref="ns2:UALocComments" minOccurs="0"/>
+                <xsd:element ref="ns2:UALocRecommendation" minOccurs="0"/>
+                <xsd:element ref="ns2:UANotes" minOccurs="0"/>
+                <xsd:element ref="ns2:TPAppVersion" minOccurs="0"/>
+                <xsd:element ref="ns2:VoteCount" minOccurs="0"/>
+              </xsd:all>
+            </xsd:complexType>
+          </xsd:element>
+        </xsd:sequence>
+      </xsd:complexType>
+    </xsd:element>
+  </xsd:schema>
+  <xsd:schema xmlns:xsd="http://www.w3.org/2001/XMLSchema" xmlns:xs="http://www.w3.org/2001/XMLSchema" xmlns:dms="http://schemas.microsoft.com/office/2006/documentManagement/types" xmlns:pc="http://schemas.microsoft.com/office/infopath/2007/PartnerControls" targetNamespace="4873beb7-5857-4685-be1f-d57550cc96cc" elementFormDefault="qualified">
+    <xsd:import namespace="http://schemas.microsoft.com/office/2006/documentManagement/types"/>
+    <xsd:import namespace="http://schemas.microsoft.com/office/infopath/2007/PartnerControls"/>
+    <xsd:element name="AcquiredFrom" ma:index="1" nillable="true" ma:displayName="Acquired From" ma:default="Internal MS" ma:internalName="AcquiredFrom" ma:readOnly="false">
+      <xsd:simpleType>
+        <xsd:restriction base="dms:Choice">
+          <xsd:enumeration value="Internal MS"/>
+          <xsd:enumeration value="Community"/>
+          <xsd:enumeration value="MVP"/>
+          <xsd:enumeration value="Publisher"/>
+          <xsd:enumeration value="Partner"/>
+          <xsd:enumeration value="None"/>
+        </xsd:restriction>
+      </xsd:simpleType>
+    </xsd:element>
+    <xsd:element name="UACurrentWords" ma:index="2" nillable="true" ma:displayName="Actual Word Count" ma:default="" ma:internalName="UACurrentWords" ma:readOnly="false">
+      <xsd:simpleType>
+        <xsd:restriction base="dms:Unknown"/>
+      </xsd:simpleType>
+    </xsd:element>
+    <xsd:element name="TPApplication" ma:index="3" nillable="true" ma:displayName="Application to Open Template With" ma:default="" ma:internalName="TPApplication">
+      <xsd:simpleType>
+        <xsd:restriction base="dms:Text"/>
+      </xsd:simpleType>
+    </xsd:element>
+    <xsd:element name="ApprovalLog" ma:index="4" nillable="true" ma:displayName="Approval Log" ma:default="" ma:hidden="true" ma:internalName="ApprovalLog" ma:readOnly="false">
+      <xsd:simpleType>
+        <xsd:restriction base="dms:Note"/>
+      </xsd:simpleType>
+    </xsd:element>
+    <xsd:element name="ApprovalStatus" ma:index="5" nillable="true" ma:displayName="Approval Status" ma:default="InProgress" ma:internalName="ApprovalStatus" ma:readOnly="false">
+      <xsd:simpleType>
+        <xsd:restriction base="dms:Choice">
+          <xsd:enumeration value="InProgress"/>
+          <xsd:enumeration value="Rejected"/>
+          <xsd:enumeration value="Questionable"/>
+          <xsd:enumeration value="ApprovedAutomatic"/>
+          <xsd:enumeration value="ApprovedManual"/>
+          <xsd:enumeration value="On Hold"/>
+          <xsd:enumeration value="Needs Review"/>
+          <xsd:enumeration value="A Violation"/>
+          <xsd:enumeration value="Unpublished Violation"/>
+        </xsd:restriction>
+      </xsd:simpleType>
+    </xsd:element>
+    <xsd:element name="AssetStart" ma:index="6" nillable="true" ma:displayName="Asset Begin Date" ma:default="[Today]" ma:internalName="AssetStart" ma:readOnly="false">
+      <xsd:simpleType>
+        <xsd:restriction base="dms:DateTime"/>
+      </xsd:simpleType>
+    </xsd:element>
+    <xsd:element name="AssetExpire" ma:index="7" nillable="true" ma:displayName="Asset End Date" ma:default="2029-01-01T08:00:00Z" ma:format="DateTime" ma:internalName="AssetExpire" ma:readOnly="false">
+      <xsd:simpleType>
+        <xsd:restriction base="dms:DateTime"/>
+      </xsd:simpleType>
+    </xsd:element>
+    <xsd:element name="AssetId" ma:index="8" nillable="true" ma:displayName="Asset ID" ma:default="" ma:indexed="true" ma:internalName="AssetId" ma:readOnly="false">
+      <xsd:simpleType>
+        <xsd:restriction base="dms:Text">
+          <xsd:maxLength value="255"/>
+        </xsd:restriction>
+      </xsd:simpleType>
+    </xsd:element>
+    <xsd:element name="IsSearchable" ma:index="9" nillable="true" ma:displayName="Asset Searchable?" ma:default="true" ma:internalName="IsSearchable" ma:readOnly="false">
+      <xsd:simpleType>
+        <xsd:restriction base="dms:Boolean"/>
+      </xsd:simpleType>
+    </xsd:element>
+    <xsd:element name="AssetType" ma:index="10" nillable="true" ma:displayName="Asset Type" ma:default="" ma:internalName="AssetType" ma:readOnly="false">
+      <xsd:simpleType>
+        <xsd:restriction base="dms:Unknown"/>
+      </xsd:simpleType>
+    </xsd:element>
+    <xsd:element name="APAuthor" ma:index="11" nillable="true" ma:displayName="Author" ma:default="" ma:list="UserInfo" ma:internalName="APAuthor" ma:readOnly="false">
+      <xsd:complexType>
+        <xsd:complexContent>
+          <xsd:extension base="dms:User">
+            <xsd:sequence>
+              <xsd:element name="UserInfo" minOccurs="0" maxOccurs="unbounded">
+                <xsd:complexType>
+                  <xsd:sequence>
+                    <xsd:element name="DisplayName" type="xsd:string" minOccurs="0"/>
+                    <xsd:element name="AccountId" type="dms:UserId" minOccurs="0" nillable="true"/>
+                    <xsd:element name="AccountType" type="xsd:string" minOccurs="0"/>
+                  </xsd:sequence>
+                </xsd:complexType>
+              </xsd:element>
+            </xsd:sequence>
+          </xsd:extension>
+        </xsd:complexContent>
+      </xsd:complexType>
+    </xsd:element>
+    <xsd:element name="AverageRating" ma:index="12" nillable="true" ma:displayName="Average Rating" ma:internalName="AverageRating" ma:readOnly="false">
+      <xsd:simpleType>
+        <xsd:restriction base="dms:Text"/>
+      </xsd:simpleType>
+    </xsd:element>
+    <xsd:element name="BlockPublish" ma:index="13" nillable="true" ma:displayName="Block from Publishing?" ma:default="" ma:internalName="BlockPublish" ma:readOnly="false">
+      <xsd:simpleType>
+        <xsd:restriction base="dms:Boolean"/>
+      </xsd:simpleType>
+    </xsd:element>
+    <xsd:element name="BugNumber" ma:index="14" nillable="true" ma:displayName="Bug Number" ma:default="" ma:internalName="BugNumber" ma:readOnly="false">
+      <xsd:simpleType>
+        <xsd:restriction base="dms:Text"/>
+      </xsd:simpleType>
+    </xsd:element>
+    <xsd:element name="CampaignTagsTaxHTField0" ma:index="16" nillable="true" ma:taxonomy="true" ma:internalName="CampaignTagsTaxHTField0" ma:taxonomyFieldName="CampaignTags" ma:displayName="Campaigns" ma:readOnly="false" ma:default="" ma:fieldId="{1df42cc3-2301-4f11-a52a-6ead923c29ed}" ma:taxonomyMulti="true" ma:sspId="8f79753a-75d3-41f5-8ca3-40b843941b4f" ma:termSetId="ca0e50d4-faa1-44ce-961e-bb1441c60e66" ma:anchorId="00000000-0000-0000-0000-000000000000" ma:open="false" ma:isKeyword="false">
+      <xsd:complexType>
+        <xsd:sequence>
+          <xsd:element ref="pc:Terms" minOccurs="0" maxOccurs="1"/>
+        </xsd:sequence>
+      </xsd:complexType>
+    </xsd:element>
+    <xsd:element name="TPClientViewer" ma:index="17" nillable="true" ma:displayName="Client Viewer" ma:default="" ma:internalName="TPClientViewer">
+      <xsd:simpleType>
+        <xsd:restriction base="dms:Text"/>
+      </xsd:simpleType>
+    </xsd:element>
+    <xsd:element name="ClipArtFilename" ma:index="18" nillable="true" ma:displayName="Clip Art Name" ma:default="" ma:internalName="ClipArtFilename" ma:readOnly="false">
+      <xsd:simpleType>
+        <xsd:restriction base="dms:Text"/>
+      </xsd:simpleType>
+    </xsd:element>
+    <xsd:element name="TPCommandLine" ma:index="19" nillable="true" ma:displayName="Command Line" ma:default="" ma:internalName="TPCommandLine">
+      <xsd:simpleType>
+        <xsd:restriction base="dms:Text"/>
+      </xsd:simpleType>
+    </xsd:element>
+    <xsd:element name="TPComponent" ma:index="20" nillable="true" ma:displayName="Component" ma:default="" ma:internalName="TPComponent">
+      <xsd:simpleType>
+        <xsd:restriction base="dms:Text"/>
+      </xsd:simpleType>
+    </xsd:element>
+    <xsd:element name="ContentItem" ma:index="21" nillable="true" ma:displayName="Content Item" ma:default="" ma:hidden="true" ma:internalName="ContentItem" ma:readOnly="false">
+      <xsd:simpleType>
+        <xsd:restriction base="dms:Unknown"/>
+      </xsd:simpleType>
+    </xsd:element>
+    <xsd:element name="CrawlForDependencies" ma:index="23" nillable="true" ma:displayName="Crawl for Dependencies?" ma:default="true" ma:internalName="CrawlForDependencies" ma:readOnly="false">
+      <xsd:simpleType>
+        <xsd:restriction base="dms:Boolean"/>
+      </xsd:simpleType>
+    </xsd:element>
+    <xsd:element name="CSXHash" ma:index="26" nillable="true" ma:displayName="CSX Hash" ma:default="" ma:indexed="true" ma:internalName="CSXHash" ma:readOnly="false">
+      <xsd:simpleType>
+        <xsd:restriction base="dms:Text"/>
+      </xsd:simpleType>
+    </xsd:element>
+    <xsd:element name="CSXSubmissionMarket" ma:index="27" nillable="true" ma:displayName="CSX Submission Market" ma:default="" ma:list="{2FBD1B11-2ACE-4FDC-B5A3-635D4ADF6F1B}" ma:internalName="CSXSubmissionMarket" ma:readOnly="false" ma:showField="MarketName" ma:web="4873beb7-5857-4685-be1f-d57550cc96cc">
+      <xsd:simpleType>
+        <xsd:restriction base="dms:Lookup"/>
+      </xsd:simpleType>
+    </xsd:element>
+    <xsd:element name="CSXUpdate" ma:index="28" nillable="true" ma:displayName="CSX Updated?" ma:default="false" ma:internalName="CSXUpdate" ma:readOnly="false">
+      <xsd:simpleType>
+        <xsd:restriction base="dms:Boolean"/>
+      </xsd:simpleType>
+    </xsd:element>
+    <xsd:element name="IntlLangReviewDate" ma:index="29" nillable="true" ma:displayName="Date to Complete Intl QA" ma:default="" ma:internalName="IntlLangReviewDate" ma:readOnly="false">
+      <xsd:simpleType>
+        <xsd:restriction base="dms:DateTime"/>
+      </xsd:simpleType>
+    </xsd:element>
+    <xsd:element name="IsDeleted" ma:index="30" nillable="true" ma:displayName="Deleted?" ma:default="" ma:internalName="IsDeleted" ma:readOnly="false">
+      <xsd:simpleType>
+        <xsd:restriction base="dms:Boolean"/>
+      </xsd:simpleType>
+    </xsd:element>
+    <xsd:element name="APDescription" ma:index="31" nillable="true" ma:displayName="Description" ma:default="" ma:internalName="APDescription" ma:readOnly="false">
+      <xsd:simpleType>
+        <xsd:restriction base="dms:Note"/>
+      </xsd:simpleType>
+    </xsd:element>
+    <xsd:element name="DirectSourceMarket" ma:index="32" nillable="true" ma:displayName="Direct Source Market Group" ma:default="" ma:internalName="DirectSourceMarket" ma:readOnly="false">
+      <xsd:simpleType>
+        <xsd:restriction base="dms:Text"/>
+      </xsd:simpleType>
+    </xsd:element>
+    <xsd:element name="Downloads" ma:index="33" nillable="true" ma:displayName="Downloads" ma:default="0" ma:hidden="true" ma:internalName="Downloads" ma:readOnly="false">
+      <xsd:simpleType>
+        <xsd:restriction base="dms:Unknown"/>
+      </xsd:simpleType>
+    </xsd:element>
+    <xsd:element name="DSATActionTaken" ma:index="34" nillable="true" ma:displayName="DSAT Action Taken" ma:default="" ma:internalName="DSATActionTaken" ma:readOnly="false">
+      <xsd:simpleType>
+        <xsd:restriction base="dms:Choice">
+          <xsd:enumeration value="Best Bets"/>
+          <xsd:enumeration value="Expire"/>
+          <xsd:enumeration value="Hide"/>
+          <xsd:enumeration value="None"/>
+        </xsd:restriction>
+      </xsd:simpleType>
+    </xsd:element>
+    <xsd:element name="APEditor" ma:index="35" nillable="true" ma:displayName="Editor" ma:default="" ma:list="UserInfo" ma:internalName="APEditor" ma:readOnly="false">
+      <xsd:complexType>
+        <xsd:complexContent>
+          <xsd:extension base="dms:User">
+            <xsd:sequence>
+              <xsd:element name="UserInfo" minOccurs="0" maxOccurs="unbounded">
+                <xsd:complexType>
+                  <xsd:sequence>
+                    <xsd:element name="DisplayName" type="xsd:string" minOccurs="0"/>
+                    <xsd:element name="AccountId" type="dms:UserId" minOccurs="0" nillable="true"/>
+                    <xsd:element name="AccountType" type="xsd:string" minOccurs="0"/>
+                  </xsd:sequence>
+                </xsd:complexType>
+              </xsd:element>
+            </xsd:sequence>
+          </xsd:extension>
+        </xsd:complexContent>
+      </xsd:complexType>
+    </xsd:element>
+    <xsd:element name="EditorialStatus" ma:index="36" nillable="true" ma:displayName="Editorial Status" ma:default="" ma:internalName="EditorialStatus" ma:readOnly="false">
+      <xsd:simpleType>
+        <xsd:restriction base="dms:Unknown"/>
+      </xsd:simpleType>
+    </xsd:element>
+    <xsd:element name="EditorialTags" ma:index="37" nillable="true" ma:displayName="Editorial Tags" ma:default="" ma:internalName="EditorialTags">
+      <xsd:simpleType>
+        <xsd:restriction base="dms:Unknown"/>
+      </xsd:simpleType>
+    </xsd:element>
+    <xsd:element name="TPExecutable" ma:index="38" nillable="true" ma:displayName="Executable" ma:default="" ma:internalName="TPExecutable">
+      <xsd:simpleType>
+        <xsd:restriction base="dms:Text"/>
+      </xsd:simpleType>
+    </xsd:element>
+    <xsd:element name="FeatureTagsTaxHTField0" ma:index="40" nillable="true" ma:taxonomy="true" ma:internalName="FeatureTagsTaxHTField0" ma:taxonomyFieldName="FeatureTags" ma:displayName="Features" ma:readOnly="false" ma:default="" ma:fieldId="{7fc0d542-15c6-4882-a8e3-13bca44403fb}" ma:taxonomyMulti="true" ma:sspId="8f79753a-75d3-41f5-8ca3-40b843941b4f" ma:termSetId="f1ab6845-967d-4854-a0ba-4ec07f0f8113" ma:anchorId="00000000-0000-0000-0000-000000000000" ma:open="false" ma:isKeyword="false">
+      <xsd:complexType>
+        <xsd:sequence>
+          <xsd:element ref="pc:Terms" minOccurs="0" maxOccurs="1"/>
+        </xsd:sequence>
+      </xsd:complexType>
+    </xsd:element>
+    <xsd:element name="TPFriendlyName" ma:index="41" nillable="true" ma:displayName="Friendly Name" ma:default="" ma:internalName="TPFriendlyName">
+      <xsd:simpleType>
+        <xsd:restriction base="dms:Text"/>
+      </xsd:simpleType>
+    </xsd:element>
+    <xsd:element name="FriendlyTitle" ma:index="42" nillable="true" ma:displayName="Friendly Title" ma:default="" ma:description="Shorter title to be used when displaying search results" ma:internalName="FriendlyTitle" ma:readOnly="false">
+      <xsd:simpleType>
+        <xsd:restriction base="dms:Text"/>
+      </xsd:simpleType>
+    </xsd:element>
+    <xsd:element name="PrimaryImageGen" ma:index="43" nillable="true" ma:displayName="Generate Images?" ma:default="true" ma:internalName="PrimaryImageGen">
+      <xsd:simpleType>
+        <xsd:restriction base="dms:Boolean"/>
+      </xsd:simpleType>
+    </xsd:element>
+    <xsd:element name="HandoffToMSDN" ma:index="44" nillable="true" ma:displayName="Handoff To MSDN Date" ma:default="" ma:internalName="HandoffToMSDN" ma:readOnly="false">
+      <xsd:simpleType>
+        <xsd:restriction base="dms:DateTime"/>
+      </xsd:simpleType>
+    </xsd:element>
+    <xsd:element name="InProjectListLookup" ma:index="45" nillable="true" ma:displayName="InProjectListLookup" ma:list="{9E343742-310B-4684-A24C-1D137CB4B230}" ma:internalName="InProjectListLookup" ma:readOnly="true" ma:showField="InProjectList" ma:web="4873beb7-5857-4685-be1f-d57550cc96cc">
+      <xsd:complexType>
+        <xsd:complexContent>
+          <xsd:extension base="dms:MultiChoiceLookup">
+            <xsd:sequence>
+              <xsd:element name="Value" type="dms:Lookup" maxOccurs="unbounded" minOccurs="0" nillable="true"/>
+            </xsd:sequence>
+          </xsd:extension>
+        </xsd:complexContent>
+      </xsd:complexType>
+    </xsd:element>
+    <xsd:element name="TPInstallLocation" ma:index="46" nillable="true" ma:displayName="Install Location" ma:default="" ma:internalName="TPInstallLocation">
+      <xsd:simpleType>
+        <xsd:restriction base="dms:Text"/>
+      </xsd:simpleType>
+    </xsd:element>
+    <xsd:element name="InternalTagsTaxHTField0" ma:index="48" nillable="true" ma:taxonomy="true" ma:internalName="InternalTagsTaxHTField0" ma:taxonomyFieldName="InternalTags" ma:displayName="Internal Tags" ma:readOnly="false" ma:default="" ma:fieldId="{1490b8a4-2706-41ec-b5e3-73176dccf34e}" ma:taxonomyMulti="true" ma:sspId="8f79753a-75d3-41f5-8ca3-40b843941b4f" ma:termSetId="82b6639e-f7fc-4c18-ad2d-003a6e707765" ma:anchorId="00000000-0000-0000-0000-000000000000" ma:open="false" ma:isKeyword="false">
+      <xsd:complexType>
+        <xsd:sequence>
+          <xsd:element ref="pc:Terms" minOccurs="0" maxOccurs="1"/>
+        </xsd:sequence>
+      </xsd:complexType>
+    </xsd:element>
+    <xsd:element name="IntlLangReview" ma:index="49" nillable="true" ma:displayName="Intl Lang QA Review Required?" ma:default="" ma:internalName="IntlLangReview" ma:readOnly="false">
+      <xsd:simpleType>
+        <xsd:restriction base="dms:Boolean"/>
+      </xsd:simpleType>
+    </xsd:element>
+    <xsd:element name="IntlLangReviewer" ma:index="50" nillable="true" ma:displayName="Intl Lang QA Reviewer" ma:default="" ma:internalName="IntlLangReviewer" ma:readOnly="false">
+      <xsd:simpleType>
+        <xsd:restriction base="dms:Text"/>
+      </xsd:simpleType>
+    </xsd:element>
+    <xsd:element name="MarketSpecific" ma:index="51" nillable="true" ma:displayName="Is Market Specific?" ma:default="" ma:internalName="MarketSpecific" ma:readOnly="false">
+      <xsd:simpleType>
+        <xsd:restriction base="dms:Boolean"/>
+      </xsd:simpleType>
+    </xsd:element>
+    <xsd:element name="LastCompleteVersionLookup" ma:index="52" nillable="true" ma:displayName="Last Complete Version Lookup" ma:default="" ma:list="{9E343742-310B-4684-A24C-1D137CB4B230}" ma:internalName="LastCompleteVersionLookup" ma:readOnly="true" ma:showField="LastCompleteVersion" ma:web="4873beb7-5857-4685-be1f-d57550cc96cc">
+      <xsd:complexType>
+        <xsd:complexContent>
+          <xsd:extension base="dms:MultiChoiceLookup">
+            <xsd:sequence>
+              <xsd:element name="Value" type="dms:Lookup" maxOccurs="unbounded" minOccurs="0" nillable="true"/>
+            </xsd:sequence>
+          </xsd:extension>
+        </xsd:complexContent>
+      </xsd:complexType>
+    </xsd:element>
+    <xsd:element name="LastHandOff" ma:index="53" nillable="true" ma:displayName="Last Hand-off" ma:default="" ma:internalName="LastHandOff" ma:readOnly="false">
+      <xsd:simpleType>
+        <xsd:restriction base="dms:DateTime"/>
+      </xsd:simpleType>
+    </xsd:element>
+    <xsd:element name="LastModifiedDateTime" ma:index="54" nillable="true" ma:displayName="Last Modified Date" ma:default="" ma:internalName="LastModifiedDateTime" ma:readOnly="false">
+      <xsd:simpleType>
+        <xsd:restriction base="dms:DateTime"/>
+      </xsd:simpleType>
+    </xsd:element>
+    <xsd:element name="LastPreviewErrorLookup" ma:index="55" nillable="true" ma:displayName="Last Preview Attempt Error" ma:default="" ma:list="{9E343742-310B-4684-A24C-1D137CB4B230}" ma:internalName="LastPreviewErrorLookup" ma:readOnly="true" ma:showField="LastPreviewError" ma:web="4873beb7-5857-4685-be1f-d57550cc96cc">
+      <xsd:complexType>
+        <xsd:complexContent>
+          <xsd:extension base="dms:MultiChoiceLookup">
+            <xsd:sequence>
+              <xsd:element name="Value" type="dms:Lookup" maxOccurs="unbounded" minOccurs="0" nillable="true"/>
+            </xsd:sequence>
+          </xsd:extension>
+        </xsd:complexContent>
+      </xsd:complexType>
+    </xsd:element>
+    <xsd:element name="LastPreviewResultLookup" ma:index="56" nillable="true" ma:displayName="Last Preview Attempt Result" ma:default="" ma:list="{9E343742-310B-4684-A24C-1D137CB4B230}" ma:internalName="LastPreviewResultLookup" ma:readOnly="true" ma:showField="LastPreviewResult" ma:web="4873beb7-5857-4685-be1f-d57550cc96cc">
+      <xsd:complexType>
+        <xsd:complexContent>
+          <xsd:extension base="dms:MultiChoiceLookup">
+            <xsd:sequence>
+              <xsd:element name="Value" type="dms:Lookup" maxOccurs="unbounded" minOccurs="0" nillable="true"/>
+            </xsd:sequence>
+          </xsd:extension>
+        </xsd:complexContent>
+      </xsd:complexType>
+    </xsd:element>
+    <xsd:element name="LastPreviewAttemptDateLookup" ma:index="57" nillable="true" ma:displayName="Last Preview Attempted On" ma:default="" ma:list="{9E343742-310B-4684-A24C-1D137CB4B230}" ma:internalName="LastPreviewAttemptDateLookup" ma:readOnly="true" ma:showField="LastPreviewAttemptDate" ma:web="4873beb7-5857-4685-be1f-d57550cc96cc">
+      <xsd:complexType>
+        <xsd:complexContent>
+          <xsd:extension base="dms:MultiChoiceLookup">
+            <xsd:sequence>
+              <xsd:element name="Value" type="dms:Lookup" maxOccurs="unbounded" minOccurs="0" nillable="true"/>
+            </xsd:sequence>
+          </xsd:extension>
+        </xsd:complexContent>
+      </xsd:complexType>
+    </xsd:element>
+    <xsd:element name="LastPreviewedByLookup" ma:index="58" nillable="true" ma:displayName="Last Previewed By" ma:default="" ma:list="{9E343742-310B-4684-A24C-1D137CB4B230}" ma:internalName="LastPreviewedByLookup" ma:readOnly="true" ma:showField="LastPreviewedBy" ma:web="4873beb7-5857-4685-be1f-d57550cc96cc">
+      <xsd:complexType>
+        <xsd:complexContent>
+          <xsd:extension base="dms:MultiChoiceLookup">
+            <xsd:sequence>
+              <xsd:element name="Value" type="dms:Lookup" maxOccurs="unbounded" minOccurs="0" nillable="true"/>
+            </xsd:sequence>
+          </xsd:extension>
+        </xsd:complexContent>
+      </xsd:complexType>
+    </xsd:element>
+    <xsd:element name="LastPreviewTimeLookup" ma:index="59" nillable="true" ma:displayName="Last Previewed Date" ma:default="" ma:list="{9E343742-310B-4684-A24C-1D137CB4B230}" ma:internalName="LastPreviewTimeLookup" ma:readOnly="true" ma:showField="LastPreviewTime" ma:web="4873beb7-5857-4685-be1f-d57550cc96cc">
+      <xsd:complexType>
+        <xsd:complexContent>
+          <xsd:extension base="dms:MultiChoiceLookup">
+            <xsd:sequence>
+              <xsd:element name="Value" type="dms:Lookup" maxOccurs="unbounded" minOccurs="0" nillable="true"/>
+            </xsd:sequence>
+          </xsd:extension>
+        </xsd:complexContent>
+      </xsd:complexType>
+    </xsd:element>
+    <xsd:element name="LastPreviewVersionLookup" ma:index="60" nillable="true" ma:displayName="Last Previewed Version" ma:default="" ma:list="{9E343742-310B-4684-A24C-1D137CB4B230}" ma:internalName="LastPreviewVersionLookup" ma:readOnly="true" ma:showField="LastPreviewVersion" ma:web="4873beb7-5857-4685-be1f-d57550cc96cc">
+      <xsd:complexType>
+        <xsd:complexContent>
+          <xsd:extension base="dms:MultiChoiceLookup">
+            <xsd:sequence>
+              <xsd:element name="Value" type="dms:Lookup" maxOccurs="unbounded" minOccurs="0" nillable="true"/>
+            </xsd:sequence>
+          </xsd:extension>
+        </xsd:complexContent>
+      </xsd:complexType>
+    </xsd:element>
+    <xsd:element name="LastPublishErrorLookup" ma:index="61" nillable="true" ma:displayName="Last Publish Attempt Error" ma:default="" ma:list="{9E343742-310B-4684-A24C-1D137CB4B230}" ma:internalName="LastPublishErrorLookup" ma:readOnly="true" ma:showField="LastPublishError" ma:web="4873beb7-5857-4685-be1f-d57550cc96cc">
+      <xsd:complexType>
+        <xsd:complexContent>
+          <xsd:extension base="dms:MultiChoiceLookup">
+            <xsd:sequence>
+              <xsd:element name="Value" type="dms:Lookup" maxOccurs="unbounded" minOccurs="0" nillable="true"/>
+            </xsd:sequence>
+          </xsd:extension>
+        </xsd:complexContent>
+      </xsd:complexType>
+    </xsd:element>
+    <xsd:element name="LastPublishResultLookup" ma:index="62" nillable="true" ma:displayName="Last Publish Attempt Result" ma:default="" ma:list="{9E343742-310B-4684-A24C-1D137CB4B230}" ma:internalName="LastPublishResultLookup" ma:readOnly="true" ma:showField="LastPublishResult" ma:web="4873beb7-5857-4685-be1f-d57550cc96cc">
+      <xsd:complexType>
+        <xsd:complexContent>
+          <xsd:extension base="dms:MultiChoiceLookup">
+            <xsd:sequence>
+              <xsd:element name="Value" type="dms:Lookup" maxOccurs="unbounded" minOccurs="0" nillable="true"/>
+            </xsd:sequence>
+          </xsd:extension>
+        </xsd:complexContent>
+      </xsd:complexType>
+    </xsd:element>
+    <xsd:element name="LastPublishAttemptDateLookup" ma:index="63" nillable="true" ma:displayName="Last Publish Attempted On" ma:default="" ma:list="{9E343742-310B-4684-A24C-1D137CB4B230}" ma:internalName="LastPublishAttemptDateLookup" ma:readOnly="true" ma:showField="LastPublishAttemptDate" ma:web="4873beb7-5857-4685-be1f-d57550cc96cc">
+      <xsd:complexType>
+        <xsd:complexContent>
+          <xsd:extension base="dms:MultiChoiceLookup">
+            <xsd:sequence>
+              <xsd:element name="Value" type="dms:Lookup" maxOccurs="unbounded" minOccurs="0" nillable="true"/>
+            </xsd:sequence>
+          </xsd:extension>
+        </xsd:complexContent>
+      </xsd:complexType>
+    </xsd:element>
+    <xsd:element name="LastPublishedByLookup" ma:index="64" nillable="true" ma:displayName="Last Published By" ma:default="" ma:list="{9E343742-310B-4684-A24C-1D137CB4B230}" ma:internalName="LastPublishedByLookup" ma:readOnly="true" ma:showField="LastPublishedBy" ma:web="4873beb7-5857-4685-be1f-d57550cc96cc">
+      <xsd:complexType>
+        <xsd:complexContent>
+          <xsd:extension base="dms:MultiChoiceLookup">
+            <xsd:sequence>
+              <xsd:element name="Value" type="dms:Lookup" maxOccurs="unbounded" minOccurs="0" nillable="true"/>
+            </xsd:sequence>
+          </xsd:extension>
+        </xsd:complexContent>
+      </xsd:complexType>
+    </xsd:element>
+    <xsd:element name="LastPublishTimeLookup" ma:index="65" nillable="true" ma:displayName="Last Published Date" ma:default="" ma:list="{9E343742-310B-4684-A24C-1D137CB4B230}" ma:internalName="LastPublishTimeLookup" ma:readOnly="true" ma:showField="LastPublishTime" ma:web="4873beb7-5857-4685-be1f-d57550cc96cc">
+      <xsd:complexType>
+        <xsd:complexContent>
+          <xsd:extension base="dms:MultiChoiceLookup">
+            <xsd:sequence>
+              <xsd:element name="Value" type="dms:Lookup" maxOccurs="unbounded" minOccurs="0" nillable="true"/>
+            </xsd:sequence>
+          </xsd:extension>
+        </xsd:complexContent>
+      </xsd:complexType>
+    </xsd:element>
+    <xsd:element name="LastPublishVersionLookup" ma:index="66" nillable="true" ma:displayName="Last Published Version" ma:default="" ma:list="{9E343742-310B-4684-A24C-1D137CB4B230}" ma:internalName="LastPublishVersionLookup" ma:readOnly="true" ma:showField="LastPublishVersion" ma:web="4873beb7-5857-4685-be1f-d57550cc96cc">
+      <xsd:complexType>
+        <xsd:complexContent>
+          <xsd:extension base="dms:MultiChoiceLookup">
+            <xsd:sequence>
+              <xsd:element name="Value" type="dms:Lookup" maxOccurs="unbounded" minOccurs="0" nillable="true"/>
+            </xsd:sequence>
+          </xsd:extension>
+        </xsd:complexContent>
+      </xsd:complexType>
+    </xsd:element>
+    <xsd:element name="TPLaunchHelpLinkType" ma:index="67" nillable="true" ma:displayName="Launch Help Link Type" ma:default="Template" ma:internalName="TPLaunchHelpLinkType">
+      <xsd:simpleType>
+        <xsd:restriction base="dms:Choice">
+          <xsd:enumeration value="Template"/>
+          <xsd:enumeration value="Training"/>
+          <xsd:enumeration value="URL"/>
+          <xsd:enumeration value="None"/>
+        </xsd:restriction>
+      </xsd:simpleType>
+    </xsd:element>
+    <xsd:element name="LegacyData" ma:index="68" nillable="true" ma:displayName="Legacy Data" ma:default="" ma:internalName="LegacyData" ma:readOnly="false">
+      <xsd:simpleType>
+        <xsd:restriction base="dms:Note"/>
+      </xsd:simpleType>
+    </xsd:element>
+    <xsd:element name="TPLaunchHelpLink" ma:index="69" nillable="true" ma:displayName="Link to Launch Help Topic" ma:default="" ma:internalName="TPLaunchHelpLink">
+      <xsd:simpleType>
+        <xsd:restriction base="dms:Text"/>
+      </xsd:simpleType>
+    </xsd:element>
+    <xsd:element name="LocComments" ma:index="70" nillable="true" ma:displayName="Loc Approval Comments" ma:default="" ma:internalName="LocComments" ma:readOnly="false">
+      <xsd:simpleType>
+        <xsd:restriction base="dms:Note"/>
+      </xsd:simpleType>
+    </xsd:element>
+    <xsd:element name="LocLastLocAttemptVersionLookup" ma:index="71" nillable="true" ma:displayName="Loc Last Loc Attempt Version" ma:default="" ma:list="{7DD1DCEC-E449-43D3-891F-7DC62F62AD21}" ma:internalName="LocLastLocAttemptVersionLookup" ma:readOnly="false" ma:showField="LastLocAttemptVersion" ma:web="4873beb7-5857-4685-be1f-d57550cc96cc">
+      <xsd:simpleType>
+        <xsd:restriction base="dms:Lookup"/>
+      </xsd:simpleType>
+    </xsd:element>
+    <xsd:element name="LocLastLocAttemptVersionTypeLookup" ma:index="72" nillable="true" ma:displayName="Loc Last Loc Attempt Version Type" ma:default="" ma:list="{7DD1DCEC-E449-43D3-891F-7DC62F62AD21}" ma:internalName="LocLastLocAttemptVersionTypeLookup" ma:readOnly="true" ma:showField="LastLocAttemptVersionType" ma:web="4873beb7-5857-4685-be1f-d57550cc96cc">
+      <xsd:simpleType>
+        <xsd:restriction base="dms:Lookup"/>
+      </xsd:simpleType>
+    </xsd:element>
+    <xsd:element name="LocManualTestRequired" ma:index="73" nillable="true" ma:displayName="Loc Manual Test Required" ma:default="" ma:internalName="LocManualTestRequired" ma:readOnly="false">
+      <xsd:simpleType>
+        <xsd:restriction base="dms:Boolean"/>
+      </xsd:simpleType>
+    </xsd:element>
+    <xsd:element name="LocMarketGroupTiers2" ma:index="74" nillable="true" ma:displayName="Loc Market Group Tiers" ma:internalName="LocMarketGroupTiers2" ma:readOnly="false">
+      <xsd:simpleType>
+        <xsd:restriction base="dms:Unknown"/>
+      </xsd:simpleType>
+    </xsd:element>
+    <xsd:element name="LocNewPublishedVersionLookup" ma:index="75" nillable="true" ma:displayName="Loc New Published Version Lookup" ma:default="" ma:list="{7DD1DCEC-E449-43D3-891F-7DC62F62AD21}" ma:internalName="LocNewPublishedVersionLookup" ma:readOnly="true" ma:showField="NewPublishedVersion" ma:web="4873beb7-5857-4685-be1f-d57550cc96cc">
+      <xsd:simpleType>
+        <xsd:restriction base="dms:Lookup"/>
+      </xsd:simpleType>
+    </xsd:element>
+    <xsd:element name="LocOverallHandbackStatusLookup" ma:index="76" nillable="true" ma:displayName="Loc Overall Handback Status" ma:default="" ma:list="{7DD1DCEC-E449-43D3-891F-7DC62F62AD21}" ma:internalName="LocOverallHandbackStatusLookup" ma:readOnly="true" ma:showField="OverallHandbackStatus" ma:web="4873beb7-5857-4685-be1f-d57550cc96cc">
+      <xsd:simpleType>
+        <xsd:restriction base="dms:Lookup"/>
+      </xsd:simpleType>
+    </xsd:element>
+    <xsd:element name="LocOverallLocStatusLookup" ma:index="77" nillable="true" ma:displayName="Loc Overall Localize Status" ma:default="" ma:list="{7DD1DCEC-E449-43D3-891F-7DC62F62AD21}" ma:internalName="LocOverallLocStatusLookup" ma:readOnly="true" ma:showField="OverallLocStatus" ma:web="4873beb7-5857-4685-be1f-d57550cc96cc">
+      <xsd:simpleType>
+        <xsd:restriction base="dms:Lookup"/>
+      </xsd:simpleType>
+    </xsd:element>
+    <xsd:element name="LocOverallPreviewStatusLookup" ma:index="78" nillable="true" ma:displayName="Loc Overall Preview Status" ma:default="" ma:list="{7DD1DCEC-E449-43D3-891F-7DC62F62AD21}" ma:internalName="LocOverallPreviewStatusLookup" ma:readOnly="true" ma:showField="OverallPreviewStatus" ma:web="4873beb7-5857-4685-be1f-d57550cc96cc">
+      <xsd:simpleType>
+        <xsd:restriction base="dms:Lookup"/>
+      </xsd:simpleType>
+    </xsd:element>
+    <xsd:element name="LocOverallPublishStatusLookup" ma:index="79" nillable="true" ma:displayName="Loc Overall Publish Status" ma:default="" ma:list="{7DD1DCEC-E449-43D3-891F-7DC62F62AD21}" ma:internalName="LocOverallPublishStatusLookup" ma:readOnly="true" ma:showField="OverallPublishStatus" ma:web="4873beb7-5857-4685-be1f-d57550cc96cc">
+      <xsd:simpleType>
+        <xsd:restriction base="dms:Lookup"/>
+      </xsd:simpleType>
+    </xsd:element>
+    <xsd:element name="IntlLocPriority" ma:index="80" nillable="true" ma:displayName="Loc Priority" ma:default="" ma:internalName="IntlLocPriority" ma:readOnly="false">
+      <xsd:simpleType>
+        <xsd:restriction base="dms:Unknown"/>
+      </xsd:simpleType>
+    </xsd:element>
+    <xsd:element name="LocProcessedForHandoffsLookup" ma:index="81" nillable="true" ma:displayName="Loc Processed For Handoffs" ma:default="" ma:list="{7DD1DCEC-E449-43D3-891F-7DC62F62AD21}" ma:internalName="LocProcessedForHandoffsLookup" ma:readOnly="true" ma:showField="ProcessedForHandoffs" ma:web="4873beb7-5857-4685-be1f-d57550cc96cc">
+      <xsd:simpleType>
+        <xsd:restriction base="dms:Lookup"/>
+      </xsd:simpleType>
+    </xsd:element>
+    <xsd:element name="LocProcessedForMarketsLookup" ma:index="82" nillable="true" ma:displayName="Loc Processed For Markets" ma:default="" ma:list="{7DD1DCEC-E449-43D3-891F-7DC62F62AD21}" ma:internalName="LocProcessedForMarketsLookup" ma:readOnly="true" ma:showField="ProcessedForMarkets" ma:web="4873beb7-5857-4685-be1f-d57550cc96cc">
+      <xsd:simpleType>
+        <xsd:restriction base="dms:Lookup"/>
+      </xsd:simpleType>
+    </xsd:element>
+    <xsd:element name="LocPublishedDependentAssetsLookup" ma:index="83" nillable="true" ma:displayName="Loc Published Dependent Assets" ma:default="" ma:list="{7DD1DCEC-E449-43D3-891F-7DC62F62AD21}" ma:internalName="LocPublishedDependentAssetsLookup" ma:readOnly="true" ma:showField="PublishedDependentAssets" ma:web="4873beb7-5857-4685-be1f-d57550cc96cc">
+      <xsd:simpleType>
+        <xsd:restriction base="dms:Lookup"/>
+      </xsd:simpleType>
+    </xsd:element>
+    <xsd:element name="LocPublishedLinkedAssetsLookup" ma:index="84" nillable="true" ma:displayName="Loc Published Linked Assets" ma:default="" ma:list="{7DD1DCEC-E449-43D3-891F-7DC62F62AD21}" ma:internalName="LocPublishedLinkedAssetsLookup" ma:readOnly="true" ma:showField="PublishedLinkedAssets" ma:web="4873beb7-5857-4685-be1f-d57550cc96cc">
+      <xsd:simpleType>
+        <xsd:restriction base="dms:Lookup"/>
+      </xsd:simpleType>
+    </xsd:element>
+    <xsd:element name="LocRecommendedHandoff" ma:index="85" nillable="true" ma:displayName="Loc Recommended Handoff" ma:default="" ma:indexed="true" ma:internalName="LocRecommendedHandoff" ma:readOnly="false">
+      <xsd:simpleType>
+        <xsd:restriction base="dms:Text"/>
+      </xsd:simpleType>
+    </xsd:element>
+    <xsd:element name="LocalizationTagsTaxHTField0" ma:index="87" nillable="true" ma:taxonomy="true" ma:internalName="LocalizationTagsTaxHTField0" ma:taxonomyFieldName="LocalizationTags" ma:displayName="Localization Tags" ma:readOnly="false" ma:default="" ma:fieldId="{00f02cb3-2c7c-424a-9c61-10e9b6878429}" ma:taxonomyMulti="true" ma:sspId="8f79753a-75d3-41f5-8ca3-40b843941b4f" ma:termSetId="5b7703a5-8e8b-4b58-8b31-1cea35331da3" ma:anchorId="00000000-0000-0000-0000-000000000000" ma:open="false" ma:isKeyword="false">
+      <xsd:complexType>
+        <xsd:sequence>
+          <xsd:element ref="pc:Terms" minOccurs="0" maxOccurs="1"/>
+        </xsd:sequence>
+      </xsd:complexType>
+    </xsd:element>
+    <xsd:element name="MachineTranslated" ma:index="88" nillable="true" ma:displayName="Machine Translated" ma:default="" ma:internalName="MachineTranslated" ma:readOnly="false">
+      <xsd:simpleType>
+        <xsd:restriction base="dms:Boolean"/>
+      </xsd:simpleType>
+    </xsd:element>
+    <xsd:element name="Manager" ma:index="89" nillable="true" ma:displayName="Manager" ma:hidden="true" ma:internalName="Manager" ma:readOnly="false">
+      <xsd:simpleType>
+        <xsd:restriction base="dms:Text"/>
+      </xsd:simpleType>
+    </xsd:element>
+    <xsd:element name="Markets" ma:index="90" nillable="true" ma:displayName="Markets" ma:default="" ma:description="Leave blank to show in all markets" ma:list="{2FBD1B11-2ACE-4FDC-B5A3-635D4ADF6F1B}" ma:internalName="Markets" ma:readOnly="false" ma:showField="MarketName" ma:web="4873beb7-5857-4685-be1f-d57550cc96cc">
+      <xsd:complexType>
+        <xsd:complexContent>
+          <xsd:extension base="dms:MultiChoiceLookup">
+            <xsd:sequence>
+              <xsd:element name="Value" type="dms:Lookup" maxOccurs="unbounded" minOccurs="0" nillable="true"/>
+            </xsd:sequence>
+          </xsd:extension>
+        </xsd:complexContent>
+      </xsd:complexType>
+    </xsd:element>
+    <xsd:element name="Milestone" ma:index="91" nillable="true" ma:displayName="Milestone" ma:default="" ma:internalName="Milestone" ma:readOnly="false">
+      <xsd:simpleType>
+        <xsd:restriction base="dms:Unknown"/>
+      </xsd:simpleType>
+    </xsd:element>
+    <xsd:element name="TPNamespace" ma:index="94" nillable="true" ma:displayName="Namespace" ma:default="" ma:internalName="TPNamespace">
+      <xsd:simpleType>
+        <xsd:restriction base="dms:Text"/>
+      </xsd:simpleType>
+    </xsd:element>
+    <xsd:element name="NumericId" ma:index="95" nillable="true" ma:displayName="Numeric ID" ma:default="" ma:indexed="true" ma:internalName="NumericId" ma:readOnly="false">
+      <xsd:simpleType>
+        <xsd:restriction base="dms:Number"/>
+      </xsd:simpleType>
+    </xsd:element>
+    <xsd:element name="NumOfRatingsLookup" ma:index="96" nillable="true" ma:displayName="NumOfRatings" ma:default="" ma:list="{9E343742-310B-4684-A24C-1D137CB4B230}" ma:internalName="NumOfRatingsLookup" ma:readOnly="true" ma:showField="NumOfRatings" ma:web="4873beb7-5857-4685-be1f-d57550cc96cc">
+      <xsd:complexType>
+        <xsd:complexContent>
+          <xsd:extension base="dms:MultiChoiceLookup">
+            <xsd:sequence>
+              <xsd:element name="Value" type="dms:Lookup" maxOccurs="unbounded" minOccurs="0" nillable="true"/>
+            </xsd:sequence>
+          </xsd:extension>
+        </xsd:complexContent>
+      </xsd:complexType>
+    </xsd:element>
+    <xsd:element name="OOCacheId" ma:index="97" nillable="true" ma:displayName="OOCacheId" ma:internalName="OOCacheId" ma:readOnly="false">
+      <xsd:simpleType>
+        <xsd:restriction base="dms:Text"/>
+      </xsd:simpleType>
+    </xsd:element>
+    <xsd:element name="OpenTemplate" ma:index="98" nillable="true" ma:displayName="Open Template" ma:default="true" ma:internalName="OpenTemplate">
+      <xsd:simpleType>
+        <xsd:restriction base="dms:Boolean"/>
+      </xsd:simpleType>
+    </xsd:element>
+    <xsd:element name="OriginAsset" ma:index="99" nillable="true" ma:displayName="Origin Asset" ma:default="" ma:internalName="OriginAsset" ma:readOnly="false">
+      <xsd:simpleType>
+        <xsd:restriction base="dms:Text"/>
+      </xsd:simpleType>
+    </xsd:element>
+    <xsd:element name="OriginalRelease" ma:index="100" nillable="true" ma:displayName="Original Release" ma:default="15" ma:internalName="OriginalRelease" ma:readOnly="false">
+      <xsd:simpleType>
+        <xsd:restriction base="dms:Choice">
+          <xsd:enumeration value="14"/>
+          <xsd:enumeration value="15"/>
+          <xsd:enumeration value="16"/>
+        </xsd:restriction>
+      </xsd:simpleType>
+    </xsd:element>
+    <xsd:element name="OriginalSourceMarket" ma:index="101" nillable="true" ma:displayName="Original Source Market Group" ma:default="" ma:internalName="OriginalSourceMarket" ma:readOnly="false">
+      <xsd:simpleType>
+        <xsd:restriction base="dms:Text"/>
+      </xsd:simpleType>
+    </xsd:element>
+    <xsd:element name="OutputCachingOn" ma:index="102" nillable="true" ma:displayName="Output Caching" ma:default="true" ma:hidden="true" ma:internalName="OutputCachingOn" ma:readOnly="false">
+      <xsd:simpleType>
+        <xsd:restriction base="dms:Boolean"/>
+      </xsd:simpleType>
+    </xsd:element>
+    <xsd:element name="ParentAssetId" ma:index="103" nillable="true" ma:displayName="Parent Asset Id" ma:default="" ma:internalName="ParentAssetId" ma:readOnly="false">
+      <xsd:simpleType>
+        <xsd:restriction base="dms:Text"/>
+      </xsd:simpleType>
+    </xsd:element>
+    <xsd:element name="PlannedPubDate" ma:index="104" nillable="true" ma:displayName="Planned Publish Date" ma:default="" ma:indexed="true" ma:internalName="PlannedPubDate" ma:readOnly="false">
+      <xsd:simpleType>
+        <xsd:restriction base="dms:DateTime"/>
+      </xsd:simpleType>
+    </xsd:element>
+    <xsd:element name="PolicheckWords" ma:index="105" nillable="true" ma:displayName="Policheck Words" ma:default="" ma:internalName="PolicheckWords" ma:readOnly="false">
+      <xsd:simpleType>
+        <xsd:restriction base="dms:Text"/>
+      </xsd:simpleType>
+    </xsd:element>
+    <xsd:element name="BusinessGroup" ma:index="106" nillable="true" ma:displayName="Product Division Owner" ma:default="" ma:internalName="BusinessGroup" ma:readOnly="false">
+      <xsd:simpleType>
+        <xsd:restriction base="dms:Unknown"/>
+      </xsd:simpleType>
+    </xsd:element>
+    <xsd:element name="UAProjectedTotalWords" ma:index="107" nillable="true" ma:displayName="Projected Word Count" ma:default="" ma:internalName="UAProjectedTotalWords" ma:readOnly="false">
+      <xsd:simpleType>
+        <xsd:restriction base="dms:Unknown"/>
+      </xsd:simpleType>
+    </xsd:element>
+    <xsd:element name="Provider" ma:index="108" nillable="true" ma:displayName="Provider" ma:default="" ma:internalName="Provider" ma:readOnly="false">
+      <xsd:simpleType>
+        <xsd:restriction base="dms:Unknown"/>
+      </xsd:simpleType>
+    </xsd:element>
+    <xsd:element name="Providers" ma:index="109" nillable="true" ma:displayName="Providers" ma:default="" ma:internalName="Providers">
+      <xsd:simpleType>
+        <xsd:restriction base="dms:Unknown"/>
+      </xsd:simpleType>
+    </xsd:element>
+    <xsd:element name="PublishStatusLookup" ma:index="110" nillable="true" ma:displayName="Publish Status" ma:default="" ma:list="{9E343742-310B-4684-A24C-1D137CB4B230}" ma:internalName="PublishStatusLookup" ma:readOnly="false" ma:showField="PublishStatus" ma:web="4873beb7-5857-4685-be1f-d57550cc96cc">
+      <xsd:complexType>
+        <xsd:complexContent>
+          <xsd:extension base="dms:MultiChoiceLookup">
+            <xsd:sequence>
+              <xsd:element name="Value" type="dms:Lookup" maxOccurs="unbounded" minOccurs="0" nillable="true"/>
+            </xsd:sequence>
+          </xsd:extension>
+        </xsd:complexContent>
+      </xsd:complexType>
+    </xsd:element>
+    <xsd:element name="PublishTargets" ma:index="111" nillable="true" ma:displayName="Publish Target" ma:default="OfficeOnlineVNext" ma:internalName="PublishTargets" ma:readOnly="false">
+      <xsd:simpleType>
+        <xsd:restriction base="dms:Unknown"/>
+      </xsd:simpleType>
+    </xsd:element>
+    <xsd:element name="RecommendationsModifier" ma:index="112" nillable="true" ma:displayName="Recommendations Modifier" ma:default="" ma:internalName="RecommendationsModifier" ma:readOnly="false">
+      <xsd:simpleType>
+        <xsd:restriction base="dms:Number"/>
+      </xsd:simpleType>
+    </xsd:element>
+    <xsd:element name="ArtSampleDocs" ma:index="113" nillable="true" ma:displayName="Sample Docs" ma:default="" ma:hidden="true" ma:internalName="ArtSampleDocs" ma:readOnly="false">
+      <xsd:simpleType>
+        <xsd:restriction base="dms:Text"/>
+      </xsd:simpleType>
+    </xsd:element>
+    <xsd:element name="ScenarioTagsTaxHTField0" ma:index="115" nillable="true" ma:taxonomy="true" ma:internalName="ScenarioTagsTaxHTField0" ma:taxonomyFieldName="ScenarioTags" ma:displayName="Scenarios" ma:readOnly="false" ma:default="" ma:fieldId="{93aef74d-6c78-4815-8310-51477dceeccc}" ma:taxonomyMulti="true" ma:sspId="8f79753a-75d3-41f5-8ca3-40b843941b4f" ma:termSetId="4b7d5f16-e2f2-4fc0-bab3-6e8b931e57d6" ma:anchorId="00000000-0000-0000-0000-000000000000" ma:open="false" ma:isKeyword="false">
+      <xsd:complexType>
+        <xsd:sequence>
+          <xsd:element ref="pc:Terms" minOccurs="0" maxOccurs="1"/>
+        </xsd:sequence>
+      </xsd:complexType>
+    </xsd:element>
+    <xsd:element name="ShowIn" ma:index="117" nillable="true" ma:displayName="Show In" ma:default="Show everywhere" ma:internalName="ShowIn" ma:readOnly="false">
+      <xsd:simpleType>
+        <xsd:restriction base="dms:Choice">
+          <xsd:enumeration value="Hide on web"/>
+          <xsd:enumeration value="On Web no search"/>
+          <xsd:enumeration value="Show everywhere"/>
+          <xsd:enumeration value="Special use only"/>
+        </xsd:restriction>
+      </xsd:simpleType>
+    </xsd:element>
+    <xsd:element name="SourceTitle" ma:index="118" nillable="true" ma:displayName="Source Title" ma:default="" ma:indexed="true" ma:internalName="SourceTitle" ma:readOnly="false">
+      <xsd:simpleType>
+        <xsd:restriction base="dms:Text"/>
+      </xsd:simpleType>
+    </xsd:element>
+    <xsd:element name="CSXSubmissionDate" ma:index="119" nillable="true" ma:displayName="Submission Date" ma:default="" ma:internalName="CSXSubmissionDate" ma:readOnly="false">
+      <xsd:simpleType>
+        <xsd:restriction base="dms:DateTime"/>
+      </xsd:simpleType>
+    </xsd:element>
+    <xsd:element name="SubmitterId" ma:index="120" nillable="true" ma:displayName="Submitter ID" ma:default="" ma:internalName="SubmitterId" ma:readOnly="false">
+      <xsd:simpleType>
+        <xsd:restriction base="dms:Text"/>
+      </xsd:simpleType>
+    </xsd:element>
+    <xsd:element name="TaxCatchAll" ma:index="121" nillable="true" ma:displayName="Taxonomy Catch All Column" ma:hidden="true" ma:list="{530f955b-6704-4601-bd83-f81d87f1e440}" ma:internalName="TaxCatchAll" ma:showField="CatchAllData" ma:web="4873beb7-5857-4685-be1f-d57550cc96cc">
+      <xsd:complexType>
+        <xsd:complexContent>
+          <xsd:extension base="dms:MultiChoiceLookup">
+            <xsd:sequence>
+              <xsd:element name="Value" type="dms:Lookup" maxOccurs="unbounded" minOccurs="0" nillable="true"/>
+            </xsd:sequence>
+          </xsd:extension>
+        </xsd:complexContent>
+      </xsd:complexType>
+    </xsd:element>
+    <xsd:element name="TaxCatchAllLabel" ma:index="122" nillable="true" ma:displayName="Taxonomy Catch All Column1" ma:hidden="true" ma:list="{530f955b-6704-4601-bd83-f81d87f1e440}" ma:internalName="TaxCatchAllLabel" ma:readOnly="true" ma:showField="CatchAllDataLabel" ma:web="4873beb7-5857-4685-be1f-d57550cc96cc">
+      <xsd:complexType>
+        <xsd:complexContent>
+          <xsd:extension base="dms:MultiChoiceLookup">
+            <xsd:sequence>
+              <xsd:element name="Value" type="dms:Lookup" maxOccurs="unbounded" minOccurs="0" nillable="true"/>
+            </xsd:sequence>
+          </xsd:extension>
+        </xsd:complexContent>
+      </xsd:complexType>
+    </xsd:element>
+    <xsd:element name="TemplateStatus" ma:index="123" nillable="true" ma:displayName="Template Status" ma:default="" ma:internalName="TemplateStatus">
+      <xsd:simpleType>
+        <xsd:restriction base="dms:Unknown"/>
+      </xsd:simpleType>
+    </xsd:element>
+    <xsd:element name="TemplateTemplateType" ma:index="124" nillable="true" ma:displayName="Template Type" ma:default="" ma:internalName="TemplateTemplateType">
+      <xsd:simpleType>
+        <xsd:restriction base="dms:Unknown"/>
+      </xsd:simpleType>
+    </xsd:element>
+    <xsd:element name="ThumbnailAssetId" ma:index="125" nillable="true" ma:displayName="Thumbnail Image Asset" ma:default="" ma:internalName="ThumbnailAssetId" ma:readOnly="false">
+      <xsd:simpleType>
+        <xsd:restriction base="dms:Text"/>
+      </xsd:simpleType>
+    </xsd:element>
+    <xsd:element name="TimesCloned" ma:index="126" nillable="true" ma:displayName="Times Cloned" ma:default="" ma:internalName="TimesCloned" ma:readOnly="false">
+      <xsd:simpleType>
+        <xsd:restriction base="dms:Number"/>
+      </xsd:simpleType>
+    </xsd:element>
+    <xsd:element name="TrustLevel" ma:index="128" nillable="true" ma:displayName="Trust Level" ma:default="1 Microsoft Managed Content" ma:internalName="TrustLevel" ma:readOnly="false">
+      <xsd:simpleType>
+        <xsd:restriction base="dms:Unknown"/>
+      </xsd:simpleType>
+    </xsd:element>
+    <xsd:element name="UALocComments" ma:index="129" nillable="true" ma:displayName="UA Loc Comments" ma:default="" ma:internalName="UALocComments" ma:readOnly="false">
+      <xsd:simpleType>
+        <xsd:restriction base="dms:Note"/>
+      </xsd:simpleType>
+    </xsd:element>
+    <xsd:element name="UALocRecommendation" ma:index="130" nillable="true" ma:displayName="UA Loc Recommendation" ma:default="Localize" ma:internalName="UALocRecommendation" ma:readOnly="false">
+      <xsd:simpleType>
+        <xsd:restriction base="dms:Choice">
+          <xsd:enumeration value="Localize"/>
+          <xsd:enumeration value="Never Localize"/>
+          <xsd:enumeration value="Priority Localize"/>
+        </xsd:restriction>
+      </xsd:simpleType>
+    </xsd:element>
+    <xsd:element name="UANotes" ma:index="131" nillable="true" ma:displayName="UA Notes" ma:default="" ma:internalName="UANotes" ma:readOnly="false">
+      <xsd:simpleType>
+        <xsd:restriction base="dms:Note"/>
+      </xsd:simpleType>
+    </xsd:element>
+    <xsd:element name="TPAppVersion" ma:index="132" nillable="true" ma:displayName="Version" ma:default="" ma:internalName="TPAppVersion">
+      <xsd:simpleType>
+        <xsd:restriction base="dms:Text"/>
+      </xsd:simpleType>
+    </xsd:element>
+    <xsd:element name="VoteCount" ma:index="133" nillable="true" ma:displayName="Vote Count" ma:default="" ma:internalName="VoteCount" ma:readOnly="false">
+      <xsd:simpleType>
+        <xsd:restriction base="dms:Unknown"/>
+      </xsd:simpleType>
+    </xsd:element>
+  </xsd:schema>
+  <xsd:schema xmlns="http://schemas.openxmlformats.org/package/2006/metadata/core-properties" xmlns:xsd="http://www.w3.org/2001/XMLSchema" xmlns:xsi="http://www.w3.org/2001/XMLSchema-instance" xmlns:dc="http://purl.org/dc/elements/1.1/" xmlns:dcterms="http://purl.org/dc/terms/" xmlns:odoc="http://schemas.microsoft.com/internal/obd" targetNamespace="http://schemas.openxmlformats.org/package/2006/metadata/core-properties" elementFormDefault="qualified" attributeFormDefault="unqualified" blockDefault="#all">
+    <xsd:import namespace="http://purl.org/dc/elements/1.1/" schemaLocation="http://dublincore.org/schemas/xmls/qdc/2003/04/02/dc.xsd"/>
+    <xsd:import namespace="http://purl.org/dc/terms/" schemaLocation="http://dublincore.org/schemas/xmls/qdc/2003/04/02/dcterms.xsd"/>
+    <xsd:element name="coreProperties" type="CT_coreProperties"/>
+    <xsd:complexType name="CT_coreProperties">
+      <xsd:all>
+        <xsd:element ref="dc:creator" minOccurs="0" maxOccurs="1"/>
+        <xsd:element ref="dcterms:created" minOccurs="0" maxOccurs="1"/>
+        <xsd:element ref="dc:identifier" minOccurs="0" maxOccurs="1"/>
+        <xsd:element name="contentType" minOccurs="0" maxOccurs="1" type="xsd:string" ma:index="22" ma:displayName="Content Type"/>
+        <xsd:element ref="dc:title" minOccurs="0" maxOccurs="1" ma:index="127" ma:displayName="Title"/>
+        <xsd:element ref="dc:subject" minOccurs="0" maxOccurs="1"/>
+        <xsd:element ref="dc:description" minOccurs="0" maxOccurs="1"/>
+        <xsd:element name="keywords" minOccurs="0" maxOccurs="1" type="xsd:string"/>
+        <xsd:element ref="dc:language" minOccurs="0" maxOccurs="1"/>
+        <xsd:element name="category" minOccurs="0" maxOccurs="1" type="xsd:string"/>
+        <xsd:element name="version" minOccurs="0" maxOccurs="1" type="xsd:string"/>
+        <xsd:element name="revision" minOccurs="0" maxOccurs="1" type="xsd:string">
+          <xsd:annotation>
+            <xsd:documentation>
+                        This value indicates the number of saves or revisions. The application is responsible for updating this value after each revision.
+                    </xsd:documentation>
+          </xsd:annotation>
+        </xsd:element>
+        <xsd:element name="lastModifiedBy" minOccurs="0" maxOccurs="1" type="xsd:string"/>
+        <xsd:element ref="dcterms:modified" minOccurs="0" maxOccurs="1"/>
+        <xsd:element name="contentStatus" minOccurs="0" maxOccurs="1" type="xsd:string"/>
+      </xsd:all>
+    </xsd:complexType>
+  </xsd:schema>
+  <xs:schema xmlns:pc="http://schemas.microsoft.com/office/infopath/2007/PartnerControls" xmlns:xs="http://www.w3.org/2001/XMLSchema" targetNamespace="http://schemas.microsoft.com/office/infopath/2007/PartnerControls" elementFormDefault="qualified" attributeFormDefault="unqualified">
+    <xs:element name="Person">
+      <xs:complexType>
+        <xs:sequence>
+          <xs:element ref="pc:DisplayName" minOccurs="0"/>
+          <xs:element ref="pc:AccountId" minOccurs="0"/>
+          <xs:element ref="pc:AccountType" minOccurs="0"/>
+        </xs:sequence>
+      </xs:complexType>
+    </xs:element>
+    <xs:element name="DisplayName" type="xs:string"/>
+    <xs:element name="AccountId" type="xs:string"/>
+    <xs:element name="AccountType" type="xs:string"/>
+    <xs:element name="BDCAssociatedEntity">
+      <xs:complexType>
+        <xs:sequence>
+          <xs:element ref="pc:BDCEntity" minOccurs="0" maxOccurs="unbounded"/>
+        </xs:sequence>
+        <xs:attribute ref="pc:EntityNamespace"/>
+        <xs:attribute ref="pc:EntityName"/>
+        <xs:attribute ref="pc:SystemInstanceName"/>
+        <xs:attribute ref="pc:AssociationName"/>
+      </xs:complexType>
+    </xs:element>
+    <xs:attribute name="EntityNamespace" type="xs:string"/>
+    <xs:attribute name="EntityName" type="xs:string"/>
+    <xs:attribute name="SystemInstanceName" type="xs:string"/>
+    <xs:attribute name="AssociationName" type="xs:string"/>
+    <xs:element name="BDCEntity">
+      <xs:complexType>
+        <xs:sequence>
+          <xs:element ref="pc:EntityDisplayName" minOccurs="0"/>
+          <xs:element ref="pc:EntityInstanceReference" minOccurs="0"/>
+          <xs:element ref="pc:EntityId1" minOccurs="0"/>
+          <xs:element ref="pc:EntityId2" minOccurs="0"/>
+          <xs:element ref="pc:EntityId3" minOccurs="0"/>
+          <xs:element ref="pc:EntityId4" minOccurs="0"/>
+          <xs:element ref="pc:EntityId5" minOccurs="0"/>
+        </xs:sequence>
+      </xs:complexType>
+    </xs:element>
+    <xs:element name="EntityDisplayName" type="xs:string"/>
+    <xs:element name="EntityInstanceReference" type="xs:string"/>
+    <xs:element name="EntityId1" type="xs:string"/>
+    <xs:element name="EntityId2" type="xs:string"/>
+    <xs:element name="EntityId3" type="xs:string"/>
+    <xs:element name="EntityId4" type="xs:string"/>
+    <xs:element name="EntityId5" type="xs:string"/>
+    <xs:element name="Terms">
+      <xs:complexType>
+        <xs:sequence>
+          <xs:element ref="pc:TermInfo" minOccurs="0" maxOccurs="unbounded"/>
+        </xs:sequence>
+      </xs:complexType>
+    </xs:element>
+    <xs:element name="TermInfo">
+      <xs:complexType>
+        <xs:sequence>
+          <xs:element ref="pc:TermName" minOccurs="0"/>
+          <xs:element ref="pc:TermId" minOccurs="0"/>
+        </xs:sequence>
+      </xs:complexType>
+    </xs:element>
+    <xs:element name="TermName" type="xs:string"/>
+    <xs:element name="TermId" type="xs:string"/>
+  </xs:schema>
+</ct:contentTypeSchema>
+</file>
+
+<file path=customXml/item3.xml><?xml version="1.0" encoding="utf-8"?>
 <p:properties xmlns:p="http://schemas.microsoft.com/office/2006/metadata/properties" xmlns:xsi="http://www.w3.org/2001/XMLSchema-instance" xmlns:pc="http://schemas.microsoft.com/office/infopath/2007/PartnerControls">
   <documentManagement>
     <LocPublishedLinkedAssetsLookup xmlns="4873beb7-5857-4685-be1f-d57550cc96cc" xsi:nil="true"/>
@@ -11174,1046 +10389,6 @@
 </p:properties>
 </file>
 
-<file path=customXml/item3.xml><?xml version="1.0" encoding="utf-8"?>
-<ct:contentTypeSchema xmlns:ct="http://schemas.microsoft.com/office/2006/metadata/contentType" xmlns:ma="http://schemas.microsoft.com/office/2006/metadata/properties/metaAttributes" ct:_="" ma:_="" ma:contentTypeName="TemplateFile" ma:contentTypeID="0x0101006EDDDB5EE6D98C44930B742096920B300400F5B6D36B3EF94B4E9A635CDF2A18F5B8" ma:contentTypeVersion="72" ma:contentTypeDescription="Create a new document." ma:contentTypeScope="" ma:versionID="a23e56308344d904b51738559c3d67c9">
-  <xsd:schema xmlns:xsd="http://www.w3.org/2001/XMLSchema" xmlns:xs="http://www.w3.org/2001/XMLSchema" xmlns:p="http://schemas.microsoft.com/office/2006/metadata/properties" xmlns:ns2="4873beb7-5857-4685-be1f-d57550cc96cc" targetNamespace="http://schemas.microsoft.com/office/2006/metadata/properties" ma:root="true" ma:fieldsID="cd0908cc4600e77bf5da051303e00c8d" ns2:_="">
-    <xsd:import namespace="4873beb7-5857-4685-be1f-d57550cc96cc"/>
-    <xsd:element name="properties">
-      <xsd:complexType>
-        <xsd:sequence>
-          <xsd:element name="documentManagement">
-            <xsd:complexType>
-              <xsd:all>
-                <xsd:element ref="ns2:AcquiredFrom" minOccurs="0"/>
-                <xsd:element ref="ns2:UACurrentWords" minOccurs="0"/>
-                <xsd:element ref="ns2:TPApplication" minOccurs="0"/>
-                <xsd:element ref="ns2:ApprovalLog" minOccurs="0"/>
-                <xsd:element ref="ns2:ApprovalStatus" minOccurs="0"/>
-                <xsd:element ref="ns2:AssetStart" minOccurs="0"/>
-                <xsd:element ref="ns2:AssetExpire" minOccurs="0"/>
-                <xsd:element ref="ns2:AssetId" minOccurs="0"/>
-                <xsd:element ref="ns2:IsSearchable" minOccurs="0"/>
-                <xsd:element ref="ns2:AssetType" minOccurs="0"/>
-                <xsd:element ref="ns2:APAuthor" minOccurs="0"/>
-                <xsd:element ref="ns2:AverageRating" minOccurs="0"/>
-                <xsd:element ref="ns2:BlockPublish" minOccurs="0"/>
-                <xsd:element ref="ns2:BugNumber" minOccurs="0"/>
-                <xsd:element ref="ns2:CampaignTagsTaxHTField0" minOccurs="0"/>
-                <xsd:element ref="ns2:TPClientViewer" minOccurs="0"/>
-                <xsd:element ref="ns2:ClipArtFilename" minOccurs="0"/>
-                <xsd:element ref="ns2:TPCommandLine" minOccurs="0"/>
-                <xsd:element ref="ns2:TPComponent" minOccurs="0"/>
-                <xsd:element ref="ns2:ContentItem" minOccurs="0"/>
-                <xsd:element ref="ns2:CrawlForDependencies" minOccurs="0"/>
-                <xsd:element ref="ns2:CSXHash" minOccurs="0"/>
-                <xsd:element ref="ns2:CSXSubmissionMarket" minOccurs="0"/>
-                <xsd:element ref="ns2:CSXUpdate" minOccurs="0"/>
-                <xsd:element ref="ns2:IntlLangReviewDate" minOccurs="0"/>
-                <xsd:element ref="ns2:IsDeleted" minOccurs="0"/>
-                <xsd:element ref="ns2:APDescription" minOccurs="0"/>
-                <xsd:element ref="ns2:DirectSourceMarket" minOccurs="0"/>
-                <xsd:element ref="ns2:Downloads" minOccurs="0"/>
-                <xsd:element ref="ns2:DSATActionTaken" minOccurs="0"/>
-                <xsd:element ref="ns2:APEditor" minOccurs="0"/>
-                <xsd:element ref="ns2:EditorialStatus" minOccurs="0"/>
-                <xsd:element ref="ns2:EditorialTags" minOccurs="0"/>
-                <xsd:element ref="ns2:TPExecutable" minOccurs="0"/>
-                <xsd:element ref="ns2:FeatureTagsTaxHTField0" minOccurs="0"/>
-                <xsd:element ref="ns2:TPFriendlyName" minOccurs="0"/>
-                <xsd:element ref="ns2:FriendlyTitle" minOccurs="0"/>
-                <xsd:element ref="ns2:PrimaryImageGen" minOccurs="0"/>
-                <xsd:element ref="ns2:HandoffToMSDN" minOccurs="0"/>
-                <xsd:element ref="ns2:InProjectListLookup" minOccurs="0"/>
-                <xsd:element ref="ns2:TPInstallLocation" minOccurs="0"/>
-                <xsd:element ref="ns2:InternalTagsTaxHTField0" minOccurs="0"/>
-                <xsd:element ref="ns2:IntlLangReview" minOccurs="0"/>
-                <xsd:element ref="ns2:IntlLangReviewer" minOccurs="0"/>
-                <xsd:element ref="ns2:MarketSpecific" minOccurs="0"/>
-                <xsd:element ref="ns2:LastCompleteVersionLookup" minOccurs="0"/>
-                <xsd:element ref="ns2:LastHandOff" minOccurs="0"/>
-                <xsd:element ref="ns2:LastModifiedDateTime" minOccurs="0"/>
-                <xsd:element ref="ns2:LastPreviewErrorLookup" minOccurs="0"/>
-                <xsd:element ref="ns2:LastPreviewResultLookup" minOccurs="0"/>
-                <xsd:element ref="ns2:LastPreviewAttemptDateLookup" minOccurs="0"/>
-                <xsd:element ref="ns2:LastPreviewedByLookup" minOccurs="0"/>
-                <xsd:element ref="ns2:LastPreviewTimeLookup" minOccurs="0"/>
-                <xsd:element ref="ns2:LastPreviewVersionLookup" minOccurs="0"/>
-                <xsd:element ref="ns2:LastPublishErrorLookup" minOccurs="0"/>
-                <xsd:element ref="ns2:LastPublishResultLookup" minOccurs="0"/>
-                <xsd:element ref="ns2:LastPublishAttemptDateLookup" minOccurs="0"/>
-                <xsd:element ref="ns2:LastPublishedByLookup" minOccurs="0"/>
-                <xsd:element ref="ns2:LastPublishTimeLookup" minOccurs="0"/>
-                <xsd:element ref="ns2:LastPublishVersionLookup" minOccurs="0"/>
-                <xsd:element ref="ns2:TPLaunchHelpLinkType" minOccurs="0"/>
-                <xsd:element ref="ns2:LegacyData" minOccurs="0"/>
-                <xsd:element ref="ns2:TPLaunchHelpLink" minOccurs="0"/>
-                <xsd:element ref="ns2:LocComments" minOccurs="0"/>
-                <xsd:element ref="ns2:LocLastLocAttemptVersionLookup" minOccurs="0"/>
-                <xsd:element ref="ns2:LocLastLocAttemptVersionTypeLookup" minOccurs="0"/>
-                <xsd:element ref="ns2:LocManualTestRequired" minOccurs="0"/>
-                <xsd:element ref="ns2:LocMarketGroupTiers2" minOccurs="0"/>
-                <xsd:element ref="ns2:LocNewPublishedVersionLookup" minOccurs="0"/>
-                <xsd:element ref="ns2:LocOverallHandbackStatusLookup" minOccurs="0"/>
-                <xsd:element ref="ns2:LocOverallLocStatusLookup" minOccurs="0"/>
-                <xsd:element ref="ns2:LocOverallPreviewStatusLookup" minOccurs="0"/>
-                <xsd:element ref="ns2:LocOverallPublishStatusLookup" minOccurs="0"/>
-                <xsd:element ref="ns2:IntlLocPriority" minOccurs="0"/>
-                <xsd:element ref="ns2:LocProcessedForHandoffsLookup" minOccurs="0"/>
-                <xsd:element ref="ns2:LocProcessedForMarketsLookup" minOccurs="0"/>
-                <xsd:element ref="ns2:LocPublishedDependentAssetsLookup" minOccurs="0"/>
-                <xsd:element ref="ns2:LocPublishedLinkedAssetsLookup" minOccurs="0"/>
-                <xsd:element ref="ns2:LocRecommendedHandoff" minOccurs="0"/>
-                <xsd:element ref="ns2:LocalizationTagsTaxHTField0" minOccurs="0"/>
-                <xsd:element ref="ns2:MachineTranslated" minOccurs="0"/>
-                <xsd:element ref="ns2:Manager" minOccurs="0"/>
-                <xsd:element ref="ns2:Markets" minOccurs="0"/>
-                <xsd:element ref="ns2:Milestone" minOccurs="0"/>
-                <xsd:element ref="ns2:TPNamespace" minOccurs="0"/>
-                <xsd:element ref="ns2:NumericId" minOccurs="0"/>
-                <xsd:element ref="ns2:NumOfRatingsLookup" minOccurs="0"/>
-                <xsd:element ref="ns2:OOCacheId" minOccurs="0"/>
-                <xsd:element ref="ns2:OpenTemplate" minOccurs="0"/>
-                <xsd:element ref="ns2:OriginAsset" minOccurs="0"/>
-                <xsd:element ref="ns2:OriginalRelease" minOccurs="0"/>
-                <xsd:element ref="ns2:OriginalSourceMarket" minOccurs="0"/>
-                <xsd:element ref="ns2:OutputCachingOn" minOccurs="0"/>
-                <xsd:element ref="ns2:ParentAssetId" minOccurs="0"/>
-                <xsd:element ref="ns2:PlannedPubDate" minOccurs="0"/>
-                <xsd:element ref="ns2:PolicheckWords" minOccurs="0"/>
-                <xsd:element ref="ns2:BusinessGroup" minOccurs="0"/>
-                <xsd:element ref="ns2:UAProjectedTotalWords" minOccurs="0"/>
-                <xsd:element ref="ns2:Provider" minOccurs="0"/>
-                <xsd:element ref="ns2:Providers" minOccurs="0"/>
-                <xsd:element ref="ns2:PublishStatusLookup" minOccurs="0"/>
-                <xsd:element ref="ns2:PublishTargets" minOccurs="0"/>
-                <xsd:element ref="ns2:RecommendationsModifier" minOccurs="0"/>
-                <xsd:element ref="ns2:ArtSampleDocs" minOccurs="0"/>
-                <xsd:element ref="ns2:ScenarioTagsTaxHTField0" minOccurs="0"/>
-                <xsd:element ref="ns2:ShowIn" minOccurs="0"/>
-                <xsd:element ref="ns2:SourceTitle" minOccurs="0"/>
-                <xsd:element ref="ns2:CSXSubmissionDate" minOccurs="0"/>
-                <xsd:element ref="ns2:SubmitterId" minOccurs="0"/>
-                <xsd:element ref="ns2:TaxCatchAll" minOccurs="0"/>
-                <xsd:element ref="ns2:TaxCatchAllLabel" minOccurs="0"/>
-                <xsd:element ref="ns2:TemplateStatus" minOccurs="0"/>
-                <xsd:element ref="ns2:TemplateTemplateType" minOccurs="0"/>
-                <xsd:element ref="ns2:ThumbnailAssetId" minOccurs="0"/>
-                <xsd:element ref="ns2:TimesCloned" minOccurs="0"/>
-                <xsd:element ref="ns2:TrustLevel" minOccurs="0"/>
-                <xsd:element ref="ns2:UALocComments" minOccurs="0"/>
-                <xsd:element ref="ns2:UALocRecommendation" minOccurs="0"/>
-                <xsd:element ref="ns2:UANotes" minOccurs="0"/>
-                <xsd:element ref="ns2:TPAppVersion" minOccurs="0"/>
-                <xsd:element ref="ns2:VoteCount" minOccurs="0"/>
-              </xsd:all>
-            </xsd:complexType>
-          </xsd:element>
-        </xsd:sequence>
-      </xsd:complexType>
-    </xsd:element>
-  </xsd:schema>
-  <xsd:schema xmlns:xsd="http://www.w3.org/2001/XMLSchema" xmlns:xs="http://www.w3.org/2001/XMLSchema" xmlns:dms="http://schemas.microsoft.com/office/2006/documentManagement/types" xmlns:pc="http://schemas.microsoft.com/office/infopath/2007/PartnerControls" targetNamespace="4873beb7-5857-4685-be1f-d57550cc96cc" elementFormDefault="qualified">
-    <xsd:import namespace="http://schemas.microsoft.com/office/2006/documentManagement/types"/>
-    <xsd:import namespace="http://schemas.microsoft.com/office/infopath/2007/PartnerControls"/>
-    <xsd:element name="AcquiredFrom" ma:index="1" nillable="true" ma:displayName="Acquired From" ma:default="Internal MS" ma:internalName="AcquiredFrom" ma:readOnly="false">
-      <xsd:simpleType>
-        <xsd:restriction base="dms:Choice">
-          <xsd:enumeration value="Internal MS"/>
-          <xsd:enumeration value="Community"/>
-          <xsd:enumeration value="MVP"/>
-          <xsd:enumeration value="Publisher"/>
-          <xsd:enumeration value="Partner"/>
-          <xsd:enumeration value="None"/>
-        </xsd:restriction>
-      </xsd:simpleType>
-    </xsd:element>
-    <xsd:element name="UACurrentWords" ma:index="2" nillable="true" ma:displayName="Actual Word Count" ma:default="" ma:internalName="UACurrentWords" ma:readOnly="false">
-      <xsd:simpleType>
-        <xsd:restriction base="dms:Unknown"/>
-      </xsd:simpleType>
-    </xsd:element>
-    <xsd:element name="TPApplication" ma:index="3" nillable="true" ma:displayName="Application to Open Template With" ma:default="" ma:internalName="TPApplication">
-      <xsd:simpleType>
-        <xsd:restriction base="dms:Text"/>
-      </xsd:simpleType>
-    </xsd:element>
-    <xsd:element name="ApprovalLog" ma:index="4" nillable="true" ma:displayName="Approval Log" ma:default="" ma:hidden="true" ma:internalName="ApprovalLog" ma:readOnly="false">
-      <xsd:simpleType>
-        <xsd:restriction base="dms:Note"/>
-      </xsd:simpleType>
-    </xsd:element>
-    <xsd:element name="ApprovalStatus" ma:index="5" nillable="true" ma:displayName="Approval Status" ma:default="InProgress" ma:internalName="ApprovalStatus" ma:readOnly="false">
-      <xsd:simpleType>
-        <xsd:restriction base="dms:Choice">
-          <xsd:enumeration value="InProgress"/>
-          <xsd:enumeration value="Rejected"/>
-          <xsd:enumeration value="Questionable"/>
-          <xsd:enumeration value="ApprovedAutomatic"/>
-          <xsd:enumeration value="ApprovedManual"/>
-          <xsd:enumeration value="On Hold"/>
-          <xsd:enumeration value="Needs Review"/>
-          <xsd:enumeration value="A Violation"/>
-          <xsd:enumeration value="Unpublished Violation"/>
-        </xsd:restriction>
-      </xsd:simpleType>
-    </xsd:element>
-    <xsd:element name="AssetStart" ma:index="6" nillable="true" ma:displayName="Asset Begin Date" ma:default="[Today]" ma:internalName="AssetStart" ma:readOnly="false">
-      <xsd:simpleType>
-        <xsd:restriction base="dms:DateTime"/>
-      </xsd:simpleType>
-    </xsd:element>
-    <xsd:element name="AssetExpire" ma:index="7" nillable="true" ma:displayName="Asset End Date" ma:default="2029-01-01T08:00:00Z" ma:format="DateTime" ma:internalName="AssetExpire" ma:readOnly="false">
-      <xsd:simpleType>
-        <xsd:restriction base="dms:DateTime"/>
-      </xsd:simpleType>
-    </xsd:element>
-    <xsd:element name="AssetId" ma:index="8" nillable="true" ma:displayName="Asset ID" ma:default="" ma:indexed="true" ma:internalName="AssetId" ma:readOnly="false">
-      <xsd:simpleType>
-        <xsd:restriction base="dms:Text">
-          <xsd:maxLength value="255"/>
-        </xsd:restriction>
-      </xsd:simpleType>
-    </xsd:element>
-    <xsd:element name="IsSearchable" ma:index="9" nillable="true" ma:displayName="Asset Searchable?" ma:default="true" ma:internalName="IsSearchable" ma:readOnly="false">
-      <xsd:simpleType>
-        <xsd:restriction base="dms:Boolean"/>
-      </xsd:simpleType>
-    </xsd:element>
-    <xsd:element name="AssetType" ma:index="10" nillable="true" ma:displayName="Asset Type" ma:default="" ma:internalName="AssetType" ma:readOnly="false">
-      <xsd:simpleType>
-        <xsd:restriction base="dms:Unknown"/>
-      </xsd:simpleType>
-    </xsd:element>
-    <xsd:element name="APAuthor" ma:index="11" nillable="true" ma:displayName="Author" ma:default="" ma:list="UserInfo" ma:internalName="APAuthor" ma:readOnly="false">
-      <xsd:complexType>
-        <xsd:complexContent>
-          <xsd:extension base="dms:User">
-            <xsd:sequence>
-              <xsd:element name="UserInfo" minOccurs="0" maxOccurs="unbounded">
-                <xsd:complexType>
-                  <xsd:sequence>
-                    <xsd:element name="DisplayName" type="xsd:string" minOccurs="0"/>
-                    <xsd:element name="AccountId" type="dms:UserId" minOccurs="0" nillable="true"/>
-                    <xsd:element name="AccountType" type="xsd:string" minOccurs="0"/>
-                  </xsd:sequence>
-                </xsd:complexType>
-              </xsd:element>
-            </xsd:sequence>
-          </xsd:extension>
-        </xsd:complexContent>
-      </xsd:complexType>
-    </xsd:element>
-    <xsd:element name="AverageRating" ma:index="12" nillable="true" ma:displayName="Average Rating" ma:internalName="AverageRating" ma:readOnly="false">
-      <xsd:simpleType>
-        <xsd:restriction base="dms:Text"/>
-      </xsd:simpleType>
-    </xsd:element>
-    <xsd:element name="BlockPublish" ma:index="13" nillable="true" ma:displayName="Block from Publishing?" ma:default="" ma:internalName="BlockPublish" ma:readOnly="false">
-      <xsd:simpleType>
-        <xsd:restriction base="dms:Boolean"/>
-      </xsd:simpleType>
-    </xsd:element>
-    <xsd:element name="BugNumber" ma:index="14" nillable="true" ma:displayName="Bug Number" ma:default="" ma:internalName="BugNumber" ma:readOnly="false">
-      <xsd:simpleType>
-        <xsd:restriction base="dms:Text"/>
-      </xsd:simpleType>
-    </xsd:element>
-    <xsd:element name="CampaignTagsTaxHTField0" ma:index="16" nillable="true" ma:taxonomy="true" ma:internalName="CampaignTagsTaxHTField0" ma:taxonomyFieldName="CampaignTags" ma:displayName="Campaigns" ma:readOnly="false" ma:default="" ma:fieldId="{1df42cc3-2301-4f11-a52a-6ead923c29ed}" ma:taxonomyMulti="true" ma:sspId="8f79753a-75d3-41f5-8ca3-40b843941b4f" ma:termSetId="ca0e50d4-faa1-44ce-961e-bb1441c60e66" ma:anchorId="00000000-0000-0000-0000-000000000000" ma:open="false" ma:isKeyword="false">
-      <xsd:complexType>
-        <xsd:sequence>
-          <xsd:element ref="pc:Terms" minOccurs="0" maxOccurs="1"/>
-        </xsd:sequence>
-      </xsd:complexType>
-    </xsd:element>
-    <xsd:element name="TPClientViewer" ma:index="17" nillable="true" ma:displayName="Client Viewer" ma:default="" ma:internalName="TPClientViewer">
-      <xsd:simpleType>
-        <xsd:restriction base="dms:Text"/>
-      </xsd:simpleType>
-    </xsd:element>
-    <xsd:element name="ClipArtFilename" ma:index="18" nillable="true" ma:displayName="Clip Art Name" ma:default="" ma:internalName="ClipArtFilename" ma:readOnly="false">
-      <xsd:simpleType>
-        <xsd:restriction base="dms:Text"/>
-      </xsd:simpleType>
-    </xsd:element>
-    <xsd:element name="TPCommandLine" ma:index="19" nillable="true" ma:displayName="Command Line" ma:default="" ma:internalName="TPCommandLine">
-      <xsd:simpleType>
-        <xsd:restriction base="dms:Text"/>
-      </xsd:simpleType>
-    </xsd:element>
-    <xsd:element name="TPComponent" ma:index="20" nillable="true" ma:displayName="Component" ma:default="" ma:internalName="TPComponent">
-      <xsd:simpleType>
-        <xsd:restriction base="dms:Text"/>
-      </xsd:simpleType>
-    </xsd:element>
-    <xsd:element name="ContentItem" ma:index="21" nillable="true" ma:displayName="Content Item" ma:default="" ma:hidden="true" ma:internalName="ContentItem" ma:readOnly="false">
-      <xsd:simpleType>
-        <xsd:restriction base="dms:Unknown"/>
-      </xsd:simpleType>
-    </xsd:element>
-    <xsd:element name="CrawlForDependencies" ma:index="23" nillable="true" ma:displayName="Crawl for Dependencies?" ma:default="true" ma:internalName="CrawlForDependencies" ma:readOnly="false">
-      <xsd:simpleType>
-        <xsd:restriction base="dms:Boolean"/>
-      </xsd:simpleType>
-    </xsd:element>
-    <xsd:element name="CSXHash" ma:index="26" nillable="true" ma:displayName="CSX Hash" ma:default="" ma:indexed="true" ma:internalName="CSXHash" ma:readOnly="false">
-      <xsd:simpleType>
-        <xsd:restriction base="dms:Text"/>
-      </xsd:simpleType>
-    </xsd:element>
-    <xsd:element name="CSXSubmissionMarket" ma:index="27" nillable="true" ma:displayName="CSX Submission Market" ma:default="" ma:list="{2FBD1B11-2ACE-4FDC-B5A3-635D4ADF6F1B}" ma:internalName="CSXSubmissionMarket" ma:readOnly="false" ma:showField="MarketName" ma:web="4873beb7-5857-4685-be1f-d57550cc96cc">
-      <xsd:simpleType>
-        <xsd:restriction base="dms:Lookup"/>
-      </xsd:simpleType>
-    </xsd:element>
-    <xsd:element name="CSXUpdate" ma:index="28" nillable="true" ma:displayName="CSX Updated?" ma:default="false" ma:internalName="CSXUpdate" ma:readOnly="false">
-      <xsd:simpleType>
-        <xsd:restriction base="dms:Boolean"/>
-      </xsd:simpleType>
-    </xsd:element>
-    <xsd:element name="IntlLangReviewDate" ma:index="29" nillable="true" ma:displayName="Date to Complete Intl QA" ma:default="" ma:internalName="IntlLangReviewDate" ma:readOnly="false">
-      <xsd:simpleType>
-        <xsd:restriction base="dms:DateTime"/>
-      </xsd:simpleType>
-    </xsd:element>
-    <xsd:element name="IsDeleted" ma:index="30" nillable="true" ma:displayName="Deleted?" ma:default="" ma:internalName="IsDeleted" ma:readOnly="false">
-      <xsd:simpleType>
-        <xsd:restriction base="dms:Boolean"/>
-      </xsd:simpleType>
-    </xsd:element>
-    <xsd:element name="APDescription" ma:index="31" nillable="true" ma:displayName="Description" ma:default="" ma:internalName="APDescription" ma:readOnly="false">
-      <xsd:simpleType>
-        <xsd:restriction base="dms:Note"/>
-      </xsd:simpleType>
-    </xsd:element>
-    <xsd:element name="DirectSourceMarket" ma:index="32" nillable="true" ma:displayName="Direct Source Market Group" ma:default="" ma:internalName="DirectSourceMarket" ma:readOnly="false">
-      <xsd:simpleType>
-        <xsd:restriction base="dms:Text"/>
-      </xsd:simpleType>
-    </xsd:element>
-    <xsd:element name="Downloads" ma:index="33" nillable="true" ma:displayName="Downloads" ma:default="0" ma:hidden="true" ma:internalName="Downloads" ma:readOnly="false">
-      <xsd:simpleType>
-        <xsd:restriction base="dms:Unknown"/>
-      </xsd:simpleType>
-    </xsd:element>
-    <xsd:element name="DSATActionTaken" ma:index="34" nillable="true" ma:displayName="DSAT Action Taken" ma:default="" ma:internalName="DSATActionTaken" ma:readOnly="false">
-      <xsd:simpleType>
-        <xsd:restriction base="dms:Choice">
-          <xsd:enumeration value="Best Bets"/>
-          <xsd:enumeration value="Expire"/>
-          <xsd:enumeration value="Hide"/>
-          <xsd:enumeration value="None"/>
-        </xsd:restriction>
-      </xsd:simpleType>
-    </xsd:element>
-    <xsd:element name="APEditor" ma:index="35" nillable="true" ma:displayName="Editor" ma:default="" ma:list="UserInfo" ma:internalName="APEditor" ma:readOnly="false">
-      <xsd:complexType>
-        <xsd:complexContent>
-          <xsd:extension base="dms:User">
-            <xsd:sequence>
-              <xsd:element name="UserInfo" minOccurs="0" maxOccurs="unbounded">
-                <xsd:complexType>
-                  <xsd:sequence>
-                    <xsd:element name="DisplayName" type="xsd:string" minOccurs="0"/>
-                    <xsd:element name="AccountId" type="dms:UserId" minOccurs="0" nillable="true"/>
-                    <xsd:element name="AccountType" type="xsd:string" minOccurs="0"/>
-                  </xsd:sequence>
-                </xsd:complexType>
-              </xsd:element>
-            </xsd:sequence>
-          </xsd:extension>
-        </xsd:complexContent>
-      </xsd:complexType>
-    </xsd:element>
-    <xsd:element name="EditorialStatus" ma:index="36" nillable="true" ma:displayName="Editorial Status" ma:default="" ma:internalName="EditorialStatus" ma:readOnly="false">
-      <xsd:simpleType>
-        <xsd:restriction base="dms:Unknown"/>
-      </xsd:simpleType>
-    </xsd:element>
-    <xsd:element name="EditorialTags" ma:index="37" nillable="true" ma:displayName="Editorial Tags" ma:default="" ma:internalName="EditorialTags">
-      <xsd:simpleType>
-        <xsd:restriction base="dms:Unknown"/>
-      </xsd:simpleType>
-    </xsd:element>
-    <xsd:element name="TPExecutable" ma:index="38" nillable="true" ma:displayName="Executable" ma:default="" ma:internalName="TPExecutable">
-      <xsd:simpleType>
-        <xsd:restriction base="dms:Text"/>
-      </xsd:simpleType>
-    </xsd:element>
-    <xsd:element name="FeatureTagsTaxHTField0" ma:index="40" nillable="true" ma:taxonomy="true" ma:internalName="FeatureTagsTaxHTField0" ma:taxonomyFieldName="FeatureTags" ma:displayName="Features" ma:readOnly="false" ma:default="" ma:fieldId="{7fc0d542-15c6-4882-a8e3-13bca44403fb}" ma:taxonomyMulti="true" ma:sspId="8f79753a-75d3-41f5-8ca3-40b843941b4f" ma:termSetId="f1ab6845-967d-4854-a0ba-4ec07f0f8113" ma:anchorId="00000000-0000-0000-0000-000000000000" ma:open="false" ma:isKeyword="false">
-      <xsd:complexType>
-        <xsd:sequence>
-          <xsd:element ref="pc:Terms" minOccurs="0" maxOccurs="1"/>
-        </xsd:sequence>
-      </xsd:complexType>
-    </xsd:element>
-    <xsd:element name="TPFriendlyName" ma:index="41" nillable="true" ma:displayName="Friendly Name" ma:default="" ma:internalName="TPFriendlyName">
-      <xsd:simpleType>
-        <xsd:restriction base="dms:Text"/>
-      </xsd:simpleType>
-    </xsd:element>
-    <xsd:element name="FriendlyTitle" ma:index="42" nillable="true" ma:displayName="Friendly Title" ma:default="" ma:description="Shorter title to be used when displaying search results" ma:internalName="FriendlyTitle" ma:readOnly="false">
-      <xsd:simpleType>
-        <xsd:restriction base="dms:Text"/>
-      </xsd:simpleType>
-    </xsd:element>
-    <xsd:element name="PrimaryImageGen" ma:index="43" nillable="true" ma:displayName="Generate Images?" ma:default="true" ma:internalName="PrimaryImageGen">
-      <xsd:simpleType>
-        <xsd:restriction base="dms:Boolean"/>
-      </xsd:simpleType>
-    </xsd:element>
-    <xsd:element name="HandoffToMSDN" ma:index="44" nillable="true" ma:displayName="Handoff To MSDN Date" ma:default="" ma:internalName="HandoffToMSDN" ma:readOnly="false">
-      <xsd:simpleType>
-        <xsd:restriction base="dms:DateTime"/>
-      </xsd:simpleType>
-    </xsd:element>
-    <xsd:element name="InProjectListLookup" ma:index="45" nillable="true" ma:displayName="InProjectListLookup" ma:list="{9E343742-310B-4684-A24C-1D137CB4B230}" ma:internalName="InProjectListLookup" ma:readOnly="true" ma:showField="InProjectList" ma:web="4873beb7-5857-4685-be1f-d57550cc96cc">
-      <xsd:complexType>
-        <xsd:complexContent>
-          <xsd:extension base="dms:MultiChoiceLookup">
-            <xsd:sequence>
-              <xsd:element name="Value" type="dms:Lookup" maxOccurs="unbounded" minOccurs="0" nillable="true"/>
-            </xsd:sequence>
-          </xsd:extension>
-        </xsd:complexContent>
-      </xsd:complexType>
-    </xsd:element>
-    <xsd:element name="TPInstallLocation" ma:index="46" nillable="true" ma:displayName="Install Location" ma:default="" ma:internalName="TPInstallLocation">
-      <xsd:simpleType>
-        <xsd:restriction base="dms:Text"/>
-      </xsd:simpleType>
-    </xsd:element>
-    <xsd:element name="InternalTagsTaxHTField0" ma:index="48" nillable="true" ma:taxonomy="true" ma:internalName="InternalTagsTaxHTField0" ma:taxonomyFieldName="InternalTags" ma:displayName="Internal Tags" ma:readOnly="false" ma:default="" ma:fieldId="{1490b8a4-2706-41ec-b5e3-73176dccf34e}" ma:taxonomyMulti="true" ma:sspId="8f79753a-75d3-41f5-8ca3-40b843941b4f" ma:termSetId="82b6639e-f7fc-4c18-ad2d-003a6e707765" ma:anchorId="00000000-0000-0000-0000-000000000000" ma:open="false" ma:isKeyword="false">
-      <xsd:complexType>
-        <xsd:sequence>
-          <xsd:element ref="pc:Terms" minOccurs="0" maxOccurs="1"/>
-        </xsd:sequence>
-      </xsd:complexType>
-    </xsd:element>
-    <xsd:element name="IntlLangReview" ma:index="49" nillable="true" ma:displayName="Intl Lang QA Review Required?" ma:default="" ma:internalName="IntlLangReview" ma:readOnly="false">
-      <xsd:simpleType>
-        <xsd:restriction base="dms:Boolean"/>
-      </xsd:simpleType>
-    </xsd:element>
-    <xsd:element name="IntlLangReviewer" ma:index="50" nillable="true" ma:displayName="Intl Lang QA Reviewer" ma:default="" ma:internalName="IntlLangReviewer" ma:readOnly="false">
-      <xsd:simpleType>
-        <xsd:restriction base="dms:Text"/>
-      </xsd:simpleType>
-    </xsd:element>
-    <xsd:element name="MarketSpecific" ma:index="51" nillable="true" ma:displayName="Is Market Specific?" ma:default="" ma:internalName="MarketSpecific" ma:readOnly="false">
-      <xsd:simpleType>
-        <xsd:restriction base="dms:Boolean"/>
-      </xsd:simpleType>
-    </xsd:element>
-    <xsd:element name="LastCompleteVersionLookup" ma:index="52" nillable="true" ma:displayName="Last Complete Version Lookup" ma:default="" ma:list="{9E343742-310B-4684-A24C-1D137CB4B230}" ma:internalName="LastCompleteVersionLookup" ma:readOnly="true" ma:showField="LastCompleteVersion" ma:web="4873beb7-5857-4685-be1f-d57550cc96cc">
-      <xsd:complexType>
-        <xsd:complexContent>
-          <xsd:extension base="dms:MultiChoiceLookup">
-            <xsd:sequence>
-              <xsd:element name="Value" type="dms:Lookup" maxOccurs="unbounded" minOccurs="0" nillable="true"/>
-            </xsd:sequence>
-          </xsd:extension>
-        </xsd:complexContent>
-      </xsd:complexType>
-    </xsd:element>
-    <xsd:element name="LastHandOff" ma:index="53" nillable="true" ma:displayName="Last Hand-off" ma:default="" ma:internalName="LastHandOff" ma:readOnly="false">
-      <xsd:simpleType>
-        <xsd:restriction base="dms:DateTime"/>
-      </xsd:simpleType>
-    </xsd:element>
-    <xsd:element name="LastModifiedDateTime" ma:index="54" nillable="true" ma:displayName="Last Modified Date" ma:default="" ma:internalName="LastModifiedDateTime" ma:readOnly="false">
-      <xsd:simpleType>
-        <xsd:restriction base="dms:DateTime"/>
-      </xsd:simpleType>
-    </xsd:element>
-    <xsd:element name="LastPreviewErrorLookup" ma:index="55" nillable="true" ma:displayName="Last Preview Attempt Error" ma:default="" ma:list="{9E343742-310B-4684-A24C-1D137CB4B230}" ma:internalName="LastPreviewErrorLookup" ma:readOnly="true" ma:showField="LastPreviewError" ma:web="4873beb7-5857-4685-be1f-d57550cc96cc">
-      <xsd:complexType>
-        <xsd:complexContent>
-          <xsd:extension base="dms:MultiChoiceLookup">
-            <xsd:sequence>
-              <xsd:element name="Value" type="dms:Lookup" maxOccurs="unbounded" minOccurs="0" nillable="true"/>
-            </xsd:sequence>
-          </xsd:extension>
-        </xsd:complexContent>
-      </xsd:complexType>
-    </xsd:element>
-    <xsd:element name="LastPreviewResultLookup" ma:index="56" nillable="true" ma:displayName="Last Preview Attempt Result" ma:default="" ma:list="{9E343742-310B-4684-A24C-1D137CB4B230}" ma:internalName="LastPreviewResultLookup" ma:readOnly="true" ma:showField="LastPreviewResult" ma:web="4873beb7-5857-4685-be1f-d57550cc96cc">
-      <xsd:complexType>
-        <xsd:complexContent>
-          <xsd:extension base="dms:MultiChoiceLookup">
-            <xsd:sequence>
-              <xsd:element name="Value" type="dms:Lookup" maxOccurs="unbounded" minOccurs="0" nillable="true"/>
-            </xsd:sequence>
-          </xsd:extension>
-        </xsd:complexContent>
-      </xsd:complexType>
-    </xsd:element>
-    <xsd:element name="LastPreviewAttemptDateLookup" ma:index="57" nillable="true" ma:displayName="Last Preview Attempted On" ma:default="" ma:list="{9E343742-310B-4684-A24C-1D137CB4B230}" ma:internalName="LastPreviewAttemptDateLookup" ma:readOnly="true" ma:showField="LastPreviewAttemptDate" ma:web="4873beb7-5857-4685-be1f-d57550cc96cc">
-      <xsd:complexType>
-        <xsd:complexContent>
-          <xsd:extension base="dms:MultiChoiceLookup">
-            <xsd:sequence>
-              <xsd:element name="Value" type="dms:Lookup" maxOccurs="unbounded" minOccurs="0" nillable="true"/>
-            </xsd:sequence>
-          </xsd:extension>
-        </xsd:complexContent>
-      </xsd:complexType>
-    </xsd:element>
-    <xsd:element name="LastPreviewedByLookup" ma:index="58" nillable="true" ma:displayName="Last Previewed By" ma:default="" ma:list="{9E343742-310B-4684-A24C-1D137CB4B230}" ma:internalName="LastPreviewedByLookup" ma:readOnly="true" ma:showField="LastPreviewedBy" ma:web="4873beb7-5857-4685-be1f-d57550cc96cc">
-      <xsd:complexType>
-        <xsd:complexContent>
-          <xsd:extension base="dms:MultiChoiceLookup">
-            <xsd:sequence>
-              <xsd:element name="Value" type="dms:Lookup" maxOccurs="unbounded" minOccurs="0" nillable="true"/>
-            </xsd:sequence>
-          </xsd:extension>
-        </xsd:complexContent>
-      </xsd:complexType>
-    </xsd:element>
-    <xsd:element name="LastPreviewTimeLookup" ma:index="59" nillable="true" ma:displayName="Last Previewed Date" ma:default="" ma:list="{9E343742-310B-4684-A24C-1D137CB4B230}" ma:internalName="LastPreviewTimeLookup" ma:readOnly="true" ma:showField="LastPreviewTime" ma:web="4873beb7-5857-4685-be1f-d57550cc96cc">
-      <xsd:complexType>
-        <xsd:complexContent>
-          <xsd:extension base="dms:MultiChoiceLookup">
-            <xsd:sequence>
-              <xsd:element name="Value" type="dms:Lookup" maxOccurs="unbounded" minOccurs="0" nillable="true"/>
-            </xsd:sequence>
-          </xsd:extension>
-        </xsd:complexContent>
-      </xsd:complexType>
-    </xsd:element>
-    <xsd:element name="LastPreviewVersionLookup" ma:index="60" nillable="true" ma:displayName="Last Previewed Version" ma:default="" ma:list="{9E343742-310B-4684-A24C-1D137CB4B230}" ma:internalName="LastPreviewVersionLookup" ma:readOnly="true" ma:showField="LastPreviewVersion" ma:web="4873beb7-5857-4685-be1f-d57550cc96cc">
-      <xsd:complexType>
-        <xsd:complexContent>
-          <xsd:extension base="dms:MultiChoiceLookup">
-            <xsd:sequence>
-              <xsd:element name="Value" type="dms:Lookup" maxOccurs="unbounded" minOccurs="0" nillable="true"/>
-            </xsd:sequence>
-          </xsd:extension>
-        </xsd:complexContent>
-      </xsd:complexType>
-    </xsd:element>
-    <xsd:element name="LastPublishErrorLookup" ma:index="61" nillable="true" ma:displayName="Last Publish Attempt Error" ma:default="" ma:list="{9E343742-310B-4684-A24C-1D137CB4B230}" ma:internalName="LastPublishErrorLookup" ma:readOnly="true" ma:showField="LastPublishError" ma:web="4873beb7-5857-4685-be1f-d57550cc96cc">
-      <xsd:complexType>
-        <xsd:complexContent>
-          <xsd:extension base="dms:MultiChoiceLookup">
-            <xsd:sequence>
-              <xsd:element name="Value" type="dms:Lookup" maxOccurs="unbounded" minOccurs="0" nillable="true"/>
-            </xsd:sequence>
-          </xsd:extension>
-        </xsd:complexContent>
-      </xsd:complexType>
-    </xsd:element>
-    <xsd:element name="LastPublishResultLookup" ma:index="62" nillable="true" ma:displayName="Last Publish Attempt Result" ma:default="" ma:list="{9E343742-310B-4684-A24C-1D137CB4B230}" ma:internalName="LastPublishResultLookup" ma:readOnly="true" ma:showField="LastPublishResult" ma:web="4873beb7-5857-4685-be1f-d57550cc96cc">
-      <xsd:complexType>
-        <xsd:complexContent>
-          <xsd:extension base="dms:MultiChoiceLookup">
-            <xsd:sequence>
-              <xsd:element name="Value" type="dms:Lookup" maxOccurs="unbounded" minOccurs="0" nillable="true"/>
-            </xsd:sequence>
-          </xsd:extension>
-        </xsd:complexContent>
-      </xsd:complexType>
-    </xsd:element>
-    <xsd:element name="LastPublishAttemptDateLookup" ma:index="63" nillable="true" ma:displayName="Last Publish Attempted On" ma:default="" ma:list="{9E343742-310B-4684-A24C-1D137CB4B230}" ma:internalName="LastPublishAttemptDateLookup" ma:readOnly="true" ma:showField="LastPublishAttemptDate" ma:web="4873beb7-5857-4685-be1f-d57550cc96cc">
-      <xsd:complexType>
-        <xsd:complexContent>
-          <xsd:extension base="dms:MultiChoiceLookup">
-            <xsd:sequence>
-              <xsd:element name="Value" type="dms:Lookup" maxOccurs="unbounded" minOccurs="0" nillable="true"/>
-            </xsd:sequence>
-          </xsd:extension>
-        </xsd:complexContent>
-      </xsd:complexType>
-    </xsd:element>
-    <xsd:element name="LastPublishedByLookup" ma:index="64" nillable="true" ma:displayName="Last Published By" ma:default="" ma:list="{9E343742-310B-4684-A24C-1D137CB4B230}" ma:internalName="LastPublishedByLookup" ma:readOnly="true" ma:showField="LastPublishedBy" ma:web="4873beb7-5857-4685-be1f-d57550cc96cc">
-      <xsd:complexType>
-        <xsd:complexContent>
-          <xsd:extension base="dms:MultiChoiceLookup">
-            <xsd:sequence>
-              <xsd:element name="Value" type="dms:Lookup" maxOccurs="unbounded" minOccurs="0" nillable="true"/>
-            </xsd:sequence>
-          </xsd:extension>
-        </xsd:complexContent>
-      </xsd:complexType>
-    </xsd:element>
-    <xsd:element name="LastPublishTimeLookup" ma:index="65" nillable="true" ma:displayName="Last Published Date" ma:default="" ma:list="{9E343742-310B-4684-A24C-1D137CB4B230}" ma:internalName="LastPublishTimeLookup" ma:readOnly="true" ma:showField="LastPublishTime" ma:web="4873beb7-5857-4685-be1f-d57550cc96cc">
-      <xsd:complexType>
-        <xsd:complexContent>
-          <xsd:extension base="dms:MultiChoiceLookup">
-            <xsd:sequence>
-              <xsd:element name="Value" type="dms:Lookup" maxOccurs="unbounded" minOccurs="0" nillable="true"/>
-            </xsd:sequence>
-          </xsd:extension>
-        </xsd:complexContent>
-      </xsd:complexType>
-    </xsd:element>
-    <xsd:element name="LastPublishVersionLookup" ma:index="66" nillable="true" ma:displayName="Last Published Version" ma:default="" ma:list="{9E343742-310B-4684-A24C-1D137CB4B230}" ma:internalName="LastPublishVersionLookup" ma:readOnly="true" ma:showField="LastPublishVersion" ma:web="4873beb7-5857-4685-be1f-d57550cc96cc">
-      <xsd:complexType>
-        <xsd:complexContent>
-          <xsd:extension base="dms:MultiChoiceLookup">
-            <xsd:sequence>
-              <xsd:element name="Value" type="dms:Lookup" maxOccurs="unbounded" minOccurs="0" nillable="true"/>
-            </xsd:sequence>
-          </xsd:extension>
-        </xsd:complexContent>
-      </xsd:complexType>
-    </xsd:element>
-    <xsd:element name="TPLaunchHelpLinkType" ma:index="67" nillable="true" ma:displayName="Launch Help Link Type" ma:default="Template" ma:internalName="TPLaunchHelpLinkType">
-      <xsd:simpleType>
-        <xsd:restriction base="dms:Choice">
-          <xsd:enumeration value="Template"/>
-          <xsd:enumeration value="Training"/>
-          <xsd:enumeration value="URL"/>
-          <xsd:enumeration value="None"/>
-        </xsd:restriction>
-      </xsd:simpleType>
-    </xsd:element>
-    <xsd:element name="LegacyData" ma:index="68" nillable="true" ma:displayName="Legacy Data" ma:default="" ma:internalName="LegacyData" ma:readOnly="false">
-      <xsd:simpleType>
-        <xsd:restriction base="dms:Note"/>
-      </xsd:simpleType>
-    </xsd:element>
-    <xsd:element name="TPLaunchHelpLink" ma:index="69" nillable="true" ma:displayName="Link to Launch Help Topic" ma:default="" ma:internalName="TPLaunchHelpLink">
-      <xsd:simpleType>
-        <xsd:restriction base="dms:Text"/>
-      </xsd:simpleType>
-    </xsd:element>
-    <xsd:element name="LocComments" ma:index="70" nillable="true" ma:displayName="Loc Approval Comments" ma:default="" ma:internalName="LocComments" ma:readOnly="false">
-      <xsd:simpleType>
-        <xsd:restriction base="dms:Note"/>
-      </xsd:simpleType>
-    </xsd:element>
-    <xsd:element name="LocLastLocAttemptVersionLookup" ma:index="71" nillable="true" ma:displayName="Loc Last Loc Attempt Version" ma:default="" ma:list="{7DD1DCEC-E449-43D3-891F-7DC62F62AD21}" ma:internalName="LocLastLocAttemptVersionLookup" ma:readOnly="false" ma:showField="LastLocAttemptVersion" ma:web="4873beb7-5857-4685-be1f-d57550cc96cc">
-      <xsd:simpleType>
-        <xsd:restriction base="dms:Lookup"/>
-      </xsd:simpleType>
-    </xsd:element>
-    <xsd:element name="LocLastLocAttemptVersionTypeLookup" ma:index="72" nillable="true" ma:displayName="Loc Last Loc Attempt Version Type" ma:default="" ma:list="{7DD1DCEC-E449-43D3-891F-7DC62F62AD21}" ma:internalName="LocLastLocAttemptVersionTypeLookup" ma:readOnly="true" ma:showField="LastLocAttemptVersionType" ma:web="4873beb7-5857-4685-be1f-d57550cc96cc">
-      <xsd:simpleType>
-        <xsd:restriction base="dms:Lookup"/>
-      </xsd:simpleType>
-    </xsd:element>
-    <xsd:element name="LocManualTestRequired" ma:index="73" nillable="true" ma:displayName="Loc Manual Test Required" ma:default="" ma:internalName="LocManualTestRequired" ma:readOnly="false">
-      <xsd:simpleType>
-        <xsd:restriction base="dms:Boolean"/>
-      </xsd:simpleType>
-    </xsd:element>
-    <xsd:element name="LocMarketGroupTiers2" ma:index="74" nillable="true" ma:displayName="Loc Market Group Tiers" ma:internalName="LocMarketGroupTiers2" ma:readOnly="false">
-      <xsd:simpleType>
-        <xsd:restriction base="dms:Unknown"/>
-      </xsd:simpleType>
-    </xsd:element>
-    <xsd:element name="LocNewPublishedVersionLookup" ma:index="75" nillable="true" ma:displayName="Loc New Published Version Lookup" ma:default="" ma:list="{7DD1DCEC-E449-43D3-891F-7DC62F62AD21}" ma:internalName="LocNewPublishedVersionLookup" ma:readOnly="true" ma:showField="NewPublishedVersion" ma:web="4873beb7-5857-4685-be1f-d57550cc96cc">
-      <xsd:simpleType>
-        <xsd:restriction base="dms:Lookup"/>
-      </xsd:simpleType>
-    </xsd:element>
-    <xsd:element name="LocOverallHandbackStatusLookup" ma:index="76" nillable="true" ma:displayName="Loc Overall Handback Status" ma:default="" ma:list="{7DD1DCEC-E449-43D3-891F-7DC62F62AD21}" ma:internalName="LocOverallHandbackStatusLookup" ma:readOnly="true" ma:showField="OverallHandbackStatus" ma:web="4873beb7-5857-4685-be1f-d57550cc96cc">
-      <xsd:simpleType>
-        <xsd:restriction base="dms:Lookup"/>
-      </xsd:simpleType>
-    </xsd:element>
-    <xsd:element name="LocOverallLocStatusLookup" ma:index="77" nillable="true" ma:displayName="Loc Overall Localize Status" ma:default="" ma:list="{7DD1DCEC-E449-43D3-891F-7DC62F62AD21}" ma:internalName="LocOverallLocStatusLookup" ma:readOnly="true" ma:showField="OverallLocStatus" ma:web="4873beb7-5857-4685-be1f-d57550cc96cc">
-      <xsd:simpleType>
-        <xsd:restriction base="dms:Lookup"/>
-      </xsd:simpleType>
-    </xsd:element>
-    <xsd:element name="LocOverallPreviewStatusLookup" ma:index="78" nillable="true" ma:displayName="Loc Overall Preview Status" ma:default="" ma:list="{7DD1DCEC-E449-43D3-891F-7DC62F62AD21}" ma:internalName="LocOverallPreviewStatusLookup" ma:readOnly="true" ma:showField="OverallPreviewStatus" ma:web="4873beb7-5857-4685-be1f-d57550cc96cc">
-      <xsd:simpleType>
-        <xsd:restriction base="dms:Lookup"/>
-      </xsd:simpleType>
-    </xsd:element>
-    <xsd:element name="LocOverallPublishStatusLookup" ma:index="79" nillable="true" ma:displayName="Loc Overall Publish Status" ma:default="" ma:list="{7DD1DCEC-E449-43D3-891F-7DC62F62AD21}" ma:internalName="LocOverallPublishStatusLookup" ma:readOnly="true" ma:showField="OverallPublishStatus" ma:web="4873beb7-5857-4685-be1f-d57550cc96cc">
-      <xsd:simpleType>
-        <xsd:restriction base="dms:Lookup"/>
-      </xsd:simpleType>
-    </xsd:element>
-    <xsd:element name="IntlLocPriority" ma:index="80" nillable="true" ma:displayName="Loc Priority" ma:default="" ma:internalName="IntlLocPriority" ma:readOnly="false">
-      <xsd:simpleType>
-        <xsd:restriction base="dms:Unknown"/>
-      </xsd:simpleType>
-    </xsd:element>
-    <xsd:element name="LocProcessedForHandoffsLookup" ma:index="81" nillable="true" ma:displayName="Loc Processed For Handoffs" ma:default="" ma:list="{7DD1DCEC-E449-43D3-891F-7DC62F62AD21}" ma:internalName="LocProcessedForHandoffsLookup" ma:readOnly="true" ma:showField="ProcessedForHandoffs" ma:web="4873beb7-5857-4685-be1f-d57550cc96cc">
-      <xsd:simpleType>
-        <xsd:restriction base="dms:Lookup"/>
-      </xsd:simpleType>
-    </xsd:element>
-    <xsd:element name="LocProcessedForMarketsLookup" ma:index="82" nillable="true" ma:displayName="Loc Processed For Markets" ma:default="" ma:list="{7DD1DCEC-E449-43D3-891F-7DC62F62AD21}" ma:internalName="LocProcessedForMarketsLookup" ma:readOnly="true" ma:showField="ProcessedForMarkets" ma:web="4873beb7-5857-4685-be1f-d57550cc96cc">
-      <xsd:simpleType>
-        <xsd:restriction base="dms:Lookup"/>
-      </xsd:simpleType>
-    </xsd:element>
-    <xsd:element name="LocPublishedDependentAssetsLookup" ma:index="83" nillable="true" ma:displayName="Loc Published Dependent Assets" ma:default="" ma:list="{7DD1DCEC-E449-43D3-891F-7DC62F62AD21}" ma:internalName="LocPublishedDependentAssetsLookup" ma:readOnly="true" ma:showField="PublishedDependentAssets" ma:web="4873beb7-5857-4685-be1f-d57550cc96cc">
-      <xsd:simpleType>
-        <xsd:restriction base="dms:Lookup"/>
-      </xsd:simpleType>
-    </xsd:element>
-    <xsd:element name="LocPublishedLinkedAssetsLookup" ma:index="84" nillable="true" ma:displayName="Loc Published Linked Assets" ma:default="" ma:list="{7DD1DCEC-E449-43D3-891F-7DC62F62AD21}" ma:internalName="LocPublishedLinkedAssetsLookup" ma:readOnly="true" ma:showField="PublishedLinkedAssets" ma:web="4873beb7-5857-4685-be1f-d57550cc96cc">
-      <xsd:simpleType>
-        <xsd:restriction base="dms:Lookup"/>
-      </xsd:simpleType>
-    </xsd:element>
-    <xsd:element name="LocRecommendedHandoff" ma:index="85" nillable="true" ma:displayName="Loc Recommended Handoff" ma:default="" ma:indexed="true" ma:internalName="LocRecommendedHandoff" ma:readOnly="false">
-      <xsd:simpleType>
-        <xsd:restriction base="dms:Text"/>
-      </xsd:simpleType>
-    </xsd:element>
-    <xsd:element name="LocalizationTagsTaxHTField0" ma:index="87" nillable="true" ma:taxonomy="true" ma:internalName="LocalizationTagsTaxHTField0" ma:taxonomyFieldName="LocalizationTags" ma:displayName="Localization Tags" ma:readOnly="false" ma:default="" ma:fieldId="{00f02cb3-2c7c-424a-9c61-10e9b6878429}" ma:taxonomyMulti="true" ma:sspId="8f79753a-75d3-41f5-8ca3-40b843941b4f" ma:termSetId="5b7703a5-8e8b-4b58-8b31-1cea35331da3" ma:anchorId="00000000-0000-0000-0000-000000000000" ma:open="false" ma:isKeyword="false">
-      <xsd:complexType>
-        <xsd:sequence>
-          <xsd:element ref="pc:Terms" minOccurs="0" maxOccurs="1"/>
-        </xsd:sequence>
-      </xsd:complexType>
-    </xsd:element>
-    <xsd:element name="MachineTranslated" ma:index="88" nillable="true" ma:displayName="Machine Translated" ma:default="" ma:internalName="MachineTranslated" ma:readOnly="false">
-      <xsd:simpleType>
-        <xsd:restriction base="dms:Boolean"/>
-      </xsd:simpleType>
-    </xsd:element>
-    <xsd:element name="Manager" ma:index="89" nillable="true" ma:displayName="Manager" ma:hidden="true" ma:internalName="Manager" ma:readOnly="false">
-      <xsd:simpleType>
-        <xsd:restriction base="dms:Text"/>
-      </xsd:simpleType>
-    </xsd:element>
-    <xsd:element name="Markets" ma:index="90" nillable="true" ma:displayName="Markets" ma:default="" ma:description="Leave blank to show in all markets" ma:list="{2FBD1B11-2ACE-4FDC-B5A3-635D4ADF6F1B}" ma:internalName="Markets" ma:readOnly="false" ma:showField="MarketName" ma:web="4873beb7-5857-4685-be1f-d57550cc96cc">
-      <xsd:complexType>
-        <xsd:complexContent>
-          <xsd:extension base="dms:MultiChoiceLookup">
-            <xsd:sequence>
-              <xsd:element name="Value" type="dms:Lookup" maxOccurs="unbounded" minOccurs="0" nillable="true"/>
-            </xsd:sequence>
-          </xsd:extension>
-        </xsd:complexContent>
-      </xsd:complexType>
-    </xsd:element>
-    <xsd:element name="Milestone" ma:index="91" nillable="true" ma:displayName="Milestone" ma:default="" ma:internalName="Milestone" ma:readOnly="false">
-      <xsd:simpleType>
-        <xsd:restriction base="dms:Unknown"/>
-      </xsd:simpleType>
-    </xsd:element>
-    <xsd:element name="TPNamespace" ma:index="94" nillable="true" ma:displayName="Namespace" ma:default="" ma:internalName="TPNamespace">
-      <xsd:simpleType>
-        <xsd:restriction base="dms:Text"/>
-      </xsd:simpleType>
-    </xsd:element>
-    <xsd:element name="NumericId" ma:index="95" nillable="true" ma:displayName="Numeric ID" ma:default="" ma:indexed="true" ma:internalName="NumericId" ma:readOnly="false">
-      <xsd:simpleType>
-        <xsd:restriction base="dms:Number"/>
-      </xsd:simpleType>
-    </xsd:element>
-    <xsd:element name="NumOfRatingsLookup" ma:index="96" nillable="true" ma:displayName="NumOfRatings" ma:default="" ma:list="{9E343742-310B-4684-A24C-1D137CB4B230}" ma:internalName="NumOfRatingsLookup" ma:readOnly="true" ma:showField="NumOfRatings" ma:web="4873beb7-5857-4685-be1f-d57550cc96cc">
-      <xsd:complexType>
-        <xsd:complexContent>
-          <xsd:extension base="dms:MultiChoiceLookup">
-            <xsd:sequence>
-              <xsd:element name="Value" type="dms:Lookup" maxOccurs="unbounded" minOccurs="0" nillable="true"/>
-            </xsd:sequence>
-          </xsd:extension>
-        </xsd:complexContent>
-      </xsd:complexType>
-    </xsd:element>
-    <xsd:element name="OOCacheId" ma:index="97" nillable="true" ma:displayName="OOCacheId" ma:internalName="OOCacheId" ma:readOnly="false">
-      <xsd:simpleType>
-        <xsd:restriction base="dms:Text"/>
-      </xsd:simpleType>
-    </xsd:element>
-    <xsd:element name="OpenTemplate" ma:index="98" nillable="true" ma:displayName="Open Template" ma:default="true" ma:internalName="OpenTemplate">
-      <xsd:simpleType>
-        <xsd:restriction base="dms:Boolean"/>
-      </xsd:simpleType>
-    </xsd:element>
-    <xsd:element name="OriginAsset" ma:index="99" nillable="true" ma:displayName="Origin Asset" ma:default="" ma:internalName="OriginAsset" ma:readOnly="false">
-      <xsd:simpleType>
-        <xsd:restriction base="dms:Text"/>
-      </xsd:simpleType>
-    </xsd:element>
-    <xsd:element name="OriginalRelease" ma:index="100" nillable="true" ma:displayName="Original Release" ma:default="15" ma:internalName="OriginalRelease" ma:readOnly="false">
-      <xsd:simpleType>
-        <xsd:restriction base="dms:Choice">
-          <xsd:enumeration value="14"/>
-          <xsd:enumeration value="15"/>
-          <xsd:enumeration value="16"/>
-        </xsd:restriction>
-      </xsd:simpleType>
-    </xsd:element>
-    <xsd:element name="OriginalSourceMarket" ma:index="101" nillable="true" ma:displayName="Original Source Market Group" ma:default="" ma:internalName="OriginalSourceMarket" ma:readOnly="false">
-      <xsd:simpleType>
-        <xsd:restriction base="dms:Text"/>
-      </xsd:simpleType>
-    </xsd:element>
-    <xsd:element name="OutputCachingOn" ma:index="102" nillable="true" ma:displayName="Output Caching" ma:default="true" ma:hidden="true" ma:internalName="OutputCachingOn" ma:readOnly="false">
-      <xsd:simpleType>
-        <xsd:restriction base="dms:Boolean"/>
-      </xsd:simpleType>
-    </xsd:element>
-    <xsd:element name="ParentAssetId" ma:index="103" nillable="true" ma:displayName="Parent Asset Id" ma:default="" ma:internalName="ParentAssetId" ma:readOnly="false">
-      <xsd:simpleType>
-        <xsd:restriction base="dms:Text"/>
-      </xsd:simpleType>
-    </xsd:element>
-    <xsd:element name="PlannedPubDate" ma:index="104" nillable="true" ma:displayName="Planned Publish Date" ma:default="" ma:indexed="true" ma:internalName="PlannedPubDate" ma:readOnly="false">
-      <xsd:simpleType>
-        <xsd:restriction base="dms:DateTime"/>
-      </xsd:simpleType>
-    </xsd:element>
-    <xsd:element name="PolicheckWords" ma:index="105" nillable="true" ma:displayName="Policheck Words" ma:default="" ma:internalName="PolicheckWords" ma:readOnly="false">
-      <xsd:simpleType>
-        <xsd:restriction base="dms:Text"/>
-      </xsd:simpleType>
-    </xsd:element>
-    <xsd:element name="BusinessGroup" ma:index="106" nillable="true" ma:displayName="Product Division Owner" ma:default="" ma:internalName="BusinessGroup" ma:readOnly="false">
-      <xsd:simpleType>
-        <xsd:restriction base="dms:Unknown"/>
-      </xsd:simpleType>
-    </xsd:element>
-    <xsd:element name="UAProjectedTotalWords" ma:index="107" nillable="true" ma:displayName="Projected Word Count" ma:default="" ma:internalName="UAProjectedTotalWords" ma:readOnly="false">
-      <xsd:simpleType>
-        <xsd:restriction base="dms:Unknown"/>
-      </xsd:simpleType>
-    </xsd:element>
-    <xsd:element name="Provider" ma:index="108" nillable="true" ma:displayName="Provider" ma:default="" ma:internalName="Provider" ma:readOnly="false">
-      <xsd:simpleType>
-        <xsd:restriction base="dms:Unknown"/>
-      </xsd:simpleType>
-    </xsd:element>
-    <xsd:element name="Providers" ma:index="109" nillable="true" ma:displayName="Providers" ma:default="" ma:internalName="Providers">
-      <xsd:simpleType>
-        <xsd:restriction base="dms:Unknown"/>
-      </xsd:simpleType>
-    </xsd:element>
-    <xsd:element name="PublishStatusLookup" ma:index="110" nillable="true" ma:displayName="Publish Status" ma:default="" ma:list="{9E343742-310B-4684-A24C-1D137CB4B230}" ma:internalName="PublishStatusLookup" ma:readOnly="false" ma:showField="PublishStatus" ma:web="4873beb7-5857-4685-be1f-d57550cc96cc">
-      <xsd:complexType>
-        <xsd:complexContent>
-          <xsd:extension base="dms:MultiChoiceLookup">
-            <xsd:sequence>
-              <xsd:element name="Value" type="dms:Lookup" maxOccurs="unbounded" minOccurs="0" nillable="true"/>
-            </xsd:sequence>
-          </xsd:extension>
-        </xsd:complexContent>
-      </xsd:complexType>
-    </xsd:element>
-    <xsd:element name="PublishTargets" ma:index="111" nillable="true" ma:displayName="Publish Target" ma:default="OfficeOnlineVNext" ma:internalName="PublishTargets" ma:readOnly="false">
-      <xsd:simpleType>
-        <xsd:restriction base="dms:Unknown"/>
-      </xsd:simpleType>
-    </xsd:element>
-    <xsd:element name="RecommendationsModifier" ma:index="112" nillable="true" ma:displayName="Recommendations Modifier" ma:default="" ma:internalName="RecommendationsModifier" ma:readOnly="false">
-      <xsd:simpleType>
-        <xsd:restriction base="dms:Number"/>
-      </xsd:simpleType>
-    </xsd:element>
-    <xsd:element name="ArtSampleDocs" ma:index="113" nillable="true" ma:displayName="Sample Docs" ma:default="" ma:hidden="true" ma:internalName="ArtSampleDocs" ma:readOnly="false">
-      <xsd:simpleType>
-        <xsd:restriction base="dms:Text"/>
-      </xsd:simpleType>
-    </xsd:element>
-    <xsd:element name="ScenarioTagsTaxHTField0" ma:index="115" nillable="true" ma:taxonomy="true" ma:internalName="ScenarioTagsTaxHTField0" ma:taxonomyFieldName="ScenarioTags" ma:displayName="Scenarios" ma:readOnly="false" ma:default="" ma:fieldId="{93aef74d-6c78-4815-8310-51477dceeccc}" ma:taxonomyMulti="true" ma:sspId="8f79753a-75d3-41f5-8ca3-40b843941b4f" ma:termSetId="4b7d5f16-e2f2-4fc0-bab3-6e8b931e57d6" ma:anchorId="00000000-0000-0000-0000-000000000000" ma:open="false" ma:isKeyword="false">
-      <xsd:complexType>
-        <xsd:sequence>
-          <xsd:element ref="pc:Terms" minOccurs="0" maxOccurs="1"/>
-        </xsd:sequence>
-      </xsd:complexType>
-    </xsd:element>
-    <xsd:element name="ShowIn" ma:index="117" nillable="true" ma:displayName="Show In" ma:default="Show everywhere" ma:internalName="ShowIn" ma:readOnly="false">
-      <xsd:simpleType>
-        <xsd:restriction base="dms:Choice">
-          <xsd:enumeration value="Hide on web"/>
-          <xsd:enumeration value="On Web no search"/>
-          <xsd:enumeration value="Show everywhere"/>
-          <xsd:enumeration value="Special use only"/>
-        </xsd:restriction>
-      </xsd:simpleType>
-    </xsd:element>
-    <xsd:element name="SourceTitle" ma:index="118" nillable="true" ma:displayName="Source Title" ma:default="" ma:indexed="true" ma:internalName="SourceTitle" ma:readOnly="false">
-      <xsd:simpleType>
-        <xsd:restriction base="dms:Text"/>
-      </xsd:simpleType>
-    </xsd:element>
-    <xsd:element name="CSXSubmissionDate" ma:index="119" nillable="true" ma:displayName="Submission Date" ma:default="" ma:internalName="CSXSubmissionDate" ma:readOnly="false">
-      <xsd:simpleType>
-        <xsd:restriction base="dms:DateTime"/>
-      </xsd:simpleType>
-    </xsd:element>
-    <xsd:element name="SubmitterId" ma:index="120" nillable="true" ma:displayName="Submitter ID" ma:default="" ma:internalName="SubmitterId" ma:readOnly="false">
-      <xsd:simpleType>
-        <xsd:restriction base="dms:Text"/>
-      </xsd:simpleType>
-    </xsd:element>
-    <xsd:element name="TaxCatchAll" ma:index="121" nillable="true" ma:displayName="Taxonomy Catch All Column" ma:hidden="true" ma:list="{530f955b-6704-4601-bd83-f81d87f1e440}" ma:internalName="TaxCatchAll" ma:showField="CatchAllData" ma:web="4873beb7-5857-4685-be1f-d57550cc96cc">
-      <xsd:complexType>
-        <xsd:complexContent>
-          <xsd:extension base="dms:MultiChoiceLookup">
-            <xsd:sequence>
-              <xsd:element name="Value" type="dms:Lookup" maxOccurs="unbounded" minOccurs="0" nillable="true"/>
-            </xsd:sequence>
-          </xsd:extension>
-        </xsd:complexContent>
-      </xsd:complexType>
-    </xsd:element>
-    <xsd:element name="TaxCatchAllLabel" ma:index="122" nillable="true" ma:displayName="Taxonomy Catch All Column1" ma:hidden="true" ma:list="{530f955b-6704-4601-bd83-f81d87f1e440}" ma:internalName="TaxCatchAllLabel" ma:readOnly="true" ma:showField="CatchAllDataLabel" ma:web="4873beb7-5857-4685-be1f-d57550cc96cc">
-      <xsd:complexType>
-        <xsd:complexContent>
-          <xsd:extension base="dms:MultiChoiceLookup">
-            <xsd:sequence>
-              <xsd:element name="Value" type="dms:Lookup" maxOccurs="unbounded" minOccurs="0" nillable="true"/>
-            </xsd:sequence>
-          </xsd:extension>
-        </xsd:complexContent>
-      </xsd:complexType>
-    </xsd:element>
-    <xsd:element name="TemplateStatus" ma:index="123" nillable="true" ma:displayName="Template Status" ma:default="" ma:internalName="TemplateStatus">
-      <xsd:simpleType>
-        <xsd:restriction base="dms:Unknown"/>
-      </xsd:simpleType>
-    </xsd:element>
-    <xsd:element name="TemplateTemplateType" ma:index="124" nillable="true" ma:displayName="Template Type" ma:default="" ma:internalName="TemplateTemplateType">
-      <xsd:simpleType>
-        <xsd:restriction base="dms:Unknown"/>
-      </xsd:simpleType>
-    </xsd:element>
-    <xsd:element name="ThumbnailAssetId" ma:index="125" nillable="true" ma:displayName="Thumbnail Image Asset" ma:default="" ma:internalName="ThumbnailAssetId" ma:readOnly="false">
-      <xsd:simpleType>
-        <xsd:restriction base="dms:Text"/>
-      </xsd:simpleType>
-    </xsd:element>
-    <xsd:element name="TimesCloned" ma:index="126" nillable="true" ma:displayName="Times Cloned" ma:default="" ma:internalName="TimesCloned" ma:readOnly="false">
-      <xsd:simpleType>
-        <xsd:restriction base="dms:Number"/>
-      </xsd:simpleType>
-    </xsd:element>
-    <xsd:element name="TrustLevel" ma:index="128" nillable="true" ma:displayName="Trust Level" ma:default="1 Microsoft Managed Content" ma:internalName="TrustLevel" ma:readOnly="false">
-      <xsd:simpleType>
-        <xsd:restriction base="dms:Unknown"/>
-      </xsd:simpleType>
-    </xsd:element>
-    <xsd:element name="UALocComments" ma:index="129" nillable="true" ma:displayName="UA Loc Comments" ma:default="" ma:internalName="UALocComments" ma:readOnly="false">
-      <xsd:simpleType>
-        <xsd:restriction base="dms:Note"/>
-      </xsd:simpleType>
-    </xsd:element>
-    <xsd:element name="UALocRecommendation" ma:index="130" nillable="true" ma:displayName="UA Loc Recommendation" ma:default="Localize" ma:internalName="UALocRecommendation" ma:readOnly="false">
-      <xsd:simpleType>
-        <xsd:restriction base="dms:Choice">
-          <xsd:enumeration value="Localize"/>
-          <xsd:enumeration value="Never Localize"/>
-          <xsd:enumeration value="Priority Localize"/>
-        </xsd:restriction>
-      </xsd:simpleType>
-    </xsd:element>
-    <xsd:element name="UANotes" ma:index="131" nillable="true" ma:displayName="UA Notes" ma:default="" ma:internalName="UANotes" ma:readOnly="false">
-      <xsd:simpleType>
-        <xsd:restriction base="dms:Note"/>
-      </xsd:simpleType>
-    </xsd:element>
-    <xsd:element name="TPAppVersion" ma:index="132" nillable="true" ma:displayName="Version" ma:default="" ma:internalName="TPAppVersion">
-      <xsd:simpleType>
-        <xsd:restriction base="dms:Text"/>
-      </xsd:simpleType>
-    </xsd:element>
-    <xsd:element name="VoteCount" ma:index="133" nillable="true" ma:displayName="Vote Count" ma:default="" ma:internalName="VoteCount" ma:readOnly="false">
-      <xsd:simpleType>
-        <xsd:restriction base="dms:Unknown"/>
-      </xsd:simpleType>
-    </xsd:element>
-  </xsd:schema>
-  <xsd:schema xmlns="http://schemas.openxmlformats.org/package/2006/metadata/core-properties" xmlns:xsd="http://www.w3.org/2001/XMLSchema" xmlns:xsi="http://www.w3.org/2001/XMLSchema-instance" xmlns:dc="http://purl.org/dc/elements/1.1/" xmlns:dcterms="http://purl.org/dc/terms/" xmlns:odoc="http://schemas.microsoft.com/internal/obd" targetNamespace="http://schemas.openxmlformats.org/package/2006/metadata/core-properties" elementFormDefault="qualified" attributeFormDefault="unqualified" blockDefault="#all">
-    <xsd:import namespace="http://purl.org/dc/elements/1.1/" schemaLocation="http://dublincore.org/schemas/xmls/qdc/2003/04/02/dc.xsd"/>
-    <xsd:import namespace="http://purl.org/dc/terms/" schemaLocation="http://dublincore.org/schemas/xmls/qdc/2003/04/02/dcterms.xsd"/>
-    <xsd:element name="coreProperties" type="CT_coreProperties"/>
-    <xsd:complexType name="CT_coreProperties">
-      <xsd:all>
-        <xsd:element ref="dc:creator" minOccurs="0" maxOccurs="1"/>
-        <xsd:element ref="dcterms:created" minOccurs="0" maxOccurs="1"/>
-        <xsd:element ref="dc:identifier" minOccurs="0" maxOccurs="1"/>
-        <xsd:element name="contentType" minOccurs="0" maxOccurs="1" type="xsd:string" ma:index="22" ma:displayName="Content Type"/>
-        <xsd:element ref="dc:title" minOccurs="0" maxOccurs="1" ma:index="127" ma:displayName="Title"/>
-        <xsd:element ref="dc:subject" minOccurs="0" maxOccurs="1"/>
-        <xsd:element ref="dc:description" minOccurs="0" maxOccurs="1"/>
-        <xsd:element name="keywords" minOccurs="0" maxOccurs="1" type="xsd:string"/>
-        <xsd:element ref="dc:language" minOccurs="0" maxOccurs="1"/>
-        <xsd:element name="category" minOccurs="0" maxOccurs="1" type="xsd:string"/>
-        <xsd:element name="version" minOccurs="0" maxOccurs="1" type="xsd:string"/>
-        <xsd:element name="revision" minOccurs="0" maxOccurs="1" type="xsd:string">
-          <xsd:annotation>
-            <xsd:documentation>
-                        This value indicates the number of saves or revisions. The application is responsible for updating this value after each revision.
-                    </xsd:documentation>
-          </xsd:annotation>
-        </xsd:element>
-        <xsd:element name="lastModifiedBy" minOccurs="0" maxOccurs="1" type="xsd:string"/>
-        <xsd:element ref="dcterms:modified" minOccurs="0" maxOccurs="1"/>
-        <xsd:element name="contentStatus" minOccurs="0" maxOccurs="1" type="xsd:string"/>
-      </xsd:all>
-    </xsd:complexType>
-  </xsd:schema>
-  <xs:schema xmlns:pc="http://schemas.microsoft.com/office/infopath/2007/PartnerControls" xmlns:xs="http://www.w3.org/2001/XMLSchema" targetNamespace="http://schemas.microsoft.com/office/infopath/2007/PartnerControls" elementFormDefault="qualified" attributeFormDefault="unqualified">
-    <xs:element name="Person">
-      <xs:complexType>
-        <xs:sequence>
-          <xs:element ref="pc:DisplayName" minOccurs="0"/>
-          <xs:element ref="pc:AccountId" minOccurs="0"/>
-          <xs:element ref="pc:AccountType" minOccurs="0"/>
-        </xs:sequence>
-      </xs:complexType>
-    </xs:element>
-    <xs:element name="DisplayName" type="xs:string"/>
-    <xs:element name="AccountId" type="xs:string"/>
-    <xs:element name="AccountType" type="xs:string"/>
-    <xs:element name="BDCAssociatedEntity">
-      <xs:complexType>
-        <xs:sequence>
-          <xs:element ref="pc:BDCEntity" minOccurs="0" maxOccurs="unbounded"/>
-        </xs:sequence>
-        <xs:attribute ref="pc:EntityNamespace"/>
-        <xs:attribute ref="pc:EntityName"/>
-        <xs:attribute ref="pc:SystemInstanceName"/>
-        <xs:attribute ref="pc:AssociationName"/>
-      </xs:complexType>
-    </xs:element>
-    <xs:attribute name="EntityNamespace" type="xs:string"/>
-    <xs:attribute name="EntityName" type="xs:string"/>
-    <xs:attribute name="SystemInstanceName" type="xs:string"/>
-    <xs:attribute name="AssociationName" type="xs:string"/>
-    <xs:element name="BDCEntity">
-      <xs:complexType>
-        <xs:sequence>
-          <xs:element ref="pc:EntityDisplayName" minOccurs="0"/>
-          <xs:element ref="pc:EntityInstanceReference" minOccurs="0"/>
-          <xs:element ref="pc:EntityId1" minOccurs="0"/>
-          <xs:element ref="pc:EntityId2" minOccurs="0"/>
-          <xs:element ref="pc:EntityId3" minOccurs="0"/>
-          <xs:element ref="pc:EntityId4" minOccurs="0"/>
-          <xs:element ref="pc:EntityId5" minOccurs="0"/>
-        </xs:sequence>
-      </xs:complexType>
-    </xs:element>
-    <xs:element name="EntityDisplayName" type="xs:string"/>
-    <xs:element name="EntityInstanceReference" type="xs:string"/>
-    <xs:element name="EntityId1" type="xs:string"/>
-    <xs:element name="EntityId2" type="xs:string"/>
-    <xs:element name="EntityId3" type="xs:string"/>
-    <xs:element name="EntityId4" type="xs:string"/>
-    <xs:element name="EntityId5" type="xs:string"/>
-    <xs:element name="Terms">
-      <xs:complexType>
-        <xs:sequence>
-          <xs:element ref="pc:TermInfo" minOccurs="0" maxOccurs="unbounded"/>
-        </xs:sequence>
-      </xs:complexType>
-    </xs:element>
-    <xs:element name="TermInfo">
-      <xs:complexType>
-        <xs:sequence>
-          <xs:element ref="pc:TermName" minOccurs="0"/>
-          <xs:element ref="pc:TermId" minOccurs="0"/>
-        </xs:sequence>
-      </xs:complexType>
-    </xs:element>
-    <xs:element name="TermName" type="xs:string"/>
-    <xs:element name="TermId" type="xs:string"/>
-  </xs:schema>
-</ct:contentTypeSchema>
-</file>
-
 <file path=customXml/itemProps1.xml><?xml version="1.0" encoding="utf-8"?>
 <ds:datastoreItem xmlns:ds="http://schemas.openxmlformats.org/officeDocument/2006/customXml" ds:itemID="{3836F65B-1B07-41EE-A0E8-BC6EF3855225}">
   <ds:schemaRefs>
@@ -12223,22 +10398,6 @@
 </file>
 
 <file path=customXml/itemProps2.xml><?xml version="1.0" encoding="utf-8"?>
-<ds:datastoreItem xmlns:ds="http://schemas.openxmlformats.org/officeDocument/2006/customXml" ds:itemID="{60C67BEE-D13F-4BD2-98A5-34D8A0977F68}">
-  <ds:schemaRefs>
-    <ds:schemaRef ds:uri="4873beb7-5857-4685-be1f-d57550cc96cc"/>
-    <ds:schemaRef ds:uri="http://schemas.openxmlformats.org/package/2006/metadata/core-properties"/>
-    <ds:schemaRef ds:uri="http://purl.org/dc/terms/"/>
-    <ds:schemaRef ds:uri="http://schemas.microsoft.com/office/2006/documentManagement/types"/>
-    <ds:schemaRef ds:uri="http://purl.org/dc/elements/1.1/"/>
-    <ds:schemaRef ds:uri="http://schemas.microsoft.com/office/2006/metadata/properties"/>
-    <ds:schemaRef ds:uri="http://schemas.microsoft.com/office/infopath/2007/PartnerControls"/>
-    <ds:schemaRef ds:uri="http://www.w3.org/XML/1998/namespace"/>
-    <ds:schemaRef ds:uri="http://purl.org/dc/dcmitype/"/>
-  </ds:schemaRefs>
-</ds:datastoreItem>
-</file>
-
-<file path=customXml/itemProps3.xml><?xml version="1.0" encoding="utf-8"?>
 <ds:datastoreItem xmlns:ds="http://schemas.openxmlformats.org/officeDocument/2006/customXml" ds:itemID="{A09BF4D4-EF60-4196-BFC3-9462D607978C}">
   <ds:schemaRefs>
     <ds:schemaRef ds:uri="http://schemas.microsoft.com/office/2006/metadata/contentType"/>
@@ -12254,4 +10413,20 @@
     <ds:schemaRef ds:uri="http://schemas.microsoft.com/internal/obd"/>
   </ds:schemaRefs>
 </ds:datastoreItem>
+</file>
+
+<file path=customXml/itemProps3.xml><?xml version="1.0" encoding="utf-8"?>
+<ds:datastoreItem xmlns:ds="http://schemas.openxmlformats.org/officeDocument/2006/customXml" ds:itemID="{60C67BEE-D13F-4BD2-98A5-34D8A0977F68}">
+  <ds:schemaRefs>
+    <ds:schemaRef ds:uri="4873beb7-5857-4685-be1f-d57550cc96cc"/>
+    <ds:schemaRef ds:uri="http://schemas.openxmlformats.org/package/2006/metadata/core-properties"/>
+    <ds:schemaRef ds:uri="http://purl.org/dc/terms/"/>
+    <ds:schemaRef ds:uri="http://schemas.microsoft.com/office/2006/documentManagement/types"/>
+    <ds:schemaRef ds:uri="http://purl.org/dc/elements/1.1/"/>
+    <ds:schemaRef ds:uri="http://schemas.microsoft.com/office/2006/metadata/properties"/>
+    <ds:schemaRef ds:uri="http://schemas.microsoft.com/office/infopath/2007/PartnerControls"/>
+    <ds:schemaRef ds:uri="http://www.w3.org/XML/1998/namespace"/>
+    <ds:schemaRef ds:uri="http://purl.org/dc/dcmitype/"/>
+  </ds:schemaRefs>
+</ds:datastoreItem>
 </file>